--- a/Mockup.pptx
+++ b/Mockup.pptx
@@ -2,19 +2,20 @@
 <file path=ppt/presentation.xml><?xml version="1.0" encoding="utf-8"?>
 <p:presentation xmlns:a="http://schemas.openxmlformats.org/drawingml/2006/main" xmlns:r="http://schemas.openxmlformats.org/officeDocument/2006/relationships" xmlns:p="http://schemas.openxmlformats.org/presentationml/2006/main" saveSubsetFonts="1">
   <p:sldMasterIdLst>
-    <p:sldMasterId id="2147483648" r:id="rId197"/>
+    <p:sldMasterId id="2147483648" r:id="rId212"/>
   </p:sldMasterIdLst>
   <p:sldIdLst>
-    <p:sldId id="257" r:id="rId198"/>
-    <p:sldId id="258" r:id="rId199"/>
-    <p:sldId id="264" r:id="rId200"/>
-    <p:sldId id="265" r:id="rId201"/>
-    <p:sldId id="259" r:id="rId202"/>
-    <p:sldId id="260" r:id="rId203"/>
-    <p:sldId id="261" r:id="rId204"/>
-    <p:sldId id="262" r:id="rId205"/>
-    <p:sldId id="263" r:id="rId206"/>
-    <p:sldId id="266" r:id="rId207"/>
+    <p:sldId id="257" r:id="rId213"/>
+    <p:sldId id="258" r:id="rId214"/>
+    <p:sldId id="264" r:id="rId215"/>
+    <p:sldId id="265" r:id="rId216"/>
+    <p:sldId id="259" r:id="rId217"/>
+    <p:sldId id="260" r:id="rId218"/>
+    <p:sldId id="261" r:id="rId219"/>
+    <p:sldId id="262" r:id="rId220"/>
+    <p:sldId id="263" r:id="rId221"/>
+    <p:sldId id="266" r:id="rId222"/>
+    <p:sldId id="267" r:id="rId223"/>
   </p:sldIdLst>
   <p:sldSz cx="9144000" cy="6858000" type="screen4x3"/>
   <p:notesSz cx="6858000" cy="9144000"/>
@@ -297,7 +298,7 @@
           <a:p>
             <a:fld id="{6A692823-6D6E-402A-9833-94983A6AC110}" type="datetimeFigureOut">
               <a:rPr lang="de-DE" smtClean="0"/>
-              <a:t>17.01.2017</a:t>
+              <a:t>18.01.2017</a:t>
             </a:fld>
             <a:endParaRPr lang="de-DE"/>
           </a:p>
@@ -467,7 +468,7 @@
           <a:p>
             <a:fld id="{6A692823-6D6E-402A-9833-94983A6AC110}" type="datetimeFigureOut">
               <a:rPr lang="de-DE" smtClean="0"/>
-              <a:t>17.01.2017</a:t>
+              <a:t>18.01.2017</a:t>
             </a:fld>
             <a:endParaRPr lang="de-DE"/>
           </a:p>
@@ -647,7 +648,7 @@
           <a:p>
             <a:fld id="{6A692823-6D6E-402A-9833-94983A6AC110}" type="datetimeFigureOut">
               <a:rPr lang="de-DE" smtClean="0"/>
-              <a:t>17.01.2017</a:t>
+              <a:t>18.01.2017</a:t>
             </a:fld>
             <a:endParaRPr lang="de-DE"/>
           </a:p>
@@ -817,7 +818,7 @@
           <a:p>
             <a:fld id="{6A692823-6D6E-402A-9833-94983A6AC110}" type="datetimeFigureOut">
               <a:rPr lang="de-DE" smtClean="0"/>
-              <a:t>17.01.2017</a:t>
+              <a:t>18.01.2017</a:t>
             </a:fld>
             <a:endParaRPr lang="de-DE"/>
           </a:p>
@@ -1063,7 +1064,7 @@
           <a:p>
             <a:fld id="{6A692823-6D6E-402A-9833-94983A6AC110}" type="datetimeFigureOut">
               <a:rPr lang="de-DE" smtClean="0"/>
-              <a:t>17.01.2017</a:t>
+              <a:t>18.01.2017</a:t>
             </a:fld>
             <a:endParaRPr lang="de-DE"/>
           </a:p>
@@ -1351,7 +1352,7 @@
           <a:p>
             <a:fld id="{6A692823-6D6E-402A-9833-94983A6AC110}" type="datetimeFigureOut">
               <a:rPr lang="de-DE" smtClean="0"/>
-              <a:t>17.01.2017</a:t>
+              <a:t>18.01.2017</a:t>
             </a:fld>
             <a:endParaRPr lang="de-DE"/>
           </a:p>
@@ -1773,7 +1774,7 @@
           <a:p>
             <a:fld id="{6A692823-6D6E-402A-9833-94983A6AC110}" type="datetimeFigureOut">
               <a:rPr lang="de-DE" smtClean="0"/>
-              <a:t>17.01.2017</a:t>
+              <a:t>18.01.2017</a:t>
             </a:fld>
             <a:endParaRPr lang="de-DE"/>
           </a:p>
@@ -1891,7 +1892,7 @@
           <a:p>
             <a:fld id="{6A692823-6D6E-402A-9833-94983A6AC110}" type="datetimeFigureOut">
               <a:rPr lang="de-DE" smtClean="0"/>
-              <a:t>17.01.2017</a:t>
+              <a:t>18.01.2017</a:t>
             </a:fld>
             <a:endParaRPr lang="de-DE"/>
           </a:p>
@@ -1986,7 +1987,7 @@
           <a:p>
             <a:fld id="{6A692823-6D6E-402A-9833-94983A6AC110}" type="datetimeFigureOut">
               <a:rPr lang="de-DE" smtClean="0"/>
-              <a:t>17.01.2017</a:t>
+              <a:t>18.01.2017</a:t>
             </a:fld>
             <a:endParaRPr lang="de-DE"/>
           </a:p>
@@ -2263,7 +2264,7 @@
           <a:p>
             <a:fld id="{6A692823-6D6E-402A-9833-94983A6AC110}" type="datetimeFigureOut">
               <a:rPr lang="de-DE" smtClean="0"/>
-              <a:t>17.01.2017</a:t>
+              <a:t>18.01.2017</a:t>
             </a:fld>
             <a:endParaRPr lang="de-DE"/>
           </a:p>
@@ -2516,7 +2517,7 @@
           <a:p>
             <a:fld id="{6A692823-6D6E-402A-9833-94983A6AC110}" type="datetimeFigureOut">
               <a:rPr lang="de-DE" smtClean="0"/>
-              <a:t>17.01.2017</a:t>
+              <a:t>18.01.2017</a:t>
             </a:fld>
             <a:endParaRPr lang="de-DE"/>
           </a:p>
@@ -2729,7 +2730,7 @@
           <a:p>
             <a:fld id="{6A692823-6D6E-402A-9833-94983A6AC110}" type="datetimeFigureOut">
               <a:rPr lang="de-DE" smtClean="0"/>
-              <a:t>17.01.2017</a:t>
+              <a:t>18.01.2017</a:t>
             </a:fld>
             <a:endParaRPr lang="de-DE"/>
           </a:p>
@@ -5745,7 +5746,7 @@
               <p:nvPr/>
             </p:nvPicPr>
             <p:blipFill>
-              <a:blip r:embed="rId29" cstate="print">
+              <a:blip r:embed="rId31" cstate="print">
                 <a:extLst>
                   <a:ext uri="{28A0092B-C50C-407E-A947-70E740481C1C}">
                     <a14:useLocalDpi xmlns:a14="http://schemas.microsoft.com/office/drawing/2010/main" val="0"/>
@@ -5786,7 +5787,7 @@
               <p:nvPr/>
             </p:nvPicPr>
             <p:blipFill rotWithShape="1">
-              <a:blip r:embed="rId30" cstate="print">
+              <a:blip r:embed="rId32" cstate="print">
                 <a:extLst>
                   <a:ext uri="{28A0092B-C50C-407E-A947-70E740481C1C}">
                     <a14:useLocalDpi xmlns:a14="http://schemas.microsoft.com/office/drawing/2010/main" val="0"/>
@@ -5825,7 +5826,7 @@
               <p:nvPr/>
             </p:nvPicPr>
             <p:blipFill>
-              <a:blip r:embed="rId31" cstate="print">
+              <a:blip r:embed="rId33" cstate="print">
                 <a:extLst>
                   <a:ext uri="{28A0092B-C50C-407E-A947-70E740481C1C}">
                     <a14:useLocalDpi xmlns:a14="http://schemas.microsoft.com/office/drawing/2010/main" val="0"/>
@@ -5914,19 +5915,7 @@
                     </a:solidFill>
                     <a:latin typeface="Segoe UI"/>
                   </a:rPr>
-                  <a:t>http://</a:t>
-                </a:r>
-                <a:r>
-                  <a:rPr lang="en-US" sz="1200" kern="0" dirty="0" smtClean="0">
-                    <a:solidFill>
-                      <a:prstClr val="black">
-                        <a:lumMod val="75000"/>
-                        <a:lumOff val="25000"/>
-                      </a:prstClr>
-                    </a:solidFill>
-                    <a:latin typeface="Segoe UI"/>
-                  </a:rPr>
-                  <a:t>www.innovations4austria.at/Booking/View</a:t>
+                  <a:t>http://www.innovations4austria.at/Booking/View</a:t>
                 </a:r>
                 <a:endParaRPr lang="en-US" sz="1200" kern="0" dirty="0">
                   <a:solidFill>
@@ -5963,7 +5952,7 @@
                 <p:nvPr/>
               </p:nvPicPr>
               <p:blipFill>
-                <a:blip r:embed="rId32" cstate="print">
+                <a:blip r:embed="rId34" cstate="print">
                   <a:extLst>
                     <a:ext uri="{28A0092B-C50C-407E-A947-70E740481C1C}">
                       <a14:useLocalDpi xmlns:a14="http://schemas.microsoft.com/office/drawing/2010/main" val="0"/>
@@ -6004,7 +5993,7 @@
                 <p:nvPr/>
               </p:nvPicPr>
               <p:blipFill>
-                <a:blip r:embed="rId33" cstate="print">
+                <a:blip r:embed="rId35" cstate="print">
                   <a:extLst>
                     <a:ext uri="{28A0092B-C50C-407E-A947-70E740481C1C}">
                       <a14:useLocalDpi xmlns:a14="http://schemas.microsoft.com/office/drawing/2010/main" val="0"/>
@@ -6045,7 +6034,7 @@
                 <p:nvPr/>
               </p:nvPicPr>
               <p:blipFill>
-                <a:blip r:embed="rId34" cstate="print">
+                <a:blip r:embed="rId36" cstate="print">
                   <a:extLst>
                     <a:ext uri="{28A0092B-C50C-407E-A947-70E740481C1C}">
                       <a14:useLocalDpi xmlns:a14="http://schemas.microsoft.com/office/drawing/2010/main" val="0"/>
@@ -6824,14 +6813,6 @@
               </a:rPr>
               <a:t> von…</a:t>
             </a:r>
-            <a:endParaRPr lang="en-US" sz="1200" b="1" dirty="0" smtClean="0">
-              <a:solidFill>
-                <a:srgbClr val="000000"/>
-              </a:solidFill>
-              <a:latin typeface="Segoe UI" pitchFamily="34" charset="0"/>
-              <a:ea typeface="Segoe UI" pitchFamily="34" charset="0"/>
-              <a:cs typeface="Segoe UI" pitchFamily="34" charset="0"/>
-            </a:endParaRPr>
           </a:p>
         </p:txBody>
       </p:sp>
@@ -7199,27 +7180,8 @@
                 <a:ea typeface="Segoe UI" pitchFamily="34" charset="0"/>
                 <a:cs typeface="Segoe UI" pitchFamily="34" charset="0"/>
               </a:rPr>
-              <a:t>01</a:t>
+              <a:t>01/01/2017</a:t>
             </a:r>
-            <a:r>
-              <a:rPr lang="en-US" sz="1200" dirty="0" smtClean="0">
-                <a:solidFill>
-                  <a:srgbClr val="000000"/>
-                </a:solidFill>
-                <a:latin typeface="Segoe UI" pitchFamily="34" charset="0"/>
-                <a:ea typeface="Segoe UI" pitchFamily="34" charset="0"/>
-                <a:cs typeface="Segoe UI" pitchFamily="34" charset="0"/>
-              </a:rPr>
-              <a:t>/01/2017</a:t>
-            </a:r>
-            <a:endParaRPr lang="en-US" sz="1200" dirty="0" smtClean="0">
-              <a:solidFill>
-                <a:srgbClr val="000000"/>
-              </a:solidFill>
-              <a:latin typeface="Segoe UI" pitchFamily="34" charset="0"/>
-              <a:ea typeface="Segoe UI" pitchFamily="34" charset="0"/>
-              <a:cs typeface="Segoe UI" pitchFamily="34" charset="0"/>
-            </a:endParaRPr>
           </a:p>
         </p:txBody>
       </p:sp>
@@ -7301,14 +7263,6 @@
               </a:rPr>
               <a:t>…</a:t>
             </a:r>
-            <a:endParaRPr lang="en-US" sz="1200" b="1" dirty="0" smtClean="0">
-              <a:solidFill>
-                <a:srgbClr val="000000"/>
-              </a:solidFill>
-              <a:latin typeface="Segoe UI" pitchFamily="34" charset="0"/>
-              <a:ea typeface="Segoe UI" pitchFamily="34" charset="0"/>
-              <a:cs typeface="Segoe UI" pitchFamily="34" charset="0"/>
-            </a:endParaRPr>
           </a:p>
         </p:txBody>
       </p:sp>
@@ -7349,14 +7303,6 @@
               </a:rPr>
               <a:t>0100</a:t>
             </a:r>
-            <a:endParaRPr lang="en-US" sz="1200" dirty="0" smtClean="0">
-              <a:solidFill>
-                <a:srgbClr val="000000"/>
-              </a:solidFill>
-              <a:latin typeface="Segoe UI" pitchFamily="34" charset="0"/>
-              <a:ea typeface="Segoe UI" pitchFamily="34" charset="0"/>
-              <a:cs typeface="Segoe UI" pitchFamily="34" charset="0"/>
-            </a:endParaRPr>
           </a:p>
         </p:txBody>
       </p:sp>
@@ -7536,14 +7482,6 @@
               </a:rPr>
               <a:t>30/06/2017</a:t>
             </a:r>
-            <a:endParaRPr lang="en-US" sz="1200" dirty="0" smtClean="0">
-              <a:solidFill>
-                <a:srgbClr val="000000"/>
-              </a:solidFill>
-              <a:latin typeface="Segoe UI" pitchFamily="34" charset="0"/>
-              <a:ea typeface="Segoe UI" pitchFamily="34" charset="0"/>
-              <a:cs typeface="Segoe UI" pitchFamily="34" charset="0"/>
-            </a:endParaRPr>
           </a:p>
         </p:txBody>
       </p:sp>
@@ -8050,10 +7988,3094 @@
           </p:txBody>
         </p:sp>
       </p:grpSp>
+      <p:sp>
+        <p:nvSpPr>
+          <p:cNvPr id="69" name="MouseClick"/>
+          <p:cNvSpPr/>
+          <p:nvPr>
+            <p:custDataLst>
+              <p:custData r:id="rId28"/>
+            </p:custDataLst>
+          </p:nvPr>
+        </p:nvSpPr>
+        <p:spPr>
+          <a:xfrm rot="20359169">
+            <a:off x="7497857" y="1789514"/>
+            <a:ext cx="151053" cy="247694"/>
+          </a:xfrm>
+          <a:custGeom>
+            <a:avLst/>
+            <a:gdLst>
+              <a:gd name="connsiteX0" fmla="*/ 0 w 592890"/>
+              <a:gd name="connsiteY0" fmla="*/ 806746 h 997971"/>
+              <a:gd name="connsiteX1" fmla="*/ 296445 w 592890"/>
+              <a:gd name="connsiteY1" fmla="*/ 0 h 997971"/>
+              <a:gd name="connsiteX2" fmla="*/ 592890 w 592890"/>
+              <a:gd name="connsiteY2" fmla="*/ 806746 h 997971"/>
+              <a:gd name="connsiteX3" fmla="*/ 386188 w 592890"/>
+              <a:gd name="connsiteY3" fmla="*/ 806746 h 997971"/>
+              <a:gd name="connsiteX4" fmla="*/ 386188 w 592890"/>
+              <a:gd name="connsiteY4" fmla="*/ 997971 h 997971"/>
+              <a:gd name="connsiteX5" fmla="*/ 206702 w 592890"/>
+              <a:gd name="connsiteY5" fmla="*/ 997971 h 997971"/>
+              <a:gd name="connsiteX6" fmla="*/ 206702 w 592890"/>
+              <a:gd name="connsiteY6" fmla="*/ 806746 h 997971"/>
+              <a:gd name="connsiteX7" fmla="*/ 0 w 592890"/>
+              <a:gd name="connsiteY7" fmla="*/ 806746 h 997971"/>
+              <a:gd name="connsiteX0" fmla="*/ 0 w 592890"/>
+              <a:gd name="connsiteY0" fmla="*/ 806746 h 997971"/>
+              <a:gd name="connsiteX1" fmla="*/ 296445 w 592890"/>
+              <a:gd name="connsiteY1" fmla="*/ 0 h 997971"/>
+              <a:gd name="connsiteX2" fmla="*/ 592890 w 592890"/>
+              <a:gd name="connsiteY2" fmla="*/ 806746 h 997971"/>
+              <a:gd name="connsiteX3" fmla="*/ 386188 w 592890"/>
+              <a:gd name="connsiteY3" fmla="*/ 766438 h 997971"/>
+              <a:gd name="connsiteX4" fmla="*/ 386188 w 592890"/>
+              <a:gd name="connsiteY4" fmla="*/ 997971 h 997971"/>
+              <a:gd name="connsiteX5" fmla="*/ 206702 w 592890"/>
+              <a:gd name="connsiteY5" fmla="*/ 997971 h 997971"/>
+              <a:gd name="connsiteX6" fmla="*/ 206702 w 592890"/>
+              <a:gd name="connsiteY6" fmla="*/ 806746 h 997971"/>
+              <a:gd name="connsiteX7" fmla="*/ 0 w 592890"/>
+              <a:gd name="connsiteY7" fmla="*/ 806746 h 997971"/>
+              <a:gd name="connsiteX0" fmla="*/ 0 w 592890"/>
+              <a:gd name="connsiteY0" fmla="*/ 806746 h 997971"/>
+              <a:gd name="connsiteX1" fmla="*/ 296445 w 592890"/>
+              <a:gd name="connsiteY1" fmla="*/ 0 h 997971"/>
+              <a:gd name="connsiteX2" fmla="*/ 592890 w 592890"/>
+              <a:gd name="connsiteY2" fmla="*/ 806746 h 997971"/>
+              <a:gd name="connsiteX3" fmla="*/ 386188 w 592890"/>
+              <a:gd name="connsiteY3" fmla="*/ 766438 h 997971"/>
+              <a:gd name="connsiteX4" fmla="*/ 386188 w 592890"/>
+              <a:gd name="connsiteY4" fmla="*/ 997971 h 997971"/>
+              <a:gd name="connsiteX5" fmla="*/ 206702 w 592890"/>
+              <a:gd name="connsiteY5" fmla="*/ 997971 h 997971"/>
+              <a:gd name="connsiteX6" fmla="*/ 206702 w 592890"/>
+              <a:gd name="connsiteY6" fmla="*/ 764057 h 997971"/>
+              <a:gd name="connsiteX7" fmla="*/ 0 w 592890"/>
+              <a:gd name="connsiteY7" fmla="*/ 806746 h 997971"/>
+              <a:gd name="connsiteX0" fmla="*/ 0 w 592890"/>
+              <a:gd name="connsiteY0" fmla="*/ 806746 h 997971"/>
+              <a:gd name="connsiteX1" fmla="*/ 296445 w 592890"/>
+              <a:gd name="connsiteY1" fmla="*/ 0 h 997971"/>
+              <a:gd name="connsiteX2" fmla="*/ 592890 w 592890"/>
+              <a:gd name="connsiteY2" fmla="*/ 806746 h 997971"/>
+              <a:gd name="connsiteX3" fmla="*/ 386188 w 592890"/>
+              <a:gd name="connsiteY3" fmla="*/ 766438 h 997971"/>
+              <a:gd name="connsiteX4" fmla="*/ 386188 w 592890"/>
+              <a:gd name="connsiteY4" fmla="*/ 997971 h 997971"/>
+              <a:gd name="connsiteX5" fmla="*/ 206702 w 592890"/>
+              <a:gd name="connsiteY5" fmla="*/ 997971 h 997971"/>
+              <a:gd name="connsiteX6" fmla="*/ 206702 w 592890"/>
+              <a:gd name="connsiteY6" fmla="*/ 735333 h 997971"/>
+              <a:gd name="connsiteX7" fmla="*/ 0 w 592890"/>
+              <a:gd name="connsiteY7" fmla="*/ 806746 h 997971"/>
+              <a:gd name="connsiteX0" fmla="*/ 0 w 592890"/>
+              <a:gd name="connsiteY0" fmla="*/ 806746 h 997971"/>
+              <a:gd name="connsiteX1" fmla="*/ 296445 w 592890"/>
+              <a:gd name="connsiteY1" fmla="*/ 0 h 997971"/>
+              <a:gd name="connsiteX2" fmla="*/ 592890 w 592890"/>
+              <a:gd name="connsiteY2" fmla="*/ 806746 h 997971"/>
+              <a:gd name="connsiteX3" fmla="*/ 386188 w 592890"/>
+              <a:gd name="connsiteY3" fmla="*/ 730570 h 997971"/>
+              <a:gd name="connsiteX4" fmla="*/ 386188 w 592890"/>
+              <a:gd name="connsiteY4" fmla="*/ 997971 h 997971"/>
+              <a:gd name="connsiteX5" fmla="*/ 206702 w 592890"/>
+              <a:gd name="connsiteY5" fmla="*/ 997971 h 997971"/>
+              <a:gd name="connsiteX6" fmla="*/ 206702 w 592890"/>
+              <a:gd name="connsiteY6" fmla="*/ 735333 h 997971"/>
+              <a:gd name="connsiteX7" fmla="*/ 0 w 592890"/>
+              <a:gd name="connsiteY7" fmla="*/ 806746 h 997971"/>
+            </a:gdLst>
+            <a:ahLst/>
+            <a:cxnLst>
+              <a:cxn ang="0">
+                <a:pos x="connsiteX0" y="connsiteY0"/>
+              </a:cxn>
+              <a:cxn ang="0">
+                <a:pos x="connsiteX1" y="connsiteY1"/>
+              </a:cxn>
+              <a:cxn ang="0">
+                <a:pos x="connsiteX2" y="connsiteY2"/>
+              </a:cxn>
+              <a:cxn ang="0">
+                <a:pos x="connsiteX3" y="connsiteY3"/>
+              </a:cxn>
+              <a:cxn ang="0">
+                <a:pos x="connsiteX4" y="connsiteY4"/>
+              </a:cxn>
+              <a:cxn ang="0">
+                <a:pos x="connsiteX5" y="connsiteY5"/>
+              </a:cxn>
+              <a:cxn ang="0">
+                <a:pos x="connsiteX6" y="connsiteY6"/>
+              </a:cxn>
+              <a:cxn ang="0">
+                <a:pos x="connsiteX7" y="connsiteY7"/>
+              </a:cxn>
+            </a:cxnLst>
+            <a:rect l="l" t="t" r="r" b="b"/>
+            <a:pathLst>
+              <a:path w="592890" h="997971">
+                <a:moveTo>
+                  <a:pt x="0" y="806746"/>
+                </a:moveTo>
+                <a:lnTo>
+                  <a:pt x="296445" y="0"/>
+                </a:lnTo>
+                <a:lnTo>
+                  <a:pt x="592890" y="806746"/>
+                </a:lnTo>
+                <a:lnTo>
+                  <a:pt x="386188" y="730570"/>
+                </a:lnTo>
+                <a:lnTo>
+                  <a:pt x="386188" y="997971"/>
+                </a:lnTo>
+                <a:lnTo>
+                  <a:pt x="206702" y="997971"/>
+                </a:lnTo>
+                <a:lnTo>
+                  <a:pt x="206702" y="735333"/>
+                </a:lnTo>
+                <a:lnTo>
+                  <a:pt x="0" y="806746"/>
+                </a:lnTo>
+                <a:close/>
+              </a:path>
+            </a:pathLst>
+          </a:custGeom>
+          <a:solidFill>
+            <a:srgbClr val="FFFFFF"/>
+          </a:solidFill>
+          <a:ln w="3175">
+            <a:solidFill>
+              <a:srgbClr val="000000">
+                <a:lumMod val="85000"/>
+                <a:lumOff val="15000"/>
+              </a:srgbClr>
+            </a:solidFill>
+          </a:ln>
+          <a:effectLst>
+            <a:glow rad="139700">
+              <a:srgbClr val="F79646">
+                <a:satMod val="175000"/>
+                <a:alpha val="40000"/>
+              </a:srgbClr>
+            </a:glow>
+            <a:outerShdw blurRad="25400" dist="25400" dir="2040000" algn="tl" rotWithShape="0">
+              <a:prstClr val="black">
+                <a:alpha val="20000"/>
+              </a:prstClr>
+            </a:outerShdw>
+          </a:effectLst>
+        </p:spPr>
+        <p:style>
+          <a:lnRef idx="2">
+            <a:srgbClr val="4F81BD">
+              <a:shade val="50000"/>
+            </a:srgbClr>
+          </a:lnRef>
+          <a:fillRef idx="1">
+            <a:srgbClr val="4F81BD"/>
+          </a:fillRef>
+          <a:effectRef idx="0">
+            <a:srgbClr val="4F81BD"/>
+          </a:effectRef>
+          <a:fontRef idx="minor">
+            <a:srgbClr val="000000"/>
+          </a:fontRef>
+        </p:style>
+        <p:txBody>
+          <a:bodyPr lIns="97531" tIns="48766" rIns="97531" bIns="48766" rtlCol="0" anchor="ctr"/>
+          <a:lstStyle>
+            <a:defPPr>
+              <a:defRPr lang="en-US"/>
+            </a:defPPr>
+            <a:lvl1pPr marL="0" algn="l" defTabSz="914400" rtl="0" eaLnBrk="1" latinLnBrk="0" hangingPunct="1">
+              <a:defRPr sz="1800" kern="1200">
+                <a:solidFill>
+                  <a:srgbClr val="000000"/>
+                </a:solidFill>
+                <a:latin typeface="+mn-lt"/>
+                <a:ea typeface="+mn-ea"/>
+                <a:cs typeface="+mn-cs"/>
+              </a:defRPr>
+            </a:lvl1pPr>
+            <a:lvl2pPr marL="457200" algn="l" defTabSz="914400" rtl="0" eaLnBrk="1" latinLnBrk="0" hangingPunct="1">
+              <a:defRPr sz="1800" kern="1200">
+                <a:solidFill>
+                  <a:srgbClr val="000000"/>
+                </a:solidFill>
+                <a:latin typeface="+mn-lt"/>
+                <a:ea typeface="+mn-ea"/>
+                <a:cs typeface="+mn-cs"/>
+              </a:defRPr>
+            </a:lvl2pPr>
+            <a:lvl3pPr marL="914400" algn="l" defTabSz="914400" rtl="0" eaLnBrk="1" latinLnBrk="0" hangingPunct="1">
+              <a:defRPr sz="1800" kern="1200">
+                <a:solidFill>
+                  <a:srgbClr val="000000"/>
+                </a:solidFill>
+                <a:latin typeface="+mn-lt"/>
+                <a:ea typeface="+mn-ea"/>
+                <a:cs typeface="+mn-cs"/>
+              </a:defRPr>
+            </a:lvl3pPr>
+            <a:lvl4pPr marL="1371600" algn="l" defTabSz="914400" rtl="0" eaLnBrk="1" latinLnBrk="0" hangingPunct="1">
+              <a:defRPr sz="1800" kern="1200">
+                <a:solidFill>
+                  <a:srgbClr val="000000"/>
+                </a:solidFill>
+                <a:latin typeface="+mn-lt"/>
+                <a:ea typeface="+mn-ea"/>
+                <a:cs typeface="+mn-cs"/>
+              </a:defRPr>
+            </a:lvl4pPr>
+            <a:lvl5pPr marL="1828800" algn="l" defTabSz="914400" rtl="0" eaLnBrk="1" latinLnBrk="0" hangingPunct="1">
+              <a:defRPr sz="1800" kern="1200">
+                <a:solidFill>
+                  <a:srgbClr val="000000"/>
+                </a:solidFill>
+                <a:latin typeface="+mn-lt"/>
+                <a:ea typeface="+mn-ea"/>
+                <a:cs typeface="+mn-cs"/>
+              </a:defRPr>
+            </a:lvl5pPr>
+            <a:lvl6pPr marL="2286000" algn="l" defTabSz="914400" rtl="0" eaLnBrk="1" latinLnBrk="0" hangingPunct="1">
+              <a:defRPr sz="1800" kern="1200">
+                <a:solidFill>
+                  <a:srgbClr val="000000"/>
+                </a:solidFill>
+                <a:latin typeface="+mn-lt"/>
+                <a:ea typeface="+mn-ea"/>
+                <a:cs typeface="+mn-cs"/>
+              </a:defRPr>
+            </a:lvl6pPr>
+            <a:lvl7pPr marL="2743200" algn="l" defTabSz="914400" rtl="0" eaLnBrk="1" latinLnBrk="0" hangingPunct="1">
+              <a:defRPr sz="1800" kern="1200">
+                <a:solidFill>
+                  <a:srgbClr val="000000"/>
+                </a:solidFill>
+                <a:latin typeface="+mn-lt"/>
+                <a:ea typeface="+mn-ea"/>
+                <a:cs typeface="+mn-cs"/>
+              </a:defRPr>
+            </a:lvl7pPr>
+            <a:lvl8pPr marL="3200400" algn="l" defTabSz="914400" rtl="0" eaLnBrk="1" latinLnBrk="0" hangingPunct="1">
+              <a:defRPr sz="1800" kern="1200">
+                <a:solidFill>
+                  <a:srgbClr val="000000"/>
+                </a:solidFill>
+                <a:latin typeface="+mn-lt"/>
+                <a:ea typeface="+mn-ea"/>
+                <a:cs typeface="+mn-cs"/>
+              </a:defRPr>
+            </a:lvl8pPr>
+            <a:lvl9pPr marL="3657600" algn="l" defTabSz="914400" rtl="0" eaLnBrk="1" latinLnBrk="0" hangingPunct="1">
+              <a:defRPr sz="1800" kern="1200">
+                <a:solidFill>
+                  <a:srgbClr val="000000"/>
+                </a:solidFill>
+                <a:latin typeface="+mn-lt"/>
+                <a:ea typeface="+mn-ea"/>
+                <a:cs typeface="+mn-cs"/>
+              </a:defRPr>
+            </a:lvl9pPr>
+          </a:lstStyle>
+          <a:p>
+            <a:pPr algn="ctr"/>
+            <a:endParaRPr lang="en-US" dirty="0"/>
+          </a:p>
+        </p:txBody>
+      </p:sp>
+      <p:grpSp>
+        <p:nvGrpSpPr>
+          <p:cNvPr id="70" name="StickyNote"/>
+          <p:cNvGrpSpPr/>
+          <p:nvPr>
+            <p:custDataLst>
+              <p:custData r:id="rId29"/>
+            </p:custDataLst>
+          </p:nvPr>
+        </p:nvGrpSpPr>
+        <p:grpSpPr>
+          <a:xfrm>
+            <a:off x="5756963" y="1560399"/>
+            <a:ext cx="1631073" cy="799872"/>
+            <a:chOff x="3886200" y="2629127"/>
+            <a:chExt cx="1371600" cy="1485671"/>
+          </a:xfrm>
+        </p:grpSpPr>
+        <p:sp>
+          <p:nvSpPr>
+            <p:cNvPr id="77" name="Content"/>
+            <p:cNvSpPr>
+              <a:spLocks/>
+            </p:cNvSpPr>
+            <p:nvPr/>
+          </p:nvSpPr>
+          <p:spPr>
+            <a:xfrm>
+              <a:off x="3886200" y="2841003"/>
+              <a:ext cx="1371600" cy="1273795"/>
+            </a:xfrm>
+            <a:prstGeom prst="rect">
+              <a:avLst/>
+            </a:prstGeom>
+            <a:gradFill>
+              <a:gsLst>
+                <a:gs pos="100000">
+                  <a:srgbClr val="FFFF89"/>
+                </a:gs>
+                <a:gs pos="0">
+                  <a:srgbClr val="FFFF99"/>
+                </a:gs>
+              </a:gsLst>
+              <a:lin ang="5400000" scaled="0"/>
+            </a:gradFill>
+            <a:ln w="3175">
+              <a:solidFill>
+                <a:srgbClr val="FFFFFF">
+                  <a:lumMod val="50000"/>
+                </a:srgbClr>
+              </a:solidFill>
+            </a:ln>
+            <a:effectLst/>
+          </p:spPr>
+          <p:style>
+            <a:lnRef idx="2">
+              <a:srgbClr val="4F81BD">
+                <a:shade val="50000"/>
+              </a:srgbClr>
+            </a:lnRef>
+            <a:fillRef idx="1">
+              <a:srgbClr val="4F81BD"/>
+            </a:fillRef>
+            <a:effectRef idx="0">
+              <a:srgbClr val="4F81BD"/>
+            </a:effectRef>
+            <a:fontRef idx="minor">
+              <a:srgbClr val="000000"/>
+            </a:fontRef>
+          </p:style>
+          <p:txBody>
+            <a:bodyPr lIns="91440" tIns="137160" rIns="91440" bIns="45720" rtlCol="0" anchor="t" anchorCtr="0">
+              <a:normAutofit lnSpcReduction="10000"/>
+            </a:bodyPr>
+            <a:lstStyle/>
+            <a:p>
+              <a:r>
+                <a:rPr lang="en-US" sz="1200" dirty="0" smtClean="0">
+                  <a:solidFill>
+                    <a:sysClr val="windowText" lastClr="000000"/>
+                  </a:solidFill>
+                  <a:latin typeface="Segoe UI" pitchFamily="34" charset="0"/>
+                  <a:cs typeface="Segoe UI" pitchFamily="34" charset="0"/>
+                </a:rPr>
+                <a:t>Button:</a:t>
+              </a:r>
+              <a:br>
+                <a:rPr lang="en-US" sz="1200" dirty="0" smtClean="0">
+                  <a:solidFill>
+                    <a:sysClr val="windowText" lastClr="000000"/>
+                  </a:solidFill>
+                  <a:latin typeface="Segoe UI" pitchFamily="34" charset="0"/>
+                  <a:cs typeface="Segoe UI" pitchFamily="34" charset="0"/>
+                </a:rPr>
+              </a:br>
+              <a:r>
+                <a:rPr lang="en-US" sz="1200" dirty="0" smtClean="0">
+                  <a:solidFill>
+                    <a:sysClr val="windowText" lastClr="000000"/>
+                  </a:solidFill>
+                  <a:latin typeface="Segoe UI" pitchFamily="34" charset="0"/>
+                  <a:cs typeface="Segoe UI" pitchFamily="34" charset="0"/>
+                </a:rPr>
+                <a:t>Link </a:t>
+              </a:r>
+              <a:r>
+                <a:rPr lang="en-US" sz="1200" dirty="0" err="1" smtClean="0">
+                  <a:solidFill>
+                    <a:sysClr val="windowText" lastClr="000000"/>
+                  </a:solidFill>
+                  <a:latin typeface="Segoe UI" pitchFamily="34" charset="0"/>
+                  <a:cs typeface="Segoe UI" pitchFamily="34" charset="0"/>
+                </a:rPr>
+                <a:t>zu</a:t>
+              </a:r>
+              <a:r>
+                <a:rPr lang="en-US" sz="1200" dirty="0" smtClean="0">
+                  <a:solidFill>
+                    <a:sysClr val="windowText" lastClr="000000"/>
+                  </a:solidFill>
+                  <a:latin typeface="Segoe UI" pitchFamily="34" charset="0"/>
+                  <a:cs typeface="Segoe UI" pitchFamily="34" charset="0"/>
+                </a:rPr>
+                <a:t> Booking/Cancel/ID</a:t>
+              </a:r>
+              <a:endParaRPr lang="en-US" sz="1200" dirty="0">
+                <a:solidFill>
+                  <a:sysClr val="windowText" lastClr="000000"/>
+                </a:solidFill>
+                <a:latin typeface="Segoe UI" pitchFamily="34" charset="0"/>
+                <a:cs typeface="Segoe UI" pitchFamily="34" charset="0"/>
+              </a:endParaRPr>
+            </a:p>
+          </p:txBody>
+        </p:sp>
+        <p:sp>
+          <p:nvSpPr>
+            <p:cNvPr id="78" name="Tape"/>
+            <p:cNvSpPr>
+              <a:spLocks/>
+            </p:cNvSpPr>
+            <p:nvPr/>
+          </p:nvSpPr>
+          <p:spPr>
+            <a:xfrm rot="401918">
+              <a:off x="4334933" y="2629127"/>
+              <a:ext cx="474134" cy="400163"/>
+            </a:xfrm>
+            <a:prstGeom prst="rect">
+              <a:avLst/>
+            </a:prstGeom>
+            <a:solidFill>
+              <a:srgbClr val="C00000"/>
+            </a:solidFill>
+            <a:ln w="3175" cap="flat" cmpd="sng" algn="ctr">
+              <a:solidFill>
+                <a:srgbClr val="FFFFFF">
+                  <a:lumMod val="50000"/>
+                </a:srgbClr>
+              </a:solidFill>
+              <a:prstDash val="solid"/>
+            </a:ln>
+            <a:effectLst/>
+          </p:spPr>
+          <p:txBody>
+            <a:bodyPr rot="0" spcFirstLastPara="0" vertOverflow="overflow" horzOverflow="overflow" vert="horz" wrap="square" lIns="45720" tIns="45720" rIns="91440" bIns="45720" numCol="1" spcCol="0" rtlCol="0" fromWordArt="0" anchor="ctr" anchorCtr="0" forceAA="0" compatLnSpc="1">
+              <a:prstTxWarp prst="textNoShape">
+                <a:avLst/>
+              </a:prstTxWarp>
+              <a:noAutofit/>
+            </a:bodyPr>
+            <a:lstStyle/>
+            <a:p>
+              <a:pPr marL="0" marR="0" indent="0" algn="ctr" defTabSz="914400" eaLnBrk="1" fontAlgn="auto" latinLnBrk="0" hangingPunct="1">
+                <a:lnSpc>
+                  <a:spcPct val="100000"/>
+                </a:lnSpc>
+                <a:spcBef>
+                  <a:spcPts val="0"/>
+                </a:spcBef>
+                <a:spcAft>
+                  <a:spcPts val="0"/>
+                </a:spcAft>
+                <a:buClrTx/>
+                <a:buSzTx/>
+                <a:buFontTx/>
+                <a:buNone/>
+                <a:tabLst/>
+              </a:pPr>
+              <a:endParaRPr kumimoji="0" lang="en-US" sz="800" b="0" i="0" u="none" strike="noStrike" kern="0" cap="none" spc="0" normalizeH="0" baseline="0" noProof="0" dirty="0" smtClean="0">
+                <a:ln>
+                  <a:noFill/>
+                </a:ln>
+                <a:solidFill>
+                  <a:srgbClr val="000000">
+                    <a:lumMod val="75000"/>
+                    <a:lumOff val="25000"/>
+                  </a:srgbClr>
+                </a:solidFill>
+                <a:effectLst/>
+                <a:uLnTx/>
+                <a:uFillTx/>
+                <a:latin typeface="Segoe UI"/>
+                <a:ea typeface="+mn-ea"/>
+                <a:cs typeface="+mn-cs"/>
+              </a:endParaRPr>
+            </a:p>
+          </p:txBody>
+        </p:sp>
+      </p:grpSp>
+      <p:cxnSp>
+        <p:nvCxnSpPr>
+          <p:cNvPr id="57" name="Gerade Verbindung mit Pfeil 56"/>
+          <p:cNvCxnSpPr>
+            <a:stCxn id="77" idx="3"/>
+          </p:cNvCxnSpPr>
+          <p:nvPr/>
+        </p:nvCxnSpPr>
+        <p:spPr>
+          <a:xfrm>
+            <a:off x="7388036" y="2017371"/>
+            <a:ext cx="496332" cy="853235"/>
+          </a:xfrm>
+          <a:prstGeom prst="straightConnector1">
+            <a:avLst/>
+          </a:prstGeom>
+          <a:ln>
+            <a:tailEnd type="arrow"/>
+          </a:ln>
+        </p:spPr>
+        <p:style>
+          <a:lnRef idx="3">
+            <a:schemeClr val="dk1"/>
+          </a:lnRef>
+          <a:fillRef idx="0">
+            <a:schemeClr val="dk1"/>
+          </a:fillRef>
+          <a:effectRef idx="2">
+            <a:schemeClr val="dk1"/>
+          </a:effectRef>
+          <a:fontRef idx="minor">
+            <a:schemeClr val="tx1"/>
+          </a:fontRef>
+        </p:style>
+      </p:cxnSp>
     </p:spTree>
     <p:extLst>
       <p:ext uri="{BB962C8B-B14F-4D97-AF65-F5344CB8AC3E}">
         <p14:creationId xmlns:p14="http://schemas.microsoft.com/office/powerpoint/2010/main" val="3129539656"/>
+      </p:ext>
+    </p:extLst>
+  </p:cSld>
+  <p:clrMapOvr>
+    <a:masterClrMapping/>
+  </p:clrMapOvr>
+  <p:timing>
+    <p:tnLst>
+      <p:par>
+        <p:cTn id="1" dur="indefinite" restart="never" nodeType="tmRoot">
+          <p:childTnLst>
+            <p:seq concurrent="1" nextAc="seek">
+              <p:cTn id="2" dur="indefinite" nodeType="mainSeq">
+                <p:childTnLst>
+                  <p:par>
+                    <p:cTn id="3" fill="hold">
+                      <p:stCondLst>
+                        <p:cond delay="indefinite"/>
+                      </p:stCondLst>
+                      <p:childTnLst>
+                        <p:par>
+                          <p:cTn id="4" fill="hold">
+                            <p:stCondLst>
+                              <p:cond delay="0"/>
+                            </p:stCondLst>
+                            <p:childTnLst>
+                              <p:par>
+                                <p:cTn id="5" presetID="0" presetClass="path" presetSubtype="0" accel="50000" decel="50000" fill="hold" grpId="0" nodeType="clickEffect">
+                                  <p:stCondLst>
+                                    <p:cond delay="0"/>
+                                  </p:stCondLst>
+                                  <p:childTnLst>
+                                    <p:animMotion origin="layout" path="M 5E-6 0.00162 C 0.01077 0.00231 0.02205 0.00093 0.03264 0.00393 C 0.0408 0.00625 0.0474 0.01319 0.05487 0.01781 C 0.08386 0.03632 0.09618 0.06246 0.11285 0.09554 C 0.11789 0.11636 0.12066 0.13625 0.12066 0.15799 " pathEditMode="relative" rAng="0" ptsTypes="ffffA">
+                                      <p:cBhvr>
+                                        <p:cTn id="6" dur="2000" fill="hold"/>
+                                        <p:tgtEl>
+                                          <p:spTgt spid="69"/>
+                                        </p:tgtEl>
+                                        <p:attrNameLst>
+                                          <p:attrName>ppt_x</p:attrName>
+                                          <p:attrName>ppt_y</p:attrName>
+                                        </p:attrNameLst>
+                                      </p:cBhvr>
+                                      <p:rCtr x="6024" y="7772"/>
+                                    </p:animMotion>
+                                  </p:childTnLst>
+                                </p:cTn>
+                              </p:par>
+                            </p:childTnLst>
+                          </p:cTn>
+                        </p:par>
+                        <p:par>
+                          <p:cTn id="7" fill="hold">
+                            <p:stCondLst>
+                              <p:cond delay="2000"/>
+                            </p:stCondLst>
+                            <p:childTnLst>
+                              <p:par>
+                                <p:cTn id="8" presetID="23" presetClass="exit" presetSubtype="32" fill="remove" grpId="1" nodeType="afterEffect">
+                                  <p:stCondLst>
+                                    <p:cond delay="0"/>
+                                  </p:stCondLst>
+                                  <p:childTnLst>
+                                    <p:anim calcmode="lin" valueType="num">
+                                      <p:cBhvr>
+                                        <p:cTn id="9" dur="100"/>
+                                        <p:tgtEl>
+                                          <p:spTgt spid="69"/>
+                                        </p:tgtEl>
+                                        <p:attrNameLst>
+                                          <p:attrName>ppt_w</p:attrName>
+                                        </p:attrNameLst>
+                                      </p:cBhvr>
+                                      <p:tavLst>
+                                        <p:tav tm="0">
+                                          <p:val>
+                                            <p:strVal val="ppt_w"/>
+                                          </p:val>
+                                        </p:tav>
+                                        <p:tav tm="100000">
+                                          <p:val>
+                                            <p:fltVal val="0"/>
+                                          </p:val>
+                                        </p:tav>
+                                      </p:tavLst>
+                                    </p:anim>
+                                    <p:anim calcmode="lin" valueType="num">
+                                      <p:cBhvr>
+                                        <p:cTn id="10" dur="100"/>
+                                        <p:tgtEl>
+                                          <p:spTgt spid="69"/>
+                                        </p:tgtEl>
+                                        <p:attrNameLst>
+                                          <p:attrName>ppt_h</p:attrName>
+                                        </p:attrNameLst>
+                                      </p:cBhvr>
+                                      <p:tavLst>
+                                        <p:tav tm="0">
+                                          <p:val>
+                                            <p:strVal val="ppt_h"/>
+                                          </p:val>
+                                        </p:tav>
+                                        <p:tav tm="100000">
+                                          <p:val>
+                                            <p:fltVal val="0"/>
+                                          </p:val>
+                                        </p:tav>
+                                      </p:tavLst>
+                                    </p:anim>
+                                    <p:set>
+                                      <p:cBhvr>
+                                        <p:cTn id="11" dur="1" fill="hold">
+                                          <p:stCondLst>
+                                            <p:cond delay="99"/>
+                                          </p:stCondLst>
+                                        </p:cTn>
+                                        <p:tgtEl>
+                                          <p:spTgt spid="69"/>
+                                        </p:tgtEl>
+                                        <p:attrNameLst>
+                                          <p:attrName>style.visibility</p:attrName>
+                                        </p:attrNameLst>
+                                      </p:cBhvr>
+                                      <p:to>
+                                        <p:strVal val="hidden"/>
+                                      </p:to>
+                                    </p:set>
+                                  </p:childTnLst>
+                                </p:cTn>
+                              </p:par>
+                            </p:childTnLst>
+                          </p:cTn>
+                        </p:par>
+                      </p:childTnLst>
+                    </p:cTn>
+                  </p:par>
+                </p:childTnLst>
+              </p:cTn>
+              <p:prevCondLst>
+                <p:cond evt="onPrev" delay="0">
+                  <p:tgtEl>
+                    <p:sldTgt/>
+                  </p:tgtEl>
+                </p:cond>
+              </p:prevCondLst>
+              <p:nextCondLst>
+                <p:cond evt="onNext" delay="0">
+                  <p:tgtEl>
+                    <p:sldTgt/>
+                  </p:tgtEl>
+                </p:cond>
+              </p:nextCondLst>
+            </p:seq>
+          </p:childTnLst>
+        </p:cTn>
+      </p:par>
+    </p:tnLst>
+    <p:bldLst>
+      <p:bldP spid="69" grpId="0" animBg="1"/>
+      <p:bldP spid="69" grpId="1" animBg="1"/>
+    </p:bldLst>
+  </p:timing>
+</p:sld>
+</file>
+
+<file path=ppt/slides/slide11.xml><?xml version="1.0" encoding="utf-8"?>
+<p:sld xmlns:a="http://schemas.openxmlformats.org/drawingml/2006/main" xmlns:r="http://schemas.openxmlformats.org/officeDocument/2006/relationships" xmlns:p="http://schemas.openxmlformats.org/presentationml/2006/main">
+  <p:cSld>
+    <p:spTree>
+      <p:nvGrpSpPr>
+        <p:cNvPr id="1" name=""/>
+        <p:cNvGrpSpPr/>
+        <p:nvPr/>
+      </p:nvGrpSpPr>
+      <p:grpSpPr>
+        <a:xfrm>
+          <a:off x="0" y="0"/>
+          <a:ext cx="0" cy="0"/>
+          <a:chOff x="0" y="0"/>
+          <a:chExt cx="0" cy="0"/>
+        </a:xfrm>
+      </p:grpSpPr>
+      <p:grpSp>
+        <p:nvGrpSpPr>
+          <p:cNvPr id="2" name="WebBrowser"/>
+          <p:cNvGrpSpPr/>
+          <p:nvPr>
+            <p:custDataLst>
+              <p:custData r:id="rId1"/>
+            </p:custDataLst>
+          </p:nvPr>
+        </p:nvGrpSpPr>
+        <p:grpSpPr>
+          <a:xfrm>
+            <a:off x="0" y="0"/>
+            <a:ext cx="9144000" cy="6858000"/>
+            <a:chOff x="0" y="0"/>
+            <a:chExt cx="9144000" cy="6858000"/>
+          </a:xfrm>
+        </p:grpSpPr>
+        <p:sp>
+          <p:nvSpPr>
+            <p:cNvPr id="3" name="Background"/>
+            <p:cNvSpPr/>
+            <p:nvPr/>
+          </p:nvSpPr>
+          <p:spPr>
+            <a:xfrm>
+              <a:off x="0" y="0"/>
+              <a:ext cx="9144000" cy="6858000"/>
+            </a:xfrm>
+            <a:prstGeom prst="rect">
+              <a:avLst/>
+            </a:prstGeom>
+            <a:solidFill>
+              <a:srgbClr val="FFFFFF">
+                <a:lumMod val="65000"/>
+              </a:srgbClr>
+            </a:solidFill>
+            <a:ln w="3175" cap="flat" cmpd="sng" algn="ctr">
+              <a:solidFill>
+                <a:srgbClr val="000000">
+                  <a:lumMod val="50000"/>
+                  <a:lumOff val="50000"/>
+                </a:srgbClr>
+              </a:solidFill>
+              <a:prstDash val="solid"/>
+            </a:ln>
+            <a:effectLst/>
+          </p:spPr>
+          <p:txBody>
+            <a:bodyPr rtlCol="0" anchor="ctr"/>
+            <a:lstStyle/>
+            <a:p>
+              <a:pPr algn="ctr"/>
+              <a:endParaRPr lang="en-US" sz="1050" kern="0" dirty="0">
+                <a:solidFill>
+                  <a:prstClr val="white"/>
+                </a:solidFill>
+                <a:latin typeface="Segoe UI"/>
+              </a:endParaRPr>
+            </a:p>
+          </p:txBody>
+        </p:sp>
+        <p:sp>
+          <p:nvSpPr>
+            <p:cNvPr id="4" name="WindowTitle"/>
+            <p:cNvSpPr txBox="1"/>
+            <p:nvPr/>
+          </p:nvSpPr>
+          <p:spPr>
+            <a:xfrm>
+              <a:off x="22515" y="22341"/>
+              <a:ext cx="1501180" cy="230832"/>
+            </a:xfrm>
+            <a:prstGeom prst="rect">
+              <a:avLst/>
+            </a:prstGeom>
+            <a:noFill/>
+          </p:spPr>
+          <p:txBody>
+            <a:bodyPr wrap="none" lIns="91440" tIns="18288" rIns="91440" bIns="27432" rtlCol="0" anchor="ctr" anchorCtr="0">
+              <a:spAutoFit/>
+            </a:bodyPr>
+            <a:lstStyle/>
+            <a:p>
+              <a:r>
+                <a:rPr lang="en-US" sz="1200" dirty="0">
+                  <a:solidFill>
+                    <a:prstClr val="white"/>
+                  </a:solidFill>
+                  <a:latin typeface="Segoe UI" pitchFamily="34" charset="0"/>
+                  <a:ea typeface="Segoe UI" pitchFamily="34" charset="0"/>
+                  <a:cs typeface="Segoe UI" pitchFamily="34" charset="0"/>
+                </a:rPr>
+                <a:t>innovations4austria</a:t>
+              </a:r>
+              <a:endParaRPr lang="en-US" sz="1200" dirty="0" smtClean="0">
+                <a:solidFill>
+                  <a:prstClr val="white"/>
+                </a:solidFill>
+                <a:latin typeface="Segoe UI" pitchFamily="34" charset="0"/>
+                <a:ea typeface="Segoe UI" pitchFamily="34" charset="0"/>
+                <a:cs typeface="Segoe UI" pitchFamily="34" charset="0"/>
+              </a:endParaRPr>
+            </a:p>
+          </p:txBody>
+        </p:sp>
+        <p:grpSp>
+          <p:nvGrpSpPr>
+            <p:cNvPr id="5" name="Group 4"/>
+            <p:cNvGrpSpPr/>
+            <p:nvPr/>
+          </p:nvGrpSpPr>
+          <p:grpSpPr>
+            <a:xfrm>
+              <a:off x="81598" y="286385"/>
+              <a:ext cx="320040" cy="316520"/>
+              <a:chOff x="72073" y="221749"/>
+              <a:chExt cx="320040" cy="316520"/>
+            </a:xfrm>
+          </p:grpSpPr>
+          <p:sp>
+            <p:nvSpPr>
+              <p:cNvPr id="29" name="Oval 28"/>
+              <p:cNvSpPr/>
+              <p:nvPr/>
+            </p:nvSpPr>
+            <p:spPr>
+              <a:xfrm>
+                <a:off x="72073" y="221749"/>
+                <a:ext cx="320040" cy="316520"/>
+              </a:xfrm>
+              <a:prstGeom prst="ellipse">
+                <a:avLst/>
+              </a:prstGeom>
+              <a:gradFill flip="none" rotWithShape="1">
+                <a:gsLst>
+                  <a:gs pos="91000">
+                    <a:srgbClr val="FFFFFF">
+                      <a:lumMod val="85000"/>
+                    </a:srgbClr>
+                  </a:gs>
+                  <a:gs pos="36000">
+                    <a:srgbClr val="FFFFFF">
+                      <a:lumMod val="95000"/>
+                    </a:srgbClr>
+                  </a:gs>
+                  <a:gs pos="100000">
+                    <a:srgbClr val="FFFFFF">
+                      <a:lumMod val="95000"/>
+                    </a:srgbClr>
+                  </a:gs>
+                </a:gsLst>
+                <a:lin ang="5400000" scaled="0"/>
+                <a:tileRect/>
+              </a:gradFill>
+              <a:ln w="3175">
+                <a:solidFill>
+                  <a:srgbClr val="000000">
+                    <a:lumMod val="50000"/>
+                    <a:lumOff val="50000"/>
+                  </a:srgbClr>
+                </a:solidFill>
+              </a:ln>
+              <a:effectLst/>
+            </p:spPr>
+            <p:style>
+              <a:lnRef idx="2">
+                <a:srgbClr val="4F81BD">
+                  <a:shade val="50000"/>
+                </a:srgbClr>
+              </a:lnRef>
+              <a:fillRef idx="1">
+                <a:srgbClr val="4F81BD"/>
+              </a:fillRef>
+              <a:effectRef idx="0">
+                <a:srgbClr val="4F81BD"/>
+              </a:effectRef>
+              <a:fontRef idx="minor">
+                <a:srgbClr val="000000"/>
+              </a:fontRef>
+            </p:style>
+            <p:txBody>
+              <a:bodyPr rtlCol="0" anchor="ctr"/>
+              <a:lstStyle/>
+              <a:p>
+                <a:pPr algn="ctr"/>
+                <a:endParaRPr lang="en-US" sz="1050" u="sng">
+                  <a:solidFill>
+                    <a:prstClr val="white"/>
+                  </a:solidFill>
+                </a:endParaRPr>
+              </a:p>
+            </p:txBody>
+          </p:sp>
+          <p:sp>
+            <p:nvSpPr>
+              <p:cNvPr id="30" name="Left Arrow 29"/>
+              <p:cNvSpPr/>
+              <p:nvPr/>
+            </p:nvSpPr>
+            <p:spPr>
+              <a:xfrm>
+                <a:off x="109358" y="275511"/>
+                <a:ext cx="223134" cy="208997"/>
+              </a:xfrm>
+              <a:prstGeom prst="leftArrow">
+                <a:avLst/>
+              </a:prstGeom>
+              <a:solidFill>
+                <a:sysClr val="window" lastClr="FFFFFF"/>
+              </a:solidFill>
+              <a:ln w="3175" cap="flat" cmpd="sng" algn="ctr">
+                <a:solidFill>
+                  <a:sysClr val="windowText" lastClr="000000">
+                    <a:lumMod val="75000"/>
+                    <a:lumOff val="25000"/>
+                  </a:sysClr>
+                </a:solidFill>
+                <a:prstDash val="solid"/>
+              </a:ln>
+              <a:effectLst/>
+            </p:spPr>
+            <p:txBody>
+              <a:bodyPr rtlCol="0" anchor="ctr"/>
+              <a:lstStyle/>
+              <a:p>
+                <a:pPr algn="ctr"/>
+                <a:endParaRPr lang="en-US" sz="1050" kern="0">
+                  <a:solidFill>
+                    <a:prstClr val="white"/>
+                  </a:solidFill>
+                  <a:latin typeface="Segoe UI"/>
+                </a:endParaRPr>
+              </a:p>
+            </p:txBody>
+          </p:sp>
+        </p:grpSp>
+        <p:grpSp>
+          <p:nvGrpSpPr>
+            <p:cNvPr id="6" name="Group 5"/>
+            <p:cNvGrpSpPr/>
+            <p:nvPr/>
+          </p:nvGrpSpPr>
+          <p:grpSpPr>
+            <a:xfrm>
+              <a:off x="453671" y="286384"/>
+              <a:ext cx="320040" cy="316520"/>
+              <a:chOff x="444146" y="221748"/>
+              <a:chExt cx="320040" cy="316520"/>
+            </a:xfrm>
+          </p:grpSpPr>
+          <p:sp>
+            <p:nvSpPr>
+              <p:cNvPr id="27" name="Oval 26"/>
+              <p:cNvSpPr/>
+              <p:nvPr/>
+            </p:nvSpPr>
+            <p:spPr>
+              <a:xfrm>
+                <a:off x="444146" y="221748"/>
+                <a:ext cx="320040" cy="316520"/>
+              </a:xfrm>
+              <a:prstGeom prst="ellipse">
+                <a:avLst/>
+              </a:prstGeom>
+              <a:gradFill flip="none" rotWithShape="1">
+                <a:gsLst>
+                  <a:gs pos="91000">
+                    <a:srgbClr val="FFFFFF">
+                      <a:lumMod val="85000"/>
+                    </a:srgbClr>
+                  </a:gs>
+                  <a:gs pos="36000">
+                    <a:srgbClr val="FFFFFF">
+                      <a:lumMod val="95000"/>
+                    </a:srgbClr>
+                  </a:gs>
+                  <a:gs pos="100000">
+                    <a:srgbClr val="FFFFFF">
+                      <a:lumMod val="95000"/>
+                    </a:srgbClr>
+                  </a:gs>
+                </a:gsLst>
+                <a:lin ang="5400000" scaled="0"/>
+                <a:tileRect/>
+              </a:gradFill>
+              <a:ln w="3175">
+                <a:solidFill>
+                  <a:srgbClr val="000000">
+                    <a:lumMod val="50000"/>
+                    <a:lumOff val="50000"/>
+                  </a:srgbClr>
+                </a:solidFill>
+              </a:ln>
+              <a:effectLst/>
+            </p:spPr>
+            <p:style>
+              <a:lnRef idx="2">
+                <a:srgbClr val="4F81BD">
+                  <a:shade val="50000"/>
+                </a:srgbClr>
+              </a:lnRef>
+              <a:fillRef idx="1">
+                <a:srgbClr val="4F81BD"/>
+              </a:fillRef>
+              <a:effectRef idx="0">
+                <a:srgbClr val="4F81BD"/>
+              </a:effectRef>
+              <a:fontRef idx="minor">
+                <a:srgbClr val="000000"/>
+              </a:fontRef>
+            </p:style>
+            <p:txBody>
+              <a:bodyPr rtlCol="0" anchor="ctr"/>
+              <a:lstStyle/>
+              <a:p>
+                <a:pPr algn="ctr"/>
+                <a:endParaRPr lang="en-US" sz="1050" u="sng">
+                  <a:solidFill>
+                    <a:prstClr val="white"/>
+                  </a:solidFill>
+                </a:endParaRPr>
+              </a:p>
+            </p:txBody>
+          </p:sp>
+          <p:sp>
+            <p:nvSpPr>
+              <p:cNvPr id="28" name="Right Arrow 27"/>
+              <p:cNvSpPr/>
+              <p:nvPr/>
+            </p:nvSpPr>
+            <p:spPr>
+              <a:xfrm>
+                <a:off x="481249" y="275509"/>
+                <a:ext cx="257146" cy="208999"/>
+              </a:xfrm>
+              <a:prstGeom prst="rightArrow">
+                <a:avLst/>
+              </a:prstGeom>
+              <a:solidFill>
+                <a:sysClr val="window" lastClr="FFFFFF"/>
+              </a:solidFill>
+              <a:ln w="3175" cap="flat" cmpd="sng" algn="ctr">
+                <a:solidFill>
+                  <a:sysClr val="windowText" lastClr="000000">
+                    <a:lumMod val="75000"/>
+                    <a:lumOff val="25000"/>
+                  </a:sysClr>
+                </a:solidFill>
+                <a:prstDash val="solid"/>
+              </a:ln>
+              <a:effectLst/>
+            </p:spPr>
+            <p:txBody>
+              <a:bodyPr rtlCol="0" anchor="ctr"/>
+              <a:lstStyle/>
+              <a:p>
+                <a:pPr algn="ctr"/>
+                <a:endParaRPr lang="en-US" sz="1050" kern="0">
+                  <a:solidFill>
+                    <a:prstClr val="white"/>
+                  </a:solidFill>
+                  <a:latin typeface="Segoe UI"/>
+                </a:endParaRPr>
+              </a:p>
+            </p:txBody>
+          </p:sp>
+        </p:grpSp>
+        <p:grpSp>
+          <p:nvGrpSpPr>
+            <p:cNvPr id="7" name="Minimize - Maximize - Close"/>
+            <p:cNvGrpSpPr/>
+            <p:nvPr/>
+          </p:nvGrpSpPr>
+          <p:grpSpPr>
+            <a:xfrm>
+              <a:off x="8632311" y="92599"/>
+              <a:ext cx="384527" cy="78032"/>
+              <a:chOff x="9347642" y="131588"/>
+              <a:chExt cx="384527" cy="78032"/>
+            </a:xfrm>
+          </p:grpSpPr>
+          <p:cxnSp>
+            <p:nvCxnSpPr>
+              <p:cNvPr id="22" name="Line"/>
+              <p:cNvCxnSpPr/>
+              <p:nvPr/>
+            </p:nvCxnSpPr>
+            <p:spPr>
+              <a:xfrm>
+                <a:off x="9661396" y="131588"/>
+                <a:ext cx="70773" cy="76200"/>
+              </a:xfrm>
+              <a:prstGeom prst="line">
+                <a:avLst/>
+              </a:prstGeom>
+              <a:ln w="12700">
+                <a:solidFill>
+                  <a:srgbClr val="FFFFFF"/>
+                </a:solidFill>
+              </a:ln>
+            </p:spPr>
+            <p:style>
+              <a:lnRef idx="1">
+                <a:srgbClr val="4F81BD"/>
+              </a:lnRef>
+              <a:fillRef idx="0">
+                <a:srgbClr val="4F81BD"/>
+              </a:fillRef>
+              <a:effectRef idx="0">
+                <a:srgbClr val="4F81BD"/>
+              </a:effectRef>
+              <a:fontRef idx="minor">
+                <a:srgbClr val="000000"/>
+              </a:fontRef>
+            </p:style>
+          </p:cxnSp>
+          <p:cxnSp>
+            <p:nvCxnSpPr>
+              <p:cNvPr id="23" name="Line"/>
+              <p:cNvCxnSpPr/>
+              <p:nvPr/>
+            </p:nvCxnSpPr>
+            <p:spPr>
+              <a:xfrm flipH="1">
+                <a:off x="9661395" y="131588"/>
+                <a:ext cx="70773" cy="76200"/>
+              </a:xfrm>
+              <a:prstGeom prst="line">
+                <a:avLst/>
+              </a:prstGeom>
+              <a:ln w="12700">
+                <a:solidFill>
+                  <a:srgbClr val="FFFFFF"/>
+                </a:solidFill>
+              </a:ln>
+            </p:spPr>
+            <p:style>
+              <a:lnRef idx="1">
+                <a:srgbClr val="4F81BD"/>
+              </a:lnRef>
+              <a:fillRef idx="0">
+                <a:srgbClr val="4F81BD"/>
+              </a:fillRef>
+              <a:effectRef idx="0">
+                <a:srgbClr val="4F81BD"/>
+              </a:effectRef>
+              <a:fontRef idx="minor">
+                <a:srgbClr val="000000"/>
+              </a:fontRef>
+            </p:style>
+          </p:cxnSp>
+          <p:sp>
+            <p:nvSpPr>
+              <p:cNvPr id="24" name="Line"/>
+              <p:cNvSpPr/>
+              <p:nvPr/>
+            </p:nvSpPr>
+            <p:spPr>
+              <a:xfrm rot="10800000" flipV="1">
+                <a:off x="9499472" y="143255"/>
+                <a:ext cx="91440" cy="9144"/>
+              </a:xfrm>
+              <a:prstGeom prst="rect">
+                <a:avLst/>
+              </a:prstGeom>
+              <a:solidFill>
+                <a:srgbClr val="919191"/>
+              </a:solidFill>
+              <a:ln w="3175">
+                <a:solidFill>
+                  <a:srgbClr val="FFFFFF"/>
+                </a:solidFill>
+              </a:ln>
+            </p:spPr>
+            <p:style>
+              <a:lnRef idx="2">
+                <a:srgbClr val="4F81BD">
+                  <a:shade val="50000"/>
+                </a:srgbClr>
+              </a:lnRef>
+              <a:fillRef idx="1001">
+                <a:srgbClr val="000000"/>
+              </a:fillRef>
+              <a:effectRef idx="0">
+                <a:srgbClr val="4F81BD"/>
+              </a:effectRef>
+              <a:fontRef idx="minor">
+                <a:srgbClr val="000000"/>
+              </a:fontRef>
+            </p:style>
+            <p:txBody>
+              <a:bodyPr rtlCol="0" anchor="ctr"/>
+              <a:lstStyle/>
+              <a:p>
+                <a:pPr algn="ctr"/>
+                <a:endParaRPr lang="en-US" sz="1050" dirty="0">
+                  <a:solidFill>
+                    <a:prstClr val="white"/>
+                  </a:solidFill>
+                </a:endParaRPr>
+              </a:p>
+            </p:txBody>
+          </p:sp>
+          <p:sp>
+            <p:nvSpPr>
+              <p:cNvPr id="25" name="Line"/>
+              <p:cNvSpPr/>
+              <p:nvPr/>
+            </p:nvSpPr>
+            <p:spPr>
+              <a:xfrm rot="10800000" flipV="1">
+                <a:off x="9498658" y="135261"/>
+                <a:ext cx="91440" cy="72527"/>
+              </a:xfrm>
+              <a:prstGeom prst="rect">
+                <a:avLst/>
+              </a:prstGeom>
+              <a:noFill/>
+              <a:ln w="12700">
+                <a:solidFill>
+                  <a:srgbClr val="FFFFFF"/>
+                </a:solidFill>
+              </a:ln>
+            </p:spPr>
+            <p:style>
+              <a:lnRef idx="2">
+                <a:srgbClr val="4F81BD">
+                  <a:shade val="50000"/>
+                </a:srgbClr>
+              </a:lnRef>
+              <a:fillRef idx="1001">
+                <a:srgbClr val="000000"/>
+              </a:fillRef>
+              <a:effectRef idx="0">
+                <a:srgbClr val="4F81BD"/>
+              </a:effectRef>
+              <a:fontRef idx="minor">
+                <a:srgbClr val="000000"/>
+              </a:fontRef>
+            </p:style>
+            <p:txBody>
+              <a:bodyPr rtlCol="0" anchor="ctr"/>
+              <a:lstStyle/>
+              <a:p>
+                <a:pPr algn="ctr"/>
+                <a:endParaRPr lang="en-US" sz="1050" dirty="0">
+                  <a:solidFill>
+                    <a:prstClr val="white"/>
+                  </a:solidFill>
+                </a:endParaRPr>
+              </a:p>
+            </p:txBody>
+          </p:sp>
+          <p:sp>
+            <p:nvSpPr>
+              <p:cNvPr id="26" name="Line"/>
+              <p:cNvSpPr/>
+              <p:nvPr/>
+            </p:nvSpPr>
+            <p:spPr>
+              <a:xfrm rot="10800000" flipV="1">
+                <a:off x="9347642" y="200476"/>
+                <a:ext cx="91440" cy="9144"/>
+              </a:xfrm>
+              <a:prstGeom prst="rect">
+                <a:avLst/>
+              </a:prstGeom>
+              <a:solidFill>
+                <a:srgbClr val="919191"/>
+              </a:solidFill>
+              <a:ln w="3175">
+                <a:solidFill>
+                  <a:srgbClr val="FFFFFF"/>
+                </a:solidFill>
+              </a:ln>
+            </p:spPr>
+            <p:style>
+              <a:lnRef idx="2">
+                <a:srgbClr val="4F81BD">
+                  <a:shade val="50000"/>
+                </a:srgbClr>
+              </a:lnRef>
+              <a:fillRef idx="1001">
+                <a:srgbClr val="000000"/>
+              </a:fillRef>
+              <a:effectRef idx="0">
+                <a:srgbClr val="4F81BD"/>
+              </a:effectRef>
+              <a:fontRef idx="minor">
+                <a:srgbClr val="000000"/>
+              </a:fontRef>
+            </p:style>
+            <p:txBody>
+              <a:bodyPr rtlCol="0" anchor="ctr"/>
+              <a:lstStyle/>
+              <a:p>
+                <a:pPr algn="ctr"/>
+                <a:endParaRPr lang="en-US" sz="1050" dirty="0">
+                  <a:solidFill>
+                    <a:prstClr val="white"/>
+                  </a:solidFill>
+                </a:endParaRPr>
+              </a:p>
+            </p:txBody>
+          </p:sp>
+        </p:grpSp>
+        <p:sp>
+          <p:nvSpPr>
+            <p:cNvPr id="8" name="WebPageBody"/>
+            <p:cNvSpPr/>
+            <p:nvPr/>
+          </p:nvSpPr>
+          <p:spPr>
+            <a:xfrm>
+              <a:off x="76200" y="685159"/>
+              <a:ext cx="8991600" cy="6066801"/>
+            </a:xfrm>
+            <a:prstGeom prst="rect">
+              <a:avLst/>
+            </a:prstGeom>
+            <a:solidFill>
+              <a:sysClr val="window" lastClr="FFFFFF"/>
+            </a:solidFill>
+            <a:ln w="3175" cap="flat" cmpd="sng" algn="ctr">
+              <a:solidFill>
+                <a:srgbClr val="000000">
+                  <a:lumMod val="50000"/>
+                  <a:lumOff val="50000"/>
+                </a:srgbClr>
+              </a:solidFill>
+              <a:prstDash val="solid"/>
+            </a:ln>
+            <a:effectLst/>
+          </p:spPr>
+          <p:txBody>
+            <a:bodyPr rtlCol="0" anchor="ctr"/>
+            <a:lstStyle/>
+            <a:p>
+              <a:pPr algn="ctr"/>
+              <a:endParaRPr lang="en-US" sz="1050" kern="0">
+                <a:solidFill>
+                  <a:prstClr val="white"/>
+                </a:solidFill>
+                <a:latin typeface="Segoe UI"/>
+              </a:endParaRPr>
+            </a:p>
+          </p:txBody>
+        </p:sp>
+        <p:grpSp>
+          <p:nvGrpSpPr>
+            <p:cNvPr id="9" name="Group 8"/>
+            <p:cNvGrpSpPr/>
+            <p:nvPr/>
+          </p:nvGrpSpPr>
+          <p:grpSpPr>
+            <a:xfrm>
+              <a:off x="8386335" y="360579"/>
+              <a:ext cx="640645" cy="183940"/>
+              <a:chOff x="8303527" y="360579"/>
+              <a:chExt cx="640645" cy="183940"/>
+            </a:xfrm>
+          </p:grpSpPr>
+          <p:pic>
+            <p:nvPicPr>
+              <p:cNvPr id="19" name="Picture 2" descr="C:\Users\t-dantay\Documents\Placeholders\home.png"/>
+              <p:cNvPicPr>
+                <a:picLocks noChangeAspect="1" noChangeArrowheads="1"/>
+              </p:cNvPicPr>
+              <p:nvPr/>
+            </p:nvPicPr>
+            <p:blipFill>
+              <a:blip r:embed="rId15" cstate="print">
+                <a:extLst>
+                  <a:ext uri="{28A0092B-C50C-407E-A947-70E740481C1C}">
+                    <a14:useLocalDpi xmlns:a14="http://schemas.microsoft.com/office/drawing/2010/main" val="0"/>
+                  </a:ext>
+                </a:extLst>
+              </a:blip>
+              <a:srcRect/>
+              <a:stretch>
+                <a:fillRect/>
+              </a:stretch>
+            </p:blipFill>
+            <p:spPr bwMode="auto">
+              <a:xfrm>
+                <a:off x="8303527" y="361109"/>
+                <a:ext cx="185783" cy="182880"/>
+              </a:xfrm>
+              <a:prstGeom prst="rect">
+                <a:avLst/>
+              </a:prstGeom>
+              <a:noFill/>
+              <a:extLst>
+                <a:ext uri="{909E8E84-426E-40DD-AFC4-6F175D3DCCD1}">
+                  <a14:hiddenFill xmlns:a14="http://schemas.microsoft.com/office/drawing/2010/main">
+                    <a:solidFill>
+                      <a:srgbClr val="FFFFFF"/>
+                    </a:solidFill>
+                  </a14:hiddenFill>
+                </a:ext>
+              </a:extLst>
+            </p:spPr>
+          </p:pic>
+          <p:pic>
+            <p:nvPicPr>
+              <p:cNvPr id="20" name="Picture 2" descr="C:\Users\t-dantay\Documents\Placeholders\setting.png"/>
+              <p:cNvPicPr>
+                <a:picLocks noChangeAspect="1" noChangeArrowheads="1"/>
+              </p:cNvPicPr>
+              <p:nvPr/>
+            </p:nvPicPr>
+            <p:blipFill rotWithShape="1">
+              <a:blip r:embed="rId16" cstate="print">
+                <a:extLst>
+                  <a:ext uri="{28A0092B-C50C-407E-A947-70E740481C1C}">
+                    <a14:useLocalDpi xmlns:a14="http://schemas.microsoft.com/office/drawing/2010/main" val="0"/>
+                  </a:ext>
+                </a:extLst>
+              </a:blip>
+              <a:srcRect t="13480" r="35484"/>
+              <a:stretch/>
+            </p:blipFill>
+            <p:spPr bwMode="auto">
+              <a:xfrm>
+                <a:off x="8761292" y="360579"/>
+                <a:ext cx="182880" cy="183940"/>
+              </a:xfrm>
+              <a:prstGeom prst="rect">
+                <a:avLst/>
+              </a:prstGeom>
+              <a:noFill/>
+              <a:extLst>
+                <a:ext uri="{909E8E84-426E-40DD-AFC4-6F175D3DCCD1}">
+                  <a14:hiddenFill xmlns:a14="http://schemas.microsoft.com/office/drawing/2010/main">
+                    <a:solidFill>
+                      <a:srgbClr val="FFFFFF"/>
+                    </a:solidFill>
+                  </a14:hiddenFill>
+                </a:ext>
+              </a:extLst>
+            </p:spPr>
+          </p:pic>
+          <p:pic>
+            <p:nvPicPr>
+              <p:cNvPr id="21" name="Picture 2" descr="C:\Users\t-dantay\Documents\Placeholders\star.png"/>
+              <p:cNvPicPr>
+                <a:picLocks noChangeAspect="1" noChangeArrowheads="1"/>
+              </p:cNvPicPr>
+              <p:nvPr/>
+            </p:nvPicPr>
+            <p:blipFill>
+              <a:blip r:embed="rId17" cstate="print">
+                <a:extLst>
+                  <a:ext uri="{28A0092B-C50C-407E-A947-70E740481C1C}">
+                    <a14:useLocalDpi xmlns:a14="http://schemas.microsoft.com/office/drawing/2010/main" val="0"/>
+                  </a:ext>
+                </a:extLst>
+              </a:blip>
+              <a:srcRect/>
+              <a:stretch>
+                <a:fillRect/>
+              </a:stretch>
+            </p:blipFill>
+            <p:spPr bwMode="auto">
+              <a:xfrm>
+                <a:off x="8529364" y="361109"/>
+                <a:ext cx="191874" cy="182880"/>
+              </a:xfrm>
+              <a:prstGeom prst="rect">
+                <a:avLst/>
+              </a:prstGeom>
+              <a:noFill/>
+              <a:extLst>
+                <a:ext uri="{909E8E84-426E-40DD-AFC4-6F175D3DCCD1}">
+                  <a14:hiddenFill xmlns:a14="http://schemas.microsoft.com/office/drawing/2010/main">
+                    <a:solidFill>
+                      <a:srgbClr val="FFFFFF"/>
+                    </a:solidFill>
+                  </a14:hiddenFill>
+                </a:ext>
+              </a:extLst>
+            </p:spPr>
+          </p:pic>
+        </p:grpSp>
+        <p:grpSp>
+          <p:nvGrpSpPr>
+            <p:cNvPr id="10" name="Group 9"/>
+            <p:cNvGrpSpPr/>
+            <p:nvPr/>
+          </p:nvGrpSpPr>
+          <p:grpSpPr>
+            <a:xfrm>
+              <a:off x="923925" y="340846"/>
+              <a:ext cx="7142930" cy="228600"/>
+              <a:chOff x="923925" y="340846"/>
+              <a:chExt cx="7142930" cy="228600"/>
+            </a:xfrm>
+          </p:grpSpPr>
+          <p:sp>
+            <p:nvSpPr>
+              <p:cNvPr id="11" name="UrlBar"/>
+              <p:cNvSpPr/>
+              <p:nvPr/>
+            </p:nvSpPr>
+            <p:spPr>
+              <a:xfrm>
+                <a:off x="923925" y="340846"/>
+                <a:ext cx="7142930" cy="228600"/>
+              </a:xfrm>
+              <a:prstGeom prst="rect">
+                <a:avLst/>
+              </a:prstGeom>
+              <a:solidFill>
+                <a:sysClr val="window" lastClr="FFFFFF"/>
+              </a:solidFill>
+              <a:ln w="3175" cap="flat" cmpd="sng" algn="ctr">
+                <a:solidFill>
+                  <a:srgbClr val="000000">
+                    <a:lumMod val="50000"/>
+                    <a:lumOff val="50000"/>
+                  </a:srgbClr>
+                </a:solidFill>
+                <a:prstDash val="solid"/>
+              </a:ln>
+              <a:effectLst/>
+            </p:spPr>
+            <p:txBody>
+              <a:bodyPr rtlCol="0" anchor="ctr"/>
+              <a:lstStyle/>
+              <a:p>
+                <a:r>
+                  <a:rPr lang="en-US" sz="1200" kern="0" dirty="0" smtClean="0">
+                    <a:solidFill>
+                      <a:prstClr val="black">
+                        <a:lumMod val="75000"/>
+                        <a:lumOff val="25000"/>
+                      </a:prstClr>
+                    </a:solidFill>
+                    <a:latin typeface="Segoe UI"/>
+                  </a:rPr>
+                  <a:t>http://</a:t>
+                </a:r>
+                <a:r>
+                  <a:rPr lang="en-US" sz="1200" kern="0" dirty="0" smtClean="0">
+                    <a:solidFill>
+                      <a:prstClr val="black">
+                        <a:lumMod val="75000"/>
+                        <a:lumOff val="25000"/>
+                      </a:prstClr>
+                    </a:solidFill>
+                    <a:latin typeface="Segoe UI"/>
+                  </a:rPr>
+                  <a:t>www.innovations4austria.at/Booking/Cancel/21</a:t>
+                </a:r>
+                <a:endParaRPr lang="en-US" sz="1200" kern="0" dirty="0">
+                  <a:solidFill>
+                    <a:prstClr val="black">
+                      <a:lumMod val="75000"/>
+                      <a:lumOff val="25000"/>
+                    </a:prstClr>
+                  </a:solidFill>
+                  <a:latin typeface="Segoe UI"/>
+                </a:endParaRPr>
+              </a:p>
+            </p:txBody>
+          </p:sp>
+          <p:grpSp>
+            <p:nvGrpSpPr>
+              <p:cNvPr id="12" name="Group 11"/>
+              <p:cNvGrpSpPr/>
+              <p:nvPr/>
+            </p:nvGrpSpPr>
+            <p:grpSpPr>
+              <a:xfrm>
+                <a:off x="7260350" y="363706"/>
+                <a:ext cx="744325" cy="182880"/>
+                <a:chOff x="7260350" y="363706"/>
+                <a:chExt cx="744325" cy="182880"/>
+              </a:xfrm>
+            </p:grpSpPr>
+            <p:pic>
+              <p:nvPicPr>
+                <p:cNvPr id="13" name="Search" descr="C:\Users\t-dantay\Documents\Placeholders\search.png"/>
+                <p:cNvPicPr>
+                  <a:picLocks noChangeAspect="1" noChangeArrowheads="1"/>
+                </p:cNvPicPr>
+                <p:nvPr/>
+              </p:nvPicPr>
+              <p:blipFill>
+                <a:blip r:embed="rId18" cstate="print">
+                  <a:extLst>
+                    <a:ext uri="{28A0092B-C50C-407E-A947-70E740481C1C}">
+                      <a14:useLocalDpi xmlns:a14="http://schemas.microsoft.com/office/drawing/2010/main" val="0"/>
+                    </a:ext>
+                  </a:extLst>
+                </a:blip>
+                <a:srcRect/>
+                <a:stretch>
+                  <a:fillRect/>
+                </a:stretch>
+              </p:blipFill>
+              <p:spPr bwMode="auto">
+                <a:xfrm flipH="1">
+                  <a:off x="7260350" y="363706"/>
+                  <a:ext cx="182880" cy="182880"/>
+                </a:xfrm>
+                <a:prstGeom prst="rect">
+                  <a:avLst/>
+                </a:prstGeom>
+                <a:noFill/>
+                <a:extLst>
+                  <a:ext uri="{909E8E84-426E-40DD-AFC4-6F175D3DCCD1}">
+                    <a14:hiddenFill xmlns:a14="http://schemas.microsoft.com/office/drawing/2010/main">
+                      <a:solidFill>
+                        <a:srgbClr val="FFFFFF"/>
+                      </a:solidFill>
+                    </a14:hiddenFill>
+                  </a:ext>
+                </a:extLst>
+              </p:spPr>
+            </p:pic>
+            <p:pic>
+              <p:nvPicPr>
+                <p:cNvPr id="14" name="Refresh" descr="C:\Users\t-dantay\Documents\First24\arrowrepeat1.png"/>
+                <p:cNvPicPr>
+                  <a:picLocks noChangeAspect="1" noChangeArrowheads="1"/>
+                </p:cNvPicPr>
+                <p:nvPr/>
+              </p:nvPicPr>
+              <p:blipFill>
+                <a:blip r:embed="rId19" cstate="print">
+                  <a:extLst>
+                    <a:ext uri="{28A0092B-C50C-407E-A947-70E740481C1C}">
+                      <a14:useLocalDpi xmlns:a14="http://schemas.microsoft.com/office/drawing/2010/main" val="0"/>
+                    </a:ext>
+                  </a:extLst>
+                </a:blip>
+                <a:srcRect/>
+                <a:stretch>
+                  <a:fillRect/>
+                </a:stretch>
+              </p:blipFill>
+              <p:spPr bwMode="auto">
+                <a:xfrm>
+                  <a:off x="7644400" y="363706"/>
+                  <a:ext cx="182880" cy="182880"/>
+                </a:xfrm>
+                <a:prstGeom prst="rect">
+                  <a:avLst/>
+                </a:prstGeom>
+                <a:noFill/>
+                <a:extLst>
+                  <a:ext uri="{909E8E84-426E-40DD-AFC4-6F175D3DCCD1}">
+                    <a14:hiddenFill xmlns:a14="http://schemas.microsoft.com/office/drawing/2010/main">
+                      <a:solidFill>
+                        <a:srgbClr val="FFFFFF"/>
+                      </a:solidFill>
+                    </a14:hiddenFill>
+                  </a:ext>
+                </a:extLst>
+              </p:spPr>
+            </p:pic>
+            <p:pic>
+              <p:nvPicPr>
+                <p:cNvPr id="15" name="Drop Down" descr="C:\Users\t-dantay\Documents\First24\arrowsimple1.png"/>
+                <p:cNvPicPr>
+                  <a:picLocks noChangeAspect="1" noChangeArrowheads="1"/>
+                </p:cNvPicPr>
+                <p:nvPr/>
+              </p:nvPicPr>
+              <p:blipFill>
+                <a:blip r:embed="rId20" cstate="print">
+                  <a:extLst>
+                    <a:ext uri="{28A0092B-C50C-407E-A947-70E740481C1C}">
+                      <a14:useLocalDpi xmlns:a14="http://schemas.microsoft.com/office/drawing/2010/main" val="0"/>
+                    </a:ext>
+                  </a:extLst>
+                </a:blip>
+                <a:srcRect/>
+                <a:stretch>
+                  <a:fillRect/>
+                </a:stretch>
+              </p:blipFill>
+              <p:spPr bwMode="auto">
+                <a:xfrm rot="5400000">
+                  <a:off x="7476150" y="409426"/>
+                  <a:ext cx="91440" cy="91440"/>
+                </a:xfrm>
+                <a:prstGeom prst="rect">
+                  <a:avLst/>
+                </a:prstGeom>
+                <a:noFill/>
+                <a:extLst>
+                  <a:ext uri="{909E8E84-426E-40DD-AFC4-6F175D3DCCD1}">
+                    <a14:hiddenFill xmlns:a14="http://schemas.microsoft.com/office/drawing/2010/main">
+                      <a:solidFill>
+                        <a:srgbClr val="FFFFFF"/>
+                      </a:solidFill>
+                    </a14:hiddenFill>
+                  </a:ext>
+                </a:extLst>
+              </p:spPr>
+            </p:pic>
+            <p:grpSp>
+              <p:nvGrpSpPr>
+                <p:cNvPr id="16" name="X"/>
+                <p:cNvGrpSpPr/>
+                <p:nvPr/>
+              </p:nvGrpSpPr>
+              <p:grpSpPr>
+                <a:xfrm>
+                  <a:off x="7913235" y="409426"/>
+                  <a:ext cx="91440" cy="91440"/>
+                  <a:chOff x="4687215" y="1739180"/>
+                  <a:chExt cx="91440" cy="91440"/>
+                </a:xfrm>
+              </p:grpSpPr>
+              <p:cxnSp>
+                <p:nvCxnSpPr>
+                  <p:cNvPr id="17" name="Straight Connector 16"/>
+                  <p:cNvCxnSpPr/>
+                  <p:nvPr/>
+                </p:nvCxnSpPr>
+                <p:spPr>
+                  <a:xfrm flipV="1">
+                    <a:off x="4687215" y="1739180"/>
+                    <a:ext cx="91440" cy="91440"/>
+                  </a:xfrm>
+                  <a:prstGeom prst="line">
+                    <a:avLst/>
+                  </a:prstGeom>
+                  <a:ln w="28575">
+                    <a:solidFill>
+                      <a:srgbClr val="FFFFFF">
+                        <a:lumMod val="50000"/>
+                      </a:srgbClr>
+                    </a:solidFill>
+                  </a:ln>
+                </p:spPr>
+                <p:style>
+                  <a:lnRef idx="1">
+                    <a:srgbClr val="FFFFFF"/>
+                  </a:lnRef>
+                  <a:fillRef idx="0">
+                    <a:srgbClr val="FFFFFF"/>
+                  </a:fillRef>
+                  <a:effectRef idx="0">
+                    <a:srgbClr val="FFFFFF"/>
+                  </a:effectRef>
+                  <a:fontRef idx="minor">
+                    <a:srgbClr val="000000"/>
+                  </a:fontRef>
+                </p:style>
+              </p:cxnSp>
+              <p:cxnSp>
+                <p:nvCxnSpPr>
+                  <p:cNvPr id="18" name="Straight Connector 17"/>
+                  <p:cNvCxnSpPr/>
+                  <p:nvPr/>
+                </p:nvCxnSpPr>
+                <p:spPr>
+                  <a:xfrm>
+                    <a:off x="4687215" y="1739180"/>
+                    <a:ext cx="91440" cy="91440"/>
+                  </a:xfrm>
+                  <a:prstGeom prst="line">
+                    <a:avLst/>
+                  </a:prstGeom>
+                  <a:ln w="28575">
+                    <a:solidFill>
+                      <a:srgbClr val="FFFFFF">
+                        <a:lumMod val="50000"/>
+                      </a:srgbClr>
+                    </a:solidFill>
+                  </a:ln>
+                </p:spPr>
+                <p:style>
+                  <a:lnRef idx="1">
+                    <a:srgbClr val="FFFFFF"/>
+                  </a:lnRef>
+                  <a:fillRef idx="0">
+                    <a:srgbClr val="FFFFFF"/>
+                  </a:fillRef>
+                  <a:effectRef idx="0">
+                    <a:srgbClr val="FFFFFF"/>
+                  </a:effectRef>
+                  <a:fontRef idx="minor">
+                    <a:srgbClr val="000000"/>
+                  </a:fontRef>
+                </p:style>
+              </p:cxnSp>
+            </p:grpSp>
+          </p:grpSp>
+        </p:grpSp>
+      </p:grpSp>
+      <p:sp>
+        <p:nvSpPr>
+          <p:cNvPr id="31" name="Rechteck 30"/>
+          <p:cNvSpPr/>
+          <p:nvPr/>
+        </p:nvSpPr>
+        <p:spPr>
+          <a:xfrm>
+            <a:off x="81598" y="685159"/>
+            <a:ext cx="8986202" cy="871633"/>
+          </a:xfrm>
+          <a:prstGeom prst="rect">
+            <a:avLst/>
+          </a:prstGeom>
+        </p:spPr>
+        <p:style>
+          <a:lnRef idx="2">
+            <a:schemeClr val="dk1">
+              <a:shade val="50000"/>
+            </a:schemeClr>
+          </a:lnRef>
+          <a:fillRef idx="1">
+            <a:schemeClr val="dk1"/>
+          </a:fillRef>
+          <a:effectRef idx="0">
+            <a:schemeClr val="dk1"/>
+          </a:effectRef>
+          <a:fontRef idx="minor">
+            <a:schemeClr val="lt1"/>
+          </a:fontRef>
+        </p:style>
+        <p:txBody>
+          <a:bodyPr rtlCol="0" anchor="ctr"/>
+          <a:lstStyle/>
+          <a:p>
+            <a:pPr algn="ctr"/>
+            <a:endParaRPr lang="de-DE"/>
+          </a:p>
+        </p:txBody>
+      </p:sp>
+      <p:sp>
+        <p:nvSpPr>
+          <p:cNvPr id="32" name="Content"/>
+          <p:cNvSpPr txBox="1"/>
+          <p:nvPr>
+            <p:custDataLst>
+              <p:custData r:id="rId2"/>
+            </p:custDataLst>
+          </p:nvPr>
+        </p:nvSpPr>
+        <p:spPr>
+          <a:xfrm>
+            <a:off x="417292" y="924807"/>
+            <a:ext cx="2498524" cy="372410"/>
+          </a:xfrm>
+          <a:prstGeom prst="rect">
+            <a:avLst/>
+          </a:prstGeom>
+          <a:noFill/>
+        </p:spPr>
+        <p:txBody>
+          <a:bodyPr wrap="square" lIns="91440" tIns="18288" rIns="91440" bIns="45720" rtlCol="0" anchor="ctr" anchorCtr="0">
+            <a:spAutoFit/>
+          </a:bodyPr>
+          <a:lstStyle/>
+          <a:p>
+            <a:r>
+              <a:rPr lang="en-US" sz="2000" dirty="0" smtClean="0">
+                <a:solidFill>
+                  <a:srgbClr val="FF0000"/>
+                </a:solidFill>
+                <a:uFill>
+                  <a:solidFill>
+                    <a:srgbClr val="0070C0"/>
+                  </a:solidFill>
+                </a:uFill>
+                <a:latin typeface="Segoe UI" pitchFamily="34" charset="0"/>
+                <a:ea typeface="Segoe UI" pitchFamily="34" charset="0"/>
+                <a:cs typeface="Segoe UI" pitchFamily="34" charset="0"/>
+              </a:rPr>
+              <a:t>innovations4austria</a:t>
+            </a:r>
+          </a:p>
+        </p:txBody>
+      </p:sp>
+      <p:sp>
+        <p:nvSpPr>
+          <p:cNvPr id="33" name="Content"/>
+          <p:cNvSpPr txBox="1"/>
+          <p:nvPr>
+            <p:custDataLst>
+              <p:custData r:id="rId3"/>
+            </p:custDataLst>
+          </p:nvPr>
+        </p:nvSpPr>
+        <p:spPr>
+          <a:xfrm>
+            <a:off x="8066855" y="990170"/>
+            <a:ext cx="808726" cy="261610"/>
+          </a:xfrm>
+          <a:prstGeom prst="rect">
+            <a:avLst/>
+          </a:prstGeom>
+          <a:noFill/>
+        </p:spPr>
+        <p:txBody>
+          <a:bodyPr wrap="square" lIns="91440" tIns="18288" rIns="91440" bIns="27432" rtlCol="0" anchor="ctr" anchorCtr="0">
+            <a:spAutoFit/>
+          </a:bodyPr>
+          <a:lstStyle/>
+          <a:p>
+            <a:r>
+              <a:rPr lang="en-US" sz="1400" b="1" dirty="0" smtClean="0">
+                <a:solidFill>
+                  <a:schemeClr val="bg1"/>
+                </a:solidFill>
+                <a:latin typeface="Segoe UI" pitchFamily="34" charset="0"/>
+                <a:ea typeface="Segoe UI" pitchFamily="34" charset="0"/>
+                <a:cs typeface="Segoe UI" pitchFamily="34" charset="0"/>
+              </a:rPr>
+              <a:t>Logout</a:t>
+            </a:r>
+            <a:endParaRPr lang="en-US" sz="1200" b="1" dirty="0" smtClean="0">
+              <a:solidFill>
+                <a:schemeClr val="bg1"/>
+              </a:solidFill>
+              <a:latin typeface="Segoe UI" pitchFamily="34" charset="0"/>
+              <a:ea typeface="Segoe UI" pitchFamily="34" charset="0"/>
+              <a:cs typeface="Segoe UI" pitchFamily="34" charset="0"/>
+            </a:endParaRPr>
+          </a:p>
+        </p:txBody>
+      </p:sp>
+      <p:sp>
+        <p:nvSpPr>
+          <p:cNvPr id="34" name="Rechteck 33"/>
+          <p:cNvSpPr/>
+          <p:nvPr/>
+        </p:nvSpPr>
+        <p:spPr>
+          <a:xfrm>
+            <a:off x="76200" y="6306682"/>
+            <a:ext cx="8986202" cy="435817"/>
+          </a:xfrm>
+          <a:prstGeom prst="rect">
+            <a:avLst/>
+          </a:prstGeom>
+        </p:spPr>
+        <p:style>
+          <a:lnRef idx="2">
+            <a:schemeClr val="dk1">
+              <a:shade val="50000"/>
+            </a:schemeClr>
+          </a:lnRef>
+          <a:fillRef idx="1">
+            <a:schemeClr val="dk1"/>
+          </a:fillRef>
+          <a:effectRef idx="0">
+            <a:schemeClr val="dk1"/>
+          </a:effectRef>
+          <a:fontRef idx="minor">
+            <a:schemeClr val="lt1"/>
+          </a:fontRef>
+        </p:style>
+        <p:txBody>
+          <a:bodyPr rtlCol="0" anchor="ctr"/>
+          <a:lstStyle/>
+          <a:p>
+            <a:pPr algn="ctr"/>
+            <a:endParaRPr lang="de-DE"/>
+          </a:p>
+        </p:txBody>
+      </p:sp>
+      <p:sp>
+        <p:nvSpPr>
+          <p:cNvPr id="35" name="Content"/>
+          <p:cNvSpPr txBox="1"/>
+          <p:nvPr>
+            <p:custDataLst>
+              <p:custData r:id="rId4"/>
+            </p:custDataLst>
+          </p:nvPr>
+        </p:nvSpPr>
+        <p:spPr>
+          <a:xfrm>
+            <a:off x="342017" y="6409174"/>
+            <a:ext cx="1720792" cy="230832"/>
+          </a:xfrm>
+          <a:prstGeom prst="rect">
+            <a:avLst/>
+          </a:prstGeom>
+          <a:noFill/>
+        </p:spPr>
+        <p:txBody>
+          <a:bodyPr wrap="none" lIns="91440" tIns="18288" rIns="91440" bIns="27432" rtlCol="0" anchor="ctr" anchorCtr="0">
+            <a:spAutoFit/>
+          </a:bodyPr>
+          <a:lstStyle/>
+          <a:p>
+            <a:r>
+              <a:rPr lang="en-US" sz="1200" dirty="0" smtClean="0">
+                <a:solidFill>
+                  <a:schemeClr val="bg1"/>
+                </a:solidFill>
+                <a:latin typeface="Segoe UI" pitchFamily="34" charset="0"/>
+                <a:ea typeface="Segoe UI" pitchFamily="34" charset="0"/>
+                <a:cs typeface="Segoe UI" pitchFamily="34" charset="0"/>
+              </a:rPr>
+              <a:t>© innovations4austria</a:t>
+            </a:r>
+          </a:p>
+        </p:txBody>
+      </p:sp>
+      <p:sp>
+        <p:nvSpPr>
+          <p:cNvPr id="36" name="Content"/>
+          <p:cNvSpPr txBox="1"/>
+          <p:nvPr>
+            <p:custDataLst>
+              <p:custData r:id="rId5"/>
+            </p:custDataLst>
+          </p:nvPr>
+        </p:nvSpPr>
+        <p:spPr>
+          <a:xfrm>
+            <a:off x="5695695" y="965219"/>
+            <a:ext cx="1008112" cy="261610"/>
+          </a:xfrm>
+          <a:prstGeom prst="rect">
+            <a:avLst/>
+          </a:prstGeom>
+          <a:noFill/>
+        </p:spPr>
+        <p:txBody>
+          <a:bodyPr wrap="square" lIns="91440" tIns="18288" rIns="91440" bIns="27432" rtlCol="0" anchor="ctr" anchorCtr="0">
+            <a:spAutoFit/>
+          </a:bodyPr>
+          <a:lstStyle/>
+          <a:p>
+            <a:r>
+              <a:rPr lang="en-US" sz="1400" b="1" dirty="0" err="1" smtClean="0">
+                <a:solidFill>
+                  <a:schemeClr val="bg1"/>
+                </a:solidFill>
+                <a:latin typeface="Segoe UI" pitchFamily="34" charset="0"/>
+                <a:ea typeface="Segoe UI" pitchFamily="34" charset="0"/>
+                <a:cs typeface="Segoe UI" pitchFamily="34" charset="0"/>
+              </a:rPr>
+              <a:t>Räume</a:t>
+            </a:r>
+            <a:endParaRPr lang="en-US" sz="1200" b="1" dirty="0" smtClean="0">
+              <a:solidFill>
+                <a:schemeClr val="bg1"/>
+              </a:solidFill>
+              <a:latin typeface="Segoe UI" pitchFamily="34" charset="0"/>
+              <a:ea typeface="Segoe UI" pitchFamily="34" charset="0"/>
+              <a:cs typeface="Segoe UI" pitchFamily="34" charset="0"/>
+            </a:endParaRPr>
+          </a:p>
+        </p:txBody>
+      </p:sp>
+      <p:sp>
+        <p:nvSpPr>
+          <p:cNvPr id="37" name="Content"/>
+          <p:cNvSpPr txBox="1"/>
+          <p:nvPr>
+            <p:custDataLst>
+              <p:custData r:id="rId6"/>
+            </p:custDataLst>
+          </p:nvPr>
+        </p:nvSpPr>
+        <p:spPr>
+          <a:xfrm>
+            <a:off x="6876256" y="980207"/>
+            <a:ext cx="1008112" cy="261610"/>
+          </a:xfrm>
+          <a:prstGeom prst="rect">
+            <a:avLst/>
+          </a:prstGeom>
+          <a:noFill/>
+        </p:spPr>
+        <p:txBody>
+          <a:bodyPr wrap="square" lIns="91440" tIns="18288" rIns="91440" bIns="27432" rtlCol="0" anchor="ctr" anchorCtr="0">
+            <a:spAutoFit/>
+          </a:bodyPr>
+          <a:lstStyle/>
+          <a:p>
+            <a:r>
+              <a:rPr lang="en-US" sz="1400" b="1" dirty="0" err="1" smtClean="0">
+                <a:solidFill>
+                  <a:schemeClr val="bg1"/>
+                </a:solidFill>
+                <a:latin typeface="Segoe UI" pitchFamily="34" charset="0"/>
+                <a:ea typeface="Segoe UI" pitchFamily="34" charset="0"/>
+                <a:cs typeface="Segoe UI" pitchFamily="34" charset="0"/>
+              </a:rPr>
+              <a:t>Profil</a:t>
+            </a:r>
+            <a:endParaRPr lang="en-US" sz="1200" b="1" dirty="0" smtClean="0">
+              <a:solidFill>
+                <a:schemeClr val="bg1"/>
+              </a:solidFill>
+              <a:latin typeface="Segoe UI" pitchFamily="34" charset="0"/>
+              <a:ea typeface="Segoe UI" pitchFamily="34" charset="0"/>
+              <a:cs typeface="Segoe UI" pitchFamily="34" charset="0"/>
+            </a:endParaRPr>
+          </a:p>
+        </p:txBody>
+      </p:sp>
+      <p:sp>
+        <p:nvSpPr>
+          <p:cNvPr id="38" name="Content"/>
+          <p:cNvSpPr txBox="1"/>
+          <p:nvPr>
+            <p:custDataLst>
+              <p:custData r:id="rId7"/>
+            </p:custDataLst>
+          </p:nvPr>
+        </p:nvSpPr>
+        <p:spPr>
+          <a:xfrm>
+            <a:off x="3293390" y="965219"/>
+            <a:ext cx="719168" cy="261610"/>
+          </a:xfrm>
+          <a:prstGeom prst="rect">
+            <a:avLst/>
+          </a:prstGeom>
+          <a:noFill/>
+        </p:spPr>
+        <p:txBody>
+          <a:bodyPr wrap="square" lIns="91440" tIns="18288" rIns="91440" bIns="27432" rtlCol="0" anchor="ctr" anchorCtr="0">
+            <a:spAutoFit/>
+          </a:bodyPr>
+          <a:lstStyle/>
+          <a:p>
+            <a:r>
+              <a:rPr lang="en-US" sz="1400" b="1" dirty="0" smtClean="0">
+                <a:solidFill>
+                  <a:schemeClr val="bg1"/>
+                </a:solidFill>
+                <a:latin typeface="Segoe UI" pitchFamily="34" charset="0"/>
+                <a:ea typeface="Segoe UI" pitchFamily="34" charset="0"/>
+                <a:cs typeface="Segoe UI" pitchFamily="34" charset="0"/>
+              </a:rPr>
+              <a:t>Home</a:t>
+            </a:r>
+            <a:endParaRPr lang="en-US" sz="1200" b="1" dirty="0" smtClean="0">
+              <a:solidFill>
+                <a:schemeClr val="bg1"/>
+              </a:solidFill>
+              <a:latin typeface="Segoe UI" pitchFamily="34" charset="0"/>
+              <a:ea typeface="Segoe UI" pitchFamily="34" charset="0"/>
+              <a:cs typeface="Segoe UI" pitchFamily="34" charset="0"/>
+            </a:endParaRPr>
+          </a:p>
+        </p:txBody>
+      </p:sp>
+      <p:sp>
+        <p:nvSpPr>
+          <p:cNvPr id="39" name="Content"/>
+          <p:cNvSpPr txBox="1"/>
+          <p:nvPr>
+            <p:custDataLst>
+              <p:custData r:id="rId8"/>
+            </p:custDataLst>
+          </p:nvPr>
+        </p:nvSpPr>
+        <p:spPr>
+          <a:xfrm>
+            <a:off x="4251960" y="965219"/>
+            <a:ext cx="1202627" cy="261610"/>
+          </a:xfrm>
+          <a:prstGeom prst="rect">
+            <a:avLst/>
+          </a:prstGeom>
+          <a:noFill/>
+        </p:spPr>
+        <p:txBody>
+          <a:bodyPr wrap="square" lIns="91440" tIns="18288" rIns="91440" bIns="27432" rtlCol="0" anchor="ctr" anchorCtr="0">
+            <a:spAutoFit/>
+          </a:bodyPr>
+          <a:lstStyle/>
+          <a:p>
+            <a:r>
+              <a:rPr lang="en-US" sz="1400" b="1" dirty="0" err="1" smtClean="0">
+                <a:solidFill>
+                  <a:schemeClr val="bg1"/>
+                </a:solidFill>
+                <a:latin typeface="Segoe UI" pitchFamily="34" charset="0"/>
+                <a:ea typeface="Segoe UI" pitchFamily="34" charset="0"/>
+                <a:cs typeface="Segoe UI" pitchFamily="34" charset="0"/>
+              </a:rPr>
+              <a:t>Buchungen</a:t>
+            </a:r>
+            <a:endParaRPr lang="en-US" sz="1200" b="1" dirty="0" smtClean="0">
+              <a:solidFill>
+                <a:schemeClr val="bg1"/>
+              </a:solidFill>
+              <a:latin typeface="Segoe UI" pitchFamily="34" charset="0"/>
+              <a:ea typeface="Segoe UI" pitchFamily="34" charset="0"/>
+              <a:cs typeface="Segoe UI" pitchFamily="34" charset="0"/>
+            </a:endParaRPr>
+          </a:p>
+        </p:txBody>
+      </p:sp>
+      <p:sp>
+        <p:nvSpPr>
+          <p:cNvPr id="78" name="Content"/>
+          <p:cNvSpPr txBox="1"/>
+          <p:nvPr>
+            <p:custDataLst>
+              <p:custData r:id="rId9"/>
+            </p:custDataLst>
+          </p:nvPr>
+        </p:nvSpPr>
+        <p:spPr>
+          <a:xfrm>
+            <a:off x="2483768" y="2773927"/>
+            <a:ext cx="4117537" cy="261610"/>
+          </a:xfrm>
+          <a:prstGeom prst="rect">
+            <a:avLst/>
+          </a:prstGeom>
+          <a:noFill/>
+        </p:spPr>
+        <p:txBody>
+          <a:bodyPr wrap="none" lIns="91440" tIns="18288" rIns="91440" bIns="27432" rtlCol="0" anchor="ctr" anchorCtr="0">
+            <a:spAutoFit/>
+          </a:bodyPr>
+          <a:lstStyle/>
+          <a:p>
+            <a:r>
+              <a:rPr lang="en-US" sz="1400" b="1" dirty="0" err="1" smtClean="0">
+                <a:solidFill>
+                  <a:srgbClr val="000000"/>
+                </a:solidFill>
+                <a:latin typeface="Segoe UI" pitchFamily="34" charset="0"/>
+                <a:ea typeface="Segoe UI" pitchFamily="34" charset="0"/>
+                <a:cs typeface="Segoe UI" pitchFamily="34" charset="0"/>
+              </a:rPr>
+              <a:t>Wollen</a:t>
+            </a:r>
+            <a:r>
+              <a:rPr lang="en-US" sz="1400" b="1" dirty="0" smtClean="0">
+                <a:solidFill>
+                  <a:srgbClr val="000000"/>
+                </a:solidFill>
+                <a:latin typeface="Segoe UI" pitchFamily="34" charset="0"/>
+                <a:ea typeface="Segoe UI" pitchFamily="34" charset="0"/>
+                <a:cs typeface="Segoe UI" pitchFamily="34" charset="0"/>
+              </a:rPr>
+              <a:t> </a:t>
+            </a:r>
+            <a:r>
+              <a:rPr lang="en-US" sz="1400" b="1" dirty="0" err="1" smtClean="0">
+                <a:solidFill>
+                  <a:srgbClr val="000000"/>
+                </a:solidFill>
+                <a:latin typeface="Segoe UI" pitchFamily="34" charset="0"/>
+                <a:ea typeface="Segoe UI" pitchFamily="34" charset="0"/>
+                <a:cs typeface="Segoe UI" pitchFamily="34" charset="0"/>
+              </a:rPr>
+              <a:t>Sie</a:t>
+            </a:r>
+            <a:r>
+              <a:rPr lang="en-US" sz="1400" b="1" dirty="0" smtClean="0">
+                <a:solidFill>
+                  <a:srgbClr val="000000"/>
+                </a:solidFill>
+                <a:latin typeface="Segoe UI" pitchFamily="34" charset="0"/>
+                <a:ea typeface="Segoe UI" pitchFamily="34" charset="0"/>
+                <a:cs typeface="Segoe UI" pitchFamily="34" charset="0"/>
+              </a:rPr>
+              <a:t> </a:t>
+            </a:r>
+            <a:r>
+              <a:rPr lang="en-US" sz="1400" b="1" dirty="0" err="1" smtClean="0">
+                <a:solidFill>
+                  <a:srgbClr val="000000"/>
+                </a:solidFill>
+                <a:latin typeface="Segoe UI" pitchFamily="34" charset="0"/>
+                <a:ea typeface="Segoe UI" pitchFamily="34" charset="0"/>
+                <a:cs typeface="Segoe UI" pitchFamily="34" charset="0"/>
+              </a:rPr>
+              <a:t>diese</a:t>
+            </a:r>
+            <a:r>
+              <a:rPr lang="en-US" sz="1400" b="1" dirty="0" smtClean="0">
+                <a:solidFill>
+                  <a:srgbClr val="000000"/>
+                </a:solidFill>
+                <a:latin typeface="Segoe UI" pitchFamily="34" charset="0"/>
+                <a:ea typeface="Segoe UI" pitchFamily="34" charset="0"/>
+                <a:cs typeface="Segoe UI" pitchFamily="34" charset="0"/>
+              </a:rPr>
+              <a:t> </a:t>
+            </a:r>
+            <a:r>
+              <a:rPr lang="en-US" sz="1400" b="1" dirty="0" err="1" smtClean="0">
+                <a:solidFill>
+                  <a:srgbClr val="000000"/>
+                </a:solidFill>
+                <a:latin typeface="Segoe UI" pitchFamily="34" charset="0"/>
+                <a:ea typeface="Segoe UI" pitchFamily="34" charset="0"/>
+                <a:cs typeface="Segoe UI" pitchFamily="34" charset="0"/>
+              </a:rPr>
+              <a:t>Buchung</a:t>
+            </a:r>
+            <a:r>
+              <a:rPr lang="en-US" sz="1400" b="1" dirty="0" smtClean="0">
+                <a:solidFill>
+                  <a:srgbClr val="000000"/>
+                </a:solidFill>
+                <a:latin typeface="Segoe UI" pitchFamily="34" charset="0"/>
+                <a:ea typeface="Segoe UI" pitchFamily="34" charset="0"/>
+                <a:cs typeface="Segoe UI" pitchFamily="34" charset="0"/>
+              </a:rPr>
+              <a:t> </a:t>
+            </a:r>
+            <a:r>
+              <a:rPr lang="en-US" sz="1400" b="1" dirty="0" err="1" smtClean="0">
+                <a:solidFill>
+                  <a:srgbClr val="000000"/>
+                </a:solidFill>
+                <a:latin typeface="Segoe UI" pitchFamily="34" charset="0"/>
+                <a:ea typeface="Segoe UI" pitchFamily="34" charset="0"/>
+                <a:cs typeface="Segoe UI" pitchFamily="34" charset="0"/>
+              </a:rPr>
+              <a:t>wirklich</a:t>
+            </a:r>
+            <a:r>
+              <a:rPr lang="en-US" sz="1400" b="1" dirty="0" smtClean="0">
+                <a:solidFill>
+                  <a:srgbClr val="000000"/>
+                </a:solidFill>
+                <a:latin typeface="Segoe UI" pitchFamily="34" charset="0"/>
+                <a:ea typeface="Segoe UI" pitchFamily="34" charset="0"/>
+                <a:cs typeface="Segoe UI" pitchFamily="34" charset="0"/>
+              </a:rPr>
+              <a:t> </a:t>
+            </a:r>
+            <a:r>
+              <a:rPr lang="en-US" sz="1400" b="1" dirty="0" err="1" smtClean="0">
+                <a:solidFill>
+                  <a:srgbClr val="000000"/>
+                </a:solidFill>
+                <a:latin typeface="Segoe UI" pitchFamily="34" charset="0"/>
+                <a:ea typeface="Segoe UI" pitchFamily="34" charset="0"/>
+                <a:cs typeface="Segoe UI" pitchFamily="34" charset="0"/>
+              </a:rPr>
+              <a:t>stornieren</a:t>
+            </a:r>
+            <a:r>
+              <a:rPr lang="en-US" sz="1400" b="1" dirty="0">
+                <a:solidFill>
+                  <a:srgbClr val="000000"/>
+                </a:solidFill>
+                <a:latin typeface="Segoe UI" pitchFamily="34" charset="0"/>
+                <a:ea typeface="Segoe UI" pitchFamily="34" charset="0"/>
+                <a:cs typeface="Segoe UI" pitchFamily="34" charset="0"/>
+              </a:rPr>
+              <a:t>?</a:t>
+            </a:r>
+            <a:endParaRPr lang="en-US" sz="1400" b="1" dirty="0" smtClean="0">
+              <a:solidFill>
+                <a:srgbClr val="000000"/>
+              </a:solidFill>
+              <a:latin typeface="Segoe UI" pitchFamily="34" charset="0"/>
+              <a:ea typeface="Segoe UI" pitchFamily="34" charset="0"/>
+              <a:cs typeface="Segoe UI" pitchFamily="34" charset="0"/>
+            </a:endParaRPr>
+          </a:p>
+        </p:txBody>
+      </p:sp>
+      <p:sp>
+        <p:nvSpPr>
+          <p:cNvPr id="79" name="Content"/>
+          <p:cNvSpPr/>
+          <p:nvPr>
+            <p:custDataLst>
+              <p:custData r:id="rId10"/>
+            </p:custDataLst>
+          </p:nvPr>
+        </p:nvSpPr>
+        <p:spPr>
+          <a:xfrm>
+            <a:off x="3551701" y="3438810"/>
+            <a:ext cx="1887377" cy="432048"/>
+          </a:xfrm>
+          <a:prstGeom prst="roundRect">
+            <a:avLst/>
+          </a:prstGeom>
+          <a:solidFill>
+            <a:srgbClr val="FFFFFF">
+              <a:lumMod val="95000"/>
+            </a:srgbClr>
+          </a:solidFill>
+          <a:ln w="3175">
+            <a:solidFill>
+              <a:srgbClr val="000000">
+                <a:lumMod val="50000"/>
+                <a:lumOff val="50000"/>
+              </a:srgbClr>
+            </a:solidFill>
+          </a:ln>
+          <a:effectLst/>
+        </p:spPr>
+        <p:style>
+          <a:lnRef idx="2">
+            <a:srgbClr val="4F81BD">
+              <a:shade val="50000"/>
+            </a:srgbClr>
+          </a:lnRef>
+          <a:fillRef idx="1">
+            <a:srgbClr val="4F81BD"/>
+          </a:fillRef>
+          <a:effectRef idx="0">
+            <a:srgbClr val="4F81BD"/>
+          </a:effectRef>
+          <a:fontRef idx="minor">
+            <a:srgbClr val="000000"/>
+          </a:fontRef>
+        </p:style>
+        <p:txBody>
+          <a:bodyPr wrap="square" lIns="91440" tIns="0" rIns="91440" bIns="9144" rtlCol="0" anchor="ctr">
+            <a:noAutofit/>
+          </a:bodyPr>
+          <a:lstStyle/>
+          <a:p>
+            <a:pPr algn="ctr"/>
+            <a:r>
+              <a:rPr lang="en-US" sz="1200" dirty="0" err="1" smtClean="0">
+                <a:solidFill>
+                  <a:srgbClr val="000000"/>
+                </a:solidFill>
+                <a:latin typeface="Segoe UI" pitchFamily="34" charset="0"/>
+                <a:cs typeface="Segoe UI" pitchFamily="34" charset="0"/>
+              </a:rPr>
+              <a:t>Ja</a:t>
+            </a:r>
+            <a:r>
+              <a:rPr lang="en-US" sz="1200" dirty="0" smtClean="0">
+                <a:solidFill>
+                  <a:srgbClr val="000000"/>
+                </a:solidFill>
+                <a:latin typeface="Segoe UI" pitchFamily="34" charset="0"/>
+                <a:cs typeface="Segoe UI" pitchFamily="34" charset="0"/>
+              </a:rPr>
+              <a:t>, </a:t>
+            </a:r>
+            <a:r>
+              <a:rPr lang="en-US" sz="1200" dirty="0" err="1" smtClean="0">
+                <a:solidFill>
+                  <a:srgbClr val="000000"/>
+                </a:solidFill>
+                <a:latin typeface="Segoe UI" pitchFamily="34" charset="0"/>
+                <a:cs typeface="Segoe UI" pitchFamily="34" charset="0"/>
+              </a:rPr>
+              <a:t>ich</a:t>
+            </a:r>
+            <a:r>
+              <a:rPr lang="en-US" sz="1200" dirty="0" smtClean="0">
+                <a:solidFill>
+                  <a:srgbClr val="000000"/>
+                </a:solidFill>
+                <a:latin typeface="Segoe UI" pitchFamily="34" charset="0"/>
+                <a:cs typeface="Segoe UI" pitchFamily="34" charset="0"/>
+              </a:rPr>
+              <a:t> </a:t>
+            </a:r>
+            <a:r>
+              <a:rPr lang="en-US" sz="1200" dirty="0" err="1" smtClean="0">
+                <a:solidFill>
+                  <a:srgbClr val="000000"/>
+                </a:solidFill>
+                <a:latin typeface="Segoe UI" pitchFamily="34" charset="0"/>
+                <a:cs typeface="Segoe UI" pitchFamily="34" charset="0"/>
+              </a:rPr>
+              <a:t>möchte</a:t>
+            </a:r>
+            <a:r>
+              <a:rPr lang="en-US" sz="1200" dirty="0" smtClean="0">
+                <a:solidFill>
+                  <a:srgbClr val="000000"/>
+                </a:solidFill>
+                <a:latin typeface="Segoe UI" pitchFamily="34" charset="0"/>
+                <a:cs typeface="Segoe UI" pitchFamily="34" charset="0"/>
+              </a:rPr>
+              <a:t> </a:t>
+            </a:r>
+            <a:r>
+              <a:rPr lang="en-US" sz="1200" dirty="0" err="1" smtClean="0">
+                <a:solidFill>
+                  <a:srgbClr val="000000"/>
+                </a:solidFill>
+                <a:latin typeface="Segoe UI" pitchFamily="34" charset="0"/>
+                <a:cs typeface="Segoe UI" pitchFamily="34" charset="0"/>
+              </a:rPr>
+              <a:t>diese</a:t>
+            </a:r>
+            <a:r>
+              <a:rPr lang="en-US" sz="1200" dirty="0" smtClean="0">
+                <a:solidFill>
+                  <a:srgbClr val="000000"/>
+                </a:solidFill>
+                <a:latin typeface="Segoe UI" pitchFamily="34" charset="0"/>
+                <a:cs typeface="Segoe UI" pitchFamily="34" charset="0"/>
+              </a:rPr>
+              <a:t> </a:t>
+            </a:r>
+            <a:r>
+              <a:rPr lang="en-US" sz="1200" dirty="0" err="1" smtClean="0">
+                <a:solidFill>
+                  <a:srgbClr val="000000"/>
+                </a:solidFill>
+                <a:latin typeface="Segoe UI" pitchFamily="34" charset="0"/>
+                <a:cs typeface="Segoe UI" pitchFamily="34" charset="0"/>
+              </a:rPr>
+              <a:t>Buchung</a:t>
+            </a:r>
+            <a:r>
+              <a:rPr lang="en-US" sz="1200" dirty="0" smtClean="0">
+                <a:solidFill>
+                  <a:srgbClr val="000000"/>
+                </a:solidFill>
+                <a:latin typeface="Segoe UI" pitchFamily="34" charset="0"/>
+                <a:cs typeface="Segoe UI" pitchFamily="34" charset="0"/>
+              </a:rPr>
+              <a:t> </a:t>
+            </a:r>
+            <a:r>
+              <a:rPr lang="en-US" sz="1200" dirty="0" err="1" smtClean="0">
+                <a:solidFill>
+                  <a:srgbClr val="000000"/>
+                </a:solidFill>
+                <a:latin typeface="Segoe UI" pitchFamily="34" charset="0"/>
+                <a:cs typeface="Segoe UI" pitchFamily="34" charset="0"/>
+              </a:rPr>
+              <a:t>stornieren</a:t>
+            </a:r>
+            <a:endParaRPr lang="en-US" sz="1200" dirty="0">
+              <a:solidFill>
+                <a:srgbClr val="000000"/>
+              </a:solidFill>
+              <a:latin typeface="Segoe UI" pitchFamily="34" charset="0"/>
+              <a:cs typeface="Segoe UI" pitchFamily="34" charset="0"/>
+            </a:endParaRPr>
+          </a:p>
+        </p:txBody>
+      </p:sp>
+      <p:sp>
+        <p:nvSpPr>
+          <p:cNvPr id="80" name="Content"/>
+          <p:cNvSpPr/>
+          <p:nvPr>
+            <p:custDataLst>
+              <p:custData r:id="rId11"/>
+            </p:custDataLst>
+          </p:nvPr>
+        </p:nvSpPr>
+        <p:spPr>
+          <a:xfrm>
+            <a:off x="3551700" y="4055429"/>
+            <a:ext cx="1887377" cy="432048"/>
+          </a:xfrm>
+          <a:prstGeom prst="roundRect">
+            <a:avLst/>
+          </a:prstGeom>
+          <a:solidFill>
+            <a:srgbClr val="FFFFFF">
+              <a:lumMod val="95000"/>
+            </a:srgbClr>
+          </a:solidFill>
+          <a:ln w="3175">
+            <a:solidFill>
+              <a:srgbClr val="000000">
+                <a:lumMod val="50000"/>
+                <a:lumOff val="50000"/>
+              </a:srgbClr>
+            </a:solidFill>
+          </a:ln>
+          <a:effectLst/>
+        </p:spPr>
+        <p:style>
+          <a:lnRef idx="2">
+            <a:srgbClr val="4F81BD">
+              <a:shade val="50000"/>
+            </a:srgbClr>
+          </a:lnRef>
+          <a:fillRef idx="1">
+            <a:srgbClr val="4F81BD"/>
+          </a:fillRef>
+          <a:effectRef idx="0">
+            <a:srgbClr val="4F81BD"/>
+          </a:effectRef>
+          <a:fontRef idx="minor">
+            <a:srgbClr val="000000"/>
+          </a:fontRef>
+        </p:style>
+        <p:txBody>
+          <a:bodyPr wrap="square" lIns="91440" tIns="0" rIns="91440" bIns="9144" rtlCol="0" anchor="ctr">
+            <a:noAutofit/>
+          </a:bodyPr>
+          <a:lstStyle/>
+          <a:p>
+            <a:pPr algn="ctr"/>
+            <a:r>
+              <a:rPr lang="en-US" sz="1200" dirty="0" smtClean="0">
+                <a:solidFill>
+                  <a:srgbClr val="000000"/>
+                </a:solidFill>
+                <a:latin typeface="Segoe UI" pitchFamily="34" charset="0"/>
+                <a:cs typeface="Segoe UI" pitchFamily="34" charset="0"/>
+              </a:rPr>
+              <a:t>Nein, </a:t>
+            </a:r>
+            <a:r>
+              <a:rPr lang="en-US" sz="1200" dirty="0" err="1" smtClean="0">
+                <a:solidFill>
+                  <a:srgbClr val="000000"/>
+                </a:solidFill>
+                <a:latin typeface="Segoe UI" pitchFamily="34" charset="0"/>
+                <a:cs typeface="Segoe UI" pitchFamily="34" charset="0"/>
+              </a:rPr>
+              <a:t>doch</a:t>
+            </a:r>
+            <a:r>
+              <a:rPr lang="en-US" sz="1200" dirty="0" smtClean="0">
+                <a:solidFill>
+                  <a:srgbClr val="000000"/>
+                </a:solidFill>
+                <a:latin typeface="Segoe UI" pitchFamily="34" charset="0"/>
+                <a:cs typeface="Segoe UI" pitchFamily="34" charset="0"/>
+              </a:rPr>
+              <a:t> </a:t>
+            </a:r>
+            <a:r>
+              <a:rPr lang="en-US" sz="1200" dirty="0" err="1" smtClean="0">
+                <a:solidFill>
+                  <a:srgbClr val="000000"/>
+                </a:solidFill>
+                <a:latin typeface="Segoe UI" pitchFamily="34" charset="0"/>
+                <a:cs typeface="Segoe UI" pitchFamily="34" charset="0"/>
+              </a:rPr>
+              <a:t>nicht</a:t>
+            </a:r>
+            <a:endParaRPr lang="en-US" sz="1200" dirty="0">
+              <a:solidFill>
+                <a:srgbClr val="000000"/>
+              </a:solidFill>
+              <a:latin typeface="Segoe UI" pitchFamily="34" charset="0"/>
+              <a:cs typeface="Segoe UI" pitchFamily="34" charset="0"/>
+            </a:endParaRPr>
+          </a:p>
+        </p:txBody>
+      </p:sp>
+      <p:grpSp>
+        <p:nvGrpSpPr>
+          <p:cNvPr id="81" name="StickyNote"/>
+          <p:cNvGrpSpPr/>
+          <p:nvPr>
+            <p:custDataLst>
+              <p:custData r:id="rId12"/>
+            </p:custDataLst>
+          </p:nvPr>
+        </p:nvGrpSpPr>
+        <p:grpSpPr>
+          <a:xfrm>
+            <a:off x="5148064" y="4487477"/>
+            <a:ext cx="1371600" cy="917826"/>
+            <a:chOff x="3886200" y="2629128"/>
+            <a:chExt cx="1371600" cy="1485674"/>
+          </a:xfrm>
+        </p:grpSpPr>
+        <p:sp>
+          <p:nvSpPr>
+            <p:cNvPr id="82" name="Content"/>
+            <p:cNvSpPr>
+              <a:spLocks/>
+            </p:cNvSpPr>
+            <p:nvPr/>
+          </p:nvSpPr>
+          <p:spPr>
+            <a:xfrm>
+              <a:off x="3886200" y="2813777"/>
+              <a:ext cx="1371600" cy="1301025"/>
+            </a:xfrm>
+            <a:prstGeom prst="rect">
+              <a:avLst/>
+            </a:prstGeom>
+            <a:gradFill>
+              <a:gsLst>
+                <a:gs pos="100000">
+                  <a:srgbClr val="FFFF89"/>
+                </a:gs>
+                <a:gs pos="0">
+                  <a:srgbClr val="FFFF99"/>
+                </a:gs>
+              </a:gsLst>
+              <a:lin ang="5400000" scaled="0"/>
+            </a:gradFill>
+            <a:ln w="3175">
+              <a:solidFill>
+                <a:srgbClr val="FFFFFF">
+                  <a:lumMod val="50000"/>
+                </a:srgbClr>
+              </a:solidFill>
+            </a:ln>
+            <a:effectLst/>
+          </p:spPr>
+          <p:style>
+            <a:lnRef idx="2">
+              <a:srgbClr val="4F81BD">
+                <a:shade val="50000"/>
+              </a:srgbClr>
+            </a:lnRef>
+            <a:fillRef idx="1">
+              <a:srgbClr val="4F81BD"/>
+            </a:fillRef>
+            <a:effectRef idx="0">
+              <a:srgbClr val="4F81BD"/>
+            </a:effectRef>
+            <a:fontRef idx="minor">
+              <a:srgbClr val="000000"/>
+            </a:fontRef>
+          </p:style>
+          <p:txBody>
+            <a:bodyPr lIns="91440" tIns="137160" rIns="91440" bIns="45720" rtlCol="0" anchor="t" anchorCtr="0">
+              <a:normAutofit/>
+            </a:bodyPr>
+            <a:lstStyle/>
+            <a:p>
+              <a:r>
+                <a:rPr lang="en-US" sz="1200" dirty="0" smtClean="0">
+                  <a:solidFill>
+                    <a:sysClr val="windowText" lastClr="000000"/>
+                  </a:solidFill>
+                  <a:latin typeface="Segoe UI" pitchFamily="34" charset="0"/>
+                  <a:cs typeface="Segoe UI" pitchFamily="34" charset="0"/>
+                </a:rPr>
+                <a:t>Button:</a:t>
+              </a:r>
+              <a:br>
+                <a:rPr lang="en-US" sz="1200" dirty="0" smtClean="0">
+                  <a:solidFill>
+                    <a:sysClr val="windowText" lastClr="000000"/>
+                  </a:solidFill>
+                  <a:latin typeface="Segoe UI" pitchFamily="34" charset="0"/>
+                  <a:cs typeface="Segoe UI" pitchFamily="34" charset="0"/>
+                </a:rPr>
+              </a:br>
+              <a:r>
+                <a:rPr lang="en-US" sz="1200" dirty="0" smtClean="0">
+                  <a:solidFill>
+                    <a:sysClr val="windowText" lastClr="000000"/>
+                  </a:solidFill>
+                  <a:latin typeface="Segoe UI" pitchFamily="34" charset="0"/>
+                  <a:cs typeface="Segoe UI" pitchFamily="34" charset="0"/>
+                </a:rPr>
+                <a:t>Link </a:t>
+              </a:r>
+              <a:r>
+                <a:rPr lang="en-US" sz="1200" dirty="0" err="1" smtClean="0">
+                  <a:solidFill>
+                    <a:sysClr val="windowText" lastClr="000000"/>
+                  </a:solidFill>
+                  <a:latin typeface="Segoe UI" pitchFamily="34" charset="0"/>
+                  <a:cs typeface="Segoe UI" pitchFamily="34" charset="0"/>
+                </a:rPr>
+                <a:t>zu</a:t>
+              </a:r>
+              <a:r>
+                <a:rPr lang="en-US" sz="1200" dirty="0" smtClean="0">
+                  <a:solidFill>
+                    <a:sysClr val="windowText" lastClr="000000"/>
+                  </a:solidFill>
+                  <a:latin typeface="Segoe UI" pitchFamily="34" charset="0"/>
+                  <a:cs typeface="Segoe UI" pitchFamily="34" charset="0"/>
+                </a:rPr>
+                <a:t> Booking/View </a:t>
+              </a:r>
+              <a:endParaRPr lang="en-US" sz="1200" dirty="0">
+                <a:solidFill>
+                  <a:sysClr val="windowText" lastClr="000000"/>
+                </a:solidFill>
+                <a:latin typeface="Segoe UI" pitchFamily="34" charset="0"/>
+                <a:cs typeface="Segoe UI" pitchFamily="34" charset="0"/>
+              </a:endParaRPr>
+            </a:p>
+          </p:txBody>
+        </p:sp>
+        <p:sp>
+          <p:nvSpPr>
+            <p:cNvPr id="83" name="Tape"/>
+            <p:cNvSpPr>
+              <a:spLocks/>
+            </p:cNvSpPr>
+            <p:nvPr/>
+          </p:nvSpPr>
+          <p:spPr>
+            <a:xfrm rot="401918">
+              <a:off x="4290086" y="2629128"/>
+              <a:ext cx="563828" cy="348737"/>
+            </a:xfrm>
+            <a:prstGeom prst="rect">
+              <a:avLst/>
+            </a:prstGeom>
+            <a:solidFill>
+              <a:srgbClr val="C00000"/>
+            </a:solidFill>
+            <a:ln w="3175" cap="flat" cmpd="sng" algn="ctr">
+              <a:solidFill>
+                <a:srgbClr val="FFFFFF">
+                  <a:lumMod val="50000"/>
+                </a:srgbClr>
+              </a:solidFill>
+              <a:prstDash val="solid"/>
+            </a:ln>
+            <a:effectLst/>
+          </p:spPr>
+          <p:txBody>
+            <a:bodyPr rot="0" spcFirstLastPara="0" vertOverflow="overflow" horzOverflow="overflow" vert="horz" wrap="square" lIns="45720" tIns="45720" rIns="91440" bIns="45720" numCol="1" spcCol="0" rtlCol="0" fromWordArt="0" anchor="ctr" anchorCtr="0" forceAA="0" compatLnSpc="1">
+              <a:prstTxWarp prst="textNoShape">
+                <a:avLst/>
+              </a:prstTxWarp>
+              <a:noAutofit/>
+            </a:bodyPr>
+            <a:lstStyle/>
+            <a:p>
+              <a:pPr marL="0" marR="0" indent="0" algn="ctr" defTabSz="914400" eaLnBrk="1" fontAlgn="auto" latinLnBrk="0" hangingPunct="1">
+                <a:lnSpc>
+                  <a:spcPct val="100000"/>
+                </a:lnSpc>
+                <a:spcBef>
+                  <a:spcPts val="0"/>
+                </a:spcBef>
+                <a:spcAft>
+                  <a:spcPts val="0"/>
+                </a:spcAft>
+                <a:buClrTx/>
+                <a:buSzTx/>
+                <a:buFontTx/>
+                <a:buNone/>
+                <a:tabLst/>
+              </a:pPr>
+              <a:endParaRPr kumimoji="0" lang="en-US" sz="800" b="0" i="0" u="none" strike="noStrike" kern="0" cap="none" spc="0" normalizeH="0" baseline="0" noProof="0" dirty="0" smtClean="0">
+                <a:ln>
+                  <a:noFill/>
+                </a:ln>
+                <a:solidFill>
+                  <a:srgbClr val="000000">
+                    <a:lumMod val="75000"/>
+                    <a:lumOff val="25000"/>
+                  </a:srgbClr>
+                </a:solidFill>
+                <a:effectLst/>
+                <a:uLnTx/>
+                <a:uFillTx/>
+                <a:latin typeface="Segoe UI"/>
+                <a:ea typeface="+mn-ea"/>
+                <a:cs typeface="+mn-cs"/>
+              </a:endParaRPr>
+            </a:p>
+          </p:txBody>
+        </p:sp>
+      </p:grpSp>
+      <p:grpSp>
+        <p:nvGrpSpPr>
+          <p:cNvPr id="84" name="StickyNote"/>
+          <p:cNvGrpSpPr/>
+          <p:nvPr>
+            <p:custDataLst>
+              <p:custData r:id="rId13"/>
+            </p:custDataLst>
+          </p:nvPr>
+        </p:nvGrpSpPr>
+        <p:grpSpPr>
+          <a:xfrm>
+            <a:off x="5439077" y="3068930"/>
+            <a:ext cx="1371600" cy="917826"/>
+            <a:chOff x="3886200" y="2629128"/>
+            <a:chExt cx="1371600" cy="1485674"/>
+          </a:xfrm>
+        </p:grpSpPr>
+        <p:sp>
+          <p:nvSpPr>
+            <p:cNvPr id="85" name="Content"/>
+            <p:cNvSpPr>
+              <a:spLocks/>
+            </p:cNvSpPr>
+            <p:nvPr/>
+          </p:nvSpPr>
+          <p:spPr>
+            <a:xfrm>
+              <a:off x="3886200" y="2813777"/>
+              <a:ext cx="1371600" cy="1301025"/>
+            </a:xfrm>
+            <a:prstGeom prst="rect">
+              <a:avLst/>
+            </a:prstGeom>
+            <a:gradFill>
+              <a:gsLst>
+                <a:gs pos="100000">
+                  <a:srgbClr val="FFFF89"/>
+                </a:gs>
+                <a:gs pos="0">
+                  <a:srgbClr val="FFFF99"/>
+                </a:gs>
+              </a:gsLst>
+              <a:lin ang="5400000" scaled="0"/>
+            </a:gradFill>
+            <a:ln w="3175">
+              <a:solidFill>
+                <a:srgbClr val="FFFFFF">
+                  <a:lumMod val="50000"/>
+                </a:srgbClr>
+              </a:solidFill>
+            </a:ln>
+            <a:effectLst/>
+          </p:spPr>
+          <p:style>
+            <a:lnRef idx="2">
+              <a:srgbClr val="4F81BD">
+                <a:shade val="50000"/>
+              </a:srgbClr>
+            </a:lnRef>
+            <a:fillRef idx="1">
+              <a:srgbClr val="4F81BD"/>
+            </a:fillRef>
+            <a:effectRef idx="0">
+              <a:srgbClr val="4F81BD"/>
+            </a:effectRef>
+            <a:fontRef idx="minor">
+              <a:srgbClr val="000000"/>
+            </a:fontRef>
+          </p:style>
+          <p:txBody>
+            <a:bodyPr lIns="91440" tIns="137160" rIns="91440" bIns="45720" rtlCol="0" anchor="t" anchorCtr="0">
+              <a:normAutofit/>
+            </a:bodyPr>
+            <a:lstStyle/>
+            <a:p>
+              <a:r>
+                <a:rPr lang="en-US" sz="1200" dirty="0" smtClean="0">
+                  <a:solidFill>
+                    <a:sysClr val="windowText" lastClr="000000"/>
+                  </a:solidFill>
+                  <a:latin typeface="Segoe UI" pitchFamily="34" charset="0"/>
+                  <a:cs typeface="Segoe UI" pitchFamily="34" charset="0"/>
+                </a:rPr>
+                <a:t>Button:</a:t>
+              </a:r>
+              <a:br>
+                <a:rPr lang="en-US" sz="1200" dirty="0" smtClean="0">
+                  <a:solidFill>
+                    <a:sysClr val="windowText" lastClr="000000"/>
+                  </a:solidFill>
+                  <a:latin typeface="Segoe UI" pitchFamily="34" charset="0"/>
+                  <a:cs typeface="Segoe UI" pitchFamily="34" charset="0"/>
+                </a:rPr>
+              </a:br>
+              <a:r>
+                <a:rPr lang="en-US" sz="1200" dirty="0" smtClean="0">
+                  <a:solidFill>
+                    <a:sysClr val="windowText" lastClr="000000"/>
+                  </a:solidFill>
+                  <a:latin typeface="Segoe UI" pitchFamily="34" charset="0"/>
+                  <a:cs typeface="Segoe UI" pitchFamily="34" charset="0"/>
+                </a:rPr>
+                <a:t>Booking/Cancel/21 - POST</a:t>
+              </a:r>
+              <a:endParaRPr lang="en-US" sz="1200" dirty="0">
+                <a:solidFill>
+                  <a:sysClr val="windowText" lastClr="000000"/>
+                </a:solidFill>
+                <a:latin typeface="Segoe UI" pitchFamily="34" charset="0"/>
+                <a:cs typeface="Segoe UI" pitchFamily="34" charset="0"/>
+              </a:endParaRPr>
+            </a:p>
+          </p:txBody>
+        </p:sp>
+        <p:sp>
+          <p:nvSpPr>
+            <p:cNvPr id="86" name="Tape"/>
+            <p:cNvSpPr>
+              <a:spLocks/>
+            </p:cNvSpPr>
+            <p:nvPr/>
+          </p:nvSpPr>
+          <p:spPr>
+            <a:xfrm rot="401918">
+              <a:off x="4290086" y="2629128"/>
+              <a:ext cx="563828" cy="348737"/>
+            </a:xfrm>
+            <a:prstGeom prst="rect">
+              <a:avLst/>
+            </a:prstGeom>
+            <a:solidFill>
+              <a:srgbClr val="C00000"/>
+            </a:solidFill>
+            <a:ln w="3175" cap="flat" cmpd="sng" algn="ctr">
+              <a:solidFill>
+                <a:srgbClr val="FFFFFF">
+                  <a:lumMod val="50000"/>
+                </a:srgbClr>
+              </a:solidFill>
+              <a:prstDash val="solid"/>
+            </a:ln>
+            <a:effectLst/>
+          </p:spPr>
+          <p:txBody>
+            <a:bodyPr rot="0" spcFirstLastPara="0" vertOverflow="overflow" horzOverflow="overflow" vert="horz" wrap="square" lIns="45720" tIns="45720" rIns="91440" bIns="45720" numCol="1" spcCol="0" rtlCol="0" fromWordArt="0" anchor="ctr" anchorCtr="0" forceAA="0" compatLnSpc="1">
+              <a:prstTxWarp prst="textNoShape">
+                <a:avLst/>
+              </a:prstTxWarp>
+              <a:noAutofit/>
+            </a:bodyPr>
+            <a:lstStyle/>
+            <a:p>
+              <a:pPr marL="0" marR="0" indent="0" algn="ctr" defTabSz="914400" eaLnBrk="1" fontAlgn="auto" latinLnBrk="0" hangingPunct="1">
+                <a:lnSpc>
+                  <a:spcPct val="100000"/>
+                </a:lnSpc>
+                <a:spcBef>
+                  <a:spcPts val="0"/>
+                </a:spcBef>
+                <a:spcAft>
+                  <a:spcPts val="0"/>
+                </a:spcAft>
+                <a:buClrTx/>
+                <a:buSzTx/>
+                <a:buFontTx/>
+                <a:buNone/>
+                <a:tabLst/>
+              </a:pPr>
+              <a:endParaRPr kumimoji="0" lang="en-US" sz="800" b="0" i="0" u="none" strike="noStrike" kern="0" cap="none" spc="0" normalizeH="0" baseline="0" noProof="0" dirty="0" smtClean="0">
+                <a:ln>
+                  <a:noFill/>
+                </a:ln>
+                <a:solidFill>
+                  <a:srgbClr val="000000">
+                    <a:lumMod val="75000"/>
+                    <a:lumOff val="25000"/>
+                  </a:srgbClr>
+                </a:solidFill>
+                <a:effectLst/>
+                <a:uLnTx/>
+                <a:uFillTx/>
+                <a:latin typeface="Segoe UI"/>
+                <a:ea typeface="+mn-ea"/>
+                <a:cs typeface="+mn-cs"/>
+              </a:endParaRPr>
+            </a:p>
+          </p:txBody>
+        </p:sp>
+      </p:grpSp>
+    </p:spTree>
+    <p:extLst>
+      <p:ext uri="{BB962C8B-B14F-4D97-AF65-F5344CB8AC3E}">
+        <p14:creationId xmlns:p14="http://schemas.microsoft.com/office/powerpoint/2010/main" val="2155310511"/>
       </p:ext>
     </p:extLst>
   </p:cSld>
@@ -18034,19 +21056,7 @@
                     </a:solidFill>
                     <a:latin typeface="Segoe UI"/>
                   </a:rPr>
-                  <a:t>http://</a:t>
-                </a:r>
-                <a:r>
-                  <a:rPr lang="en-US" sz="1200" kern="0" dirty="0" smtClean="0">
-                    <a:solidFill>
-                      <a:prstClr val="black">
-                        <a:lumMod val="75000"/>
-                        <a:lumOff val="25000"/>
-                      </a:prstClr>
-                    </a:solidFill>
-                    <a:latin typeface="Segoe UI"/>
-                  </a:rPr>
-                  <a:t>www.innovations4austria.at/Booking/Room/21</a:t>
+                  <a:t>http://www.innovations4austria.at/Booking/Room/21</a:t>
                 </a:r>
                 <a:endParaRPr lang="en-US" sz="1200" kern="0" dirty="0">
                   <a:solidFill>
@@ -26555,27 +29565,7 @@
                   <a:latin typeface="Segoe UI" pitchFamily="34" charset="0"/>
                   <a:cs typeface="Segoe UI" pitchFamily="34" charset="0"/>
                 </a:rPr>
-                <a:t> </a:t>
-              </a:r>
-              <a:r>
-                <a:rPr lang="en-US" sz="1200" dirty="0" smtClean="0">
-                  <a:solidFill>
-                    <a:sysClr val="windowText" lastClr="000000"/>
-                  </a:solidFill>
-                  <a:latin typeface="Segoe UI" pitchFamily="34" charset="0"/>
-                  <a:cs typeface="Segoe UI" pitchFamily="34" charset="0"/>
-                </a:rPr>
-                <a:t>Booking/Room/21 (ID) </a:t>
-              </a:r>
-              <a:r>
-                <a:rPr lang="en-US" sz="1200" dirty="0" smtClean="0">
-                  <a:solidFill>
-                    <a:sysClr val="windowText" lastClr="000000"/>
-                  </a:solidFill>
-                  <a:latin typeface="Segoe UI" pitchFamily="34" charset="0"/>
-                  <a:cs typeface="Segoe UI" pitchFamily="34" charset="0"/>
-                </a:rPr>
-                <a:t>– POST , </a:t>
+                <a:t> Booking/Room/21 (ID) – POST , </a:t>
               </a:r>
               <a:r>
                 <a:rPr lang="en-US" sz="1200" dirty="0" err="1" smtClean="0">
@@ -34962,19 +37952,7 @@
                     </a:solidFill>
                     <a:latin typeface="Segoe UI"/>
                   </a:rPr>
-                  <a:t>http://</a:t>
-                </a:r>
-                <a:r>
-                  <a:rPr lang="en-US" sz="1200" kern="0" dirty="0" smtClean="0">
-                    <a:solidFill>
-                      <a:prstClr val="black">
-                        <a:lumMod val="75000"/>
-                        <a:lumOff val="25000"/>
-                      </a:prstClr>
-                    </a:solidFill>
-                    <a:latin typeface="Segoe UI"/>
-                  </a:rPr>
-                  <a:t>www.innovations4austria.at/Home/Index</a:t>
+                  <a:t>http://www.innovations4austria.at/Home/Index</a:t>
                 </a:r>
                 <a:endParaRPr lang="en-US" sz="1200" kern="0" dirty="0">
                   <a:solidFill>
@@ -36984,13 +39962,13 @@
 
 <file path=customXml/item10.xml><?xml version="1.0" encoding="utf-8"?>
 <Control xmlns="http://schemas.microsoft.com/VisualStudio/2011/storyboarding/control">
-  <Id Name="System.Storyboarding.Common.Text" Revision="1" Stencil="System.Storyboarding.Common" StencilVersion="0.1"/>
+  <Id Name="System.Storyboarding.Annotation.StickyNote" Revision="1" Stencil="System.Storyboarding.Annotation" StencilVersion="0.1"/>
 </Control>
 </file>
 
 <file path=customXml/item100.xml><?xml version="1.0" encoding="utf-8"?>
 <Control xmlns="http://schemas.microsoft.com/VisualStudio/2011/storyboarding/control">
-  <Id Name="System.Storyboarding.Common.CheckBoxChecked" Revision="1" Stencil="System.Storyboarding.Common" StencilVersion="0.1"/>
+  <Id Name="System.Storyboarding.Annotation.StickyNote" Revision="1" Stencil="System.Storyboarding.Annotation" StencilVersion="0.1"/>
 </Control>
 </file>
 
@@ -37002,7 +39980,7 @@
 
 <file path=customXml/item102.xml><?xml version="1.0" encoding="utf-8"?>
 <Control xmlns="http://schemas.microsoft.com/VisualStudio/2011/storyboarding/control">
-  <Id Name="System.Storyboarding.Backgrounds.WebBrowser" Revision="1" Stencil="System.Storyboarding.Backgrounds" StencilVersion="0.1"/>
+  <Id Name="System.Storyboarding.Common.Text" Revision="1" Stencil="System.Storyboarding.Common" StencilVersion="0.1"/>
 </Control>
 </file>
 
@@ -37020,19 +39998,19 @@
 
 <file path=customXml/item105.xml><?xml version="1.0" encoding="utf-8"?>
 <Control xmlns="http://schemas.microsoft.com/VisualStudio/2011/storyboarding/control">
+  <Id Name="System.Storyboarding.Common.Button" Revision="1" Stencil="System.Storyboarding.Common" StencilVersion="0.1"/>
+</Control>
+</file>
+
+<file path=customXml/item106.xml><?xml version="1.0" encoding="utf-8"?>
+<Control xmlns="http://schemas.microsoft.com/VisualStudio/2011/storyboarding/control">
   <Id Name="System.Storyboarding.Common.Text" Revision="1" Stencil="System.Storyboarding.Common" StencilVersion="0.1"/>
 </Control>
 </file>
 
-<file path=customXml/item106.xml><?xml version="1.0" encoding="utf-8"?>
-<Control xmlns="http://schemas.microsoft.com/VisualStudio/2011/storyboarding/control">
-  <Id Name="System.Storyboarding.Common.Hyperlink" Revision="1" Stencil="System.Storyboarding.Common" StencilVersion="0.1"/>
-</Control>
-</file>
-
 <file path=customXml/item107.xml><?xml version="1.0" encoding="utf-8"?>
 <Control xmlns="http://schemas.microsoft.com/VisualStudio/2011/storyboarding/control">
-  <Id Name="System.Storyboarding.Annotation.StickyNote" Revision="1" Stencil="System.Storyboarding.Annotation" StencilVersion="0.1"/>
+  <Id Name="System.Storyboarding.Common.Text" Revision="1" Stencil="System.Storyboarding.Common" StencilVersion="0.1"/>
 </Control>
 </file>
 
@@ -37044,7 +40022,7 @@
 
 <file path=customXml/item109.xml><?xml version="1.0" encoding="utf-8"?>
 <Control xmlns="http://schemas.microsoft.com/VisualStudio/2011/storyboarding/control">
-  <Id Name="System.Storyboarding.Common.TextArea" Revision="1" Stencil="System.Storyboarding.Common" StencilVersion="0.1"/>
+  <Id Name="System.Storyboarding.Common.Text" Revision="1" Stencil="System.Storyboarding.Common" StencilVersion="0.1"/>
 </Control>
 </file>
 
@@ -37056,7 +40034,7 @@
 
 <file path=customXml/item110.xml><?xml version="1.0" encoding="utf-8"?>
 <Control xmlns="http://schemas.microsoft.com/VisualStudio/2011/storyboarding/control">
-  <Id Name="System.Storyboarding.Common.Text" Revision="1" Stencil="System.Storyboarding.Common" StencilVersion="0.1"/>
+  <Id Name="System.Storyboarding.Common.Hyperlink" Revision="1" Stencil="System.Storyboarding.Common" StencilVersion="0.1"/>
 </Control>
 </file>
 
@@ -37068,7 +40046,7 @@
 
 <file path=customXml/item112.xml><?xml version="1.0" encoding="utf-8"?>
 <Control xmlns="http://schemas.microsoft.com/VisualStudio/2011/storyboarding/control">
-  <Id Name="System.Storyboarding.Common.Text" Revision="1" Stencil="System.Storyboarding.Common" StencilVersion="0.1"/>
+  <Id Name="System.Storyboarding.Common.Button" Revision="1" Stencil="System.Storyboarding.Common" StencilVersion="0.1"/>
 </Control>
 </file>
 
@@ -37080,7 +40058,7 @@
 
 <file path=customXml/item114.xml><?xml version="1.0" encoding="utf-8"?>
 <Control xmlns="http://schemas.microsoft.com/VisualStudio/2011/storyboarding/control">
-  <Id Name="System.Storyboarding.Annotation.StickyNote" Revision="1" Stencil="System.Storyboarding.Annotation" StencilVersion="0.1"/>
+  <Id Name="System.Storyboarding.Common.Text" Revision="1" Stencil="System.Storyboarding.Common" StencilVersion="0.1"/>
 </Control>
 </file>
 
@@ -37098,13 +40076,13 @@
 
 <file path=customXml/item117.xml><?xml version="1.0" encoding="utf-8"?>
 <Control xmlns="http://schemas.microsoft.com/VisualStudio/2011/storyboarding/control">
-  <Id Name="System.Storyboarding.Common.Text" Revision="1" Stencil="System.Storyboarding.Common" StencilVersion="0.1"/>
+  <Id Name="System.Storyboarding.Common.Button" Revision="1" Stencil="System.Storyboarding.Common" StencilVersion="0.1"/>
 </Control>
 </file>
 
 <file path=customXml/item118.xml><?xml version="1.0" encoding="utf-8"?>
 <Control xmlns="http://schemas.microsoft.com/VisualStudio/2011/storyboarding/control">
-  <Id Name="System.Storyboarding.Common.TextInput" Revision="1" Stencil="System.Storyboarding.Common" StencilVersion="0.1"/>
+  <Id Name="System.Storyboarding.Common.Text" Revision="1" Stencil="System.Storyboarding.Common" StencilVersion="0.1"/>
 </Control>
 </file>
 
@@ -37116,7 +40094,7 @@
 
 <file path=customXml/item12.xml><?xml version="1.0" encoding="utf-8"?>
 <Control xmlns="http://schemas.microsoft.com/VisualStudio/2011/storyboarding/control">
-  <Id Name="System.Storyboarding.Backgrounds.WebBrowser" Revision="1" Stencil="System.Storyboarding.Backgrounds" StencilVersion="0.1"/>
+  <Id Name="System.Storyboarding.Common.Text" Revision="1" Stencil="System.Storyboarding.Common" StencilVersion="0.1"/>
 </Control>
 </file>
 
@@ -37128,7 +40106,7 @@
 
 <file path=customXml/item121.xml><?xml version="1.0" encoding="utf-8"?>
 <Control xmlns="http://schemas.microsoft.com/VisualStudio/2011/storyboarding/control">
-  <Id Name="System.Storyboarding.Common.Hyperlink" Revision="1" Stencil="System.Storyboarding.Common" StencilVersion="0.1"/>
+  <Id Name="System.Storyboarding.Annotation.StickyNote" Revision="1" Stencil="System.Storyboarding.Annotation" StencilVersion="0.1"/>
 </Control>
 </file>
 
@@ -37146,7 +40124,7 @@
 
 <file path=customXml/item124.xml><?xml version="1.0" encoding="utf-8"?>
 <Control xmlns="http://schemas.microsoft.com/VisualStudio/2011/storyboarding/control">
-  <Id Name="System.Storyboarding.Common.Text" Revision="1" Stencil="System.Storyboarding.Common" StencilVersion="0.1"/>
+  <Id Name="System.Storyboarding.Common.Button" Revision="1" Stencil="System.Storyboarding.Common" StencilVersion="0.1"/>
 </Control>
 </file>
 
@@ -37158,13 +40136,13 @@
 
 <file path=customXml/item126.xml><?xml version="1.0" encoding="utf-8"?>
 <Control xmlns="http://schemas.microsoft.com/VisualStudio/2011/storyboarding/control">
-  <Id Name="System.Storyboarding.Common.Hyperlink" Revision="1" Stencil="System.Storyboarding.Common" StencilVersion="0.1"/>
+  <Id Name="System.Storyboarding.Common.Text" Revision="1" Stencil="System.Storyboarding.Common" StencilVersion="0.1"/>
 </Control>
 </file>
 
 <file path=customXml/item127.xml><?xml version="1.0" encoding="utf-8"?>
 <Control xmlns="http://schemas.microsoft.com/VisualStudio/2011/storyboarding/control">
-  <Id Name="System.Storyboarding.Common.Text" Revision="1" Stencil="System.Storyboarding.Common" StencilVersion="0.1"/>
+  <Id Name="System.Storyboarding.Annotation.StickyNote" Revision="1" Stencil="System.Storyboarding.Annotation" StencilVersion="0.1"/>
 </Control>
 </file>
 
@@ -37182,7 +40160,7 @@
 
 <file path=customXml/item13.xml><?xml version="1.0" encoding="utf-8"?>
 <Control xmlns="http://schemas.microsoft.com/VisualStudio/2011/storyboarding/control">
-  <Id Name="System.Storyboarding.Common.DatePicker" Revision="1" Stencil="System.Storyboarding.Common" StencilVersion="0.1"/>
+  <Id Name="System.Storyboarding.Common.Text" Revision="1" Stencil="System.Storyboarding.Common" StencilVersion="0.1"/>
 </Control>
 </file>
 
@@ -37194,7 +40172,7 @@
 
 <file path=customXml/item131.xml><?xml version="1.0" encoding="utf-8"?>
 <Control xmlns="http://schemas.microsoft.com/VisualStudio/2011/storyboarding/control">
-  <Id Name="System.Storyboarding.Common.Text" Revision="1" Stencil="System.Storyboarding.Common" StencilVersion="0.1"/>
+  <Id Name="System.Storyboarding.Common.CheckBoxChecked" Revision="1" Stencil="System.Storyboarding.Common" StencilVersion="0.1"/>
 </Control>
 </file>
 
@@ -37206,25 +40184,25 @@
 
 <file path=customXml/item133.xml><?xml version="1.0" encoding="utf-8"?>
 <Control xmlns="http://schemas.microsoft.com/VisualStudio/2011/storyboarding/control">
-  <Id Name="System.Storyboarding.Common.Text" Revision="1" Stencil="System.Storyboarding.Common" StencilVersion="0.1"/>
+  <Id Name="System.Storyboarding.Common.Hyperlink" Revision="1" Stencil="System.Storyboarding.Common" StencilVersion="0.1"/>
 </Control>
 </file>
 
 <file path=customXml/item134.xml><?xml version="1.0" encoding="utf-8"?>
-<Control xmlns="http://schemas.microsoft.com/VisualStudio/2011/storyboarding/control">
-  <Id Name="System.Storyboarding.Common.DatePicker" Revision="1" Stencil="System.Storyboarding.Common" StencilVersion="0.1"/>
-</Control>
-</file>
-
-<file path=customXml/item135.xml><?xml version="1.0" encoding="utf-8"?>
 <Control xmlns="http://schemas.microsoft.com/VisualStudio/2011/storyboarding/control">
   <Id Name="System.Storyboarding.Common.Text" Revision="1" Stencil="System.Storyboarding.Common" StencilVersion="0.1"/>
 </Control>
 </file>
 
+<file path=customXml/item135.xml><?xml version="1.0" encoding="utf-8"?>
+<Control xmlns="http://schemas.microsoft.com/VisualStudio/2011/storyboarding/control">
+  <Id Name="System.Storyboarding.Common.MouseClick" Revision="1" Stencil="System.Storyboarding.Common" StencilVersion="0.1"/>
+</Control>
+</file>
+
 <file path=customXml/item136.xml><?xml version="1.0" encoding="utf-8"?>
 <Control xmlns="http://schemas.microsoft.com/VisualStudio/2011/storyboarding/control">
-  <Id Name="System.Storyboarding.Common.Button" Revision="1" Stencil="System.Storyboarding.Common" StencilVersion="0.1"/>
+  <Id Name="System.Storyboarding.Backgrounds.WebBrowser" Revision="1" Stencil="System.Storyboarding.Backgrounds" StencilVersion="0.1"/>
 </Control>
 </file>
 
@@ -37242,7 +40220,7 @@
 
 <file path=customXml/item139.xml><?xml version="1.0" encoding="utf-8"?>
 <Control xmlns="http://schemas.microsoft.com/VisualStudio/2011/storyboarding/control">
-  <Id Name="System.Storyboarding.Common.Text" Revision="1" Stencil="System.Storyboarding.Common" StencilVersion="0.1"/>
+  <Id Name="System.Storyboarding.Common.Button" Revision="1" Stencil="System.Storyboarding.Common" StencilVersion="0.1"/>
 </Control>
 </file>
 
@@ -37260,7 +40238,7 @@
 
 <file path=customXml/item141.xml><?xml version="1.0" encoding="utf-8"?>
 <Control xmlns="http://schemas.microsoft.com/VisualStudio/2011/storyboarding/control">
-  <Id Name="System.Storyboarding.Common.DropdownBox" Revision="1" Stencil="System.Storyboarding.Common" StencilVersion="0.1"/>
+  <Id Name="System.Storyboarding.Common.Hyperlink" Revision="1" Stencil="System.Storyboarding.Common" StencilVersion="0.1"/>
 </Control>
 </file>
 
@@ -37290,31 +40268,31 @@
 
 <file path=customXml/item146.xml><?xml version="1.0" encoding="utf-8"?>
 <Control xmlns="http://schemas.microsoft.com/VisualStudio/2011/storyboarding/control">
+  <Id Name="System.Storyboarding.Common.Button" Revision="1" Stencil="System.Storyboarding.Common" StencilVersion="0.1"/>
+</Control>
+</file>
+
+<file path=customXml/item147.xml><?xml version="1.0" encoding="utf-8"?>
+<Control xmlns="http://schemas.microsoft.com/VisualStudio/2011/storyboarding/control">
   <Id Name="System.Storyboarding.Annotation.StickyNote" Revision="1" Stencil="System.Storyboarding.Annotation" StencilVersion="0.1"/>
 </Control>
 </file>
 
-<file path=customXml/item147.xml><?xml version="1.0" encoding="utf-8"?>
+<file path=customXml/item148.xml><?xml version="1.0" encoding="utf-8"?>
 <Control xmlns="http://schemas.microsoft.com/VisualStudio/2011/storyboarding/control">
-  <Id Name="System.Storyboarding.Common.Text" Revision="1" Stencil="System.Storyboarding.Common" StencilVersion="0.1"/>
+  <Id Name="System.Storyboarding.Common.DropdownBox" Revision="1" Stencil="System.Storyboarding.Common" StencilVersion="0.1"/>
 </Control>
 </file>
 
-<file path=customXml/item148.xml><?xml version="1.0" encoding="utf-8"?>
+<file path=customXml/item149.xml><?xml version="1.0" encoding="utf-8"?>
 <Control xmlns="http://schemas.microsoft.com/VisualStudio/2011/storyboarding/control">
   <Id Name="System.Storyboarding.Common.Hyperlink" Revision="1" Stencil="System.Storyboarding.Common" StencilVersion="0.1"/>
 </Control>
 </file>
 
-<file path=customXml/item149.xml><?xml version="1.0" encoding="utf-8"?>
-<Control xmlns="http://schemas.microsoft.com/VisualStudio/2011/storyboarding/control">
-  <Id Name="System.Storyboarding.Backgrounds.WebBrowser" Revision="1" Stencil="System.Storyboarding.Backgrounds" StencilVersion="0.1"/>
-</Control>
-</file>
-
 <file path=customXml/item15.xml><?xml version="1.0" encoding="utf-8"?>
 <Control xmlns="http://schemas.microsoft.com/VisualStudio/2011/storyboarding/control">
-  <Id Name="System.Storyboarding.Common.DropdownBox" Revision="1" Stencil="System.Storyboarding.Common" StencilVersion="0.1"/>
+  <Id Name="System.Storyboarding.Common.Text" Revision="1" Stencil="System.Storyboarding.Common" StencilVersion="0.1"/>
 </Control>
 </file>
 
@@ -37332,7 +40310,7 @@
 
 <file path=customXml/item152.xml><?xml version="1.0" encoding="utf-8"?>
 <Control xmlns="http://schemas.microsoft.com/VisualStudio/2011/storyboarding/control">
-  <Id Name="System.Storyboarding.Common.Text" Revision="1" Stencil="System.Storyboarding.Common" StencilVersion="0.1"/>
+  <Id Name="System.Storyboarding.Annotation.StickyNote" Revision="1" Stencil="System.Storyboarding.Annotation" StencilVersion="0.1"/>
 </Control>
 </file>
 
@@ -37362,67 +40340,67 @@
 
 <file path=customXml/item157.xml><?xml version="1.0" encoding="utf-8"?>
 <Control xmlns="http://schemas.microsoft.com/VisualStudio/2011/storyboarding/control">
-  <Id Name="System.Storyboarding.Common.Text" Revision="1" Stencil="System.Storyboarding.Common" StencilVersion="0.1"/>
+  <Id Name="System.Storyboarding.Backgrounds.WebBrowser" Revision="1" Stencil="System.Storyboarding.Backgrounds" StencilVersion="0.1"/>
 </Control>
 </file>
 
 <file path=customXml/item158.xml><?xml version="1.0" encoding="utf-8"?>
-<Control xmlns="http://schemas.microsoft.com/VisualStudio/2011/storyboarding/control">
-  <Id Name="System.Storyboarding.Annotation.StickyNote" Revision="1" Stencil="System.Storyboarding.Annotation" StencilVersion="0.1"/>
-</Control>
-</file>
-
-<file path=customXml/item159.xml><?xml version="1.0" encoding="utf-8"?>
-<Control xmlns="http://schemas.microsoft.com/VisualStudio/2011/storyboarding/control">
-  <Id Name="System.Storyboarding.Annotation.StickyNote" Revision="1" Stencil="System.Storyboarding.Annotation" StencilVersion="0.1"/>
-</Control>
-</file>
-
-<file path=customXml/item16.xml><?xml version="1.0" encoding="utf-8"?>
 <Control xmlns="http://schemas.microsoft.com/VisualStudio/2011/storyboarding/control">
   <Id Name="System.Storyboarding.Common.Text" Revision="1" Stencil="System.Storyboarding.Common" StencilVersion="0.1"/>
 </Control>
 </file>
 
+<file path=customXml/item159.xml><?xml version="1.0" encoding="utf-8"?>
+<Control xmlns="http://schemas.microsoft.com/VisualStudio/2011/storyboarding/control">
+  <Id Name="System.Storyboarding.Common.Text" Revision="1" Stencil="System.Storyboarding.Common" StencilVersion="0.1"/>
+</Control>
+</file>
+
+<file path=customXml/item16.xml><?xml version="1.0" encoding="utf-8"?>
+<Control xmlns="http://schemas.microsoft.com/VisualStudio/2011/storyboarding/control">
+  <Id Name="System.Storyboarding.Common.Calendar" Revision="1" Stencil="System.Storyboarding.Common" StencilVersion="0.1"/>
+</Control>
+</file>
+
 <file path=customXml/item160.xml><?xml version="1.0" encoding="utf-8"?>
 <Control xmlns="http://schemas.microsoft.com/VisualStudio/2011/storyboarding/control">
-  <Id Name="System.Storyboarding.Common.DatePicker" Revision="1" Stencil="System.Storyboarding.Common" StencilVersion="0.1"/>
+  <Id Name="System.Storyboarding.Common.Text" Revision="1" Stencil="System.Storyboarding.Common" StencilVersion="0.1"/>
 </Control>
 </file>
 
 <file path=customXml/item161.xml><?xml version="1.0" encoding="utf-8"?>
 <Control xmlns="http://schemas.microsoft.com/VisualStudio/2011/storyboarding/control">
-  <Id Name="System.Storyboarding.Common.Hyperlink" Revision="1" Stencil="System.Storyboarding.Common" StencilVersion="0.1"/>
+  <Id Name="System.Storyboarding.Common.Text" Revision="1" Stencil="System.Storyboarding.Common" StencilVersion="0.1"/>
 </Control>
 </file>
 
 <file path=customXml/item162.xml><?xml version="1.0" encoding="utf-8"?>
+<Control xmlns="http://schemas.microsoft.com/VisualStudio/2011/storyboarding/control">
+  <Id Name="System.Storyboarding.Common.Text" Revision="1" Stencil="System.Storyboarding.Common" StencilVersion="0.1"/>
+</Control>
+</file>
+
+<file path=customXml/item163.xml><?xml version="1.0" encoding="utf-8"?>
 <Control xmlns="http://schemas.microsoft.com/VisualStudio/2011/storyboarding/control">
   <Id Name="System.Storyboarding.Common.Button" Revision="1" Stencil="System.Storyboarding.Common" StencilVersion="0.1"/>
 </Control>
 </file>
 
-<file path=customXml/item163.xml><?xml version="1.0" encoding="utf-8"?>
+<file path=customXml/item164.xml><?xml version="1.0" encoding="utf-8"?>
 <Control xmlns="http://schemas.microsoft.com/VisualStudio/2011/storyboarding/control">
   <Id Name="System.Storyboarding.Common.Text" Revision="1" Stencil="System.Storyboarding.Common" StencilVersion="0.1"/>
 </Control>
 </file>
 
-<file path=customXml/item164.xml><?xml version="1.0" encoding="utf-8"?>
-<Control xmlns="http://schemas.microsoft.com/VisualStudio/2011/storyboarding/control">
-  <Id Name="System.Storyboarding.Common.Button" Revision="1" Stencil="System.Storyboarding.Common" StencilVersion="0.1"/>
-</Control>
-</file>
-
 <file path=customXml/item165.xml><?xml version="1.0" encoding="utf-8"?>
 <Control xmlns="http://schemas.microsoft.com/VisualStudio/2011/storyboarding/control">
-  <Id Name="System.Storyboarding.Common.Text" Revision="1" Stencil="System.Storyboarding.Common" StencilVersion="0.1"/>
+  <Id Name="System.Storyboarding.Common.DropdownBox" Revision="1" Stencil="System.Storyboarding.Common" StencilVersion="0.1"/>
 </Control>
 </file>
 
 <file path=customXml/item166.xml><?xml version="1.0" encoding="utf-8"?>
 <Control xmlns="http://schemas.microsoft.com/VisualStudio/2011/storyboarding/control">
-  <Id Name="System.Storyboarding.Common.Button" Revision="1" Stencil="System.Storyboarding.Common" StencilVersion="0.1"/>
+  <Id Name="System.Storyboarding.Common.DropdownBox" Revision="1" Stencil="System.Storyboarding.Common" StencilVersion="0.1"/>
 </Control>
 </file>
 
@@ -37434,31 +40412,31 @@
 
 <file path=customXml/item168.xml><?xml version="1.0" encoding="utf-8"?>
 <Control xmlns="http://schemas.microsoft.com/VisualStudio/2011/storyboarding/control">
-  <Id Name="System.Storyboarding.Common.MouseClick" Revision="1" Stencil="System.Storyboarding.Common" StencilVersion="0.1"/>
+  <Id Name="System.Storyboarding.Common.Hyperlink" Revision="1" Stencil="System.Storyboarding.Common" StencilVersion="0.1"/>
 </Control>
 </file>
 
 <file path=customXml/item169.xml><?xml version="1.0" encoding="utf-8"?>
 <Control xmlns="http://schemas.microsoft.com/VisualStudio/2011/storyboarding/control">
-  <Id Name="System.Storyboarding.Annotation.StickyNote" Revision="1" Stencil="System.Storyboarding.Annotation" StencilVersion="0.1"/>
+  <Id Name="System.Storyboarding.Common.Text" Revision="1" Stencil="System.Storyboarding.Common" StencilVersion="0.1"/>
 </Control>
 </file>
 
 <file path=customXml/item17.xml><?xml version="1.0" encoding="utf-8"?>
 <Control xmlns="http://schemas.microsoft.com/VisualStudio/2011/storyboarding/control">
-  <Id Name="System.Storyboarding.Common.Button" Revision="1" Stencil="System.Storyboarding.Common" StencilVersion="0.1"/>
+  <Id Name="System.Storyboarding.Common.Hyperlink" Revision="1" Stencil="System.Storyboarding.Common" StencilVersion="0.1"/>
 </Control>
 </file>
 
 <file path=customXml/item170.xml><?xml version="1.0" encoding="utf-8"?>
 <Control xmlns="http://schemas.microsoft.com/VisualStudio/2011/storyboarding/control">
-  <Id Name="System.Storyboarding.Backgrounds.WebBrowser" Revision="1" Stencil="System.Storyboarding.Backgrounds" StencilVersion="0.1"/>
+  <Id Name="System.Storyboarding.Common.Text" Revision="1" Stencil="System.Storyboarding.Common" StencilVersion="0.1"/>
 </Control>
 </file>
 
 <file path=customXml/item171.xml><?xml version="1.0" encoding="utf-8"?>
 <Control xmlns="http://schemas.microsoft.com/VisualStudio/2011/storyboarding/control">
-  <Id Name="System.Storyboarding.Common.Hyperlink" Revision="1" Stencil="System.Storyboarding.Common" StencilVersion="0.1"/>
+  <Id Name="System.Storyboarding.Annotation.StickyNote" Revision="1" Stencil="System.Storyboarding.Annotation" StencilVersion="0.1"/>
 </Control>
 </file>
 
@@ -37470,7 +40448,7 @@
 
 <file path=customXml/item173.xml><?xml version="1.0" encoding="utf-8"?>
 <Control xmlns="http://schemas.microsoft.com/VisualStudio/2011/storyboarding/control">
-  <Id Name="System.Storyboarding.Common.Text" Revision="1" Stencil="System.Storyboarding.Common" StencilVersion="0.1"/>
+  <Id Name="System.Storyboarding.Backgrounds.WebBrowser" Revision="1" Stencil="System.Storyboarding.Backgrounds" StencilVersion="0.1"/>
 </Control>
 </file>
 
@@ -37488,7 +40466,7 @@
 
 <file path=customXml/item176.xml><?xml version="1.0" encoding="utf-8"?>
 <Control xmlns="http://schemas.microsoft.com/VisualStudio/2011/storyboarding/control">
-  <Id Name="System.Storyboarding.Common.Text" Revision="1" Stencil="System.Storyboarding.Common" StencilVersion="0.1"/>
+  <Id Name="System.Storyboarding.Annotation.StickyNote" Revision="1" Stencil="System.Storyboarding.Annotation" StencilVersion="0.1"/>
 </Control>
 </file>
 
@@ -37512,25 +40490,25 @@
 
 <file path=customXml/item18.xml><?xml version="1.0" encoding="utf-8"?>
 <Control xmlns="http://schemas.microsoft.com/VisualStudio/2011/storyboarding/control">
-  <Id Name="System.Storyboarding.Common.Text" Revision="1" Stencil="System.Storyboarding.Common" StencilVersion="0.1"/>
+  <Id Name="System.Storyboarding.Backgrounds.WebBrowser" Revision="1" Stencil="System.Storyboarding.Backgrounds" StencilVersion="0.1"/>
 </Control>
 </file>
 
 <file path=customXml/item180.xml><?xml version="1.0" encoding="utf-8"?>
 <Control xmlns="http://schemas.microsoft.com/VisualStudio/2011/storyboarding/control">
-  <Id Name="System.Storyboarding.Common.Text" Revision="1" Stencil="System.Storyboarding.Common" StencilVersion="0.1"/>
+  <Id Name="System.Storyboarding.Common.Hyperlink" Revision="1" Stencil="System.Storyboarding.Common" StencilVersion="0.1"/>
 </Control>
 </file>
 
 <file path=customXml/item181.xml><?xml version="1.0" encoding="utf-8"?>
 <Control xmlns="http://schemas.microsoft.com/VisualStudio/2011/storyboarding/control">
-  <Id Name="System.Storyboarding.Common.Text" Revision="1" Stencil="System.Storyboarding.Common" StencilVersion="0.1"/>
+  <Id Name="System.Storyboarding.Common.Button" Revision="1" Stencil="System.Storyboarding.Common" StencilVersion="0.1"/>
 </Control>
 </file>
 
 <file path=customXml/item182.xml><?xml version="1.0" encoding="utf-8"?>
 <Control xmlns="http://schemas.microsoft.com/VisualStudio/2011/storyboarding/control">
-  <Id Name="System.Storyboarding.Common.Text" Revision="1" Stencil="System.Storyboarding.Common" StencilVersion="0.1"/>
+  <Id Name="System.Storyboarding.Annotation.StickyNote" Revision="1" Stencil="System.Storyboarding.Annotation" StencilVersion="0.1"/>
 </Control>
 </file>
 
@@ -37548,7 +40526,7 @@
 
 <file path=customXml/item185.xml><?xml version="1.0" encoding="utf-8"?>
 <Control xmlns="http://schemas.microsoft.com/VisualStudio/2011/storyboarding/control">
-  <Id Name="System.Storyboarding.Common.Text" Revision="1" Stencil="System.Storyboarding.Common" StencilVersion="0.1"/>
+  <Id Name="System.Storyboarding.Backgrounds.WebBrowser" Revision="1" Stencil="System.Storyboarding.Backgrounds" StencilVersion="0.1"/>
 </Control>
 </file>
 
@@ -37566,7 +40544,7 @@
 
 <file path=customXml/item188.xml><?xml version="1.0" encoding="utf-8"?>
 <Control xmlns="http://schemas.microsoft.com/VisualStudio/2011/storyboarding/control">
-  <Id Name="System.Storyboarding.Common.Text" Revision="1" Stencil="System.Storyboarding.Common" StencilVersion="0.1"/>
+  <Id Name="System.Storyboarding.Common.ScrollbarVertical" Revision="1" Stencil="System.Storyboarding.Common" StencilVersion="0.1"/>
 </Control>
 </file>
 
@@ -37578,13 +40556,13 @@
 
 <file path=customXml/item19.xml><?xml version="1.0" encoding="utf-8"?>
 <Control xmlns="http://schemas.microsoft.com/VisualStudio/2011/storyboarding/control">
-  <Id Name="System.Storyboarding.Common.Button" Revision="1" Stencil="System.Storyboarding.Common" StencilVersion="0.1"/>
+  <Id Name="System.Storyboarding.Common.Text" Revision="1" Stencil="System.Storyboarding.Common" StencilVersion="0.1"/>
 </Control>
 </file>
 
 <file path=customXml/item190.xml><?xml version="1.0" encoding="utf-8"?>
 <Control xmlns="http://schemas.microsoft.com/VisualStudio/2011/storyboarding/control">
-  <Id Name="System.Storyboarding.Common.Text" Revision="1" Stencil="System.Storyboarding.Common" StencilVersion="0.1"/>
+  <Id Name="System.Storyboarding.Backgrounds.WebBrowser" Revision="1" Stencil="System.Storyboarding.Backgrounds" StencilVersion="0.1"/>
 </Control>
 </file>
 
@@ -37608,19 +40586,37 @@
 
 <file path=customXml/item194.xml><?xml version="1.0" encoding="utf-8"?>
 <Control xmlns="http://schemas.microsoft.com/VisualStudio/2011/storyboarding/control">
-  <Id Name="System.Storyboarding.Common.Button" Revision="1" Stencil="System.Storyboarding.Common" StencilVersion="0.1"/>
+  <Id Name="System.Storyboarding.Common.Text" Revision="1" Stencil="System.Storyboarding.Common" StencilVersion="0.1"/>
 </Control>
 </file>
 
 <file path=customXml/item195.xml><?xml version="1.0" encoding="utf-8"?>
 <Control xmlns="http://schemas.microsoft.com/VisualStudio/2011/storyboarding/control">
-  <Id Name="System.Storyboarding.Common.Button" Revision="1" Stencil="System.Storyboarding.Common" StencilVersion="0.1"/>
+  <Id Name="System.Storyboarding.Annotation.StickyNote" Revision="1" Stencil="System.Storyboarding.Annotation" StencilVersion="0.1"/>
 </Control>
 </file>
 
 <file path=customXml/item196.xml><?xml version="1.0" encoding="utf-8"?>
 <Control xmlns="http://schemas.microsoft.com/VisualStudio/2011/storyboarding/control">
+  <Id Name="System.Storyboarding.Common.Text" Revision="1" Stencil="System.Storyboarding.Common" StencilVersion="0.1"/>
+</Control>
+</file>
+
+<file path=customXml/item197.xml><?xml version="1.0" encoding="utf-8"?>
+<Control xmlns="http://schemas.microsoft.com/VisualStudio/2011/storyboarding/control">
+  <Id Name="System.Storyboarding.Common.MouseClick" Revision="1" Stencil="System.Storyboarding.Common" StencilVersion="0.1"/>
+</Control>
+</file>
+
+<file path=customXml/item198.xml><?xml version="1.0" encoding="utf-8"?>
+<Control xmlns="http://schemas.microsoft.com/VisualStudio/2011/storyboarding/control">
   <Id Name="System.Storyboarding.Annotation.StickyNote" Revision="1" Stencil="System.Storyboarding.Annotation" StencilVersion="0.1"/>
+</Control>
+</file>
+
+<file path=customXml/item199.xml><?xml version="1.0" encoding="utf-8"?>
+<Control xmlns="http://schemas.microsoft.com/VisualStudio/2011/storyboarding/control">
+  <Id Name="System.Storyboarding.Backgrounds.WebBrowser" Revision="1" Stencil="System.Storyboarding.Backgrounds" StencilVersion="0.1"/>
 </Control>
 </file>
 
@@ -37636,15 +40632,87 @@
 </Control>
 </file>
 
+<file path=customXml/item200.xml><?xml version="1.0" encoding="utf-8"?>
+<Control xmlns="http://schemas.microsoft.com/VisualStudio/2011/storyboarding/control">
+  <Id Name="System.Storyboarding.Common.Hyperlink" Revision="1" Stencil="System.Storyboarding.Common" StencilVersion="0.1"/>
+</Control>
+</file>
+
+<file path=customXml/item201.xml><?xml version="1.0" encoding="utf-8"?>
+<Control xmlns="http://schemas.microsoft.com/VisualStudio/2011/storyboarding/control">
+  <Id Name="System.Storyboarding.Common.Text" Revision="1" Stencil="System.Storyboarding.Common" StencilVersion="0.1"/>
+</Control>
+</file>
+
+<file path=customXml/item202.xml><?xml version="1.0" encoding="utf-8"?>
+<Control xmlns="http://schemas.microsoft.com/VisualStudio/2011/storyboarding/control">
+  <Id Name="System.Storyboarding.Common.Text" Revision="1" Stencil="System.Storyboarding.Common" StencilVersion="0.1"/>
+</Control>
+</file>
+
+<file path=customXml/item203.xml><?xml version="1.0" encoding="utf-8"?>
+<Control xmlns="http://schemas.microsoft.com/VisualStudio/2011/storyboarding/control">
+  <Id Name="System.Storyboarding.Common.Text" Revision="1" Stencil="System.Storyboarding.Common" StencilVersion="0.1"/>
+</Control>
+</file>
+
+<file path=customXml/item204.xml><?xml version="1.0" encoding="utf-8"?>
+<Control xmlns="http://schemas.microsoft.com/VisualStudio/2011/storyboarding/control">
+  <Id Name="System.Storyboarding.Common.Text" Revision="1" Stencil="System.Storyboarding.Common" StencilVersion="0.1"/>
+</Control>
+</file>
+
+<file path=customXml/item205.xml><?xml version="1.0" encoding="utf-8"?>
+<Control xmlns="http://schemas.microsoft.com/VisualStudio/2011/storyboarding/control">
+  <Id Name="System.Storyboarding.Common.Text" Revision="1" Stencil="System.Storyboarding.Common" StencilVersion="0.1"/>
+</Control>
+</file>
+
+<file path=customXml/item206.xml><?xml version="1.0" encoding="utf-8"?>
+<Control xmlns="http://schemas.microsoft.com/VisualStudio/2011/storyboarding/control">
+  <Id Name="System.Storyboarding.Common.Text" Revision="1" Stencil="System.Storyboarding.Common" StencilVersion="0.1"/>
+</Control>
+</file>
+
+<file path=customXml/item207.xml><?xml version="1.0" encoding="utf-8"?>
+<Control xmlns="http://schemas.microsoft.com/VisualStudio/2011/storyboarding/control">
+  <Id Name="System.Storyboarding.Common.Text" Revision="1" Stencil="System.Storyboarding.Common" StencilVersion="0.1"/>
+</Control>
+</file>
+
+<file path=customXml/item208.xml><?xml version="1.0" encoding="utf-8"?>
+<Control xmlns="http://schemas.microsoft.com/VisualStudio/2011/storyboarding/control">
+  <Id Name="System.Storyboarding.Common.Button" Revision="1" Stencil="System.Storyboarding.Common" StencilVersion="0.1"/>
+</Control>
+</file>
+
+<file path=customXml/item209.xml><?xml version="1.0" encoding="utf-8"?>
+<Control xmlns="http://schemas.microsoft.com/VisualStudio/2011/storyboarding/control">
+  <Id Name="System.Storyboarding.Common.Button" Revision="1" Stencil="System.Storyboarding.Common" StencilVersion="0.1"/>
+</Control>
+</file>
+
 <file path=customXml/item21.xml><?xml version="1.0" encoding="utf-8"?>
 <Control xmlns="http://schemas.microsoft.com/VisualStudio/2011/storyboarding/control">
   <Id Name="System.Storyboarding.Common.Text" Revision="1" Stencil="System.Storyboarding.Common" StencilVersion="0.1"/>
 </Control>
 </file>
 
+<file path=customXml/item210.xml><?xml version="1.0" encoding="utf-8"?>
+<Control xmlns="http://schemas.microsoft.com/VisualStudio/2011/storyboarding/control">
+  <Id Name="System.Storyboarding.Annotation.StickyNote" Revision="1" Stencil="System.Storyboarding.Annotation" StencilVersion="0.1"/>
+</Control>
+</file>
+
+<file path=customXml/item211.xml><?xml version="1.0" encoding="utf-8"?>
+<Control xmlns="http://schemas.microsoft.com/VisualStudio/2011/storyboarding/control">
+  <Id Name="System.Storyboarding.Annotation.StickyNote" Revision="1" Stencil="System.Storyboarding.Annotation" StencilVersion="0.1"/>
+</Control>
+</file>
+
 <file path=customXml/item22.xml><?xml version="1.0" encoding="utf-8"?>
 <Control xmlns="http://schemas.microsoft.com/VisualStudio/2011/storyboarding/control">
-  <Id Name="System.Storyboarding.Common.Button" Revision="1" Stencil="System.Storyboarding.Common" StencilVersion="0.1"/>
+  <Id Name="System.Storyboarding.Backgrounds.WebBrowser" Revision="1" Stencil="System.Storyboarding.Backgrounds" StencilVersion="0.1"/>
 </Control>
 </file>
 
@@ -37662,13 +40730,13 @@
 
 <file path=customXml/item25.xml><?xml version="1.0" encoding="utf-8"?>
 <Control xmlns="http://schemas.microsoft.com/VisualStudio/2011/storyboarding/control">
-  <Id Name="System.Storyboarding.Annotation.StickyNote" Revision="1" Stencil="System.Storyboarding.Annotation" StencilVersion="0.1"/>
+  <Id Name="System.Storyboarding.Common.TextInput" Revision="1" Stencil="System.Storyboarding.Common" StencilVersion="0.1"/>
 </Control>
 </file>
 
 <file path=customXml/item26.xml><?xml version="1.0" encoding="utf-8"?>
 <Control xmlns="http://schemas.microsoft.com/VisualStudio/2011/storyboarding/control">
-  <Id Name="System.Storyboarding.Common.Text" Revision="1" Stencil="System.Storyboarding.Common" StencilVersion="0.1"/>
+  <Id Name="System.Storyboarding.Common.DatePicker" Revision="1" Stencil="System.Storyboarding.Common" StencilVersion="0.1"/>
 </Control>
 </file>
 
@@ -37692,19 +40760,19 @@
 
 <file path=customXml/item3.xml><?xml version="1.0" encoding="utf-8"?>
 <Control xmlns="http://schemas.microsoft.com/VisualStudio/2011/storyboarding/control">
+  <Id Name="System.Storyboarding.Common.Text" Revision="1" Stencil="System.Storyboarding.Common" StencilVersion="0.1"/>
+</Control>
+</file>
+
+<file path=customXml/item30.xml><?xml version="1.0" encoding="utf-8"?>
+<Control xmlns="http://schemas.microsoft.com/VisualStudio/2011/storyboarding/control">
   <Id Name="System.Storyboarding.Common.Button" Revision="1" Stencil="System.Storyboarding.Common" StencilVersion="0.1"/>
 </Control>
 </file>
 
-<file path=customXml/item30.xml><?xml version="1.0" encoding="utf-8"?>
-<Control xmlns="http://schemas.microsoft.com/VisualStudio/2011/storyboarding/control">
-  <Id Name="System.Storyboarding.Annotation.StickyNote" Revision="1" Stencil="System.Storyboarding.Annotation" StencilVersion="0.1"/>
-</Control>
-</file>
-
 <file path=customXml/item31.xml><?xml version="1.0" encoding="utf-8"?>
 <Control xmlns="http://schemas.microsoft.com/VisualStudio/2011/storyboarding/control">
-  <Id Name="System.Storyboarding.Annotation.StickyNote" Revision="1" Stencil="System.Storyboarding.Annotation" StencilVersion="0.1"/>
+  <Id Name="System.Storyboarding.Common.Text" Revision="1" Stencil="System.Storyboarding.Common" StencilVersion="0.1"/>
 </Control>
 </file>
 
@@ -37716,13 +40784,13 @@
 
 <file path=customXml/item33.xml><?xml version="1.0" encoding="utf-8"?>
 <Control xmlns="http://schemas.microsoft.com/VisualStudio/2011/storyboarding/control">
-  <Id Name="System.Storyboarding.Common.Text" Revision="1" Stencil="System.Storyboarding.Common" StencilVersion="0.1"/>
+  <Id Name="System.Storyboarding.Common.Hyperlink" Revision="1" Stencil="System.Storyboarding.Common" StencilVersion="0.1"/>
 </Control>
 </file>
 
 <file path=customXml/item34.xml><?xml version="1.0" encoding="utf-8"?>
 <Control xmlns="http://schemas.microsoft.com/VisualStudio/2011/storyboarding/control">
-  <Id Name="System.Storyboarding.Backgrounds.WebBrowser" Revision="1" Stencil="System.Storyboarding.Backgrounds" StencilVersion="0.1"/>
+  <Id Name="System.Storyboarding.Common.Text" Revision="1" Stencil="System.Storyboarding.Common" StencilVersion="0.1"/>
 </Control>
 </file>
 
@@ -37734,19 +40802,19 @@
 
 <file path=customXml/item36.xml><?xml version="1.0" encoding="utf-8"?>
 <Control xmlns="http://schemas.microsoft.com/VisualStudio/2011/storyboarding/control">
-  <Id Name="System.Storyboarding.Common.DropdownBox" Revision="1" Stencil="System.Storyboarding.Common" StencilVersion="0.1"/>
+  <Id Name="System.Storyboarding.Common.Text" Revision="1" Stencil="System.Storyboarding.Common" StencilVersion="0.1"/>
 </Control>
 </file>
 
 <file path=customXml/item37.xml><?xml version="1.0" encoding="utf-8"?>
 <Control xmlns="http://schemas.microsoft.com/VisualStudio/2011/storyboarding/control">
-  <Id Name="System.Storyboarding.Common.Text" Revision="1" Stencil="System.Storyboarding.Common" StencilVersion="0.1"/>
+  <Id Name="System.Storyboarding.Common.TextInput" Revision="1" Stencil="System.Storyboarding.Common" StencilVersion="0.1"/>
 </Control>
 </file>
 
 <file path=customXml/item38.xml><?xml version="1.0" encoding="utf-8"?>
 <Control xmlns="http://schemas.microsoft.com/VisualStudio/2011/storyboarding/control">
-  <Id Name="System.Storyboarding.Annotation.StickyNote" Revision="1" Stencil="System.Storyboarding.Annotation" StencilVersion="0.1"/>
+  <Id Name="System.Storyboarding.Common.DatePicker" Revision="1" Stencil="System.Storyboarding.Common" StencilVersion="0.1"/>
 </Control>
 </file>
 
@@ -37764,7 +40832,7 @@
 
 <file path=customXml/item40.xml><?xml version="1.0" encoding="utf-8"?>
 <Control xmlns="http://schemas.microsoft.com/VisualStudio/2011/storyboarding/control">
-  <Id Name="System.Storyboarding.Common.Hyperlink" Revision="1" Stencil="System.Storyboarding.Common" StencilVersion="0.1"/>
+  <Id Name="System.Storyboarding.Common.Text" Revision="1" Stencil="System.Storyboarding.Common" StencilVersion="0.1"/>
 </Control>
 </file>
 
@@ -37788,7 +40856,7 @@
 
 <file path=customXml/item44.xml><?xml version="1.0" encoding="utf-8"?>
 <Control xmlns="http://schemas.microsoft.com/VisualStudio/2011/storyboarding/control">
-  <Id Name="System.Storyboarding.Common.Text" Revision="1" Stencil="System.Storyboarding.Common" StencilVersion="0.1"/>
+  <Id Name="System.Storyboarding.Common.Hyperlink" Revision="1" Stencil="System.Storyboarding.Common" StencilVersion="0.1"/>
 </Control>
 </file>
 
@@ -37800,25 +40868,25 @@
 
 <file path=customXml/item46.xml><?xml version="1.0" encoding="utf-8"?>
 <Control xmlns="http://schemas.microsoft.com/VisualStudio/2011/storyboarding/control">
-  <Id Name="System.Storyboarding.Common.DropdownBox" Revision="1" Stencil="System.Storyboarding.Common" StencilVersion="0.1"/>
+  <Id Name="System.Storyboarding.Common.Text" Revision="1" Stencil="System.Storyboarding.Common" StencilVersion="0.1"/>
 </Control>
 </file>
 
 <file path=customXml/item47.xml><?xml version="1.0" encoding="utf-8"?>
 <Control xmlns="http://schemas.microsoft.com/VisualStudio/2011/storyboarding/control">
-  <Id Name="System.Storyboarding.Common.ScrollbarVertical" Revision="1" Stencil="System.Storyboarding.Common" StencilVersion="0.1"/>
+  <Id Name="System.Storyboarding.Backgrounds.WebBrowser" Revision="1" Stencil="System.Storyboarding.Backgrounds" StencilVersion="0.1"/>
 </Control>
 </file>
 
 <file path=customXml/item48.xml><?xml version="1.0" encoding="utf-8"?>
 <Control xmlns="http://schemas.microsoft.com/VisualStudio/2011/storyboarding/control">
-  <Id Name="System.Storyboarding.Common.Hyperlink" Revision="1" Stencil="System.Storyboarding.Common" StencilVersion="0.1"/>
+  <Id Name="System.Storyboarding.Common.Button" Revision="1" Stencil="System.Storyboarding.Common" StencilVersion="0.1"/>
 </Control>
 </file>
 
 <file path=customXml/item49.xml><?xml version="1.0" encoding="utf-8"?>
 <Control xmlns="http://schemas.microsoft.com/VisualStudio/2011/storyboarding/control">
-  <Id Name="System.Storyboarding.Common.DatePicker" Revision="1" Stencil="System.Storyboarding.Common" StencilVersion="0.1"/>
+  <Id Name="System.Storyboarding.Common.Text" Revision="1" Stencil="System.Storyboarding.Common" StencilVersion="0.1"/>
 </Control>
 </file>
 
@@ -37830,7 +40898,7 @@
 
 <file path=customXml/item50.xml><?xml version="1.0" encoding="utf-8"?>
 <Control xmlns="http://schemas.microsoft.com/VisualStudio/2011/storyboarding/control">
-  <Id Name="System.Storyboarding.Common.Text" Revision="1" Stencil="System.Storyboarding.Common" StencilVersion="0.1"/>
+  <Id Name="System.Storyboarding.Annotation.StickyNote" Revision="1" Stencil="System.Storyboarding.Annotation" StencilVersion="0.1"/>
 </Control>
 </file>
 
@@ -37872,7 +40940,7 @@
 
 <file path=customXml/item57.xml><?xml version="1.0" encoding="utf-8"?>
 <Control xmlns="http://schemas.microsoft.com/VisualStudio/2011/storyboarding/control">
-  <Id Name="System.Storyboarding.Annotation.StickyNote" Revision="1" Stencil="System.Storyboarding.Annotation" StencilVersion="0.1"/>
+  <Id Name="System.Storyboarding.Common.Text" Revision="1" Stencil="System.Storyboarding.Common" StencilVersion="0.1"/>
 </Control>
 </file>
 
@@ -37884,19 +40952,19 @@
 
 <file path=customXml/item59.xml><?xml version="1.0" encoding="utf-8"?>
 <Control xmlns="http://schemas.microsoft.com/VisualStudio/2011/storyboarding/control">
+  <Id Name="System.Storyboarding.Common.Button" Revision="1" Stencil="System.Storyboarding.Common" StencilVersion="0.1"/>
+</Control>
+</file>
+
+<file path=customXml/item6.xml><?xml version="1.0" encoding="utf-8"?>
+<Control xmlns="http://schemas.microsoft.com/VisualStudio/2011/storyboarding/control">
   <Id Name="System.Storyboarding.Common.Text" Revision="1" Stencil="System.Storyboarding.Common" StencilVersion="0.1"/>
 </Control>
 </file>
 
-<file path=customXml/item6.xml><?xml version="1.0" encoding="utf-8"?>
-<Control xmlns="http://schemas.microsoft.com/VisualStudio/2011/storyboarding/control">
-  <Id Name="System.Storyboarding.Common.SearchBox" Revision="1" Stencil="System.Storyboarding.Common" StencilVersion="0.1"/>
-</Control>
-</file>
-
 <file path=customXml/item60.xml><?xml version="1.0" encoding="utf-8"?>
 <Control xmlns="http://schemas.microsoft.com/VisualStudio/2011/storyboarding/control">
-  <Id Name="System.Storyboarding.Common.MouseClick" Revision="1" Stencil="System.Storyboarding.Common" StencilVersion="0.1"/>
+  <Id Name="System.Storyboarding.Common.Text" Revision="1" Stencil="System.Storyboarding.Common" StencilVersion="0.1"/>
 </Control>
 </file>
 
@@ -37914,13 +40982,13 @@
 
 <file path=customXml/item63.xml><?xml version="1.0" encoding="utf-8"?>
 <Control xmlns="http://schemas.microsoft.com/VisualStudio/2011/storyboarding/control">
-  <Id Name="System.Storyboarding.Common.Text" Revision="1" Stencil="System.Storyboarding.Common" StencilVersion="0.1"/>
+  <Id Name="System.Storyboarding.Common.Hyperlink" Revision="1" Stencil="System.Storyboarding.Common" StencilVersion="0.1"/>
 </Control>
 </file>
 
 <file path=customXml/item64.xml><?xml version="1.0" encoding="utf-8"?>
 <Control xmlns="http://schemas.microsoft.com/VisualStudio/2011/storyboarding/control">
-  <Id Name="System.Storyboarding.Common.Text" Revision="1" Stencil="System.Storyboarding.Common" StencilVersion="0.1"/>
+  <Id Name="System.Storyboarding.Common.Button" Revision="1" Stencil="System.Storyboarding.Common" StencilVersion="0.1"/>
 </Control>
 </file>
 
@@ -37932,19 +41000,19 @@
 
 <file path=customXml/item66.xml><?xml version="1.0" encoding="utf-8"?>
 <Control xmlns="http://schemas.microsoft.com/VisualStudio/2011/storyboarding/control">
-  <Id Name="System.Storyboarding.Common.Button" Revision="1" Stencil="System.Storyboarding.Common" StencilVersion="0.1"/>
+  <Id Name="System.Storyboarding.Common.Text" Revision="1" Stencil="System.Storyboarding.Common" StencilVersion="0.1"/>
 </Control>
 </file>
 
 <file path=customXml/item67.xml><?xml version="1.0" encoding="utf-8"?>
 <Control xmlns="http://schemas.microsoft.com/VisualStudio/2011/storyboarding/control">
-  <Id Name="System.Storyboarding.Common.Hyperlink" Revision="1" Stencil="System.Storyboarding.Common" StencilVersion="0.1"/>
+  <Id Name="System.Storyboarding.Common.Text" Revision="1" Stencil="System.Storyboarding.Common" StencilVersion="0.1"/>
 </Control>
 </file>
 
 <file path=customXml/item68.xml><?xml version="1.0" encoding="utf-8"?>
 <Control xmlns="http://schemas.microsoft.com/VisualStudio/2011/storyboarding/control">
-  <Id Name="System.Storyboarding.Common.Text" Revision="1" Stencil="System.Storyboarding.Common" StencilVersion="0.1"/>
+  <Id Name="System.Storyboarding.Common.SearchBox" Revision="1" Stencil="System.Storyboarding.Common" StencilVersion="0.1"/>
 </Control>
 </file>
 
@@ -37956,7 +41024,7 @@
 
 <file path=customXml/item7.xml><?xml version="1.0" encoding="utf-8"?>
 <Control xmlns="http://schemas.microsoft.com/VisualStudio/2011/storyboarding/control">
-  <Id Name="System.Storyboarding.Common.Text" Revision="1" Stencil="System.Storyboarding.Common" StencilVersion="0.1"/>
+  <Id Name="System.Storyboarding.Annotation.StickyNote" Revision="1" Stencil="System.Storyboarding.Annotation" StencilVersion="0.1"/>
 </Control>
 </file>
 
@@ -37968,31 +41036,31 @@
 
 <file path=customXml/item71.xml><?xml version="1.0" encoding="utf-8"?>
 <Control xmlns="http://schemas.microsoft.com/VisualStudio/2011/storyboarding/control">
-  <Id Name="System.Storyboarding.Common.Text" Revision="1" Stencil="System.Storyboarding.Common" StencilVersion="0.1"/>
+  <Id Name="System.Storyboarding.Common.DatePicker" Revision="1" Stencil="System.Storyboarding.Common" StencilVersion="0.1"/>
 </Control>
 </file>
 
 <file path=customXml/item72.xml><?xml version="1.0" encoding="utf-8"?>
+<Control xmlns="http://schemas.microsoft.com/VisualStudio/2011/storyboarding/control">
+  <Id Name="System.Storyboarding.Annotation.StickyNote" Revision="1" Stencil="System.Storyboarding.Annotation" StencilVersion="0.1"/>
+</Control>
+</file>
+
+<file path=customXml/item73.xml><?xml version="1.0" encoding="utf-8"?>
 <Control xmlns="http://schemas.microsoft.com/VisualStudio/2011/storyboarding/control">
   <Id Name="System.Storyboarding.Common.Text" Revision="1" Stencil="System.Storyboarding.Common" StencilVersion="0.1"/>
 </Control>
 </file>
 
-<file path=customXml/item73.xml><?xml version="1.0" encoding="utf-8"?>
-<Control xmlns="http://schemas.microsoft.com/VisualStudio/2011/storyboarding/control">
-  <Id Name="System.Storyboarding.Backgrounds.WebBrowser" Revision="1" Stencil="System.Storyboarding.Backgrounds" StencilVersion="0.1"/>
-</Control>
-</file>
-
 <file path=customXml/item74.xml><?xml version="1.0" encoding="utf-8"?>
 <Control xmlns="http://schemas.microsoft.com/VisualStudio/2011/storyboarding/control">
-  <Id Name="System.Storyboarding.Common.Calendar" Revision="1" Stencil="System.Storyboarding.Common" StencilVersion="0.1"/>
+  <Id Name="System.Storyboarding.Common.Text" Revision="1" Stencil="System.Storyboarding.Common" StencilVersion="0.1"/>
 </Control>
 </file>
 
 <file path=customXml/item75.xml><?xml version="1.0" encoding="utf-8"?>
 <Control xmlns="http://schemas.microsoft.com/VisualStudio/2011/storyboarding/control">
-  <Id Name="System.Storyboarding.Common.Text" Revision="1" Stencil="System.Storyboarding.Common" StencilVersion="0.1"/>
+  <Id Name="System.Storyboarding.Common.MouseClick" Revision="1" Stencil="System.Storyboarding.Common" StencilVersion="0.1"/>
 </Control>
 </file>
 
@@ -38016,7 +41084,7 @@
 
 <file path=customXml/item79.xml><?xml version="1.0" encoding="utf-8"?>
 <Control xmlns="http://schemas.microsoft.com/VisualStudio/2011/storyboarding/control">
-  <Id Name="System.Storyboarding.Common.Hyperlink" Revision="1" Stencil="System.Storyboarding.Common" StencilVersion="0.1"/>
+  <Id Name="System.Storyboarding.Common.Text" Revision="1" Stencil="System.Storyboarding.Common" StencilVersion="0.1"/>
 </Control>
 </file>
 
@@ -38040,7 +41108,7 @@
 
 <file path=customXml/item82.xml><?xml version="1.0" encoding="utf-8"?>
 <Control xmlns="http://schemas.microsoft.com/VisualStudio/2011/storyboarding/control">
-  <Id Name="System.Storyboarding.Annotation.StickyNote" Revision="1" Stencil="System.Storyboarding.Annotation" StencilVersion="0.1"/>
+  <Id Name="System.Storyboarding.Common.Text" Revision="1" Stencil="System.Storyboarding.Common" StencilVersion="0.1"/>
 </Control>
 </file>
 
@@ -38064,7 +41132,7 @@
 
 <file path=customXml/item86.xml><?xml version="1.0" encoding="utf-8"?>
 <Control xmlns="http://schemas.microsoft.com/VisualStudio/2011/storyboarding/control">
-  <Id Name="System.Storyboarding.Common.Text" Revision="1" Stencil="System.Storyboarding.Common" StencilVersion="0.1"/>
+  <Id Name="System.Storyboarding.Common.DatePicker" Revision="1" Stencil="System.Storyboarding.Common" StencilVersion="0.1"/>
 </Control>
 </file>
 
@@ -38076,31 +41144,31 @@
 
 <file path=customXml/item88.xml><?xml version="1.0" encoding="utf-8"?>
 <Control xmlns="http://schemas.microsoft.com/VisualStudio/2011/storyboarding/control">
-  <Id Name="System.Storyboarding.Backgrounds.WebBrowser" Revision="1" Stencil="System.Storyboarding.Backgrounds" StencilVersion="0.1"/>
+  <Id Name="System.Storyboarding.Common.Text" Revision="1" Stencil="System.Storyboarding.Common" StencilVersion="0.1"/>
 </Control>
 </file>
 
 <file path=customXml/item89.xml><?xml version="1.0" encoding="utf-8"?>
+<Control xmlns="http://schemas.microsoft.com/VisualStudio/2011/storyboarding/control">
+  <Id Name="System.Storyboarding.Common.TextArea" Revision="1" Stencil="System.Storyboarding.Common" StencilVersion="0.1"/>
+</Control>
+</file>
+
+<file path=customXml/item9.xml><?xml version="1.0" encoding="utf-8"?>
+<Control xmlns="http://schemas.microsoft.com/VisualStudio/2011/storyboarding/control">
+  <Id Name="System.Storyboarding.Common.Text" Revision="1" Stencil="System.Storyboarding.Common" StencilVersion="0.1"/>
+</Control>
+</file>
+
+<file path=customXml/item90.xml><?xml version="1.0" encoding="utf-8"?>
 <Control xmlns="http://schemas.microsoft.com/VisualStudio/2011/storyboarding/control">
   <Id Name="System.Storyboarding.Backgrounds.WebBrowser" Revision="1" Stencil="System.Storyboarding.Backgrounds" StencilVersion="0.1"/>
 </Control>
 </file>
 
-<file path=customXml/item9.xml><?xml version="1.0" encoding="utf-8"?>
-<Control xmlns="http://schemas.microsoft.com/VisualStudio/2011/storyboarding/control">
-  <Id Name="System.Storyboarding.Backgrounds.WebBrowser" Revision="1" Stencil="System.Storyboarding.Backgrounds" StencilVersion="0.1"/>
-</Control>
-</file>
-
-<file path=customXml/item90.xml><?xml version="1.0" encoding="utf-8"?>
+<file path=customXml/item91.xml><?xml version="1.0" encoding="utf-8"?>
 <Control xmlns="http://schemas.microsoft.com/VisualStudio/2011/storyboarding/control">
   <Id Name="System.Storyboarding.Common.Text" Revision="1" Stencil="System.Storyboarding.Common" StencilVersion="0.1"/>
-</Control>
-</file>
-
-<file path=customXml/item91.xml><?xml version="1.0" encoding="utf-8"?>
-<Control xmlns="http://schemas.microsoft.com/VisualStudio/2011/storyboarding/control">
-  <Id Name="System.Storyboarding.Common.Button" Revision="1" Stencil="System.Storyboarding.Common" StencilVersion="0.1"/>
 </Control>
 </file>
 
@@ -38112,19 +41180,19 @@
 
 <file path=customXml/item93.xml><?xml version="1.0" encoding="utf-8"?>
 <Control xmlns="http://schemas.microsoft.com/VisualStudio/2011/storyboarding/control">
-  <Id Name="System.Storyboarding.Common.Button" Revision="1" Stencil="System.Storyboarding.Common" StencilVersion="0.1"/>
+  <Id Name="System.Storyboarding.Common.Text" Revision="1" Stencil="System.Storyboarding.Common" StencilVersion="0.1"/>
 </Control>
 </file>
 
 <file path=customXml/item94.xml><?xml version="1.0" encoding="utf-8"?>
 <Control xmlns="http://schemas.microsoft.com/VisualStudio/2011/storyboarding/control">
-  <Id Name="System.Storyboarding.Common.Text" Revision="1" Stencil="System.Storyboarding.Common" StencilVersion="0.1"/>
+  <Id Name="System.Storyboarding.Annotation.StickyNote" Revision="1" Stencil="System.Storyboarding.Annotation" StencilVersion="0.1"/>
 </Control>
 </file>
 
 <file path=customXml/item95.xml><?xml version="1.0" encoding="utf-8"?>
 <Control xmlns="http://schemas.microsoft.com/VisualStudio/2011/storyboarding/control">
-  <Id Name="System.Storyboarding.Common.TextInput" Revision="1" Stencil="System.Storyboarding.Common" StencilVersion="0.1"/>
+  <Id Name="System.Storyboarding.Common.Text" Revision="1" Stencil="System.Storyboarding.Common" StencilVersion="0.1"/>
 </Control>
 </file>
 
@@ -38136,13 +41204,13 @@
 
 <file path=customXml/item97.xml><?xml version="1.0" encoding="utf-8"?>
 <Control xmlns="http://schemas.microsoft.com/VisualStudio/2011/storyboarding/control">
-  <Id Name="System.Storyboarding.Annotation.StickyNote" Revision="1" Stencil="System.Storyboarding.Annotation" StencilVersion="0.1"/>
+  <Id Name="System.Storyboarding.Common.Button" Revision="1" Stencil="System.Storyboarding.Common" StencilVersion="0.1"/>
 </Control>
 </file>
 
 <file path=customXml/item98.xml><?xml version="1.0" encoding="utf-8"?>
 <Control xmlns="http://schemas.microsoft.com/VisualStudio/2011/storyboarding/control">
-  <Id Name="System.Storyboarding.Common.Text" Revision="1" Stencil="System.Storyboarding.Common" StencilVersion="0.1"/>
+  <Id Name="System.Storyboarding.Common.DropdownBox" Revision="1" Stencil="System.Storyboarding.Common" StencilVersion="0.1"/>
 </Control>
 </file>
 
@@ -38153,7 +41221,7 @@
 </file>
 
 <file path=customXml/itemProps1.xml><?xml version="1.0" encoding="utf-8"?>
-<ds:datastoreItem xmlns:ds="http://schemas.openxmlformats.org/officeDocument/2006/customXml" ds:itemID="{802DB3F4-4BBA-4E61-B21B-ACBBDD259570}">
+<ds:datastoreItem xmlns:ds="http://schemas.openxmlformats.org/officeDocument/2006/customXml" ds:itemID="{09B12597-EF45-4DB1-9BE8-25156151E360}">
   <ds:schemaRefs>
     <ds:schemaRef ds:uri="http://schemas.microsoft.com/VisualStudio/2011/storyboarding/control"/>
   </ds:schemaRefs>
@@ -38161,70 +41229,6 @@
 </file>
 
 <file path=customXml/itemProps10.xml><?xml version="1.0" encoding="utf-8"?>
-<ds:datastoreItem xmlns:ds="http://schemas.openxmlformats.org/officeDocument/2006/customXml" ds:itemID="{30216488-AEE9-494D-9B9E-6D0AF465A5A6}">
-  <ds:schemaRefs>
-    <ds:schemaRef ds:uri="http://schemas.microsoft.com/VisualStudio/2011/storyboarding/control"/>
-  </ds:schemaRefs>
-</ds:datastoreItem>
-</file>
-
-<file path=customXml/itemProps100.xml><?xml version="1.0" encoding="utf-8"?>
-<ds:datastoreItem xmlns:ds="http://schemas.openxmlformats.org/officeDocument/2006/customXml" ds:itemID="{FD509327-DBF4-47A6-AB0F-E61B7A61AC00}">
-  <ds:schemaRefs>
-    <ds:schemaRef ds:uri="http://schemas.microsoft.com/VisualStudio/2011/storyboarding/control"/>
-  </ds:schemaRefs>
-</ds:datastoreItem>
-</file>
-
-<file path=customXml/itemProps101.xml><?xml version="1.0" encoding="utf-8"?>
-<ds:datastoreItem xmlns:ds="http://schemas.openxmlformats.org/officeDocument/2006/customXml" ds:itemID="{9D00555A-8BE8-4D5A-99D6-E48EAC68F112}">
-  <ds:schemaRefs>
-    <ds:schemaRef ds:uri="http://schemas.microsoft.com/VisualStudio/2011/storyboarding/control"/>
-  </ds:schemaRefs>
-</ds:datastoreItem>
-</file>
-
-<file path=customXml/itemProps102.xml><?xml version="1.0" encoding="utf-8"?>
-<ds:datastoreItem xmlns:ds="http://schemas.openxmlformats.org/officeDocument/2006/customXml" ds:itemID="{F490BE30-D93F-4924-92BA-B3218DC46675}">
-  <ds:schemaRefs>
-    <ds:schemaRef ds:uri="http://schemas.microsoft.com/VisualStudio/2011/storyboarding/control"/>
-  </ds:schemaRefs>
-</ds:datastoreItem>
-</file>
-
-<file path=customXml/itemProps103.xml><?xml version="1.0" encoding="utf-8"?>
-<ds:datastoreItem xmlns:ds="http://schemas.openxmlformats.org/officeDocument/2006/customXml" ds:itemID="{52A123F7-9141-4DDD-972D-47772C780ADF}">
-  <ds:schemaRefs>
-    <ds:schemaRef ds:uri="http://schemas.microsoft.com/VisualStudio/2011/storyboarding/control"/>
-  </ds:schemaRefs>
-</ds:datastoreItem>
-</file>
-
-<file path=customXml/itemProps104.xml><?xml version="1.0" encoding="utf-8"?>
-<ds:datastoreItem xmlns:ds="http://schemas.openxmlformats.org/officeDocument/2006/customXml" ds:itemID="{3BB6950F-B6D0-4CF4-9A1E-51A81DED6ECC}">
-  <ds:schemaRefs>
-    <ds:schemaRef ds:uri="http://schemas.microsoft.com/VisualStudio/2011/storyboarding/control"/>
-  </ds:schemaRefs>
-</ds:datastoreItem>
-</file>
-
-<file path=customXml/itemProps105.xml><?xml version="1.0" encoding="utf-8"?>
-<ds:datastoreItem xmlns:ds="http://schemas.openxmlformats.org/officeDocument/2006/customXml" ds:itemID="{4907AC48-98BE-4147-AAB8-150F68B31F7A}">
-  <ds:schemaRefs>
-    <ds:schemaRef ds:uri="http://schemas.microsoft.com/VisualStudio/2011/storyboarding/control"/>
-  </ds:schemaRefs>
-</ds:datastoreItem>
-</file>
-
-<file path=customXml/itemProps106.xml><?xml version="1.0" encoding="utf-8"?>
-<ds:datastoreItem xmlns:ds="http://schemas.openxmlformats.org/officeDocument/2006/customXml" ds:itemID="{25BE1C23-9B48-494B-BBDD-F14BB0AE25B6}">
-  <ds:schemaRefs>
-    <ds:schemaRef ds:uri="http://schemas.microsoft.com/VisualStudio/2011/storyboarding/control"/>
-  </ds:schemaRefs>
-</ds:datastoreItem>
-</file>
-
-<file path=customXml/itemProps107.xml><?xml version="1.0" encoding="utf-8"?>
 <ds:datastoreItem xmlns:ds="http://schemas.openxmlformats.org/officeDocument/2006/customXml" ds:itemID="{33D87924-6590-46B9-AD56-5D7083A3F712}">
   <ds:schemaRefs>
     <ds:schemaRef ds:uri="http://schemas.microsoft.com/VisualStudio/2011/storyboarding/control"/>
@@ -38232,16 +41236,80 @@
 </ds:datastoreItem>
 </file>
 
-<file path=customXml/itemProps108.xml><?xml version="1.0" encoding="utf-8"?>
-<ds:datastoreItem xmlns:ds="http://schemas.openxmlformats.org/officeDocument/2006/customXml" ds:itemID="{73929B07-F852-4BA1-94E7-F5E9E7CA35C9}">
+<file path=customXml/itemProps100.xml><?xml version="1.0" encoding="utf-8"?>
+<ds:datastoreItem xmlns:ds="http://schemas.openxmlformats.org/officeDocument/2006/customXml" ds:itemID="{B571F9C1-4FA1-4F01-9027-A15B5C51BD33}">
   <ds:schemaRefs>
     <ds:schemaRef ds:uri="http://schemas.microsoft.com/VisualStudio/2011/storyboarding/control"/>
   </ds:schemaRefs>
 </ds:datastoreItem>
 </file>
 
+<file path=customXml/itemProps101.xml><?xml version="1.0" encoding="utf-8"?>
+<ds:datastoreItem xmlns:ds="http://schemas.openxmlformats.org/officeDocument/2006/customXml" ds:itemID="{620EC4D8-FFB4-425F-8F1B-F6A51DF0CB99}">
+  <ds:schemaRefs>
+    <ds:schemaRef ds:uri="http://schemas.microsoft.com/VisualStudio/2011/storyboarding/control"/>
+  </ds:schemaRefs>
+</ds:datastoreItem>
+</file>
+
+<file path=customXml/itemProps102.xml><?xml version="1.0" encoding="utf-8"?>
+<ds:datastoreItem xmlns:ds="http://schemas.openxmlformats.org/officeDocument/2006/customXml" ds:itemID="{96A56CBC-50B5-4FEF-ACE1-7A1BA50366C6}">
+  <ds:schemaRefs>
+    <ds:schemaRef ds:uri="http://schemas.microsoft.com/VisualStudio/2011/storyboarding/control"/>
+  </ds:schemaRefs>
+</ds:datastoreItem>
+</file>
+
+<file path=customXml/itemProps103.xml><?xml version="1.0" encoding="utf-8"?>
+<ds:datastoreItem xmlns:ds="http://schemas.openxmlformats.org/officeDocument/2006/customXml" ds:itemID="{2E3D6780-4752-4FF3-8A3A-A347661D06C8}">
+  <ds:schemaRefs>
+    <ds:schemaRef ds:uri="http://schemas.microsoft.com/VisualStudio/2011/storyboarding/control"/>
+  </ds:schemaRefs>
+</ds:datastoreItem>
+</file>
+
+<file path=customXml/itemProps104.xml><?xml version="1.0" encoding="utf-8"?>
+<ds:datastoreItem xmlns:ds="http://schemas.openxmlformats.org/officeDocument/2006/customXml" ds:itemID="{DAB5D68A-8149-4DD8-A320-B9B8BF60B795}">
+  <ds:schemaRefs>
+    <ds:schemaRef ds:uri="http://schemas.microsoft.com/VisualStudio/2011/storyboarding/control"/>
+  </ds:schemaRefs>
+</ds:datastoreItem>
+</file>
+
+<file path=customXml/itemProps105.xml><?xml version="1.0" encoding="utf-8"?>
+<ds:datastoreItem xmlns:ds="http://schemas.openxmlformats.org/officeDocument/2006/customXml" ds:itemID="{FD656766-1E2C-4AF3-A0BF-BBE8EFFF6209}">
+  <ds:schemaRefs>
+    <ds:schemaRef ds:uri="http://schemas.microsoft.com/VisualStudio/2011/storyboarding/control"/>
+  </ds:schemaRefs>
+</ds:datastoreItem>
+</file>
+
+<file path=customXml/itemProps106.xml><?xml version="1.0" encoding="utf-8"?>
+<ds:datastoreItem xmlns:ds="http://schemas.openxmlformats.org/officeDocument/2006/customXml" ds:itemID="{47D04905-61AD-4541-BF97-CDCEDECD854D}">
+  <ds:schemaRefs>
+    <ds:schemaRef ds:uri="http://schemas.microsoft.com/VisualStudio/2011/storyboarding/control"/>
+  </ds:schemaRefs>
+</ds:datastoreItem>
+</file>
+
+<file path=customXml/itemProps107.xml><?xml version="1.0" encoding="utf-8"?>
+<ds:datastoreItem xmlns:ds="http://schemas.openxmlformats.org/officeDocument/2006/customXml" ds:itemID="{F03C893E-696A-41A3-AF2A-F59F49901BD0}">
+  <ds:schemaRefs>
+    <ds:schemaRef ds:uri="http://schemas.microsoft.com/VisualStudio/2011/storyboarding/control"/>
+  </ds:schemaRefs>
+</ds:datastoreItem>
+</file>
+
+<file path=customXml/itemProps108.xml><?xml version="1.0" encoding="utf-8"?>
+<ds:datastoreItem xmlns:ds="http://schemas.openxmlformats.org/officeDocument/2006/customXml" ds:itemID="{8B7DB7B4-E10B-44E4-AF44-70F65BA4AEEE}">
+  <ds:schemaRefs>
+    <ds:schemaRef ds:uri="http://schemas.microsoft.com/VisualStudio/2011/storyboarding/control"/>
+  </ds:schemaRefs>
+</ds:datastoreItem>
+</file>
+
 <file path=customXml/itemProps109.xml><?xml version="1.0" encoding="utf-8"?>
-<ds:datastoreItem xmlns:ds="http://schemas.openxmlformats.org/officeDocument/2006/customXml" ds:itemID="{6623E3D6-B17D-4553-A5F1-6196A52EC2A5}">
+<ds:datastoreItem xmlns:ds="http://schemas.openxmlformats.org/officeDocument/2006/customXml" ds:itemID="{066C72EA-1795-446C-8FDE-0DAD7365D84B}">
   <ds:schemaRefs>
     <ds:schemaRef ds:uri="http://schemas.microsoft.com/VisualStudio/2011/storyboarding/control"/>
   </ds:schemaRefs>
@@ -38257,7 +41325,7 @@
 </file>
 
 <file path=customXml/itemProps110.xml><?xml version="1.0" encoding="utf-8"?>
-<ds:datastoreItem xmlns:ds="http://schemas.openxmlformats.org/officeDocument/2006/customXml" ds:itemID="{97AA8986-20BF-4F63-BEFC-A263908167C5}">
+<ds:datastoreItem xmlns:ds="http://schemas.openxmlformats.org/officeDocument/2006/customXml" ds:itemID="{82A14D4B-FD74-4E11-9C45-06EB68993003}">
   <ds:schemaRefs>
     <ds:schemaRef ds:uri="http://schemas.microsoft.com/VisualStudio/2011/storyboarding/control"/>
   </ds:schemaRefs>
@@ -38265,7 +41333,7 @@
 </file>
 
 <file path=customXml/itemProps111.xml><?xml version="1.0" encoding="utf-8"?>
-<ds:datastoreItem xmlns:ds="http://schemas.openxmlformats.org/officeDocument/2006/customXml" ds:itemID="{5E0728AF-94AB-4D7A-8912-2A16D7033F83}">
+<ds:datastoreItem xmlns:ds="http://schemas.openxmlformats.org/officeDocument/2006/customXml" ds:itemID="{2D1439FC-7EEC-4FA1-803B-72C74EF27803}">
   <ds:schemaRefs>
     <ds:schemaRef ds:uri="http://schemas.microsoft.com/VisualStudio/2011/storyboarding/control"/>
   </ds:schemaRefs>
@@ -38273,7 +41341,7 @@
 </file>
 
 <file path=customXml/itemProps112.xml><?xml version="1.0" encoding="utf-8"?>
-<ds:datastoreItem xmlns:ds="http://schemas.openxmlformats.org/officeDocument/2006/customXml" ds:itemID="{0086A053-5F64-4E4F-A73F-764116E88701}">
+<ds:datastoreItem xmlns:ds="http://schemas.openxmlformats.org/officeDocument/2006/customXml" ds:itemID="{0CF44388-777E-4FF4-822F-AF9DCA3AD90E}">
   <ds:schemaRefs>
     <ds:schemaRef ds:uri="http://schemas.microsoft.com/VisualStudio/2011/storyboarding/control"/>
   </ds:schemaRefs>
@@ -38281,7 +41349,7 @@
 </file>
 
 <file path=customXml/itemProps113.xml><?xml version="1.0" encoding="utf-8"?>
-<ds:datastoreItem xmlns:ds="http://schemas.openxmlformats.org/officeDocument/2006/customXml" ds:itemID="{E91423FF-436C-46D4-947D-955C227A58BA}">
+<ds:datastoreItem xmlns:ds="http://schemas.openxmlformats.org/officeDocument/2006/customXml" ds:itemID="{6CE9179B-2CC6-448A-B0E0-B0F8811415BB}">
   <ds:schemaRefs>
     <ds:schemaRef ds:uri="http://schemas.microsoft.com/VisualStudio/2011/storyboarding/control"/>
   </ds:schemaRefs>
@@ -38289,7 +41357,7 @@
 </file>
 
 <file path=customXml/itemProps114.xml><?xml version="1.0" encoding="utf-8"?>
-<ds:datastoreItem xmlns:ds="http://schemas.openxmlformats.org/officeDocument/2006/customXml" ds:itemID="{6C8C2C97-D014-4A23-8948-CF596EBFFDB9}">
+<ds:datastoreItem xmlns:ds="http://schemas.openxmlformats.org/officeDocument/2006/customXml" ds:itemID="{97AA8986-20BF-4F63-BEFC-A263908167C5}">
   <ds:schemaRefs>
     <ds:schemaRef ds:uri="http://schemas.microsoft.com/VisualStudio/2011/storyboarding/control"/>
   </ds:schemaRefs>
@@ -38305,7 +41373,7 @@
 </file>
 
 <file path=customXml/itemProps116.xml><?xml version="1.0" encoding="utf-8"?>
-<ds:datastoreItem xmlns:ds="http://schemas.openxmlformats.org/officeDocument/2006/customXml" ds:itemID="{7FE905E9-37F7-44C4-9A6F-36A9BCD8D56A}">
+<ds:datastoreItem xmlns:ds="http://schemas.openxmlformats.org/officeDocument/2006/customXml" ds:itemID="{94E285F2-2C8F-41D0-96FA-DC805F63CE35}">
   <ds:schemaRefs>
     <ds:schemaRef ds:uri="http://schemas.microsoft.com/VisualStudio/2011/storyboarding/control"/>
   </ds:schemaRefs>
@@ -38313,7 +41381,7 @@
 </file>
 
 <file path=customXml/itemProps117.xml><?xml version="1.0" encoding="utf-8"?>
-<ds:datastoreItem xmlns:ds="http://schemas.openxmlformats.org/officeDocument/2006/customXml" ds:itemID="{09B12597-EF45-4DB1-9BE8-25156151E360}">
+<ds:datastoreItem xmlns:ds="http://schemas.openxmlformats.org/officeDocument/2006/customXml" ds:itemID="{DFF0C62B-AFCD-4263-A311-12F0E4BDE90B}">
   <ds:schemaRefs>
     <ds:schemaRef ds:uri="http://schemas.microsoft.com/VisualStudio/2011/storyboarding/control"/>
   </ds:schemaRefs>
@@ -38321,7 +41389,7 @@
 </file>
 
 <file path=customXml/itemProps118.xml><?xml version="1.0" encoding="utf-8"?>
-<ds:datastoreItem xmlns:ds="http://schemas.openxmlformats.org/officeDocument/2006/customXml" ds:itemID="{630842F4-ED51-4CCA-AFB2-F49700B8AB0C}">
+<ds:datastoreItem xmlns:ds="http://schemas.openxmlformats.org/officeDocument/2006/customXml" ds:itemID="{93F0629C-B82C-4589-A9E4-D4BA65F7D6AC}">
   <ds:schemaRefs>
     <ds:schemaRef ds:uri="http://schemas.microsoft.com/VisualStudio/2011/storyboarding/control"/>
   </ds:schemaRefs>
@@ -38329,7 +41397,7 @@
 </file>
 
 <file path=customXml/itemProps119.xml><?xml version="1.0" encoding="utf-8"?>
-<ds:datastoreItem xmlns:ds="http://schemas.openxmlformats.org/officeDocument/2006/customXml" ds:itemID="{2CCE1B96-546F-44A8-9D4D-D31CACDA42D0}">
+<ds:datastoreItem xmlns:ds="http://schemas.openxmlformats.org/officeDocument/2006/customXml" ds:itemID="{82A7A224-A70B-48A1-9EFB-2ECCE6A6494B}">
   <ds:schemaRefs>
     <ds:schemaRef ds:uri="http://schemas.microsoft.com/VisualStudio/2011/storyboarding/control"/>
   </ds:schemaRefs>
@@ -38337,7 +41405,7 @@
 </file>
 
 <file path=customXml/itemProps12.xml><?xml version="1.0" encoding="utf-8"?>
-<ds:datastoreItem xmlns:ds="http://schemas.openxmlformats.org/officeDocument/2006/customXml" ds:itemID="{C710205F-42C5-4BB9-A729-B2EC8DAF98F0}">
+<ds:datastoreItem xmlns:ds="http://schemas.openxmlformats.org/officeDocument/2006/customXml" ds:itemID="{C8C7FDB1-76B5-45B6-B4E1-0195E6C19F1C}">
   <ds:schemaRefs>
     <ds:schemaRef ds:uri="http://schemas.microsoft.com/VisualStudio/2011/storyboarding/control"/>
   </ds:schemaRefs>
@@ -38345,7 +41413,7 @@
 </file>
 
 <file path=customXml/itemProps120.xml><?xml version="1.0" encoding="utf-8"?>
-<ds:datastoreItem xmlns:ds="http://schemas.openxmlformats.org/officeDocument/2006/customXml" ds:itemID="{ABD760D2-0B36-4168-9FD8-2A4597281D71}">
+<ds:datastoreItem xmlns:ds="http://schemas.openxmlformats.org/officeDocument/2006/customXml" ds:itemID="{23C7F890-A81E-44E9-97A4-CD88E606D7D7}">
   <ds:schemaRefs>
     <ds:schemaRef ds:uri="http://schemas.microsoft.com/VisualStudio/2011/storyboarding/control"/>
   </ds:schemaRefs>
@@ -38353,7 +41421,7 @@
 </file>
 
 <file path=customXml/itemProps121.xml><?xml version="1.0" encoding="utf-8"?>
-<ds:datastoreItem xmlns:ds="http://schemas.openxmlformats.org/officeDocument/2006/customXml" ds:itemID="{E6D1C315-1BAB-445F-9332-D72296B23C97}">
+<ds:datastoreItem xmlns:ds="http://schemas.openxmlformats.org/officeDocument/2006/customXml" ds:itemID="{214489B0-F990-4418-99B3-CDC73AA2CE3E}">
   <ds:schemaRefs>
     <ds:schemaRef ds:uri="http://schemas.microsoft.com/VisualStudio/2011/storyboarding/control"/>
   </ds:schemaRefs>
@@ -38361,7 +41429,7 @@
 </file>
 
 <file path=customXml/itemProps122.xml><?xml version="1.0" encoding="utf-8"?>
-<ds:datastoreItem xmlns:ds="http://schemas.openxmlformats.org/officeDocument/2006/customXml" ds:itemID="{57F19531-FDE6-4716-935A-DFEDAFF14822}">
+<ds:datastoreItem xmlns:ds="http://schemas.openxmlformats.org/officeDocument/2006/customXml" ds:itemID="{323B172D-0EB0-4BA9-A3F9-00059E555185}">
   <ds:schemaRefs>
     <ds:schemaRef ds:uri="http://schemas.microsoft.com/VisualStudio/2011/storyboarding/control"/>
   </ds:schemaRefs>
@@ -38369,7 +41437,7 @@
 </file>
 
 <file path=customXml/itemProps123.xml><?xml version="1.0" encoding="utf-8"?>
-<ds:datastoreItem xmlns:ds="http://schemas.openxmlformats.org/officeDocument/2006/customXml" ds:itemID="{385D1D53-B933-4849-9F36-E90088E7165B}">
+<ds:datastoreItem xmlns:ds="http://schemas.openxmlformats.org/officeDocument/2006/customXml" ds:itemID="{6DFB5AF4-190F-4D68-B687-D255F81417D7}">
   <ds:schemaRefs>
     <ds:schemaRef ds:uri="http://schemas.microsoft.com/VisualStudio/2011/storyboarding/control"/>
   </ds:schemaRefs>
@@ -38377,7 +41445,7 @@
 </file>
 
 <file path=customXml/itemProps124.xml><?xml version="1.0" encoding="utf-8"?>
-<ds:datastoreItem xmlns:ds="http://schemas.openxmlformats.org/officeDocument/2006/customXml" ds:itemID="{E23892B6-DE5D-42C1-B5FE-F3DACC33570A}">
+<ds:datastoreItem xmlns:ds="http://schemas.openxmlformats.org/officeDocument/2006/customXml" ds:itemID="{90B44F6A-99BB-4609-9C2E-FB22B1DAA291}">
   <ds:schemaRefs>
     <ds:schemaRef ds:uri="http://schemas.microsoft.com/VisualStudio/2011/storyboarding/control"/>
   </ds:schemaRefs>
@@ -38385,7 +41453,7 @@
 </file>
 
 <file path=customXml/itemProps125.xml><?xml version="1.0" encoding="utf-8"?>
-<ds:datastoreItem xmlns:ds="http://schemas.openxmlformats.org/officeDocument/2006/customXml" ds:itemID="{DD5FD3A2-9052-4DDC-832E-D0E3469AEB76}">
+<ds:datastoreItem xmlns:ds="http://schemas.openxmlformats.org/officeDocument/2006/customXml" ds:itemID="{CD29FAB3-6532-4C07-87B7-D3B163E5334C}">
   <ds:schemaRefs>
     <ds:schemaRef ds:uri="http://schemas.microsoft.com/VisualStudio/2011/storyboarding/control"/>
   </ds:schemaRefs>
@@ -38393,6 +41461,70 @@
 </file>
 
 <file path=customXml/itemProps126.xml><?xml version="1.0" encoding="utf-8"?>
+<ds:datastoreItem xmlns:ds="http://schemas.openxmlformats.org/officeDocument/2006/customXml" ds:itemID="{E1C4F629-0007-43A0-95A6-3BA4361620DE}">
+  <ds:schemaRefs>
+    <ds:schemaRef ds:uri="http://schemas.microsoft.com/VisualStudio/2011/storyboarding/control"/>
+  </ds:schemaRefs>
+</ds:datastoreItem>
+</file>
+
+<file path=customXml/itemProps127.xml><?xml version="1.0" encoding="utf-8"?>
+<ds:datastoreItem xmlns:ds="http://schemas.openxmlformats.org/officeDocument/2006/customXml" ds:itemID="{D03E9CF7-7D83-4868-80E9-E25D7A886C94}">
+  <ds:schemaRefs>
+    <ds:schemaRef ds:uri="http://schemas.microsoft.com/VisualStudio/2011/storyboarding/control"/>
+  </ds:schemaRefs>
+</ds:datastoreItem>
+</file>
+
+<file path=customXml/itemProps128.xml><?xml version="1.0" encoding="utf-8"?>
+<ds:datastoreItem xmlns:ds="http://schemas.openxmlformats.org/officeDocument/2006/customXml" ds:itemID="{EF422FE5-4CF9-46BC-B9C7-C1C5588D3D78}">
+  <ds:schemaRefs>
+    <ds:schemaRef ds:uri="http://schemas.microsoft.com/VisualStudio/2011/storyboarding/control"/>
+  </ds:schemaRefs>
+</ds:datastoreItem>
+</file>
+
+<file path=customXml/itemProps129.xml><?xml version="1.0" encoding="utf-8"?>
+<ds:datastoreItem xmlns:ds="http://schemas.openxmlformats.org/officeDocument/2006/customXml" ds:itemID="{070908BB-C82D-499A-80FA-1EAB774264D4}">
+  <ds:schemaRefs>
+    <ds:schemaRef ds:uri="http://schemas.microsoft.com/VisualStudio/2011/storyboarding/control"/>
+  </ds:schemaRefs>
+</ds:datastoreItem>
+</file>
+
+<file path=customXml/itemProps13.xml><?xml version="1.0" encoding="utf-8"?>
+<ds:datastoreItem xmlns:ds="http://schemas.openxmlformats.org/officeDocument/2006/customXml" ds:itemID="{2FBFD02E-E1C2-4EC5-BA62-9EDBD6E64D14}">
+  <ds:schemaRefs>
+    <ds:schemaRef ds:uri="http://schemas.microsoft.com/VisualStudio/2011/storyboarding/control"/>
+  </ds:schemaRefs>
+</ds:datastoreItem>
+</file>
+
+<file path=customXml/itemProps130.xml><?xml version="1.0" encoding="utf-8"?>
+<ds:datastoreItem xmlns:ds="http://schemas.openxmlformats.org/officeDocument/2006/customXml" ds:itemID="{CF3AD469-E640-4AAA-976E-A8051CED975D}">
+  <ds:schemaRefs>
+    <ds:schemaRef ds:uri="http://schemas.microsoft.com/VisualStudio/2011/storyboarding/control"/>
+  </ds:schemaRefs>
+</ds:datastoreItem>
+</file>
+
+<file path=customXml/itemProps131.xml><?xml version="1.0" encoding="utf-8"?>
+<ds:datastoreItem xmlns:ds="http://schemas.openxmlformats.org/officeDocument/2006/customXml" ds:itemID="{FD509327-DBF4-47A6-AB0F-E61B7A61AC00}">
+  <ds:schemaRefs>
+    <ds:schemaRef ds:uri="http://schemas.microsoft.com/VisualStudio/2011/storyboarding/control"/>
+  </ds:schemaRefs>
+</ds:datastoreItem>
+</file>
+
+<file path=customXml/itemProps132.xml><?xml version="1.0" encoding="utf-8"?>
+<ds:datastoreItem xmlns:ds="http://schemas.openxmlformats.org/officeDocument/2006/customXml" ds:itemID="{4907AC48-98BE-4147-AAB8-150F68B31F7A}">
+  <ds:schemaRefs>
+    <ds:schemaRef ds:uri="http://schemas.microsoft.com/VisualStudio/2011/storyboarding/control"/>
+  </ds:schemaRefs>
+</ds:datastoreItem>
+</file>
+
+<file path=customXml/itemProps133.xml><?xml version="1.0" encoding="utf-8"?>
 <ds:datastoreItem xmlns:ds="http://schemas.openxmlformats.org/officeDocument/2006/customXml" ds:itemID="{E3E30374-BC7C-4381-BD62-B684EA9958C3}">
   <ds:schemaRefs>
     <ds:schemaRef ds:uri="http://schemas.microsoft.com/VisualStudio/2011/storyboarding/control"/>
@@ -38400,136 +41532,72 @@
 </ds:datastoreItem>
 </file>
 
-<file path=customXml/itemProps127.xml><?xml version="1.0" encoding="utf-8"?>
-<ds:datastoreItem xmlns:ds="http://schemas.openxmlformats.org/officeDocument/2006/customXml" ds:itemID="{2E414298-8020-4A36-8E6C-8455D6CD3233}">
+<file path=customXml/itemProps134.xml><?xml version="1.0" encoding="utf-8"?>
+<ds:datastoreItem xmlns:ds="http://schemas.openxmlformats.org/officeDocument/2006/customXml" ds:itemID="{597FEEAE-2872-44E7-8750-8DE1CF615911}">
   <ds:schemaRefs>
     <ds:schemaRef ds:uri="http://schemas.microsoft.com/VisualStudio/2011/storyboarding/control"/>
   </ds:schemaRefs>
 </ds:datastoreItem>
 </file>
 
-<file path=customXml/itemProps128.xml><?xml version="1.0" encoding="utf-8"?>
-<ds:datastoreItem xmlns:ds="http://schemas.openxmlformats.org/officeDocument/2006/customXml" ds:itemID="{4AD117CD-3820-4D08-B426-9DF5BEB37581}">
+<file path=customXml/itemProps135.xml><?xml version="1.0" encoding="utf-8"?>
+<ds:datastoreItem xmlns:ds="http://schemas.openxmlformats.org/officeDocument/2006/customXml" ds:itemID="{CF2464F4-6EDB-432A-806D-C5E327A9BF7D}">
   <ds:schemaRefs>
     <ds:schemaRef ds:uri="http://schemas.microsoft.com/VisualStudio/2011/storyboarding/control"/>
   </ds:schemaRefs>
 </ds:datastoreItem>
 </file>
 
-<file path=customXml/itemProps129.xml><?xml version="1.0" encoding="utf-8"?>
-<ds:datastoreItem xmlns:ds="http://schemas.openxmlformats.org/officeDocument/2006/customXml" ds:itemID="{34155942-93FF-4421-A39D-EB5E58302B9D}">
+<file path=customXml/itemProps136.xml><?xml version="1.0" encoding="utf-8"?>
+<ds:datastoreItem xmlns:ds="http://schemas.openxmlformats.org/officeDocument/2006/customXml" ds:itemID="{324304D1-3BE3-4337-BE03-8D40EAAE29A6}">
   <ds:schemaRefs>
     <ds:schemaRef ds:uri="http://schemas.microsoft.com/VisualStudio/2011/storyboarding/control"/>
   </ds:schemaRefs>
 </ds:datastoreItem>
 </file>
 
-<file path=customXml/itemProps13.xml><?xml version="1.0" encoding="utf-8"?>
-<ds:datastoreItem xmlns:ds="http://schemas.openxmlformats.org/officeDocument/2006/customXml" ds:itemID="{ECC06CD9-560D-4E4E-BB87-6F600AFF667C}">
+<file path=customXml/itemProps137.xml><?xml version="1.0" encoding="utf-8"?>
+<ds:datastoreItem xmlns:ds="http://schemas.openxmlformats.org/officeDocument/2006/customXml" ds:itemID="{249ADB1C-41D6-491A-81ED-77E3145D80C5}">
   <ds:schemaRefs>
     <ds:schemaRef ds:uri="http://schemas.microsoft.com/VisualStudio/2011/storyboarding/control"/>
   </ds:schemaRefs>
 </ds:datastoreItem>
 </file>
 
-<file path=customXml/itemProps130.xml><?xml version="1.0" encoding="utf-8"?>
-<ds:datastoreItem xmlns:ds="http://schemas.openxmlformats.org/officeDocument/2006/customXml" ds:itemID="{56E3EB18-0A0C-4EB6-811A-B93426CB829A}">
+<file path=customXml/itemProps138.xml><?xml version="1.0" encoding="utf-8"?>
+<ds:datastoreItem xmlns:ds="http://schemas.openxmlformats.org/officeDocument/2006/customXml" ds:itemID="{B125BBE0-5155-406C-878C-A42A6AEF467A}">
   <ds:schemaRefs>
     <ds:schemaRef ds:uri="http://schemas.microsoft.com/VisualStudio/2011/storyboarding/control"/>
   </ds:schemaRefs>
 </ds:datastoreItem>
 </file>
 
-<file path=customXml/itemProps131.xml><?xml version="1.0" encoding="utf-8"?>
-<ds:datastoreItem xmlns:ds="http://schemas.openxmlformats.org/officeDocument/2006/customXml" ds:itemID="{94E285F2-2C8F-41D0-96FA-DC805F63CE35}">
+<file path=customXml/itemProps139.xml><?xml version="1.0" encoding="utf-8"?>
+<ds:datastoreItem xmlns:ds="http://schemas.openxmlformats.org/officeDocument/2006/customXml" ds:itemID="{7DA69A77-0FB8-4149-8131-E2DDFB346B6A}">
   <ds:schemaRefs>
     <ds:schemaRef ds:uri="http://schemas.microsoft.com/VisualStudio/2011/storyboarding/control"/>
   </ds:schemaRefs>
 </ds:datastoreItem>
 </file>
 
-<file path=customXml/itemProps132.xml><?xml version="1.0" encoding="utf-8"?>
-<ds:datastoreItem xmlns:ds="http://schemas.openxmlformats.org/officeDocument/2006/customXml" ds:itemID="{F84C5A29-F414-43B5-B6B9-AF548973DC4E}">
+<file path=customXml/itemProps14.xml><?xml version="1.0" encoding="utf-8"?>
+<ds:datastoreItem xmlns:ds="http://schemas.openxmlformats.org/officeDocument/2006/customXml" ds:itemID="{0D155FF0-89E1-44B7-9011-E3D5068229FC}">
   <ds:schemaRefs>
     <ds:schemaRef ds:uri="http://schemas.microsoft.com/VisualStudio/2011/storyboarding/control"/>
   </ds:schemaRefs>
 </ds:datastoreItem>
 </file>
 
-<file path=customXml/itemProps133.xml><?xml version="1.0" encoding="utf-8"?>
-<ds:datastoreItem xmlns:ds="http://schemas.openxmlformats.org/officeDocument/2006/customXml" ds:itemID="{5D678FCA-B38F-4A9E-B3A0-C2F44132E331}">
+<file path=customXml/itemProps140.xml><?xml version="1.0" encoding="utf-8"?>
+<ds:datastoreItem xmlns:ds="http://schemas.openxmlformats.org/officeDocument/2006/customXml" ds:itemID="{87F63681-3A46-4DA5-B169-3A4749047EAA}">
   <ds:schemaRefs>
     <ds:schemaRef ds:uri="http://schemas.microsoft.com/VisualStudio/2011/storyboarding/control"/>
   </ds:schemaRefs>
 </ds:datastoreItem>
 </file>
 
-<file path=customXml/itemProps134.xml><?xml version="1.0" encoding="utf-8"?>
-<ds:datastoreItem xmlns:ds="http://schemas.openxmlformats.org/officeDocument/2006/customXml" ds:itemID="{DF633FB8-11E8-43EE-B606-438ACAF7C2C2}">
-  <ds:schemaRefs>
-    <ds:schemaRef ds:uri="http://schemas.microsoft.com/VisualStudio/2011/storyboarding/control"/>
-  </ds:schemaRefs>
-</ds:datastoreItem>
-</file>
-
-<file path=customXml/itemProps135.xml><?xml version="1.0" encoding="utf-8"?>
-<ds:datastoreItem xmlns:ds="http://schemas.openxmlformats.org/officeDocument/2006/customXml" ds:itemID="{890F0DC6-363D-4DA9-9BE7-80D2BB6CDEA8}">
-  <ds:schemaRefs>
-    <ds:schemaRef ds:uri="http://schemas.microsoft.com/VisualStudio/2011/storyboarding/control"/>
-  </ds:schemaRefs>
-</ds:datastoreItem>
-</file>
-
-<file path=customXml/itemProps136.xml><?xml version="1.0" encoding="utf-8"?>
-<ds:datastoreItem xmlns:ds="http://schemas.openxmlformats.org/officeDocument/2006/customXml" ds:itemID="{DFF0C62B-AFCD-4263-A311-12F0E4BDE90B}">
-  <ds:schemaRefs>
-    <ds:schemaRef ds:uri="http://schemas.microsoft.com/VisualStudio/2011/storyboarding/control"/>
-  </ds:schemaRefs>
-</ds:datastoreItem>
-</file>
-
-<file path=customXml/itemProps137.xml><?xml version="1.0" encoding="utf-8"?>
-<ds:datastoreItem xmlns:ds="http://schemas.openxmlformats.org/officeDocument/2006/customXml" ds:itemID="{E0798D39-2F79-4589-9890-14BFD901D348}">
-  <ds:schemaRefs>
-    <ds:schemaRef ds:uri="http://schemas.microsoft.com/VisualStudio/2011/storyboarding/control"/>
-  </ds:schemaRefs>
-</ds:datastoreItem>
-</file>
-
-<file path=customXml/itemProps138.xml><?xml version="1.0" encoding="utf-8"?>
-<ds:datastoreItem xmlns:ds="http://schemas.openxmlformats.org/officeDocument/2006/customXml" ds:itemID="{0BDC6B5F-9A71-47E7-997F-71EC4BB58F48}">
-  <ds:schemaRefs>
-    <ds:schemaRef ds:uri="http://schemas.microsoft.com/VisualStudio/2011/storyboarding/control"/>
-  </ds:schemaRefs>
-</ds:datastoreItem>
-</file>
-
-<file path=customXml/itemProps139.xml><?xml version="1.0" encoding="utf-8"?>
-<ds:datastoreItem xmlns:ds="http://schemas.openxmlformats.org/officeDocument/2006/customXml" ds:itemID="{8FF9AE1B-F1C0-4114-9E15-7ED9CC874D91}">
-  <ds:schemaRefs>
-    <ds:schemaRef ds:uri="http://schemas.microsoft.com/VisualStudio/2011/storyboarding/control"/>
-  </ds:schemaRefs>
-</ds:datastoreItem>
-</file>
-
-<file path=customXml/itemProps14.xml><?xml version="1.0" encoding="utf-8"?>
-<ds:datastoreItem xmlns:ds="http://schemas.openxmlformats.org/officeDocument/2006/customXml" ds:itemID="{E1C4F629-0007-43A0-95A6-3BA4361620DE}">
-  <ds:schemaRefs>
-    <ds:schemaRef ds:uri="http://schemas.microsoft.com/VisualStudio/2011/storyboarding/control"/>
-  </ds:schemaRefs>
-</ds:datastoreItem>
-</file>
-
-<file path=customXml/itemProps140.xml><?xml version="1.0" encoding="utf-8"?>
-<ds:datastoreItem xmlns:ds="http://schemas.openxmlformats.org/officeDocument/2006/customXml" ds:itemID="{0E24D1AE-0CFA-461F-9027-970DA914132A}">
-  <ds:schemaRefs>
-    <ds:schemaRef ds:uri="http://schemas.microsoft.com/VisualStudio/2011/storyboarding/control"/>
-  </ds:schemaRefs>
-</ds:datastoreItem>
-</file>
-
 <file path=customXml/itemProps141.xml><?xml version="1.0" encoding="utf-8"?>
-<ds:datastoreItem xmlns:ds="http://schemas.openxmlformats.org/officeDocument/2006/customXml" ds:itemID="{D1EBE21A-B870-4653-B8B8-F1EF6962A883}">
+<ds:datastoreItem xmlns:ds="http://schemas.openxmlformats.org/officeDocument/2006/customXml" ds:itemID="{E6D1C315-1BAB-445F-9332-D72296B23C97}">
   <ds:schemaRefs>
     <ds:schemaRef ds:uri="http://schemas.microsoft.com/VisualStudio/2011/storyboarding/control"/>
   </ds:schemaRefs>
@@ -38545,6 +41613,318 @@
 </file>
 
 <file path=customXml/itemProps143.xml><?xml version="1.0" encoding="utf-8"?>
+<ds:datastoreItem xmlns:ds="http://schemas.openxmlformats.org/officeDocument/2006/customXml" ds:itemID="{E9BEDA5B-2D1F-4885-8C6C-BD15112E24B5}">
+  <ds:schemaRefs>
+    <ds:schemaRef ds:uri="http://schemas.microsoft.com/VisualStudio/2011/storyboarding/control"/>
+  </ds:schemaRefs>
+</ds:datastoreItem>
+</file>
+
+<file path=customXml/itemProps144.xml><?xml version="1.0" encoding="utf-8"?>
+<ds:datastoreItem xmlns:ds="http://schemas.openxmlformats.org/officeDocument/2006/customXml" ds:itemID="{156A9650-86A9-49A0-9687-5356BD4EF127}">
+  <ds:schemaRefs>
+    <ds:schemaRef ds:uri="http://schemas.microsoft.com/VisualStudio/2011/storyboarding/control"/>
+  </ds:schemaRefs>
+</ds:datastoreItem>
+</file>
+
+<file path=customXml/itemProps145.xml><?xml version="1.0" encoding="utf-8"?>
+<ds:datastoreItem xmlns:ds="http://schemas.openxmlformats.org/officeDocument/2006/customXml" ds:itemID="{98F8D7A9-C74B-4443-A2D1-1AD95C0ADDAB}">
+  <ds:schemaRefs>
+    <ds:schemaRef ds:uri="http://schemas.microsoft.com/VisualStudio/2011/storyboarding/control"/>
+  </ds:schemaRefs>
+</ds:datastoreItem>
+</file>
+
+<file path=customXml/itemProps146.xml><?xml version="1.0" encoding="utf-8"?>
+<ds:datastoreItem xmlns:ds="http://schemas.openxmlformats.org/officeDocument/2006/customXml" ds:itemID="{35EDE693-6207-4AAF-855F-5FBD17C8947E}">
+  <ds:schemaRefs>
+    <ds:schemaRef ds:uri="http://schemas.microsoft.com/VisualStudio/2011/storyboarding/control"/>
+  </ds:schemaRefs>
+</ds:datastoreItem>
+</file>
+
+<file path=customXml/itemProps147.xml><?xml version="1.0" encoding="utf-8"?>
+<ds:datastoreItem xmlns:ds="http://schemas.openxmlformats.org/officeDocument/2006/customXml" ds:itemID="{BDDC3E6F-DAD4-4270-87AF-1D6C8CD8F16E}">
+  <ds:schemaRefs>
+    <ds:schemaRef ds:uri="http://schemas.microsoft.com/VisualStudio/2011/storyboarding/control"/>
+  </ds:schemaRefs>
+</ds:datastoreItem>
+</file>
+
+<file path=customXml/itemProps148.xml><?xml version="1.0" encoding="utf-8"?>
+<ds:datastoreItem xmlns:ds="http://schemas.openxmlformats.org/officeDocument/2006/customXml" ds:itemID="{3BDE1856-187B-42EE-93A3-7774284BFBAD}">
+  <ds:schemaRefs>
+    <ds:schemaRef ds:uri="http://schemas.microsoft.com/VisualStudio/2011/storyboarding/control"/>
+  </ds:schemaRefs>
+</ds:datastoreItem>
+</file>
+
+<file path=customXml/itemProps149.xml><?xml version="1.0" encoding="utf-8"?>
+<ds:datastoreItem xmlns:ds="http://schemas.openxmlformats.org/officeDocument/2006/customXml" ds:itemID="{3C2B8D5D-9195-47A6-A6F2-31A621C53A79}">
+  <ds:schemaRefs>
+    <ds:schemaRef ds:uri="http://schemas.microsoft.com/VisualStudio/2011/storyboarding/control"/>
+  </ds:schemaRefs>
+</ds:datastoreItem>
+</file>
+
+<file path=customXml/itemProps15.xml><?xml version="1.0" encoding="utf-8"?>
+<ds:datastoreItem xmlns:ds="http://schemas.openxmlformats.org/officeDocument/2006/customXml" ds:itemID="{F368F26A-B05C-4CF0-9CE1-0AEB16876DC8}">
+  <ds:schemaRefs>
+    <ds:schemaRef ds:uri="http://schemas.microsoft.com/VisualStudio/2011/storyboarding/control"/>
+  </ds:schemaRefs>
+</ds:datastoreItem>
+</file>
+
+<file path=customXml/itemProps150.xml><?xml version="1.0" encoding="utf-8"?>
+<ds:datastoreItem xmlns:ds="http://schemas.openxmlformats.org/officeDocument/2006/customXml" ds:itemID="{7FE905E9-37F7-44C4-9A6F-36A9BCD8D56A}">
+  <ds:schemaRefs>
+    <ds:schemaRef ds:uri="http://schemas.microsoft.com/VisualStudio/2011/storyboarding/control"/>
+  </ds:schemaRefs>
+</ds:datastoreItem>
+</file>
+
+<file path=customXml/itemProps151.xml><?xml version="1.0" encoding="utf-8"?>
+<ds:datastoreItem xmlns:ds="http://schemas.openxmlformats.org/officeDocument/2006/customXml" ds:itemID="{E0798D39-2F79-4589-9890-14BFD901D348}">
+  <ds:schemaRefs>
+    <ds:schemaRef ds:uri="http://schemas.microsoft.com/VisualStudio/2011/storyboarding/control"/>
+  </ds:schemaRefs>
+</ds:datastoreItem>
+</file>
+
+<file path=customXml/itemProps152.xml><?xml version="1.0" encoding="utf-8"?>
+<ds:datastoreItem xmlns:ds="http://schemas.openxmlformats.org/officeDocument/2006/customXml" ds:itemID="{E61442B0-D53F-4332-B91B-F3BB3D5A1E79}">
+  <ds:schemaRefs>
+    <ds:schemaRef ds:uri="http://schemas.microsoft.com/VisualStudio/2011/storyboarding/control"/>
+  </ds:schemaRefs>
+</ds:datastoreItem>
+</file>
+
+<file path=customXml/itemProps153.xml><?xml version="1.0" encoding="utf-8"?>
+<ds:datastoreItem xmlns:ds="http://schemas.openxmlformats.org/officeDocument/2006/customXml" ds:itemID="{15625D59-FCB4-43A2-9269-08FE9ED078CA}">
+  <ds:schemaRefs>
+    <ds:schemaRef ds:uri="http://schemas.microsoft.com/VisualStudio/2011/storyboarding/control"/>
+  </ds:schemaRefs>
+</ds:datastoreItem>
+</file>
+
+<file path=customXml/itemProps154.xml><?xml version="1.0" encoding="utf-8"?>
+<ds:datastoreItem xmlns:ds="http://schemas.openxmlformats.org/officeDocument/2006/customXml" ds:itemID="{9D1D761F-3119-4262-82BB-766A1BE771C1}">
+  <ds:schemaRefs>
+    <ds:schemaRef ds:uri="http://schemas.microsoft.com/VisualStudio/2011/storyboarding/control"/>
+  </ds:schemaRefs>
+</ds:datastoreItem>
+</file>
+
+<file path=customXml/itemProps155.xml><?xml version="1.0" encoding="utf-8"?>
+<ds:datastoreItem xmlns:ds="http://schemas.openxmlformats.org/officeDocument/2006/customXml" ds:itemID="{D840F8E9-BF51-49EC-9CAB-158A2B221FA0}">
+  <ds:schemaRefs>
+    <ds:schemaRef ds:uri="http://schemas.microsoft.com/VisualStudio/2011/storyboarding/control"/>
+  </ds:schemaRefs>
+</ds:datastoreItem>
+</file>
+
+<file path=customXml/itemProps156.xml><?xml version="1.0" encoding="utf-8"?>
+<ds:datastoreItem xmlns:ds="http://schemas.openxmlformats.org/officeDocument/2006/customXml" ds:itemID="{34A768EE-BEEB-4776-9925-B50F2C7F0E5C}">
+  <ds:schemaRefs>
+    <ds:schemaRef ds:uri="http://schemas.microsoft.com/VisualStudio/2011/storyboarding/control"/>
+  </ds:schemaRefs>
+</ds:datastoreItem>
+</file>
+
+<file path=customXml/itemProps157.xml><?xml version="1.0" encoding="utf-8"?>
+<ds:datastoreItem xmlns:ds="http://schemas.openxmlformats.org/officeDocument/2006/customXml" ds:itemID="{D52E9C90-4BC5-4ABD-8C87-6DDFACD32A52}">
+  <ds:schemaRefs>
+    <ds:schemaRef ds:uri="http://schemas.microsoft.com/VisualStudio/2011/storyboarding/control"/>
+  </ds:schemaRefs>
+</ds:datastoreItem>
+</file>
+
+<file path=customXml/itemProps158.xml><?xml version="1.0" encoding="utf-8"?>
+<ds:datastoreItem xmlns:ds="http://schemas.openxmlformats.org/officeDocument/2006/customXml" ds:itemID="{5E0728AF-94AB-4D7A-8912-2A16D7033F83}">
+  <ds:schemaRefs>
+    <ds:schemaRef ds:uri="http://schemas.microsoft.com/VisualStudio/2011/storyboarding/control"/>
+  </ds:schemaRefs>
+</ds:datastoreItem>
+</file>
+
+<file path=customXml/itemProps159.xml><?xml version="1.0" encoding="utf-8"?>
+<ds:datastoreItem xmlns:ds="http://schemas.openxmlformats.org/officeDocument/2006/customXml" ds:itemID="{F84C5A29-F414-43B5-B6B9-AF548973DC4E}">
+  <ds:schemaRefs>
+    <ds:schemaRef ds:uri="http://schemas.microsoft.com/VisualStudio/2011/storyboarding/control"/>
+  </ds:schemaRefs>
+</ds:datastoreItem>
+</file>
+
+<file path=customXml/itemProps16.xml><?xml version="1.0" encoding="utf-8"?>
+<ds:datastoreItem xmlns:ds="http://schemas.openxmlformats.org/officeDocument/2006/customXml" ds:itemID="{544F905A-BD5B-4986-B22F-50F67FEA4202}">
+  <ds:schemaRefs>
+    <ds:schemaRef ds:uri="http://schemas.microsoft.com/VisualStudio/2011/storyboarding/control"/>
+  </ds:schemaRefs>
+</ds:datastoreItem>
+</file>
+
+<file path=customXml/itemProps160.xml><?xml version="1.0" encoding="utf-8"?>
+<ds:datastoreItem xmlns:ds="http://schemas.openxmlformats.org/officeDocument/2006/customXml" ds:itemID="{AED11E5C-9441-4F7A-9B29-ECBFF31F54BE}">
+  <ds:schemaRefs>
+    <ds:schemaRef ds:uri="http://schemas.microsoft.com/VisualStudio/2011/storyboarding/control"/>
+  </ds:schemaRefs>
+</ds:datastoreItem>
+</file>
+
+<file path=customXml/itemProps161.xml><?xml version="1.0" encoding="utf-8"?>
+<ds:datastoreItem xmlns:ds="http://schemas.openxmlformats.org/officeDocument/2006/customXml" ds:itemID="{53C4EF26-8E01-4CBF-8187-3B49032510B6}">
+  <ds:schemaRefs>
+    <ds:schemaRef ds:uri="http://schemas.microsoft.com/VisualStudio/2011/storyboarding/control"/>
+  </ds:schemaRefs>
+</ds:datastoreItem>
+</file>
+
+<file path=customXml/itemProps162.xml><?xml version="1.0" encoding="utf-8"?>
+<ds:datastoreItem xmlns:ds="http://schemas.openxmlformats.org/officeDocument/2006/customXml" ds:itemID="{632BE8CE-F951-45F8-990F-87702D308D41}">
+  <ds:schemaRefs>
+    <ds:schemaRef ds:uri="http://schemas.microsoft.com/VisualStudio/2011/storyboarding/control"/>
+  </ds:schemaRefs>
+</ds:datastoreItem>
+</file>
+
+<file path=customXml/itemProps163.xml><?xml version="1.0" encoding="utf-8"?>
+<ds:datastoreItem xmlns:ds="http://schemas.openxmlformats.org/officeDocument/2006/customXml" ds:itemID="{96F6940E-DA96-4E16-8521-83FC1F5DE656}">
+  <ds:schemaRefs>
+    <ds:schemaRef ds:uri="http://schemas.microsoft.com/VisualStudio/2011/storyboarding/control"/>
+  </ds:schemaRefs>
+</ds:datastoreItem>
+</file>
+
+<file path=customXml/itemProps164.xml><?xml version="1.0" encoding="utf-8"?>
+<ds:datastoreItem xmlns:ds="http://schemas.openxmlformats.org/officeDocument/2006/customXml" ds:itemID="{FD04660E-4182-4934-BD1D-320835FD072C}">
+  <ds:schemaRefs>
+    <ds:schemaRef ds:uri="http://schemas.microsoft.com/VisualStudio/2011/storyboarding/control"/>
+  </ds:schemaRefs>
+</ds:datastoreItem>
+</file>
+
+<file path=customXml/itemProps165.xml><?xml version="1.0" encoding="utf-8"?>
+<ds:datastoreItem xmlns:ds="http://schemas.openxmlformats.org/officeDocument/2006/customXml" ds:itemID="{3559AB04-AAFA-45E6-A2CD-89604A0A6864}">
+  <ds:schemaRefs>
+    <ds:schemaRef ds:uri="http://schemas.microsoft.com/VisualStudio/2011/storyboarding/control"/>
+  </ds:schemaRefs>
+</ds:datastoreItem>
+</file>
+
+<file path=customXml/itemProps166.xml><?xml version="1.0" encoding="utf-8"?>
+<ds:datastoreItem xmlns:ds="http://schemas.openxmlformats.org/officeDocument/2006/customXml" ds:itemID="{F52FEC58-6638-4A1A-8891-F44021831DB7}">
+  <ds:schemaRefs>
+    <ds:schemaRef ds:uri="http://schemas.microsoft.com/VisualStudio/2011/storyboarding/control"/>
+  </ds:schemaRefs>
+</ds:datastoreItem>
+</file>
+
+<file path=customXml/itemProps167.xml><?xml version="1.0" encoding="utf-8"?>
+<ds:datastoreItem xmlns:ds="http://schemas.openxmlformats.org/officeDocument/2006/customXml" ds:itemID="{EE5F5B2A-C4CD-4203-8013-F3CCC9D67934}">
+  <ds:schemaRefs>
+    <ds:schemaRef ds:uri="http://schemas.microsoft.com/VisualStudio/2011/storyboarding/control"/>
+  </ds:schemaRefs>
+</ds:datastoreItem>
+</file>
+
+<file path=customXml/itemProps168.xml><?xml version="1.0" encoding="utf-8"?>
+<ds:datastoreItem xmlns:ds="http://schemas.openxmlformats.org/officeDocument/2006/customXml" ds:itemID="{25BE1C23-9B48-494B-BBDD-F14BB0AE25B6}">
+  <ds:schemaRefs>
+    <ds:schemaRef ds:uri="http://schemas.microsoft.com/VisualStudio/2011/storyboarding/control"/>
+  </ds:schemaRefs>
+</ds:datastoreItem>
+</file>
+
+<file path=customXml/itemProps169.xml><?xml version="1.0" encoding="utf-8"?>
+<ds:datastoreItem xmlns:ds="http://schemas.openxmlformats.org/officeDocument/2006/customXml" ds:itemID="{2E414298-8020-4A36-8E6C-8455D6CD3233}">
+  <ds:schemaRefs>
+    <ds:schemaRef ds:uri="http://schemas.microsoft.com/VisualStudio/2011/storyboarding/control"/>
+  </ds:schemaRefs>
+</ds:datastoreItem>
+</file>
+
+<file path=customXml/itemProps17.xml><?xml version="1.0" encoding="utf-8"?>
+<ds:datastoreItem xmlns:ds="http://schemas.openxmlformats.org/officeDocument/2006/customXml" ds:itemID="{642C0E1F-AEE2-4DF4-8102-83400B2996AA}">
+  <ds:schemaRefs>
+    <ds:schemaRef ds:uri="http://schemas.microsoft.com/VisualStudio/2011/storyboarding/control"/>
+  </ds:schemaRefs>
+</ds:datastoreItem>
+</file>
+
+<file path=customXml/itemProps170.xml><?xml version="1.0" encoding="utf-8"?>
+<ds:datastoreItem xmlns:ds="http://schemas.openxmlformats.org/officeDocument/2006/customXml" ds:itemID="{30216488-AEE9-494D-9B9E-6D0AF465A5A6}">
+  <ds:schemaRefs>
+    <ds:schemaRef ds:uri="http://schemas.microsoft.com/VisualStudio/2011/storyboarding/control"/>
+  </ds:schemaRefs>
+</ds:datastoreItem>
+</file>
+
+<file path=customXml/itemProps171.xml><?xml version="1.0" encoding="utf-8"?>
+<ds:datastoreItem xmlns:ds="http://schemas.openxmlformats.org/officeDocument/2006/customXml" ds:itemID="{A2585421-CC0B-40E1-A650-4EF6795963AB}">
+  <ds:schemaRefs>
+    <ds:schemaRef ds:uri="http://schemas.microsoft.com/VisualStudio/2011/storyboarding/control"/>
+  </ds:schemaRefs>
+</ds:datastoreItem>
+</file>
+
+<file path=customXml/itemProps172.xml><?xml version="1.0" encoding="utf-8"?>
+<ds:datastoreItem xmlns:ds="http://schemas.openxmlformats.org/officeDocument/2006/customXml" ds:itemID="{BE36EEC8-5F1F-493C-B22B-BD36DDA1CC5C}">
+  <ds:schemaRefs>
+    <ds:schemaRef ds:uri="http://schemas.microsoft.com/VisualStudio/2011/storyboarding/control"/>
+  </ds:schemaRefs>
+</ds:datastoreItem>
+</file>
+
+<file path=customXml/itemProps173.xml><?xml version="1.0" encoding="utf-8"?>
+<ds:datastoreItem xmlns:ds="http://schemas.openxmlformats.org/officeDocument/2006/customXml" ds:itemID="{24AD301E-1023-4C80-8699-5429C97E6352}">
+  <ds:schemaRefs>
+    <ds:schemaRef ds:uri="http://schemas.microsoft.com/VisualStudio/2011/storyboarding/control"/>
+  </ds:schemaRefs>
+</ds:datastoreItem>
+</file>
+
+<file path=customXml/itemProps174.xml><?xml version="1.0" encoding="utf-8"?>
+<ds:datastoreItem xmlns:ds="http://schemas.openxmlformats.org/officeDocument/2006/customXml" ds:itemID="{79AB967B-1E73-4301-AA71-89535F6BBEC7}">
+  <ds:schemaRefs>
+    <ds:schemaRef ds:uri="http://schemas.microsoft.com/VisualStudio/2011/storyboarding/control"/>
+  </ds:schemaRefs>
+</ds:datastoreItem>
+</file>
+
+<file path=customXml/itemProps175.xml><?xml version="1.0" encoding="utf-8"?>
+<ds:datastoreItem xmlns:ds="http://schemas.openxmlformats.org/officeDocument/2006/customXml" ds:itemID="{69425BFC-A940-45B6-8477-76B9D0A544CC}">
+  <ds:schemaRefs>
+    <ds:schemaRef ds:uri="http://schemas.microsoft.com/VisualStudio/2011/storyboarding/control"/>
+  </ds:schemaRefs>
+</ds:datastoreItem>
+</file>
+
+<file path=customXml/itemProps176.xml><?xml version="1.0" encoding="utf-8"?>
+<ds:datastoreItem xmlns:ds="http://schemas.openxmlformats.org/officeDocument/2006/customXml" ds:itemID="{F6D5DB70-77C0-45B3-9805-9FE6F127366B}">
+  <ds:schemaRefs>
+    <ds:schemaRef ds:uri="http://schemas.microsoft.com/VisualStudio/2011/storyboarding/control"/>
+  </ds:schemaRefs>
+</ds:datastoreItem>
+</file>
+
+<file path=customXml/itemProps177.xml><?xml version="1.0" encoding="utf-8"?>
+<ds:datastoreItem xmlns:ds="http://schemas.openxmlformats.org/officeDocument/2006/customXml" ds:itemID="{9D00555A-8BE8-4D5A-99D6-E48EAC68F112}">
+  <ds:schemaRefs>
+    <ds:schemaRef ds:uri="http://schemas.microsoft.com/VisualStudio/2011/storyboarding/control"/>
+  </ds:schemaRefs>
+</ds:datastoreItem>
+</file>
+
+<file path=customXml/itemProps178.xml><?xml version="1.0" encoding="utf-8"?>
+<ds:datastoreItem xmlns:ds="http://schemas.openxmlformats.org/officeDocument/2006/customXml" ds:itemID="{57F19531-FDE6-4716-935A-DFEDAFF14822}">
+  <ds:schemaRefs>
+    <ds:schemaRef ds:uri="http://schemas.microsoft.com/VisualStudio/2011/storyboarding/control"/>
+  </ds:schemaRefs>
+</ds:datastoreItem>
+</file>
+
+<file path=customXml/itemProps179.xml><?xml version="1.0" encoding="utf-8"?>
 <ds:datastoreItem xmlns:ds="http://schemas.openxmlformats.org/officeDocument/2006/customXml" ds:itemID="{2C80D61E-63A4-4EDC-9CB2-70F7C9AC2831}">
   <ds:schemaRefs>
     <ds:schemaRef ds:uri="http://schemas.microsoft.com/VisualStudio/2011/storyboarding/control"/>
@@ -38552,7 +41932,279 @@
 </ds:datastoreItem>
 </file>
 
-<file path=customXml/itemProps144.xml><?xml version="1.0" encoding="utf-8"?>
+<file path=customXml/itemProps18.xml><?xml version="1.0" encoding="utf-8"?>
+<ds:datastoreItem xmlns:ds="http://schemas.openxmlformats.org/officeDocument/2006/customXml" ds:itemID="{F490BE30-D93F-4924-92BA-B3218DC46675}">
+  <ds:schemaRefs>
+    <ds:schemaRef ds:uri="http://schemas.microsoft.com/VisualStudio/2011/storyboarding/control"/>
+  </ds:schemaRefs>
+</ds:datastoreItem>
+</file>
+
+<file path=customXml/itemProps180.xml><?xml version="1.0" encoding="utf-8"?>
+<ds:datastoreItem xmlns:ds="http://schemas.openxmlformats.org/officeDocument/2006/customXml" ds:itemID="{0323182F-9085-435A-8BC3-F0067229C8FC}">
+  <ds:schemaRefs>
+    <ds:schemaRef ds:uri="http://schemas.microsoft.com/VisualStudio/2011/storyboarding/control"/>
+  </ds:schemaRefs>
+</ds:datastoreItem>
+</file>
+
+<file path=customXml/itemProps181.xml><?xml version="1.0" encoding="utf-8"?>
+<ds:datastoreItem xmlns:ds="http://schemas.openxmlformats.org/officeDocument/2006/customXml" ds:itemID="{F0AD8316-C547-4632-97E6-A9D470378D29}">
+  <ds:schemaRefs>
+    <ds:schemaRef ds:uri="http://schemas.microsoft.com/VisualStudio/2011/storyboarding/control"/>
+  </ds:schemaRefs>
+</ds:datastoreItem>
+</file>
+
+<file path=customXml/itemProps182.xml><?xml version="1.0" encoding="utf-8"?>
+<ds:datastoreItem xmlns:ds="http://schemas.openxmlformats.org/officeDocument/2006/customXml" ds:itemID="{3768EC96-1CB3-4409-BD7F-118FFC5F4F1F}">
+  <ds:schemaRefs>
+    <ds:schemaRef ds:uri="http://schemas.microsoft.com/VisualStudio/2011/storyboarding/control"/>
+  </ds:schemaRefs>
+</ds:datastoreItem>
+</file>
+
+<file path=customXml/itemProps183.xml><?xml version="1.0" encoding="utf-8"?>
+<ds:datastoreItem xmlns:ds="http://schemas.openxmlformats.org/officeDocument/2006/customXml" ds:itemID="{DC92FC13-227F-4DB5-AAF5-30BC6B75200C}">
+  <ds:schemaRefs>
+    <ds:schemaRef ds:uri="http://schemas.microsoft.com/VisualStudio/2011/storyboarding/control"/>
+  </ds:schemaRefs>
+</ds:datastoreItem>
+</file>
+
+<file path=customXml/itemProps184.xml><?xml version="1.0" encoding="utf-8"?>
+<ds:datastoreItem xmlns:ds="http://schemas.openxmlformats.org/officeDocument/2006/customXml" ds:itemID="{81199DF7-4170-430D-B943-3C1CAD880471}">
+  <ds:schemaRefs>
+    <ds:schemaRef ds:uri="http://schemas.microsoft.com/VisualStudio/2011/storyboarding/control"/>
+  </ds:schemaRefs>
+</ds:datastoreItem>
+</file>
+
+<file path=customXml/itemProps185.xml><?xml version="1.0" encoding="utf-8"?>
+<ds:datastoreItem xmlns:ds="http://schemas.openxmlformats.org/officeDocument/2006/customXml" ds:itemID="{CC005C0F-D9EB-4054-98A8-67065841B218}">
+  <ds:schemaRefs>
+    <ds:schemaRef ds:uri="http://schemas.microsoft.com/VisualStudio/2011/storyboarding/control"/>
+  </ds:schemaRefs>
+</ds:datastoreItem>
+</file>
+
+<file path=customXml/itemProps186.xml><?xml version="1.0" encoding="utf-8"?>
+<ds:datastoreItem xmlns:ds="http://schemas.openxmlformats.org/officeDocument/2006/customXml" ds:itemID="{A5198C00-9FB8-444E-AF2E-E0AAFDDFCCAC}">
+  <ds:schemaRefs>
+    <ds:schemaRef ds:uri="http://schemas.microsoft.com/VisualStudio/2011/storyboarding/control"/>
+  </ds:schemaRefs>
+</ds:datastoreItem>
+</file>
+
+<file path=customXml/itemProps187.xml><?xml version="1.0" encoding="utf-8"?>
+<ds:datastoreItem xmlns:ds="http://schemas.openxmlformats.org/officeDocument/2006/customXml" ds:itemID="{473B3DAD-C760-443C-9CD2-4B17FFE89AFF}">
+  <ds:schemaRefs>
+    <ds:schemaRef ds:uri="http://schemas.microsoft.com/VisualStudio/2011/storyboarding/control"/>
+  </ds:schemaRefs>
+</ds:datastoreItem>
+</file>
+
+<file path=customXml/itemProps188.xml><?xml version="1.0" encoding="utf-8"?>
+<ds:datastoreItem xmlns:ds="http://schemas.openxmlformats.org/officeDocument/2006/customXml" ds:itemID="{ABBCF1A8-B170-42DE-B8D7-33F51CEA59AD}">
+  <ds:schemaRefs>
+    <ds:schemaRef ds:uri="http://schemas.microsoft.com/VisualStudio/2011/storyboarding/control"/>
+  </ds:schemaRefs>
+</ds:datastoreItem>
+</file>
+
+<file path=customXml/itemProps189.xml><?xml version="1.0" encoding="utf-8"?>
+<ds:datastoreItem xmlns:ds="http://schemas.openxmlformats.org/officeDocument/2006/customXml" ds:itemID="{49F0D17F-FE24-4D57-8323-3C1AB38A2A35}">
+  <ds:schemaRefs>
+    <ds:schemaRef ds:uri="http://schemas.microsoft.com/VisualStudio/2011/storyboarding/control"/>
+  </ds:schemaRefs>
+</ds:datastoreItem>
+</file>
+
+<file path=customXml/itemProps19.xml><?xml version="1.0" encoding="utf-8"?>
+<ds:datastoreItem xmlns:ds="http://schemas.openxmlformats.org/officeDocument/2006/customXml" ds:itemID="{385D1D53-B933-4849-9F36-E90088E7165B}">
+  <ds:schemaRefs>
+    <ds:schemaRef ds:uri="http://schemas.microsoft.com/VisualStudio/2011/storyboarding/control"/>
+  </ds:schemaRefs>
+</ds:datastoreItem>
+</file>
+
+<file path=customXml/itemProps190.xml><?xml version="1.0" encoding="utf-8"?>
+<ds:datastoreItem xmlns:ds="http://schemas.openxmlformats.org/officeDocument/2006/customXml" ds:itemID="{E22FD229-8FE2-44F9-8474-7938C71C2F0B}">
+  <ds:schemaRefs>
+    <ds:schemaRef ds:uri="http://schemas.microsoft.com/VisualStudio/2011/storyboarding/control"/>
+  </ds:schemaRefs>
+</ds:datastoreItem>
+</file>
+
+<file path=customXml/itemProps191.xml><?xml version="1.0" encoding="utf-8"?>
+<ds:datastoreItem xmlns:ds="http://schemas.openxmlformats.org/officeDocument/2006/customXml" ds:itemID="{0086A053-5F64-4E4F-A73F-764116E88701}">
+  <ds:schemaRefs>
+    <ds:schemaRef ds:uri="http://schemas.microsoft.com/VisualStudio/2011/storyboarding/control"/>
+  </ds:schemaRefs>
+</ds:datastoreItem>
+</file>
+
+<file path=customXml/itemProps192.xml><?xml version="1.0" encoding="utf-8"?>
+<ds:datastoreItem xmlns:ds="http://schemas.openxmlformats.org/officeDocument/2006/customXml" ds:itemID="{5D678FCA-B38F-4A9E-B3A0-C2F44132E331}">
+  <ds:schemaRefs>
+    <ds:schemaRef ds:uri="http://schemas.microsoft.com/VisualStudio/2011/storyboarding/control"/>
+  </ds:schemaRefs>
+</ds:datastoreItem>
+</file>
+
+<file path=customXml/itemProps193.xml><?xml version="1.0" encoding="utf-8"?>
+<ds:datastoreItem xmlns:ds="http://schemas.openxmlformats.org/officeDocument/2006/customXml" ds:itemID="{7269F45A-F70B-4926-A8C6-AEF482832A94}">
+  <ds:schemaRefs>
+    <ds:schemaRef ds:uri="http://schemas.microsoft.com/VisualStudio/2011/storyboarding/control"/>
+  </ds:schemaRefs>
+</ds:datastoreItem>
+</file>
+
+<file path=customXml/itemProps194.xml><?xml version="1.0" encoding="utf-8"?>
+<ds:datastoreItem xmlns:ds="http://schemas.openxmlformats.org/officeDocument/2006/customXml" ds:itemID="{3A6E3D51-FA1B-4A3E-BA7C-278B44C43B04}">
+  <ds:schemaRefs>
+    <ds:schemaRef ds:uri="http://schemas.microsoft.com/VisualStudio/2011/storyboarding/control"/>
+  </ds:schemaRefs>
+</ds:datastoreItem>
+</file>
+
+<file path=customXml/itemProps195.xml><?xml version="1.0" encoding="utf-8"?>
+<ds:datastoreItem xmlns:ds="http://schemas.openxmlformats.org/officeDocument/2006/customXml" ds:itemID="{7B9C2A73-8D62-446E-966B-100150B31EB0}">
+  <ds:schemaRefs>
+    <ds:schemaRef ds:uri="http://schemas.microsoft.com/VisualStudio/2011/storyboarding/control"/>
+  </ds:schemaRefs>
+</ds:datastoreItem>
+</file>
+
+<file path=customXml/itemProps196.xml><?xml version="1.0" encoding="utf-8"?>
+<ds:datastoreItem xmlns:ds="http://schemas.openxmlformats.org/officeDocument/2006/customXml" ds:itemID="{CD5BEFA9-3D1F-46D0-81A9-F4A476946E16}">
+  <ds:schemaRefs>
+    <ds:schemaRef ds:uri="http://schemas.microsoft.com/VisualStudio/2011/storyboarding/control"/>
+  </ds:schemaRefs>
+</ds:datastoreItem>
+</file>
+
+<file path=customXml/itemProps197.xml><?xml version="1.0" encoding="utf-8"?>
+<ds:datastoreItem xmlns:ds="http://schemas.openxmlformats.org/officeDocument/2006/customXml" ds:itemID="{1EEE265A-AE73-48C3-95F0-EB194A9AC1E2}">
+  <ds:schemaRefs>
+    <ds:schemaRef ds:uri="http://schemas.microsoft.com/VisualStudio/2011/storyboarding/control"/>
+  </ds:schemaRefs>
+</ds:datastoreItem>
+</file>
+
+<file path=customXml/itemProps198.xml><?xml version="1.0" encoding="utf-8"?>
+<ds:datastoreItem xmlns:ds="http://schemas.openxmlformats.org/officeDocument/2006/customXml" ds:itemID="{D2FF16E9-2E4C-4205-B913-A7A5750E5A6C}">
+  <ds:schemaRefs>
+    <ds:schemaRef ds:uri="http://schemas.microsoft.com/VisualStudio/2011/storyboarding/control"/>
+  </ds:schemaRefs>
+</ds:datastoreItem>
+</file>
+
+<file path=customXml/itemProps199.xml><?xml version="1.0" encoding="utf-8"?>
+<ds:datastoreItem xmlns:ds="http://schemas.openxmlformats.org/officeDocument/2006/customXml" ds:itemID="{FED817B9-AAE0-4FBF-B147-228124A8CA2B}">
+  <ds:schemaRefs>
+    <ds:schemaRef ds:uri="http://schemas.microsoft.com/VisualStudio/2011/storyboarding/control"/>
+  </ds:schemaRefs>
+</ds:datastoreItem>
+</file>
+
+<file path=customXml/itemProps2.xml><?xml version="1.0" encoding="utf-8"?>
+<ds:datastoreItem xmlns:ds="http://schemas.openxmlformats.org/officeDocument/2006/customXml" ds:itemID="{63C0EFB6-F9F3-466A-AF3B-105C35B0931C}">
+  <ds:schemaRefs>
+    <ds:schemaRef ds:uri="http://schemas.microsoft.com/VisualStudio/2011/storyboarding/control"/>
+  </ds:schemaRefs>
+</ds:datastoreItem>
+</file>
+
+<file path=customXml/itemProps20.xml><?xml version="1.0" encoding="utf-8"?>
+<ds:datastoreItem xmlns:ds="http://schemas.openxmlformats.org/officeDocument/2006/customXml" ds:itemID="{4AD117CD-3820-4D08-B426-9DF5BEB37581}">
+  <ds:schemaRefs>
+    <ds:schemaRef ds:uri="http://schemas.microsoft.com/VisualStudio/2011/storyboarding/control"/>
+  </ds:schemaRefs>
+</ds:datastoreItem>
+</file>
+
+<file path=customXml/itemProps200.xml><?xml version="1.0" encoding="utf-8"?>
+<ds:datastoreItem xmlns:ds="http://schemas.openxmlformats.org/officeDocument/2006/customXml" ds:itemID="{ED5AA571-7C26-4F82-BFC0-E2258FB7D0E5}">
+  <ds:schemaRefs>
+    <ds:schemaRef ds:uri="http://schemas.microsoft.com/VisualStudio/2011/storyboarding/control"/>
+  </ds:schemaRefs>
+</ds:datastoreItem>
+</file>
+
+<file path=customXml/itemProps201.xml><?xml version="1.0" encoding="utf-8"?>
+<ds:datastoreItem xmlns:ds="http://schemas.openxmlformats.org/officeDocument/2006/customXml" ds:itemID="{724B55E0-93FB-4F7A-8212-B54186F454F7}">
+  <ds:schemaRefs>
+    <ds:schemaRef ds:uri="http://schemas.microsoft.com/VisualStudio/2011/storyboarding/control"/>
+  </ds:schemaRefs>
+</ds:datastoreItem>
+</file>
+
+<file path=customXml/itemProps202.xml><?xml version="1.0" encoding="utf-8"?>
+<ds:datastoreItem xmlns:ds="http://schemas.openxmlformats.org/officeDocument/2006/customXml" ds:itemID="{93E0BDF6-EC3D-468B-9DD8-FBFA78679F58}">
+  <ds:schemaRefs>
+    <ds:schemaRef ds:uri="http://schemas.microsoft.com/VisualStudio/2011/storyboarding/control"/>
+  </ds:schemaRefs>
+</ds:datastoreItem>
+</file>
+
+<file path=customXml/itemProps203.xml><?xml version="1.0" encoding="utf-8"?>
+<ds:datastoreItem xmlns:ds="http://schemas.openxmlformats.org/officeDocument/2006/customXml" ds:itemID="{22E9BDC4-71EF-4341-BEF1-A178A4483A38}">
+  <ds:schemaRefs>
+    <ds:schemaRef ds:uri="http://schemas.microsoft.com/VisualStudio/2011/storyboarding/control"/>
+  </ds:schemaRefs>
+</ds:datastoreItem>
+</file>
+
+<file path=customXml/itemProps204.xml><?xml version="1.0" encoding="utf-8"?>
+<ds:datastoreItem xmlns:ds="http://schemas.openxmlformats.org/officeDocument/2006/customXml" ds:itemID="{1E2856AF-3D75-49FF-BAF2-EE9E4E6E2FB8}">
+  <ds:schemaRefs>
+    <ds:schemaRef ds:uri="http://schemas.microsoft.com/VisualStudio/2011/storyboarding/control"/>
+  </ds:schemaRefs>
+</ds:datastoreItem>
+</file>
+
+<file path=customXml/itemProps205.xml><?xml version="1.0" encoding="utf-8"?>
+<ds:datastoreItem xmlns:ds="http://schemas.openxmlformats.org/officeDocument/2006/customXml" ds:itemID="{41D31E73-0D17-42CD-8FBB-B5A26E298B2C}">
+  <ds:schemaRefs>
+    <ds:schemaRef ds:uri="http://schemas.microsoft.com/VisualStudio/2011/storyboarding/control"/>
+  </ds:schemaRefs>
+</ds:datastoreItem>
+</file>
+
+<file path=customXml/itemProps206.xml><?xml version="1.0" encoding="utf-8"?>
+<ds:datastoreItem xmlns:ds="http://schemas.openxmlformats.org/officeDocument/2006/customXml" ds:itemID="{96DADAA7-266C-4D02-9D80-A99D21C16F37}">
+  <ds:schemaRefs>
+    <ds:schemaRef ds:uri="http://schemas.microsoft.com/VisualStudio/2011/storyboarding/control"/>
+  </ds:schemaRefs>
+</ds:datastoreItem>
+</file>
+
+<file path=customXml/itemProps207.xml><?xml version="1.0" encoding="utf-8"?>
+<ds:datastoreItem xmlns:ds="http://schemas.openxmlformats.org/officeDocument/2006/customXml" ds:itemID="{8879D41C-D4D1-4C3E-B7A3-8671A923994B}">
+  <ds:schemaRefs>
+    <ds:schemaRef ds:uri="http://schemas.microsoft.com/VisualStudio/2011/storyboarding/control"/>
+  </ds:schemaRefs>
+</ds:datastoreItem>
+</file>
+
+<file path=customXml/itemProps208.xml><?xml version="1.0" encoding="utf-8"?>
+<ds:datastoreItem xmlns:ds="http://schemas.openxmlformats.org/officeDocument/2006/customXml" ds:itemID="{B3C6B65F-6F05-4F85-B0C1-29623CD1E24A}">
+  <ds:schemaRefs>
+    <ds:schemaRef ds:uri="http://schemas.microsoft.com/VisualStudio/2011/storyboarding/control"/>
+  </ds:schemaRefs>
+</ds:datastoreItem>
+</file>
+
+<file path=customXml/itemProps209.xml><?xml version="1.0" encoding="utf-8"?>
+<ds:datastoreItem xmlns:ds="http://schemas.openxmlformats.org/officeDocument/2006/customXml" ds:itemID="{49A3367B-FF54-460C-920A-A92779F49635}">
+  <ds:schemaRefs>
+    <ds:schemaRef ds:uri="http://schemas.microsoft.com/VisualStudio/2011/storyboarding/control"/>
+  </ds:schemaRefs>
+</ds:datastoreItem>
+</file>
+
+<file path=customXml/itemProps21.xml><?xml version="1.0" encoding="utf-8"?>
 <ds:datastoreItem xmlns:ds="http://schemas.openxmlformats.org/officeDocument/2006/customXml" ds:itemID="{A6227A7E-CD8E-4912-8C68-31CC1C7ECDDC}">
   <ds:schemaRefs>
     <ds:schemaRef ds:uri="http://schemas.microsoft.com/VisualStudio/2011/storyboarding/control"/>
@@ -38560,7 +42212,375 @@
 </ds:datastoreItem>
 </file>
 
-<file path=customXml/itemProps145.xml><?xml version="1.0" encoding="utf-8"?>
+<file path=customXml/itemProps210.xml><?xml version="1.0" encoding="utf-8"?>
+<ds:datastoreItem xmlns:ds="http://schemas.openxmlformats.org/officeDocument/2006/customXml" ds:itemID="{60FF0F95-16DD-4334-998A-DBA8E91AFE22}">
+  <ds:schemaRefs>
+    <ds:schemaRef ds:uri="http://schemas.microsoft.com/VisualStudio/2011/storyboarding/control"/>
+  </ds:schemaRefs>
+</ds:datastoreItem>
+</file>
+
+<file path=customXml/itemProps211.xml><?xml version="1.0" encoding="utf-8"?>
+<ds:datastoreItem xmlns:ds="http://schemas.openxmlformats.org/officeDocument/2006/customXml" ds:itemID="{D7334047-A48B-4EC8-93E9-A58828067415}">
+  <ds:schemaRefs>
+    <ds:schemaRef ds:uri="http://schemas.microsoft.com/VisualStudio/2011/storyboarding/control"/>
+  </ds:schemaRefs>
+</ds:datastoreItem>
+</file>
+
+<file path=customXml/itemProps22.xml><?xml version="1.0" encoding="utf-8"?>
+<ds:datastoreItem xmlns:ds="http://schemas.openxmlformats.org/officeDocument/2006/customXml" ds:itemID="{2301C997-2D43-4B4F-B454-AC2FEDADC916}">
+  <ds:schemaRefs>
+    <ds:schemaRef ds:uri="http://schemas.microsoft.com/VisualStudio/2011/storyboarding/control"/>
+  </ds:schemaRefs>
+</ds:datastoreItem>
+</file>
+
+<file path=customXml/itemProps23.xml><?xml version="1.0" encoding="utf-8"?>
+<ds:datastoreItem xmlns:ds="http://schemas.openxmlformats.org/officeDocument/2006/customXml" ds:itemID="{D9B18EE9-3CB6-4142-A2B9-DB7C225FDC5B}">
+  <ds:schemaRefs>
+    <ds:schemaRef ds:uri="http://schemas.microsoft.com/VisualStudio/2011/storyboarding/control"/>
+  </ds:schemaRefs>
+</ds:datastoreItem>
+</file>
+
+<file path=customXml/itemProps24.xml><?xml version="1.0" encoding="utf-8"?>
+<ds:datastoreItem xmlns:ds="http://schemas.openxmlformats.org/officeDocument/2006/customXml" ds:itemID="{DA300559-D143-47A1-8BBD-3530AA5AE729}">
+  <ds:schemaRefs>
+    <ds:schemaRef ds:uri="http://schemas.microsoft.com/VisualStudio/2011/storyboarding/control"/>
+  </ds:schemaRefs>
+</ds:datastoreItem>
+</file>
+
+<file path=customXml/itemProps25.xml><?xml version="1.0" encoding="utf-8"?>
+<ds:datastoreItem xmlns:ds="http://schemas.openxmlformats.org/officeDocument/2006/customXml" ds:itemID="{D96366AE-3B64-4F86-9C54-7B8706E7745F}">
+  <ds:schemaRefs>
+    <ds:schemaRef ds:uri="http://schemas.microsoft.com/VisualStudio/2011/storyboarding/control"/>
+  </ds:schemaRefs>
+</ds:datastoreItem>
+</file>
+
+<file path=customXml/itemProps26.xml><?xml version="1.0" encoding="utf-8"?>
+<ds:datastoreItem xmlns:ds="http://schemas.openxmlformats.org/officeDocument/2006/customXml" ds:itemID="{98FEEE4B-5A45-4CEA-BD22-AC0DD2F8C9A2}">
+  <ds:schemaRefs>
+    <ds:schemaRef ds:uri="http://schemas.microsoft.com/VisualStudio/2011/storyboarding/control"/>
+  </ds:schemaRefs>
+</ds:datastoreItem>
+</file>
+
+<file path=customXml/itemProps27.xml><?xml version="1.0" encoding="utf-8"?>
+<ds:datastoreItem xmlns:ds="http://schemas.openxmlformats.org/officeDocument/2006/customXml" ds:itemID="{ED983F04-E32C-4A94-997B-94154F9BEFD1}">
+  <ds:schemaRefs>
+    <ds:schemaRef ds:uri="http://schemas.microsoft.com/VisualStudio/2011/storyboarding/control"/>
+  </ds:schemaRefs>
+</ds:datastoreItem>
+</file>
+
+<file path=customXml/itemProps28.xml><?xml version="1.0" encoding="utf-8"?>
+<ds:datastoreItem xmlns:ds="http://schemas.openxmlformats.org/officeDocument/2006/customXml" ds:itemID="{A3160FF8-2B70-4BC4-8936-2266C247948F}">
+  <ds:schemaRefs>
+    <ds:schemaRef ds:uri="http://schemas.microsoft.com/VisualStudio/2011/storyboarding/control"/>
+  </ds:schemaRefs>
+</ds:datastoreItem>
+</file>
+
+<file path=customXml/itemProps29.xml><?xml version="1.0" encoding="utf-8"?>
+<ds:datastoreItem xmlns:ds="http://schemas.openxmlformats.org/officeDocument/2006/customXml" ds:itemID="{5B3DAAA0-FD8D-46B7-9927-08270FC48A89}">
+  <ds:schemaRefs>
+    <ds:schemaRef ds:uri="http://schemas.microsoft.com/VisualStudio/2011/storyboarding/control"/>
+  </ds:schemaRefs>
+</ds:datastoreItem>
+</file>
+
+<file path=customXml/itemProps3.xml><?xml version="1.0" encoding="utf-8"?>
+<ds:datastoreItem xmlns:ds="http://schemas.openxmlformats.org/officeDocument/2006/customXml" ds:itemID="{B2D3C7BB-480E-4182-BD24-E5D8617B8478}">
+  <ds:schemaRefs>
+    <ds:schemaRef ds:uri="http://schemas.microsoft.com/VisualStudio/2011/storyboarding/control"/>
+  </ds:schemaRefs>
+</ds:datastoreItem>
+</file>
+
+<file path=customXml/itemProps30.xml><?xml version="1.0" encoding="utf-8"?>
+<ds:datastoreItem xmlns:ds="http://schemas.openxmlformats.org/officeDocument/2006/customXml" ds:itemID="{9AC51506-9A19-4BE1-9B1F-523A1DF334EE}">
+  <ds:schemaRefs>
+    <ds:schemaRef ds:uri="http://schemas.microsoft.com/VisualStudio/2011/storyboarding/control"/>
+  </ds:schemaRefs>
+</ds:datastoreItem>
+</file>
+
+<file path=customXml/itemProps31.xml><?xml version="1.0" encoding="utf-8"?>
+<ds:datastoreItem xmlns:ds="http://schemas.openxmlformats.org/officeDocument/2006/customXml" ds:itemID="{EE867190-D5A5-48EF-89FE-8DC463627386}">
+  <ds:schemaRefs>
+    <ds:schemaRef ds:uri="http://schemas.microsoft.com/VisualStudio/2011/storyboarding/control"/>
+  </ds:schemaRefs>
+</ds:datastoreItem>
+</file>
+
+<file path=customXml/itemProps32.xml><?xml version="1.0" encoding="utf-8"?>
+<ds:datastoreItem xmlns:ds="http://schemas.openxmlformats.org/officeDocument/2006/customXml" ds:itemID="{177D7744-BF2C-4B4C-873D-F97F6D9E630E}">
+  <ds:schemaRefs>
+    <ds:schemaRef ds:uri="http://schemas.microsoft.com/VisualStudio/2011/storyboarding/control"/>
+  </ds:schemaRefs>
+</ds:datastoreItem>
+</file>
+
+<file path=customXml/itemProps33.xml><?xml version="1.0" encoding="utf-8"?>
+<ds:datastoreItem xmlns:ds="http://schemas.openxmlformats.org/officeDocument/2006/customXml" ds:itemID="{FD6949BB-B64C-4917-BB76-35DBC8FF53EA}">
+  <ds:schemaRefs>
+    <ds:schemaRef ds:uri="http://schemas.microsoft.com/VisualStudio/2011/storyboarding/control"/>
+  </ds:schemaRefs>
+</ds:datastoreItem>
+</file>
+
+<file path=customXml/itemProps34.xml><?xml version="1.0" encoding="utf-8"?>
+<ds:datastoreItem xmlns:ds="http://schemas.openxmlformats.org/officeDocument/2006/customXml" ds:itemID="{652744F4-4064-4D68-A4E5-AF1A892D6D58}">
+  <ds:schemaRefs>
+    <ds:schemaRef ds:uri="http://schemas.microsoft.com/VisualStudio/2011/storyboarding/control"/>
+  </ds:schemaRefs>
+</ds:datastoreItem>
+</file>
+
+<file path=customXml/itemProps35.xml><?xml version="1.0" encoding="utf-8"?>
+<ds:datastoreItem xmlns:ds="http://schemas.openxmlformats.org/officeDocument/2006/customXml" ds:itemID="{E7C87433-CF30-4D05-8E91-D2FBF7204A38}">
+  <ds:schemaRefs>
+    <ds:schemaRef ds:uri="http://schemas.microsoft.com/VisualStudio/2011/storyboarding/control"/>
+  </ds:schemaRefs>
+</ds:datastoreItem>
+</file>
+
+<file path=customXml/itemProps36.xml><?xml version="1.0" encoding="utf-8"?>
+<ds:datastoreItem xmlns:ds="http://schemas.openxmlformats.org/officeDocument/2006/customXml" ds:itemID="{E91423FF-436C-46D4-947D-955C227A58BA}">
+  <ds:schemaRefs>
+    <ds:schemaRef ds:uri="http://schemas.microsoft.com/VisualStudio/2011/storyboarding/control"/>
+  </ds:schemaRefs>
+</ds:datastoreItem>
+</file>
+
+<file path=customXml/itemProps37.xml><?xml version="1.0" encoding="utf-8"?>
+<ds:datastoreItem xmlns:ds="http://schemas.openxmlformats.org/officeDocument/2006/customXml" ds:itemID="{630842F4-ED51-4CCA-AFB2-F49700B8AB0C}">
+  <ds:schemaRefs>
+    <ds:schemaRef ds:uri="http://schemas.microsoft.com/VisualStudio/2011/storyboarding/control"/>
+  </ds:schemaRefs>
+</ds:datastoreItem>
+</file>
+
+<file path=customXml/itemProps38.xml><?xml version="1.0" encoding="utf-8"?>
+<ds:datastoreItem xmlns:ds="http://schemas.openxmlformats.org/officeDocument/2006/customXml" ds:itemID="{DF633FB8-11E8-43EE-B606-438ACAF7C2C2}">
+  <ds:schemaRefs>
+    <ds:schemaRef ds:uri="http://schemas.microsoft.com/VisualStudio/2011/storyboarding/control"/>
+  </ds:schemaRefs>
+</ds:datastoreItem>
+</file>
+
+<file path=customXml/itemProps39.xml><?xml version="1.0" encoding="utf-8"?>
+<ds:datastoreItem xmlns:ds="http://schemas.openxmlformats.org/officeDocument/2006/customXml" ds:itemID="{8FF9AE1B-F1C0-4114-9E15-7ED9CC874D91}">
+  <ds:schemaRefs>
+    <ds:schemaRef ds:uri="http://schemas.microsoft.com/VisualStudio/2011/storyboarding/control"/>
+  </ds:schemaRefs>
+</ds:datastoreItem>
+</file>
+
+<file path=customXml/itemProps4.xml><?xml version="1.0" encoding="utf-8"?>
+<ds:datastoreItem xmlns:ds="http://schemas.openxmlformats.org/officeDocument/2006/customXml" ds:itemID="{FE245D50-EB12-4E18-ADD5-7416499448DD}">
+  <ds:schemaRefs>
+    <ds:schemaRef ds:uri="http://schemas.microsoft.com/VisualStudio/2011/storyboarding/control"/>
+  </ds:schemaRefs>
+</ds:datastoreItem>
+</file>
+
+<file path=customXml/itemProps40.xml><?xml version="1.0" encoding="utf-8"?>
+<ds:datastoreItem xmlns:ds="http://schemas.openxmlformats.org/officeDocument/2006/customXml" ds:itemID="{B4A1FDA8-1422-41EA-A693-6D48E066369F}">
+  <ds:schemaRefs>
+    <ds:schemaRef ds:uri="http://schemas.microsoft.com/VisualStudio/2011/storyboarding/control"/>
+  </ds:schemaRefs>
+</ds:datastoreItem>
+</file>
+
+<file path=customXml/itemProps41.xml><?xml version="1.0" encoding="utf-8"?>
+<ds:datastoreItem xmlns:ds="http://schemas.openxmlformats.org/officeDocument/2006/customXml" ds:itemID="{80FC50E2-EEC4-45E4-9F99-9BDF13E6EDE0}">
+  <ds:schemaRefs>
+    <ds:schemaRef ds:uri="http://schemas.microsoft.com/VisualStudio/2011/storyboarding/control"/>
+  </ds:schemaRefs>
+</ds:datastoreItem>
+</file>
+
+<file path=customXml/itemProps42.xml><?xml version="1.0" encoding="utf-8"?>
+<ds:datastoreItem xmlns:ds="http://schemas.openxmlformats.org/officeDocument/2006/customXml" ds:itemID="{D8BAF073-4125-4B25-B974-BCD34B84F404}">
+  <ds:schemaRefs>
+    <ds:schemaRef ds:uri="http://schemas.microsoft.com/VisualStudio/2011/storyboarding/control"/>
+  </ds:schemaRefs>
+</ds:datastoreItem>
+</file>
+
+<file path=customXml/itemProps43.xml><?xml version="1.0" encoding="utf-8"?>
+<ds:datastoreItem xmlns:ds="http://schemas.openxmlformats.org/officeDocument/2006/customXml" ds:itemID="{49885C11-C5EF-448D-845E-AF30BF422257}">
+  <ds:schemaRefs>
+    <ds:schemaRef ds:uri="http://schemas.microsoft.com/VisualStudio/2011/storyboarding/control"/>
+  </ds:schemaRefs>
+</ds:datastoreItem>
+</file>
+
+<file path=customXml/itemProps44.xml><?xml version="1.0" encoding="utf-8"?>
+<ds:datastoreItem xmlns:ds="http://schemas.openxmlformats.org/officeDocument/2006/customXml" ds:itemID="{7FF61E19-765F-42D8-A11F-AA063061EAD4}">
+  <ds:schemaRefs>
+    <ds:schemaRef ds:uri="http://schemas.microsoft.com/VisualStudio/2011/storyboarding/control"/>
+  </ds:schemaRefs>
+</ds:datastoreItem>
+</file>
+
+<file path=customXml/itemProps45.xml><?xml version="1.0" encoding="utf-8"?>
+<ds:datastoreItem xmlns:ds="http://schemas.openxmlformats.org/officeDocument/2006/customXml" ds:itemID="{AC6B11E6-FCA2-4F3C-B752-C3AED7A20BE9}">
+  <ds:schemaRefs>
+    <ds:schemaRef ds:uri="http://schemas.microsoft.com/VisualStudio/2011/storyboarding/control"/>
+  </ds:schemaRefs>
+</ds:datastoreItem>
+</file>
+
+<file path=customXml/itemProps46.xml><?xml version="1.0" encoding="utf-8"?>
+<ds:datastoreItem xmlns:ds="http://schemas.openxmlformats.org/officeDocument/2006/customXml" ds:itemID="{1EA6AC7B-61B6-4C6C-B3FC-E9509328E2F8}">
+  <ds:schemaRefs>
+    <ds:schemaRef ds:uri="http://schemas.microsoft.com/VisualStudio/2011/storyboarding/control"/>
+  </ds:schemaRefs>
+</ds:datastoreItem>
+</file>
+
+<file path=customXml/itemProps47.xml><?xml version="1.0" encoding="utf-8"?>
+<ds:datastoreItem xmlns:ds="http://schemas.openxmlformats.org/officeDocument/2006/customXml" ds:itemID="{C710205F-42C5-4BB9-A729-B2EC8DAF98F0}">
+  <ds:schemaRefs>
+    <ds:schemaRef ds:uri="http://schemas.microsoft.com/VisualStudio/2011/storyboarding/control"/>
+  </ds:schemaRefs>
+</ds:datastoreItem>
+</file>
+
+<file path=customXml/itemProps48.xml><?xml version="1.0" encoding="utf-8"?>
+<ds:datastoreItem xmlns:ds="http://schemas.openxmlformats.org/officeDocument/2006/customXml" ds:itemID="{E1EA08A2-F0EB-4695-B92D-6C39F8AA0932}">
+  <ds:schemaRefs>
+    <ds:schemaRef ds:uri="http://schemas.microsoft.com/VisualStudio/2011/storyboarding/control"/>
+  </ds:schemaRefs>
+</ds:datastoreItem>
+</file>
+
+<file path=customXml/itemProps49.xml><?xml version="1.0" encoding="utf-8"?>
+<ds:datastoreItem xmlns:ds="http://schemas.openxmlformats.org/officeDocument/2006/customXml" ds:itemID="{1F716E72-359E-4B84-8E46-63DAA8E49F08}">
+  <ds:schemaRefs>
+    <ds:schemaRef ds:uri="http://schemas.microsoft.com/VisualStudio/2011/storyboarding/control"/>
+  </ds:schemaRefs>
+</ds:datastoreItem>
+</file>
+
+<file path=customXml/itemProps5.xml><?xml version="1.0" encoding="utf-8"?>
+<ds:datastoreItem xmlns:ds="http://schemas.openxmlformats.org/officeDocument/2006/customXml" ds:itemID="{2D81A574-8C74-4317-97E0-3F8E63D40AB6}">
+  <ds:schemaRefs>
+    <ds:schemaRef ds:uri="http://schemas.microsoft.com/VisualStudio/2011/storyboarding/control"/>
+  </ds:schemaRefs>
+</ds:datastoreItem>
+</file>
+
+<file path=customXml/itemProps50.xml><?xml version="1.0" encoding="utf-8"?>
+<ds:datastoreItem xmlns:ds="http://schemas.openxmlformats.org/officeDocument/2006/customXml" ds:itemID="{09D191B1-FB09-4FEB-9878-D0E6CD5062B2}">
+  <ds:schemaRefs>
+    <ds:schemaRef ds:uri="http://schemas.microsoft.com/VisualStudio/2011/storyboarding/control"/>
+  </ds:schemaRefs>
+</ds:datastoreItem>
+</file>
+
+<file path=customXml/itemProps51.xml><?xml version="1.0" encoding="utf-8"?>
+<ds:datastoreItem xmlns:ds="http://schemas.openxmlformats.org/officeDocument/2006/customXml" ds:itemID="{91A3B82D-3592-4634-8669-9EDC88A3B0CD}">
+  <ds:schemaRefs>
+    <ds:schemaRef ds:uri="http://schemas.microsoft.com/VisualStudio/2011/storyboarding/control"/>
+  </ds:schemaRefs>
+</ds:datastoreItem>
+</file>
+
+<file path=customXml/itemProps52.xml><?xml version="1.0" encoding="utf-8"?>
+<ds:datastoreItem xmlns:ds="http://schemas.openxmlformats.org/officeDocument/2006/customXml" ds:itemID="{52A123F7-9141-4DDD-972D-47772C780ADF}">
+  <ds:schemaRefs>
+    <ds:schemaRef ds:uri="http://schemas.microsoft.com/VisualStudio/2011/storyboarding/control"/>
+  </ds:schemaRefs>
+</ds:datastoreItem>
+</file>
+
+<file path=customXml/itemProps53.xml><?xml version="1.0" encoding="utf-8"?>
+<ds:datastoreItem xmlns:ds="http://schemas.openxmlformats.org/officeDocument/2006/customXml" ds:itemID="{73929B07-F852-4BA1-94E7-F5E9E7CA35C9}">
+  <ds:schemaRefs>
+    <ds:schemaRef ds:uri="http://schemas.microsoft.com/VisualStudio/2011/storyboarding/control"/>
+  </ds:schemaRefs>
+</ds:datastoreItem>
+</file>
+
+<file path=customXml/itemProps54.xml><?xml version="1.0" encoding="utf-8"?>
+<ds:datastoreItem xmlns:ds="http://schemas.openxmlformats.org/officeDocument/2006/customXml" ds:itemID="{E23892B6-DE5D-42C1-B5FE-F3DACC33570A}">
+  <ds:schemaRefs>
+    <ds:schemaRef ds:uri="http://schemas.microsoft.com/VisualStudio/2011/storyboarding/control"/>
+  </ds:schemaRefs>
+</ds:datastoreItem>
+</file>
+
+<file path=customXml/itemProps55.xml><?xml version="1.0" encoding="utf-8"?>
+<ds:datastoreItem xmlns:ds="http://schemas.openxmlformats.org/officeDocument/2006/customXml" ds:itemID="{34155942-93FF-4421-A39D-EB5E58302B9D}">
+  <ds:schemaRefs>
+    <ds:schemaRef ds:uri="http://schemas.microsoft.com/VisualStudio/2011/storyboarding/control"/>
+  </ds:schemaRefs>
+</ds:datastoreItem>
+</file>
+
+<file path=customXml/itemProps56.xml><?xml version="1.0" encoding="utf-8"?>
+<ds:datastoreItem xmlns:ds="http://schemas.openxmlformats.org/officeDocument/2006/customXml" ds:itemID="{66A7B760-FFA3-49CD-A4C4-1BA1DA6B2B08}">
+  <ds:schemaRefs>
+    <ds:schemaRef ds:uri="http://schemas.microsoft.com/VisualStudio/2011/storyboarding/control"/>
+  </ds:schemaRefs>
+</ds:datastoreItem>
+</file>
+
+<file path=customXml/itemProps57.xml><?xml version="1.0" encoding="utf-8"?>
+<ds:datastoreItem xmlns:ds="http://schemas.openxmlformats.org/officeDocument/2006/customXml" ds:itemID="{28386F10-D41C-41EE-B7FA-C0461797C425}">
+  <ds:schemaRefs>
+    <ds:schemaRef ds:uri="http://schemas.microsoft.com/VisualStudio/2011/storyboarding/control"/>
+  </ds:schemaRefs>
+</ds:datastoreItem>
+</file>
+
+<file path=customXml/itemProps58.xml><?xml version="1.0" encoding="utf-8"?>
+<ds:datastoreItem xmlns:ds="http://schemas.openxmlformats.org/officeDocument/2006/customXml" ds:itemID="{13C13A7B-5B7F-4566-9428-5C339EF772DD}">
+  <ds:schemaRefs>
+    <ds:schemaRef ds:uri="http://schemas.microsoft.com/VisualStudio/2011/storyboarding/control"/>
+  </ds:schemaRefs>
+</ds:datastoreItem>
+</file>
+
+<file path=customXml/itemProps59.xml><?xml version="1.0" encoding="utf-8"?>
+<ds:datastoreItem xmlns:ds="http://schemas.openxmlformats.org/officeDocument/2006/customXml" ds:itemID="{12EB8A21-897D-43E5-87DB-0FEC21B7FE04}">
+  <ds:schemaRefs>
+    <ds:schemaRef ds:uri="http://schemas.microsoft.com/VisualStudio/2011/storyboarding/control"/>
+  </ds:schemaRefs>
+</ds:datastoreItem>
+</file>
+
+<file path=customXml/itemProps6.xml><?xml version="1.0" encoding="utf-8"?>
+<ds:datastoreItem xmlns:ds="http://schemas.openxmlformats.org/officeDocument/2006/customXml" ds:itemID="{0BDC6B5F-9A71-47E7-997F-71EC4BB58F48}">
+  <ds:schemaRefs>
+    <ds:schemaRef ds:uri="http://schemas.microsoft.com/VisualStudio/2011/storyboarding/control"/>
+  </ds:schemaRefs>
+</ds:datastoreItem>
+</file>
+
+<file path=customXml/itemProps60.xml><?xml version="1.0" encoding="utf-8"?>
+<ds:datastoreItem xmlns:ds="http://schemas.openxmlformats.org/officeDocument/2006/customXml" ds:itemID="{BA911E37-AB5B-4F3B-BB06-5949B51FA8D6}">
+  <ds:schemaRefs>
+    <ds:schemaRef ds:uri="http://schemas.microsoft.com/VisualStudio/2011/storyboarding/control"/>
+  </ds:schemaRefs>
+</ds:datastoreItem>
+</file>
+
+<file path=customXml/itemProps61.xml><?xml version="1.0" encoding="utf-8"?>
+<ds:datastoreItem xmlns:ds="http://schemas.openxmlformats.org/officeDocument/2006/customXml" ds:itemID="{0E24D1AE-0CFA-461F-9027-970DA914132A}">
+  <ds:schemaRefs>
+    <ds:schemaRef ds:uri="http://schemas.microsoft.com/VisualStudio/2011/storyboarding/control"/>
+  </ds:schemaRefs>
+</ds:datastoreItem>
+</file>
+
+<file path=customXml/itemProps62.xml><?xml version="1.0" encoding="utf-8"?>
 <ds:datastoreItem xmlns:ds="http://schemas.openxmlformats.org/officeDocument/2006/customXml" ds:itemID="{F2C168C8-4707-4C0E-8D15-D5ACA1B4ECA5}">
   <ds:schemaRefs>
     <ds:schemaRef ds:uri="http://schemas.microsoft.com/VisualStudio/2011/storyboarding/control"/>
@@ -38568,1154 +42588,322 @@
 </ds:datastoreItem>
 </file>
 
-<file path=customXml/itemProps146.xml><?xml version="1.0" encoding="utf-8"?>
+<file path=customXml/itemProps63.xml><?xml version="1.0" encoding="utf-8"?>
+<ds:datastoreItem xmlns:ds="http://schemas.openxmlformats.org/officeDocument/2006/customXml" ds:itemID="{0F4E6687-EDBD-45CF-B615-E431217C6461}">
+  <ds:schemaRefs>
+    <ds:schemaRef ds:uri="http://schemas.microsoft.com/VisualStudio/2011/storyboarding/control"/>
+  </ds:schemaRefs>
+</ds:datastoreItem>
+</file>
+
+<file path=customXml/itemProps64.xml><?xml version="1.0" encoding="utf-8"?>
+<ds:datastoreItem xmlns:ds="http://schemas.openxmlformats.org/officeDocument/2006/customXml" ds:itemID="{45DC8B89-A727-40E5-9FD3-3AB2BC84BCE2}">
+  <ds:schemaRefs>
+    <ds:schemaRef ds:uri="http://schemas.microsoft.com/VisualStudio/2011/storyboarding/control"/>
+  </ds:schemaRefs>
+</ds:datastoreItem>
+</file>
+
+<file path=customXml/itemProps65.xml><?xml version="1.0" encoding="utf-8"?>
+<ds:datastoreItem xmlns:ds="http://schemas.openxmlformats.org/officeDocument/2006/customXml" ds:itemID="{61340949-04FB-41E8-8EB3-C1D7FB235395}">
+  <ds:schemaRefs>
+    <ds:schemaRef ds:uri="http://schemas.microsoft.com/VisualStudio/2011/storyboarding/control"/>
+  </ds:schemaRefs>
+</ds:datastoreItem>
+</file>
+
+<file path=customXml/itemProps66.xml><?xml version="1.0" encoding="utf-8"?>
+<ds:datastoreItem xmlns:ds="http://schemas.openxmlformats.org/officeDocument/2006/customXml" ds:itemID="{951CAA12-C32D-4BE7-89ED-CC035FF04683}">
+  <ds:schemaRefs>
+    <ds:schemaRef ds:uri="http://schemas.microsoft.com/VisualStudio/2011/storyboarding/control"/>
+  </ds:schemaRefs>
+</ds:datastoreItem>
+</file>
+
+<file path=customXml/itemProps67.xml><?xml version="1.0" encoding="utf-8"?>
+<ds:datastoreItem xmlns:ds="http://schemas.openxmlformats.org/officeDocument/2006/customXml" ds:itemID="{802DB3F4-4BBA-4E61-B21B-ACBBDD259570}">
+  <ds:schemaRefs>
+    <ds:schemaRef ds:uri="http://schemas.microsoft.com/VisualStudio/2011/storyboarding/control"/>
+  </ds:schemaRefs>
+</ds:datastoreItem>
+</file>
+
+<file path=customXml/itemProps68.xml><?xml version="1.0" encoding="utf-8"?>
+<ds:datastoreItem xmlns:ds="http://schemas.openxmlformats.org/officeDocument/2006/customXml" ds:itemID="{557A5314-6ACE-42EF-99CF-29DA95BCA1CD}">
+  <ds:schemaRefs>
+    <ds:schemaRef ds:uri="http://schemas.microsoft.com/VisualStudio/2011/storyboarding/control"/>
+  </ds:schemaRefs>
+</ds:datastoreItem>
+</file>
+
+<file path=customXml/itemProps69.xml><?xml version="1.0" encoding="utf-8"?>
+<ds:datastoreItem xmlns:ds="http://schemas.openxmlformats.org/officeDocument/2006/customXml" ds:itemID="{375756A9-1293-4A48-AF0C-55F0FFCEEEAD}">
+  <ds:schemaRefs>
+    <ds:schemaRef ds:uri="http://schemas.microsoft.com/VisualStudio/2011/storyboarding/control"/>
+  </ds:schemaRefs>
+</ds:datastoreItem>
+</file>
+
+<file path=customXml/itemProps7.xml><?xml version="1.0" encoding="utf-8"?>
+<ds:datastoreItem xmlns:ds="http://schemas.openxmlformats.org/officeDocument/2006/customXml" ds:itemID="{C67F442A-F9E4-49CE-B8EB-23C254C9C7DA}">
+  <ds:schemaRefs>
+    <ds:schemaRef ds:uri="http://schemas.microsoft.com/VisualStudio/2011/storyboarding/control"/>
+  </ds:schemaRefs>
+</ds:datastoreItem>
+</file>
+
+<file path=customXml/itemProps70.xml><?xml version="1.0" encoding="utf-8"?>
+<ds:datastoreItem xmlns:ds="http://schemas.openxmlformats.org/officeDocument/2006/customXml" ds:itemID="{DE558D74-698C-4EC3-B6A9-D0462257CE02}">
+  <ds:schemaRefs>
+    <ds:schemaRef ds:uri="http://schemas.microsoft.com/VisualStudio/2011/storyboarding/control"/>
+  </ds:schemaRefs>
+</ds:datastoreItem>
+</file>
+
+<file path=customXml/itemProps71.xml><?xml version="1.0" encoding="utf-8"?>
+<ds:datastoreItem xmlns:ds="http://schemas.openxmlformats.org/officeDocument/2006/customXml" ds:itemID="{7000DBDB-8E54-446E-B692-F1C4B736390E}">
+  <ds:schemaRefs>
+    <ds:schemaRef ds:uri="http://schemas.microsoft.com/VisualStudio/2011/storyboarding/control"/>
+  </ds:schemaRefs>
+</ds:datastoreItem>
+</file>
+
+<file path=customXml/itemProps72.xml><?xml version="1.0" encoding="utf-8"?>
+<ds:datastoreItem xmlns:ds="http://schemas.openxmlformats.org/officeDocument/2006/customXml" ds:itemID="{6C8C2C97-D014-4A23-8948-CF596EBFFDB9}">
+  <ds:schemaRefs>
+    <ds:schemaRef ds:uri="http://schemas.microsoft.com/VisualStudio/2011/storyboarding/control"/>
+  </ds:schemaRefs>
+</ds:datastoreItem>
+</file>
+
+<file path=customXml/itemProps73.xml><?xml version="1.0" encoding="utf-8"?>
+<ds:datastoreItem xmlns:ds="http://schemas.openxmlformats.org/officeDocument/2006/customXml" ds:itemID="{2CCE1B96-546F-44A8-9D4D-D31CACDA42D0}">
+  <ds:schemaRefs>
+    <ds:schemaRef ds:uri="http://schemas.microsoft.com/VisualStudio/2011/storyboarding/control"/>
+  </ds:schemaRefs>
+</ds:datastoreItem>
+</file>
+
+<file path=customXml/itemProps74.xml><?xml version="1.0" encoding="utf-8"?>
+<ds:datastoreItem xmlns:ds="http://schemas.openxmlformats.org/officeDocument/2006/customXml" ds:itemID="{5146E6C0-6285-4339-94F4-01020D0586E9}">
+  <ds:schemaRefs>
+    <ds:schemaRef ds:uri="http://schemas.microsoft.com/VisualStudio/2011/storyboarding/control"/>
+  </ds:schemaRefs>
+</ds:datastoreItem>
+</file>
+
+<file path=customXml/itemProps75.xml><?xml version="1.0" encoding="utf-8"?>
+<ds:datastoreItem xmlns:ds="http://schemas.openxmlformats.org/officeDocument/2006/customXml" ds:itemID="{3DF533F6-404A-4840-A608-1FC8F631238C}">
+  <ds:schemaRefs>
+    <ds:schemaRef ds:uri="http://schemas.microsoft.com/VisualStudio/2011/storyboarding/control"/>
+  </ds:schemaRefs>
+</ds:datastoreItem>
+</file>
+
+<file path=customXml/itemProps76.xml><?xml version="1.0" encoding="utf-8"?>
+<ds:datastoreItem xmlns:ds="http://schemas.openxmlformats.org/officeDocument/2006/customXml" ds:itemID="{0AF2E303-CE56-4B2B-B979-791AD4F8608C}">
+  <ds:schemaRefs>
+    <ds:schemaRef ds:uri="http://schemas.microsoft.com/VisualStudio/2011/storyboarding/control"/>
+  </ds:schemaRefs>
+</ds:datastoreItem>
+</file>
+
+<file path=customXml/itemProps77.xml><?xml version="1.0" encoding="utf-8"?>
+<ds:datastoreItem xmlns:ds="http://schemas.openxmlformats.org/officeDocument/2006/customXml" ds:itemID="{350DFDC4-1947-4718-98BB-A93AA88CD3D7}">
+  <ds:schemaRefs>
+    <ds:schemaRef ds:uri="http://schemas.microsoft.com/VisualStudio/2011/storyboarding/control"/>
+  </ds:schemaRefs>
+</ds:datastoreItem>
+</file>
+
+<file path=customXml/itemProps78.xml><?xml version="1.0" encoding="utf-8"?>
+<ds:datastoreItem xmlns:ds="http://schemas.openxmlformats.org/officeDocument/2006/customXml" ds:itemID="{18F87C98-1489-4393-B23C-1E2A14F99D7D}">
+  <ds:schemaRefs>
+    <ds:schemaRef ds:uri="http://schemas.microsoft.com/VisualStudio/2011/storyboarding/control"/>
+  </ds:schemaRefs>
+</ds:datastoreItem>
+</file>
+
+<file path=customXml/itemProps79.xml><?xml version="1.0" encoding="utf-8"?>
+<ds:datastoreItem xmlns:ds="http://schemas.openxmlformats.org/officeDocument/2006/customXml" ds:itemID="{56E3EB18-0A0C-4EB6-811A-B93426CB829A}">
+  <ds:schemaRefs>
+    <ds:schemaRef ds:uri="http://schemas.microsoft.com/VisualStudio/2011/storyboarding/control"/>
+  </ds:schemaRefs>
+</ds:datastoreItem>
+</file>
+
+<file path=customXml/itemProps8.xml><?xml version="1.0" encoding="utf-8"?>
+<ds:datastoreItem xmlns:ds="http://schemas.openxmlformats.org/officeDocument/2006/customXml" ds:itemID="{9296B28F-9A7C-4B43-A202-960E3A2B8788}">
+  <ds:schemaRefs>
+    <ds:schemaRef ds:uri="http://schemas.microsoft.com/VisualStudio/2011/storyboarding/control"/>
+  </ds:schemaRefs>
+</ds:datastoreItem>
+</file>
+
+<file path=customXml/itemProps80.xml><?xml version="1.0" encoding="utf-8"?>
+<ds:datastoreItem xmlns:ds="http://schemas.openxmlformats.org/officeDocument/2006/customXml" ds:itemID="{890F0DC6-363D-4DA9-9BE7-80D2BB6CDEA8}">
+  <ds:schemaRefs>
+    <ds:schemaRef ds:uri="http://schemas.microsoft.com/VisualStudio/2011/storyboarding/control"/>
+  </ds:schemaRefs>
+</ds:datastoreItem>
+</file>
+
+<file path=customXml/itemProps81.xml><?xml version="1.0" encoding="utf-8"?>
+<ds:datastoreItem xmlns:ds="http://schemas.openxmlformats.org/officeDocument/2006/customXml" ds:itemID="{E48304B0-A7C9-4C2A-8A36-11934855C8DD}">
+  <ds:schemaRefs>
+    <ds:schemaRef ds:uri="http://schemas.microsoft.com/VisualStudio/2011/storyboarding/control"/>
+  </ds:schemaRefs>
+</ds:datastoreItem>
+</file>
+
+<file path=customXml/itemProps82.xml><?xml version="1.0" encoding="utf-8"?>
+<ds:datastoreItem xmlns:ds="http://schemas.openxmlformats.org/officeDocument/2006/customXml" ds:itemID="{27D4986C-764D-4F8F-A66C-DE52168F9B88}">
+  <ds:schemaRefs>
+    <ds:schemaRef ds:uri="http://schemas.microsoft.com/VisualStudio/2011/storyboarding/control"/>
+  </ds:schemaRefs>
+</ds:datastoreItem>
+</file>
+
+<file path=customXml/itemProps83.xml><?xml version="1.0" encoding="utf-8"?>
+<ds:datastoreItem xmlns:ds="http://schemas.openxmlformats.org/officeDocument/2006/customXml" ds:itemID="{CB1D0AD7-286C-4866-A86A-B60FAA767DB6}">
+  <ds:schemaRefs>
+    <ds:schemaRef ds:uri="http://schemas.microsoft.com/VisualStudio/2011/storyboarding/control"/>
+  </ds:schemaRefs>
+</ds:datastoreItem>
+</file>
+
+<file path=customXml/itemProps84.xml><?xml version="1.0" encoding="utf-8"?>
+<ds:datastoreItem xmlns:ds="http://schemas.openxmlformats.org/officeDocument/2006/customXml" ds:itemID="{90E28F76-B2CE-4526-8EF6-73ABEE81A3F6}">
+  <ds:schemaRefs>
+    <ds:schemaRef ds:uri="http://schemas.microsoft.com/VisualStudio/2011/storyboarding/control"/>
+  </ds:schemaRefs>
+</ds:datastoreItem>
+</file>
+
+<file path=customXml/itemProps85.xml><?xml version="1.0" encoding="utf-8"?>
+<ds:datastoreItem xmlns:ds="http://schemas.openxmlformats.org/officeDocument/2006/customXml" ds:itemID="{EDA272A8-84BF-4370-A98A-603BF1191930}">
+  <ds:schemaRefs>
+    <ds:schemaRef ds:uri="http://schemas.microsoft.com/VisualStudio/2011/storyboarding/control"/>
+  </ds:schemaRefs>
+</ds:datastoreItem>
+</file>
+
+<file path=customXml/itemProps86.xml><?xml version="1.0" encoding="utf-8"?>
+<ds:datastoreItem xmlns:ds="http://schemas.openxmlformats.org/officeDocument/2006/customXml" ds:itemID="{ECC06CD9-560D-4E4E-BB87-6F600AFF667C}">
+  <ds:schemaRefs>
+    <ds:schemaRef ds:uri="http://schemas.microsoft.com/VisualStudio/2011/storyboarding/control"/>
+  </ds:schemaRefs>
+</ds:datastoreItem>
+</file>
+
+<file path=customXml/itemProps87.xml><?xml version="1.0" encoding="utf-8"?>
+<ds:datastoreItem xmlns:ds="http://schemas.openxmlformats.org/officeDocument/2006/customXml" ds:itemID="{0E7F11B8-A92D-47B9-8853-9C3700943E16}">
+  <ds:schemaRefs>
+    <ds:schemaRef ds:uri="http://schemas.microsoft.com/VisualStudio/2011/storyboarding/control"/>
+  </ds:schemaRefs>
+</ds:datastoreItem>
+</file>
+
+<file path=customXml/itemProps88.xml><?xml version="1.0" encoding="utf-8"?>
+<ds:datastoreItem xmlns:ds="http://schemas.openxmlformats.org/officeDocument/2006/customXml" ds:itemID="{245FB997-DDEB-4A9B-9B6B-B149C65591B0}">
+  <ds:schemaRefs>
+    <ds:schemaRef ds:uri="http://schemas.microsoft.com/VisualStudio/2011/storyboarding/control"/>
+  </ds:schemaRefs>
+</ds:datastoreItem>
+</file>
+
+<file path=customXml/itemProps89.xml><?xml version="1.0" encoding="utf-8"?>
+<ds:datastoreItem xmlns:ds="http://schemas.openxmlformats.org/officeDocument/2006/customXml" ds:itemID="{6623E3D6-B17D-4553-A5F1-6196A52EC2A5}">
+  <ds:schemaRefs>
+    <ds:schemaRef ds:uri="http://schemas.microsoft.com/VisualStudio/2011/storyboarding/control"/>
+  </ds:schemaRefs>
+</ds:datastoreItem>
+</file>
+
+<file path=customXml/itemProps9.xml><?xml version="1.0" encoding="utf-8"?>
+<ds:datastoreItem xmlns:ds="http://schemas.openxmlformats.org/officeDocument/2006/customXml" ds:itemID="{DE38DAF1-E768-444F-BC01-54EC1E63D836}">
+  <ds:schemaRefs>
+    <ds:schemaRef ds:uri="http://schemas.microsoft.com/VisualStudio/2011/storyboarding/control"/>
+  </ds:schemaRefs>
+</ds:datastoreItem>
+</file>
+
+<file path=customXml/itemProps90.xml><?xml version="1.0" encoding="utf-8"?>
+<ds:datastoreItem xmlns:ds="http://schemas.openxmlformats.org/officeDocument/2006/customXml" ds:itemID="{DC881288-EE74-43FA-967E-CB17DE533BEC}">
+  <ds:schemaRefs>
+    <ds:schemaRef ds:uri="http://schemas.microsoft.com/VisualStudio/2011/storyboarding/control"/>
+  </ds:schemaRefs>
+</ds:datastoreItem>
+</file>
+
+<file path=customXml/itemProps91.xml><?xml version="1.0" encoding="utf-8"?>
+<ds:datastoreItem xmlns:ds="http://schemas.openxmlformats.org/officeDocument/2006/customXml" ds:itemID="{4497561E-7BF7-4232-8562-E72739E42B43}">
+  <ds:schemaRefs>
+    <ds:schemaRef ds:uri="http://schemas.microsoft.com/VisualStudio/2011/storyboarding/control"/>
+  </ds:schemaRefs>
+</ds:datastoreItem>
+</file>
+
+<file path=customXml/itemProps92.xml><?xml version="1.0" encoding="utf-8"?>
+<ds:datastoreItem xmlns:ds="http://schemas.openxmlformats.org/officeDocument/2006/customXml" ds:itemID="{2A3C029E-928D-46E9-9B85-9AF08293D0DD}">
+  <ds:schemaRefs>
+    <ds:schemaRef ds:uri="http://schemas.microsoft.com/VisualStudio/2011/storyboarding/control"/>
+  </ds:schemaRefs>
+</ds:datastoreItem>
+</file>
+
+<file path=customXml/itemProps93.xml><?xml version="1.0" encoding="utf-8"?>
+<ds:datastoreItem xmlns:ds="http://schemas.openxmlformats.org/officeDocument/2006/customXml" ds:itemID="{E1B7D787-D7C5-4FEC-A490-491B7A1C9171}">
+  <ds:schemaRefs>
+    <ds:schemaRef ds:uri="http://schemas.microsoft.com/VisualStudio/2011/storyboarding/control"/>
+  </ds:schemaRefs>
+</ds:datastoreItem>
+</file>
+
+<file path=customXml/itemProps94.xml><?xml version="1.0" encoding="utf-8"?>
+<ds:datastoreItem xmlns:ds="http://schemas.openxmlformats.org/officeDocument/2006/customXml" ds:itemID="{04C02A17-FDFD-437D-9869-F7D8DCFBA2C4}">
+  <ds:schemaRefs>
+    <ds:schemaRef ds:uri="http://schemas.microsoft.com/VisualStudio/2011/storyboarding/control"/>
+  </ds:schemaRefs>
+</ds:datastoreItem>
+</file>
+
+<file path=customXml/itemProps95.xml><?xml version="1.0" encoding="utf-8"?>
+<ds:datastoreItem xmlns:ds="http://schemas.openxmlformats.org/officeDocument/2006/customXml" ds:itemID="{3BB6950F-B6D0-4CF4-9A1E-51A81DED6ECC}">
+  <ds:schemaRefs>
+    <ds:schemaRef ds:uri="http://schemas.microsoft.com/VisualStudio/2011/storyboarding/control"/>
+  </ds:schemaRefs>
+</ds:datastoreItem>
+</file>
+
+<file path=customXml/itemProps96.xml><?xml version="1.0" encoding="utf-8"?>
+<ds:datastoreItem xmlns:ds="http://schemas.openxmlformats.org/officeDocument/2006/customXml" ds:itemID="{ABD760D2-0B36-4168-9FD8-2A4597281D71}">
+  <ds:schemaRefs>
+    <ds:schemaRef ds:uri="http://schemas.microsoft.com/VisualStudio/2011/storyboarding/control"/>
+  </ds:schemaRefs>
+</ds:datastoreItem>
+</file>
+
+<file path=customXml/itemProps97.xml><?xml version="1.0" encoding="utf-8"?>
+<ds:datastoreItem xmlns:ds="http://schemas.openxmlformats.org/officeDocument/2006/customXml" ds:itemID="{DD5FD3A2-9052-4DDC-832E-D0E3469AEB76}">
+  <ds:schemaRefs>
+    <ds:schemaRef ds:uri="http://schemas.microsoft.com/VisualStudio/2011/storyboarding/control"/>
+  </ds:schemaRefs>
+</ds:datastoreItem>
+</file>
+
+<file path=customXml/itemProps98.xml><?xml version="1.0" encoding="utf-8"?>
+<ds:datastoreItem xmlns:ds="http://schemas.openxmlformats.org/officeDocument/2006/customXml" ds:itemID="{D1EBE21A-B870-4653-B8B8-F1EF6962A883}">
+  <ds:schemaRefs>
+    <ds:schemaRef ds:uri="http://schemas.microsoft.com/VisualStudio/2011/storyboarding/control"/>
+  </ds:schemaRefs>
+</ds:datastoreItem>
+</file>
+
+<file path=customXml/itemProps99.xml><?xml version="1.0" encoding="utf-8"?>
 <ds:datastoreItem xmlns:ds="http://schemas.openxmlformats.org/officeDocument/2006/customXml" ds:itemID="{C2B66197-83A0-47CB-AA63-963537C1825C}">
   <ds:schemaRefs>
     <ds:schemaRef ds:uri="http://schemas.microsoft.com/VisualStudio/2011/storyboarding/control"/>
   </ds:schemaRefs>
 </ds:datastoreItem>
-</file>
-
-<file path=customXml/itemProps147.xml><?xml version="1.0" encoding="utf-8"?>
-<ds:datastoreItem xmlns:ds="http://schemas.openxmlformats.org/officeDocument/2006/customXml" ds:itemID="{597FEEAE-2872-44E7-8750-8DE1CF615911}">
-  <ds:schemaRefs>
-    <ds:schemaRef ds:uri="http://schemas.microsoft.com/VisualStudio/2011/storyboarding/control"/>
-  </ds:schemaRefs>
-</ds:datastoreItem>
-</file>
-
-<file path=customXml/itemProps148.xml><?xml version="1.0" encoding="utf-8"?>
-<ds:datastoreItem xmlns:ds="http://schemas.openxmlformats.org/officeDocument/2006/customXml" ds:itemID="{0323182F-9085-435A-8BC3-F0067229C8FC}">
-  <ds:schemaRefs>
-    <ds:schemaRef ds:uri="http://schemas.microsoft.com/VisualStudio/2011/storyboarding/control"/>
-  </ds:schemaRefs>
-</ds:datastoreItem>
-</file>
-
-<file path=customXml/itemProps149.xml><?xml version="1.0" encoding="utf-8"?>
-<ds:datastoreItem xmlns:ds="http://schemas.openxmlformats.org/officeDocument/2006/customXml" ds:itemID="{2301C997-2D43-4B4F-B454-AC2FEDADC916}">
-  <ds:schemaRefs>
-    <ds:schemaRef ds:uri="http://schemas.microsoft.com/VisualStudio/2011/storyboarding/control"/>
-  </ds:schemaRefs>
-</ds:datastoreItem>
-</file>
-
-<file path=customXml/itemProps15.xml><?xml version="1.0" encoding="utf-8"?>
-<ds:datastoreItem xmlns:ds="http://schemas.openxmlformats.org/officeDocument/2006/customXml" ds:itemID="{3559AB04-AAFA-45E6-A2CD-89604A0A6864}">
-  <ds:schemaRefs>
-    <ds:schemaRef ds:uri="http://schemas.microsoft.com/VisualStudio/2011/storyboarding/control"/>
-  </ds:schemaRefs>
-</ds:datastoreItem>
-</file>
-
-<file path=customXml/itemProps150.xml><?xml version="1.0" encoding="utf-8"?>
-<ds:datastoreItem xmlns:ds="http://schemas.openxmlformats.org/officeDocument/2006/customXml" ds:itemID="{D8BAF073-4125-4B25-B974-BCD34B84F404}">
-  <ds:schemaRefs>
-    <ds:schemaRef ds:uri="http://schemas.microsoft.com/VisualStudio/2011/storyboarding/control"/>
-  </ds:schemaRefs>
-</ds:datastoreItem>
-</file>
-
-<file path=customXml/itemProps151.xml><?xml version="1.0" encoding="utf-8"?>
-<ds:datastoreItem xmlns:ds="http://schemas.openxmlformats.org/officeDocument/2006/customXml" ds:itemID="{E48304B0-A7C9-4C2A-8A36-11934855C8DD}">
-  <ds:schemaRefs>
-    <ds:schemaRef ds:uri="http://schemas.microsoft.com/VisualStudio/2011/storyboarding/control"/>
-  </ds:schemaRefs>
-</ds:datastoreItem>
-</file>
-
-<file path=customXml/itemProps152.xml><?xml version="1.0" encoding="utf-8"?>
-<ds:datastoreItem xmlns:ds="http://schemas.openxmlformats.org/officeDocument/2006/customXml" ds:itemID="{323B172D-0EB0-4BA9-A3F9-00059E555185}">
-  <ds:schemaRefs>
-    <ds:schemaRef ds:uri="http://schemas.microsoft.com/VisualStudio/2011/storyboarding/control"/>
-  </ds:schemaRefs>
-</ds:datastoreItem>
-</file>
-
-<file path=customXml/itemProps153.xml><?xml version="1.0" encoding="utf-8"?>
-<ds:datastoreItem xmlns:ds="http://schemas.openxmlformats.org/officeDocument/2006/customXml" ds:itemID="{AED11E5C-9441-4F7A-9B29-ECBFF31F54BE}">
-  <ds:schemaRefs>
-    <ds:schemaRef ds:uri="http://schemas.microsoft.com/VisualStudio/2011/storyboarding/control"/>
-  </ds:schemaRefs>
-</ds:datastoreItem>
-</file>
-
-<file path=customXml/itemProps154.xml><?xml version="1.0" encoding="utf-8"?>
-<ds:datastoreItem xmlns:ds="http://schemas.openxmlformats.org/officeDocument/2006/customXml" ds:itemID="{7269F45A-F70B-4926-A8C6-AEF482832A94}">
-  <ds:schemaRefs>
-    <ds:schemaRef ds:uri="http://schemas.microsoft.com/VisualStudio/2011/storyboarding/control"/>
-  </ds:schemaRefs>
-</ds:datastoreItem>
-</file>
-
-<file path=customXml/itemProps155.xml><?xml version="1.0" encoding="utf-8"?>
-<ds:datastoreItem xmlns:ds="http://schemas.openxmlformats.org/officeDocument/2006/customXml" ds:itemID="{49885C11-C5EF-448D-845E-AF30BF422257}">
-  <ds:schemaRefs>
-    <ds:schemaRef ds:uri="http://schemas.microsoft.com/VisualStudio/2011/storyboarding/control"/>
-  </ds:schemaRefs>
-</ds:datastoreItem>
-</file>
-
-<file path=customXml/itemProps156.xml><?xml version="1.0" encoding="utf-8"?>
-<ds:datastoreItem xmlns:ds="http://schemas.openxmlformats.org/officeDocument/2006/customXml" ds:itemID="{27D4986C-764D-4F8F-A66C-DE52168F9B88}">
-  <ds:schemaRefs>
-    <ds:schemaRef ds:uri="http://schemas.microsoft.com/VisualStudio/2011/storyboarding/control"/>
-  </ds:schemaRefs>
-</ds:datastoreItem>
-</file>
-
-<file path=customXml/itemProps157.xml><?xml version="1.0" encoding="utf-8"?>
-<ds:datastoreItem xmlns:ds="http://schemas.openxmlformats.org/officeDocument/2006/customXml" ds:itemID="{93F0629C-B82C-4589-A9E4-D4BA65F7D6AC}">
-  <ds:schemaRefs>
-    <ds:schemaRef ds:uri="http://schemas.microsoft.com/VisualStudio/2011/storyboarding/control"/>
-  </ds:schemaRefs>
-</ds:datastoreItem>
-</file>
-
-<file path=customXml/itemProps158.xml><?xml version="1.0" encoding="utf-8"?>
-<ds:datastoreItem xmlns:ds="http://schemas.openxmlformats.org/officeDocument/2006/customXml" ds:itemID="{E61442B0-D53F-4332-B91B-F3BB3D5A1E79}">
-  <ds:schemaRefs>
-    <ds:schemaRef ds:uri="http://schemas.microsoft.com/VisualStudio/2011/storyboarding/control"/>
-  </ds:schemaRefs>
-</ds:datastoreItem>
-</file>
-
-<file path=customXml/itemProps159.xml><?xml version="1.0" encoding="utf-8"?>
-<ds:datastoreItem xmlns:ds="http://schemas.openxmlformats.org/officeDocument/2006/customXml" ds:itemID="{C67F442A-F9E4-49CE-B8EB-23C254C9C7DA}">
-  <ds:schemaRefs>
-    <ds:schemaRef ds:uri="http://schemas.microsoft.com/VisualStudio/2011/storyboarding/control"/>
-  </ds:schemaRefs>
-</ds:datastoreItem>
-</file>
-
-<file path=customXml/itemProps16.xml><?xml version="1.0" encoding="utf-8"?>
-<ds:datastoreItem xmlns:ds="http://schemas.openxmlformats.org/officeDocument/2006/customXml" ds:itemID="{CD5BEFA9-3D1F-46D0-81A9-F4A476946E16}">
-  <ds:schemaRefs>
-    <ds:schemaRef ds:uri="http://schemas.microsoft.com/VisualStudio/2011/storyboarding/control"/>
-  </ds:schemaRefs>
-</ds:datastoreItem>
-</file>
-
-<file path=customXml/itemProps160.xml><?xml version="1.0" encoding="utf-8"?>
-<ds:datastoreItem xmlns:ds="http://schemas.openxmlformats.org/officeDocument/2006/customXml" ds:itemID="{98FEEE4B-5A45-4CEA-BD22-AC0DD2F8C9A2}">
-  <ds:schemaRefs>
-    <ds:schemaRef ds:uri="http://schemas.microsoft.com/VisualStudio/2011/storyboarding/control"/>
-  </ds:schemaRefs>
-</ds:datastoreItem>
-</file>
-
-<file path=customXml/itemProps161.xml><?xml version="1.0" encoding="utf-8"?>
-<ds:datastoreItem xmlns:ds="http://schemas.openxmlformats.org/officeDocument/2006/customXml" ds:itemID="{0F4E6687-EDBD-45CF-B615-E431217C6461}">
-  <ds:schemaRefs>
-    <ds:schemaRef ds:uri="http://schemas.microsoft.com/VisualStudio/2011/storyboarding/control"/>
-  </ds:schemaRefs>
-</ds:datastoreItem>
-</file>
-
-<file path=customXml/itemProps162.xml><?xml version="1.0" encoding="utf-8"?>
-<ds:datastoreItem xmlns:ds="http://schemas.openxmlformats.org/officeDocument/2006/customXml" ds:itemID="{FD656766-1E2C-4AF3-A0BF-BBE8EFFF6209}">
-  <ds:schemaRefs>
-    <ds:schemaRef ds:uri="http://schemas.microsoft.com/VisualStudio/2011/storyboarding/control"/>
-  </ds:schemaRefs>
-</ds:datastoreItem>
-</file>
-
-<file path=customXml/itemProps163.xml><?xml version="1.0" encoding="utf-8"?>
-<ds:datastoreItem xmlns:ds="http://schemas.openxmlformats.org/officeDocument/2006/customXml" ds:itemID="{E9BEDA5B-2D1F-4885-8C6C-BD15112E24B5}">
-  <ds:schemaRefs>
-    <ds:schemaRef ds:uri="http://schemas.microsoft.com/VisualStudio/2011/storyboarding/control"/>
-  </ds:schemaRefs>
-</ds:datastoreItem>
-</file>
-
-<file path=customXml/itemProps164.xml><?xml version="1.0" encoding="utf-8"?>
-<ds:datastoreItem xmlns:ds="http://schemas.openxmlformats.org/officeDocument/2006/customXml" ds:itemID="{F0AD8316-C547-4632-97E6-A9D470378D29}">
-  <ds:schemaRefs>
-    <ds:schemaRef ds:uri="http://schemas.microsoft.com/VisualStudio/2011/storyboarding/control"/>
-  </ds:schemaRefs>
-</ds:datastoreItem>
-</file>
-
-<file path=customXml/itemProps165.xml><?xml version="1.0" encoding="utf-8"?>
-<ds:datastoreItem xmlns:ds="http://schemas.openxmlformats.org/officeDocument/2006/customXml" ds:itemID="{ED983F04-E32C-4A94-997B-94154F9BEFD1}">
-  <ds:schemaRefs>
-    <ds:schemaRef ds:uri="http://schemas.microsoft.com/VisualStudio/2011/storyboarding/control"/>
-  </ds:schemaRefs>
-</ds:datastoreItem>
-</file>
-
-<file path=customXml/itemProps166.xml><?xml version="1.0" encoding="utf-8"?>
-<ds:datastoreItem xmlns:ds="http://schemas.openxmlformats.org/officeDocument/2006/customXml" ds:itemID="{45DC8B89-A727-40E5-9FD3-3AB2BC84BCE2}">
-  <ds:schemaRefs>
-    <ds:schemaRef ds:uri="http://schemas.microsoft.com/VisualStudio/2011/storyboarding/control"/>
-  </ds:schemaRefs>
-</ds:datastoreItem>
-</file>
-
-<file path=customXml/itemProps167.xml><?xml version="1.0" encoding="utf-8"?>
-<ds:datastoreItem xmlns:ds="http://schemas.openxmlformats.org/officeDocument/2006/customXml" ds:itemID="{B571F9C1-4FA1-4F01-9027-A15B5C51BD33}">
-  <ds:schemaRefs>
-    <ds:schemaRef ds:uri="http://schemas.microsoft.com/VisualStudio/2011/storyboarding/control"/>
-  </ds:schemaRefs>
-</ds:datastoreItem>
-</file>
-
-<file path=customXml/itemProps168.xml><?xml version="1.0" encoding="utf-8"?>
-<ds:datastoreItem xmlns:ds="http://schemas.openxmlformats.org/officeDocument/2006/customXml" ds:itemID="{CF2464F4-6EDB-432A-806D-C5E327A9BF7D}">
-  <ds:schemaRefs>
-    <ds:schemaRef ds:uri="http://schemas.microsoft.com/VisualStudio/2011/storyboarding/control"/>
-  </ds:schemaRefs>
-</ds:datastoreItem>
-</file>
-
-<file path=customXml/itemProps169.xml><?xml version="1.0" encoding="utf-8"?>
-<ds:datastoreItem xmlns:ds="http://schemas.openxmlformats.org/officeDocument/2006/customXml" ds:itemID="{3768EC96-1CB3-4409-BD7F-118FFC5F4F1F}">
-  <ds:schemaRefs>
-    <ds:schemaRef ds:uri="http://schemas.microsoft.com/VisualStudio/2011/storyboarding/control"/>
-  </ds:schemaRefs>
-</ds:datastoreItem>
-</file>
-
-<file path=customXml/itemProps17.xml><?xml version="1.0" encoding="utf-8"?>
-<ds:datastoreItem xmlns:ds="http://schemas.openxmlformats.org/officeDocument/2006/customXml" ds:itemID="{E1EA08A2-F0EB-4695-B92D-6C39F8AA0932}">
-  <ds:schemaRefs>
-    <ds:schemaRef ds:uri="http://schemas.microsoft.com/VisualStudio/2011/storyboarding/control"/>
-  </ds:schemaRefs>
-</ds:datastoreItem>
-</file>
-
-<file path=customXml/itemProps170.xml><?xml version="1.0" encoding="utf-8"?>
-<ds:datastoreItem xmlns:ds="http://schemas.openxmlformats.org/officeDocument/2006/customXml" ds:itemID="{9296B28F-9A7C-4B43-A202-960E3A2B8788}">
-  <ds:schemaRefs>
-    <ds:schemaRef ds:uri="http://schemas.microsoft.com/VisualStudio/2011/storyboarding/control"/>
-  </ds:schemaRefs>
-</ds:datastoreItem>
-</file>
-
-<file path=customXml/itemProps171.xml><?xml version="1.0" encoding="utf-8"?>
-<ds:datastoreItem xmlns:ds="http://schemas.openxmlformats.org/officeDocument/2006/customXml" ds:itemID="{7FF61E19-765F-42D8-A11F-AA063061EAD4}">
-  <ds:schemaRefs>
-    <ds:schemaRef ds:uri="http://schemas.microsoft.com/VisualStudio/2011/storyboarding/control"/>
-  </ds:schemaRefs>
-</ds:datastoreItem>
-</file>
-
-<file path=customXml/itemProps172.xml><?xml version="1.0" encoding="utf-8"?>
-<ds:datastoreItem xmlns:ds="http://schemas.openxmlformats.org/officeDocument/2006/customXml" ds:itemID="{90E28F76-B2CE-4526-8EF6-73ABEE81A3F6}">
-  <ds:schemaRefs>
-    <ds:schemaRef ds:uri="http://schemas.microsoft.com/VisualStudio/2011/storyboarding/control"/>
-  </ds:schemaRefs>
-</ds:datastoreItem>
-</file>
-
-<file path=customXml/itemProps173.xml><?xml version="1.0" encoding="utf-8"?>
-<ds:datastoreItem xmlns:ds="http://schemas.openxmlformats.org/officeDocument/2006/customXml" ds:itemID="{6DFB5AF4-190F-4D68-B687-D255F81417D7}">
-  <ds:schemaRefs>
-    <ds:schemaRef ds:uri="http://schemas.microsoft.com/VisualStudio/2011/storyboarding/control"/>
-  </ds:schemaRefs>
-</ds:datastoreItem>
-</file>
-
-<file path=customXml/itemProps174.xml><?xml version="1.0" encoding="utf-8"?>
-<ds:datastoreItem xmlns:ds="http://schemas.openxmlformats.org/officeDocument/2006/customXml" ds:itemID="{53C4EF26-8E01-4CBF-8187-3B49032510B6}">
-  <ds:schemaRefs>
-    <ds:schemaRef ds:uri="http://schemas.microsoft.com/VisualStudio/2011/storyboarding/control"/>
-  </ds:schemaRefs>
-</ds:datastoreItem>
-</file>
-
-<file path=customXml/itemProps175.xml><?xml version="1.0" encoding="utf-8"?>
-<ds:datastoreItem xmlns:ds="http://schemas.openxmlformats.org/officeDocument/2006/customXml" ds:itemID="{3A6E3D51-FA1B-4A3E-BA7C-278B44C43B04}">
-  <ds:schemaRefs>
-    <ds:schemaRef ds:uri="http://schemas.microsoft.com/VisualStudio/2011/storyboarding/control"/>
-  </ds:schemaRefs>
-</ds:datastoreItem>
-</file>
-
-<file path=customXml/itemProps176.xml><?xml version="1.0" encoding="utf-8"?>
-<ds:datastoreItem xmlns:ds="http://schemas.openxmlformats.org/officeDocument/2006/customXml" ds:itemID="{AC6B11E6-FCA2-4F3C-B752-C3AED7A20BE9}">
-  <ds:schemaRefs>
-    <ds:schemaRef ds:uri="http://schemas.microsoft.com/VisualStudio/2011/storyboarding/control"/>
-  </ds:schemaRefs>
-</ds:datastoreItem>
-</file>
-
-<file path=customXml/itemProps177.xml><?xml version="1.0" encoding="utf-8"?>
-<ds:datastoreItem xmlns:ds="http://schemas.openxmlformats.org/officeDocument/2006/customXml" ds:itemID="{CB1D0AD7-286C-4866-A86A-B60FAA767DB6}">
-  <ds:schemaRefs>
-    <ds:schemaRef ds:uri="http://schemas.microsoft.com/VisualStudio/2011/storyboarding/control"/>
-  </ds:schemaRefs>
-</ds:datastoreItem>
-</file>
-
-<file path=customXml/itemProps178.xml><?xml version="1.0" encoding="utf-8"?>
-<ds:datastoreItem xmlns:ds="http://schemas.openxmlformats.org/officeDocument/2006/customXml" ds:itemID="{82A7A224-A70B-48A1-9EFB-2ECCE6A6494B}">
-  <ds:schemaRefs>
-    <ds:schemaRef ds:uri="http://schemas.microsoft.com/VisualStudio/2011/storyboarding/control"/>
-  </ds:schemaRefs>
-</ds:datastoreItem>
-</file>
-
-<file path=customXml/itemProps179.xml><?xml version="1.0" encoding="utf-8"?>
-<ds:datastoreItem xmlns:ds="http://schemas.openxmlformats.org/officeDocument/2006/customXml" ds:itemID="{632BE8CE-F951-45F8-990F-87702D308D41}">
-  <ds:schemaRefs>
-    <ds:schemaRef ds:uri="http://schemas.microsoft.com/VisualStudio/2011/storyboarding/control"/>
-  </ds:schemaRefs>
-</ds:datastoreItem>
-</file>
-
-<file path=customXml/itemProps18.xml><?xml version="1.0" encoding="utf-8"?>
-<ds:datastoreItem xmlns:ds="http://schemas.openxmlformats.org/officeDocument/2006/customXml" ds:itemID="{0E7F11B8-A92D-47B9-8853-9C3700943E16}">
-  <ds:schemaRefs>
-    <ds:schemaRef ds:uri="http://schemas.microsoft.com/VisualStudio/2011/storyboarding/control"/>
-  </ds:schemaRefs>
-</ds:datastoreItem>
-</file>
-
-<file path=customXml/itemProps180.xml><?xml version="1.0" encoding="utf-8"?>
-<ds:datastoreItem xmlns:ds="http://schemas.openxmlformats.org/officeDocument/2006/customXml" ds:itemID="{A5198C00-9FB8-444E-AF2E-E0AAFDDFCCAC}">
-  <ds:schemaRefs>
-    <ds:schemaRef ds:uri="http://schemas.microsoft.com/VisualStudio/2011/storyboarding/control"/>
-  </ds:schemaRefs>
-</ds:datastoreItem>
-</file>
-
-<file path=customXml/itemProps181.xml><?xml version="1.0" encoding="utf-8"?>
-<ds:datastoreItem xmlns:ds="http://schemas.openxmlformats.org/officeDocument/2006/customXml" ds:itemID="{A3160FF8-2B70-4BC4-8936-2266C247948F}">
-  <ds:schemaRefs>
-    <ds:schemaRef ds:uri="http://schemas.microsoft.com/VisualStudio/2011/storyboarding/control"/>
-  </ds:schemaRefs>
-</ds:datastoreItem>
-</file>
-
-<file path=customXml/itemProps182.xml><?xml version="1.0" encoding="utf-8"?>
-<ds:datastoreItem xmlns:ds="http://schemas.openxmlformats.org/officeDocument/2006/customXml" ds:itemID="{61340949-04FB-41E8-8EB3-C1D7FB235395}">
-  <ds:schemaRefs>
-    <ds:schemaRef ds:uri="http://schemas.microsoft.com/VisualStudio/2011/storyboarding/control"/>
-  </ds:schemaRefs>
-</ds:datastoreItem>
-</file>
-
-<file path=customXml/itemProps183.xml><?xml version="1.0" encoding="utf-8"?>
-<ds:datastoreItem xmlns:ds="http://schemas.openxmlformats.org/officeDocument/2006/customXml" ds:itemID="{47D04905-61AD-4541-BF97-CDCEDECD854D}">
-  <ds:schemaRefs>
-    <ds:schemaRef ds:uri="http://schemas.microsoft.com/VisualStudio/2011/storyboarding/control"/>
-  </ds:schemaRefs>
-</ds:datastoreItem>
-</file>
-
-<file path=customXml/itemProps184.xml><?xml version="1.0" encoding="utf-8"?>
-<ds:datastoreItem xmlns:ds="http://schemas.openxmlformats.org/officeDocument/2006/customXml" ds:itemID="{156A9650-86A9-49A0-9687-5356BD4EF127}">
-  <ds:schemaRefs>
-    <ds:schemaRef ds:uri="http://schemas.microsoft.com/VisualStudio/2011/storyboarding/control"/>
-  </ds:schemaRefs>
-</ds:datastoreItem>
-</file>
-
-<file path=customXml/itemProps185.xml><?xml version="1.0" encoding="utf-8"?>
-<ds:datastoreItem xmlns:ds="http://schemas.openxmlformats.org/officeDocument/2006/customXml" ds:itemID="{DC92FC13-227F-4DB5-AAF5-30BC6B75200C}">
-  <ds:schemaRefs>
-    <ds:schemaRef ds:uri="http://schemas.microsoft.com/VisualStudio/2011/storyboarding/control"/>
-  </ds:schemaRefs>
-</ds:datastoreItem>
-</file>
-
-<file path=customXml/itemProps186.xml><?xml version="1.0" encoding="utf-8"?>
-<ds:datastoreItem xmlns:ds="http://schemas.openxmlformats.org/officeDocument/2006/customXml" ds:itemID="{5B3DAAA0-FD8D-46B7-9927-08270FC48A89}">
-  <ds:schemaRefs>
-    <ds:schemaRef ds:uri="http://schemas.microsoft.com/VisualStudio/2011/storyboarding/control"/>
-  </ds:schemaRefs>
-</ds:datastoreItem>
-</file>
-
-<file path=customXml/itemProps187.xml><?xml version="1.0" encoding="utf-8"?>
-<ds:datastoreItem xmlns:ds="http://schemas.openxmlformats.org/officeDocument/2006/customXml" ds:itemID="{951CAA12-C32D-4BE7-89ED-CC035FF04683}">
-  <ds:schemaRefs>
-    <ds:schemaRef ds:uri="http://schemas.microsoft.com/VisualStudio/2011/storyboarding/control"/>
-  </ds:schemaRefs>
-</ds:datastoreItem>
-</file>
-
-<file path=customXml/itemProps188.xml><?xml version="1.0" encoding="utf-8"?>
-<ds:datastoreItem xmlns:ds="http://schemas.openxmlformats.org/officeDocument/2006/customXml" ds:itemID="{620EC4D8-FFB4-425F-8F1B-F6A51DF0CB99}">
-  <ds:schemaRefs>
-    <ds:schemaRef ds:uri="http://schemas.microsoft.com/VisualStudio/2011/storyboarding/control"/>
-  </ds:schemaRefs>
-</ds:datastoreItem>
-</file>
-
-<file path=customXml/itemProps189.xml><?xml version="1.0" encoding="utf-8"?>
-<ds:datastoreItem xmlns:ds="http://schemas.openxmlformats.org/officeDocument/2006/customXml" ds:itemID="{98F8D7A9-C74B-4443-A2D1-1AD95C0ADDAB}">
-  <ds:schemaRefs>
-    <ds:schemaRef ds:uri="http://schemas.microsoft.com/VisualStudio/2011/storyboarding/control"/>
-  </ds:schemaRefs>
-</ds:datastoreItem>
-</file>
-
-<file path=customXml/itemProps19.xml><?xml version="1.0" encoding="utf-8"?>
-<ds:datastoreItem xmlns:ds="http://schemas.openxmlformats.org/officeDocument/2006/customXml" ds:itemID="{CD29FAB3-6532-4C07-87B7-D3B163E5334C}">
-  <ds:schemaRefs>
-    <ds:schemaRef ds:uri="http://schemas.microsoft.com/VisualStudio/2011/storyboarding/control"/>
-  </ds:schemaRefs>
-</ds:datastoreItem>
-</file>
-
-<file path=customXml/itemProps190.xml><?xml version="1.0" encoding="utf-8"?>
-<ds:datastoreItem xmlns:ds="http://schemas.openxmlformats.org/officeDocument/2006/customXml" ds:itemID="{FD04660E-4182-4934-BD1D-320835FD072C}">
-  <ds:schemaRefs>
-    <ds:schemaRef ds:uri="http://schemas.microsoft.com/VisualStudio/2011/storyboarding/control"/>
-  </ds:schemaRefs>
-</ds:datastoreItem>
-</file>
-
-<file path=customXml/itemProps191.xml><?xml version="1.0" encoding="utf-8"?>
-<ds:datastoreItem xmlns:ds="http://schemas.openxmlformats.org/officeDocument/2006/customXml" ds:itemID="{DE38DAF1-E768-444F-BC01-54EC1E63D836}">
-  <ds:schemaRefs>
-    <ds:schemaRef ds:uri="http://schemas.microsoft.com/VisualStudio/2011/storyboarding/control"/>
-  </ds:schemaRefs>
-</ds:datastoreItem>
-</file>
-
-<file path=customXml/itemProps192.xml><?xml version="1.0" encoding="utf-8"?>
-<ds:datastoreItem xmlns:ds="http://schemas.openxmlformats.org/officeDocument/2006/customXml" ds:itemID="{1EA6AC7B-61B6-4C6C-B3FC-E9509328E2F8}">
-  <ds:schemaRefs>
-    <ds:schemaRef ds:uri="http://schemas.microsoft.com/VisualStudio/2011/storyboarding/control"/>
-  </ds:schemaRefs>
-</ds:datastoreItem>
-</file>
-
-<file path=customXml/itemProps193.xml><?xml version="1.0" encoding="utf-8"?>
-<ds:datastoreItem xmlns:ds="http://schemas.openxmlformats.org/officeDocument/2006/customXml" ds:itemID="{EDA272A8-84BF-4370-A98A-603BF1191930}">
-  <ds:schemaRefs>
-    <ds:schemaRef ds:uri="http://schemas.microsoft.com/VisualStudio/2011/storyboarding/control"/>
-  </ds:schemaRefs>
-</ds:datastoreItem>
-</file>
-
-<file path=customXml/itemProps194.xml><?xml version="1.0" encoding="utf-8"?>
-<ds:datastoreItem xmlns:ds="http://schemas.openxmlformats.org/officeDocument/2006/customXml" ds:itemID="{90B44F6A-99BB-4609-9C2E-FB22B1DAA291}">
-  <ds:schemaRefs>
-    <ds:schemaRef ds:uri="http://schemas.microsoft.com/VisualStudio/2011/storyboarding/control"/>
-  </ds:schemaRefs>
-</ds:datastoreItem>
-</file>
-
-<file path=customXml/itemProps195.xml><?xml version="1.0" encoding="utf-8"?>
-<ds:datastoreItem xmlns:ds="http://schemas.openxmlformats.org/officeDocument/2006/customXml" ds:itemID="{96F6940E-DA96-4E16-8521-83FC1F5DE656}">
-  <ds:schemaRefs>
-    <ds:schemaRef ds:uri="http://schemas.microsoft.com/VisualStudio/2011/storyboarding/control"/>
-  </ds:schemaRefs>
-</ds:datastoreItem>
-</file>
-
-<file path=customXml/itemProps196.xml><?xml version="1.0" encoding="utf-8"?>
-<ds:datastoreItem xmlns:ds="http://schemas.openxmlformats.org/officeDocument/2006/customXml" ds:itemID="{7B9C2A73-8D62-446E-966B-100150B31EB0}">
-  <ds:schemaRefs>
-    <ds:schemaRef ds:uri="http://schemas.microsoft.com/VisualStudio/2011/storyboarding/control"/>
-  </ds:schemaRefs>
-</ds:datastoreItem>
-</file>
-
-<file path=customXml/itemProps2.xml><?xml version="1.0" encoding="utf-8"?>
-<ds:datastoreItem xmlns:ds="http://schemas.openxmlformats.org/officeDocument/2006/customXml" ds:itemID="{F03C893E-696A-41A3-AF2A-F59F49901BD0}">
-  <ds:schemaRefs>
-    <ds:schemaRef ds:uri="http://schemas.microsoft.com/VisualStudio/2011/storyboarding/control"/>
-  </ds:schemaRefs>
-</ds:datastoreItem>
-</file>
-
-<file path=customXml/itemProps20.xml><?xml version="1.0" encoding="utf-8"?>
-<ds:datastoreItem xmlns:ds="http://schemas.openxmlformats.org/officeDocument/2006/customXml" ds:itemID="{15625D59-FCB4-43A2-9269-08FE9ED078CA}">
-  <ds:schemaRefs>
-    <ds:schemaRef ds:uri="http://schemas.microsoft.com/VisualStudio/2011/storyboarding/control"/>
-  </ds:schemaRefs>
-</ds:datastoreItem>
-</file>
-
-<file path=customXml/itemProps21.xml><?xml version="1.0" encoding="utf-8"?>
-<ds:datastoreItem xmlns:ds="http://schemas.openxmlformats.org/officeDocument/2006/customXml" ds:itemID="{63C0EFB6-F9F3-466A-AF3B-105C35B0931C}">
-  <ds:schemaRefs>
-    <ds:schemaRef ds:uri="http://schemas.microsoft.com/VisualStudio/2011/storyboarding/control"/>
-  </ds:schemaRefs>
-</ds:datastoreItem>
-</file>
-
-<file path=customXml/itemProps22.xml><?xml version="1.0" encoding="utf-8"?>
-<ds:datastoreItem xmlns:ds="http://schemas.openxmlformats.org/officeDocument/2006/customXml" ds:itemID="{9AC51506-9A19-4BE1-9B1F-523A1DF334EE}">
-  <ds:schemaRefs>
-    <ds:schemaRef ds:uri="http://schemas.microsoft.com/VisualStudio/2011/storyboarding/control"/>
-  </ds:schemaRefs>
-</ds:datastoreItem>
-</file>
-
-<file path=customXml/itemProps23.xml><?xml version="1.0" encoding="utf-8"?>
-<ds:datastoreItem xmlns:ds="http://schemas.openxmlformats.org/officeDocument/2006/customXml" ds:itemID="{375756A9-1293-4A48-AF0C-55F0FFCEEEAD}">
-  <ds:schemaRefs>
-    <ds:schemaRef ds:uri="http://schemas.microsoft.com/VisualStudio/2011/storyboarding/control"/>
-  </ds:schemaRefs>
-</ds:datastoreItem>
-</file>
-
-<file path=customXml/itemProps24.xml><?xml version="1.0" encoding="utf-8"?>
-<ds:datastoreItem xmlns:ds="http://schemas.openxmlformats.org/officeDocument/2006/customXml" ds:itemID="{066C72EA-1795-446C-8FDE-0DAD7365D84B}">
-  <ds:schemaRefs>
-    <ds:schemaRef ds:uri="http://schemas.microsoft.com/VisualStudio/2011/storyboarding/control"/>
-  </ds:schemaRefs>
-</ds:datastoreItem>
-</file>
-
-<file path=customXml/itemProps25.xml><?xml version="1.0" encoding="utf-8"?>
-<ds:datastoreItem xmlns:ds="http://schemas.openxmlformats.org/officeDocument/2006/customXml" ds:itemID="{BDDC3E6F-DAD4-4270-87AF-1D6C8CD8F16E}">
-  <ds:schemaRefs>
-    <ds:schemaRef ds:uri="http://schemas.microsoft.com/VisualStudio/2011/storyboarding/control"/>
-  </ds:schemaRefs>
-</ds:datastoreItem>
-</file>
-
-<file path=customXml/itemProps26.xml><?xml version="1.0" encoding="utf-8"?>
-<ds:datastoreItem xmlns:ds="http://schemas.openxmlformats.org/officeDocument/2006/customXml" ds:itemID="{473B3DAD-C760-443C-9CD2-4B17FFE89AFF}">
-  <ds:schemaRefs>
-    <ds:schemaRef ds:uri="http://schemas.microsoft.com/VisualStudio/2011/storyboarding/control"/>
-  </ds:schemaRefs>
-</ds:datastoreItem>
-</file>
-
-<file path=customXml/itemProps27.xml><?xml version="1.0" encoding="utf-8"?>
-<ds:datastoreItem xmlns:ds="http://schemas.openxmlformats.org/officeDocument/2006/customXml" ds:itemID="{EE867190-D5A5-48EF-89FE-8DC463627386}">
-  <ds:schemaRefs>
-    <ds:schemaRef ds:uri="http://schemas.microsoft.com/VisualStudio/2011/storyboarding/control"/>
-  </ds:schemaRefs>
-</ds:datastoreItem>
-</file>
-
-<file path=customXml/itemProps28.xml><?xml version="1.0" encoding="utf-8"?>
-<ds:datastoreItem xmlns:ds="http://schemas.openxmlformats.org/officeDocument/2006/customXml" ds:itemID="{DE558D74-698C-4EC3-B6A9-D0462257CE02}">
-  <ds:schemaRefs>
-    <ds:schemaRef ds:uri="http://schemas.microsoft.com/VisualStudio/2011/storyboarding/control"/>
-  </ds:schemaRefs>
-</ds:datastoreItem>
-</file>
-
-<file path=customXml/itemProps29.xml><?xml version="1.0" encoding="utf-8"?>
-<ds:datastoreItem xmlns:ds="http://schemas.openxmlformats.org/officeDocument/2006/customXml" ds:itemID="{8B7DB7B4-E10B-44E4-AF44-70F65BA4AEEE}">
-  <ds:schemaRefs>
-    <ds:schemaRef ds:uri="http://schemas.microsoft.com/VisualStudio/2011/storyboarding/control"/>
-  </ds:schemaRefs>
-</ds:datastoreItem>
-</file>
-
-<file path=customXml/itemProps3.xml><?xml version="1.0" encoding="utf-8"?>
-<ds:datastoreItem xmlns:ds="http://schemas.openxmlformats.org/officeDocument/2006/customXml" ds:itemID="{35EDE693-6207-4AAF-855F-5FBD17C8947E}">
-  <ds:schemaRefs>
-    <ds:schemaRef ds:uri="http://schemas.microsoft.com/VisualStudio/2011/storyboarding/control"/>
-  </ds:schemaRefs>
-</ds:datastoreItem>
-</file>
-
-<file path=customXml/itemProps30.xml><?xml version="1.0" encoding="utf-8"?>
-<ds:datastoreItem xmlns:ds="http://schemas.openxmlformats.org/officeDocument/2006/customXml" ds:itemID="{D03E9CF7-7D83-4868-80E9-E25D7A886C94}">
-  <ds:schemaRefs>
-    <ds:schemaRef ds:uri="http://schemas.microsoft.com/VisualStudio/2011/storyboarding/control"/>
-  </ds:schemaRefs>
-</ds:datastoreItem>
-</file>
-
-<file path=customXml/itemProps31.xml><?xml version="1.0" encoding="utf-8"?>
-<ds:datastoreItem xmlns:ds="http://schemas.openxmlformats.org/officeDocument/2006/customXml" ds:itemID="{A2585421-CC0B-40E1-A650-4EF6795963AB}">
-  <ds:schemaRefs>
-    <ds:schemaRef ds:uri="http://schemas.microsoft.com/VisualStudio/2011/storyboarding/control"/>
-  </ds:schemaRefs>
-</ds:datastoreItem>
-</file>
-
-<file path=customXml/itemProps32.xml><?xml version="1.0" encoding="utf-8"?>
-<ds:datastoreItem xmlns:ds="http://schemas.openxmlformats.org/officeDocument/2006/customXml" ds:itemID="{C8C7FDB1-76B5-45B6-B4E1-0195E6C19F1C}">
-  <ds:schemaRefs>
-    <ds:schemaRef ds:uri="http://schemas.microsoft.com/VisualStudio/2011/storyboarding/control"/>
-  </ds:schemaRefs>
-</ds:datastoreItem>
-</file>
-
-<file path=customXml/itemProps33.xml><?xml version="1.0" encoding="utf-8"?>
-<ds:datastoreItem xmlns:ds="http://schemas.openxmlformats.org/officeDocument/2006/customXml" ds:itemID="{1F716E72-359E-4B84-8E46-63DAA8E49F08}">
-  <ds:schemaRefs>
-    <ds:schemaRef ds:uri="http://schemas.microsoft.com/VisualStudio/2011/storyboarding/control"/>
-  </ds:schemaRefs>
-</ds:datastoreItem>
-</file>
-
-<file path=customXml/itemProps34.xml><?xml version="1.0" encoding="utf-8"?>
-<ds:datastoreItem xmlns:ds="http://schemas.openxmlformats.org/officeDocument/2006/customXml" ds:itemID="{DC881288-EE74-43FA-967E-CB17DE533BEC}">
-  <ds:schemaRefs>
-    <ds:schemaRef ds:uri="http://schemas.microsoft.com/VisualStudio/2011/storyboarding/control"/>
-  </ds:schemaRefs>
-</ds:datastoreItem>
-</file>
-
-<file path=customXml/itemProps35.xml><?xml version="1.0" encoding="utf-8"?>
-<ds:datastoreItem xmlns:ds="http://schemas.openxmlformats.org/officeDocument/2006/customXml" ds:itemID="{EF422FE5-4CF9-46BC-B9C7-C1C5588D3D78}">
-  <ds:schemaRefs>
-    <ds:schemaRef ds:uri="http://schemas.microsoft.com/VisualStudio/2011/storyboarding/control"/>
-  </ds:schemaRefs>
-</ds:datastoreItem>
-</file>
-
-<file path=customXml/itemProps36.xml><?xml version="1.0" encoding="utf-8"?>
-<ds:datastoreItem xmlns:ds="http://schemas.openxmlformats.org/officeDocument/2006/customXml" ds:itemID="{F52FEC58-6638-4A1A-8891-F44021831DB7}">
-  <ds:schemaRefs>
-    <ds:schemaRef ds:uri="http://schemas.microsoft.com/VisualStudio/2011/storyboarding/control"/>
-  </ds:schemaRefs>
-</ds:datastoreItem>
-</file>
-
-<file path=customXml/itemProps37.xml><?xml version="1.0" encoding="utf-8"?>
-<ds:datastoreItem xmlns:ds="http://schemas.openxmlformats.org/officeDocument/2006/customXml" ds:itemID="{2FBFD02E-E1C2-4EC5-BA62-9EDBD6E64D14}">
-  <ds:schemaRefs>
-    <ds:schemaRef ds:uri="http://schemas.microsoft.com/VisualStudio/2011/storyboarding/control"/>
-  </ds:schemaRefs>
-</ds:datastoreItem>
-</file>
-
-<file path=customXml/itemProps38.xml><?xml version="1.0" encoding="utf-8"?>
-<ds:datastoreItem xmlns:ds="http://schemas.openxmlformats.org/officeDocument/2006/customXml" ds:itemID="{09D191B1-FB09-4FEB-9878-D0E6CD5062B2}">
-  <ds:schemaRefs>
-    <ds:schemaRef ds:uri="http://schemas.microsoft.com/VisualStudio/2011/storyboarding/control"/>
-  </ds:schemaRefs>
-</ds:datastoreItem>
-</file>
-
-<file path=customXml/itemProps39.xml><?xml version="1.0" encoding="utf-8"?>
-<ds:datastoreItem xmlns:ds="http://schemas.openxmlformats.org/officeDocument/2006/customXml" ds:itemID="{245FB997-DDEB-4A9B-9B6B-B149C65591B0}">
-  <ds:schemaRefs>
-    <ds:schemaRef ds:uri="http://schemas.microsoft.com/VisualStudio/2011/storyboarding/control"/>
-  </ds:schemaRefs>
-</ds:datastoreItem>
-</file>
-
-<file path=customXml/itemProps4.xml><?xml version="1.0" encoding="utf-8"?>
-<ds:datastoreItem xmlns:ds="http://schemas.openxmlformats.org/officeDocument/2006/customXml" ds:itemID="{81199DF7-4170-430D-B943-3C1CAD880471}">
-  <ds:schemaRefs>
-    <ds:schemaRef ds:uri="http://schemas.microsoft.com/VisualStudio/2011/storyboarding/control"/>
-  </ds:schemaRefs>
-</ds:datastoreItem>
-</file>
-
-<file path=customXml/itemProps40.xml><?xml version="1.0" encoding="utf-8"?>
-<ds:datastoreItem xmlns:ds="http://schemas.openxmlformats.org/officeDocument/2006/customXml" ds:itemID="{82A14D4B-FD74-4E11-9C45-06EB68993003}">
-  <ds:schemaRefs>
-    <ds:schemaRef ds:uri="http://schemas.microsoft.com/VisualStudio/2011/storyboarding/control"/>
-  </ds:schemaRefs>
-</ds:datastoreItem>
-</file>
-
-<file path=customXml/itemProps41.xml><?xml version="1.0" encoding="utf-8"?>
-<ds:datastoreItem xmlns:ds="http://schemas.openxmlformats.org/officeDocument/2006/customXml" ds:itemID="{9D1D761F-3119-4262-82BB-766A1BE771C1}">
-  <ds:schemaRefs>
-    <ds:schemaRef ds:uri="http://schemas.microsoft.com/VisualStudio/2011/storyboarding/control"/>
-  </ds:schemaRefs>
-</ds:datastoreItem>
-</file>
-
-<file path=customXml/itemProps42.xml><?xml version="1.0" encoding="utf-8"?>
-<ds:datastoreItem xmlns:ds="http://schemas.openxmlformats.org/officeDocument/2006/customXml" ds:itemID="{B2D3C7BB-480E-4182-BD24-E5D8617B8478}">
-  <ds:schemaRefs>
-    <ds:schemaRef ds:uri="http://schemas.microsoft.com/VisualStudio/2011/storyboarding/control"/>
-  </ds:schemaRefs>
-</ds:datastoreItem>
-</file>
-
-<file path=customXml/itemProps43.xml><?xml version="1.0" encoding="utf-8"?>
-<ds:datastoreItem xmlns:ds="http://schemas.openxmlformats.org/officeDocument/2006/customXml" ds:itemID="{177D7744-BF2C-4B4C-873D-F97F6D9E630E}">
-  <ds:schemaRefs>
-    <ds:schemaRef ds:uri="http://schemas.microsoft.com/VisualStudio/2011/storyboarding/control"/>
-  </ds:schemaRefs>
-</ds:datastoreItem>
-</file>
-
-<file path=customXml/itemProps44.xml><?xml version="1.0" encoding="utf-8"?>
-<ds:datastoreItem xmlns:ds="http://schemas.openxmlformats.org/officeDocument/2006/customXml" ds:itemID="{5146E6C0-6285-4339-94F4-01020D0586E9}">
-  <ds:schemaRefs>
-    <ds:schemaRef ds:uri="http://schemas.microsoft.com/VisualStudio/2011/storyboarding/control"/>
-  </ds:schemaRefs>
-</ds:datastoreItem>
-</file>
-
-<file path=customXml/itemProps45.xml><?xml version="1.0" encoding="utf-8"?>
-<ds:datastoreItem xmlns:ds="http://schemas.openxmlformats.org/officeDocument/2006/customXml" ds:itemID="{2D1439FC-7EEC-4FA1-803B-72C74EF27803}">
-  <ds:schemaRefs>
-    <ds:schemaRef ds:uri="http://schemas.microsoft.com/VisualStudio/2011/storyboarding/control"/>
-  </ds:schemaRefs>
-</ds:datastoreItem>
-</file>
-
-<file path=customXml/itemProps46.xml><?xml version="1.0" encoding="utf-8"?>
-<ds:datastoreItem xmlns:ds="http://schemas.openxmlformats.org/officeDocument/2006/customXml" ds:itemID="{3BDE1856-187B-42EE-93A3-7774284BFBAD}">
-  <ds:schemaRefs>
-    <ds:schemaRef ds:uri="http://schemas.microsoft.com/VisualStudio/2011/storyboarding/control"/>
-  </ds:schemaRefs>
-</ds:datastoreItem>
-</file>
-
-<file path=customXml/itemProps47.xml><?xml version="1.0" encoding="utf-8"?>
-<ds:datastoreItem xmlns:ds="http://schemas.openxmlformats.org/officeDocument/2006/customXml" ds:itemID="{ABBCF1A8-B170-42DE-B8D7-33F51CEA59AD}">
-  <ds:schemaRefs>
-    <ds:schemaRef ds:uri="http://schemas.microsoft.com/VisualStudio/2011/storyboarding/control"/>
-  </ds:schemaRefs>
-</ds:datastoreItem>
-</file>
-
-<file path=customXml/itemProps48.xml><?xml version="1.0" encoding="utf-8"?>
-<ds:datastoreItem xmlns:ds="http://schemas.openxmlformats.org/officeDocument/2006/customXml" ds:itemID="{FD6949BB-B64C-4917-BB76-35DBC8FF53EA}">
-  <ds:schemaRefs>
-    <ds:schemaRef ds:uri="http://schemas.microsoft.com/VisualStudio/2011/storyboarding/control"/>
-  </ds:schemaRefs>
-</ds:datastoreItem>
-</file>
-
-<file path=customXml/itemProps49.xml><?xml version="1.0" encoding="utf-8"?>
-<ds:datastoreItem xmlns:ds="http://schemas.openxmlformats.org/officeDocument/2006/customXml" ds:itemID="{7000DBDB-8E54-446E-B692-F1C4B736390E}">
-  <ds:schemaRefs>
-    <ds:schemaRef ds:uri="http://schemas.microsoft.com/VisualStudio/2011/storyboarding/control"/>
-  </ds:schemaRefs>
-</ds:datastoreItem>
-</file>
-
-<file path=customXml/itemProps5.xml><?xml version="1.0" encoding="utf-8"?>
-<ds:datastoreItem xmlns:ds="http://schemas.openxmlformats.org/officeDocument/2006/customXml" ds:itemID="{D9B18EE9-3CB6-4142-A2B9-DB7C225FDC5B}">
-  <ds:schemaRefs>
-    <ds:schemaRef ds:uri="http://schemas.microsoft.com/VisualStudio/2011/storyboarding/control"/>
-  </ds:schemaRefs>
-</ds:datastoreItem>
-</file>
-
-<file path=customXml/itemProps50.xml><?xml version="1.0" encoding="utf-8"?>
-<ds:datastoreItem xmlns:ds="http://schemas.openxmlformats.org/officeDocument/2006/customXml" ds:itemID="{4497561E-7BF7-4232-8562-E72739E42B43}">
-  <ds:schemaRefs>
-    <ds:schemaRef ds:uri="http://schemas.microsoft.com/VisualStudio/2011/storyboarding/control"/>
-  </ds:schemaRefs>
-</ds:datastoreItem>
-</file>
-
-<file path=customXml/itemProps51.xml><?xml version="1.0" encoding="utf-8"?>
-<ds:datastoreItem xmlns:ds="http://schemas.openxmlformats.org/officeDocument/2006/customXml" ds:itemID="{249ADB1C-41D6-491A-81ED-77E3145D80C5}">
-  <ds:schemaRefs>
-    <ds:schemaRef ds:uri="http://schemas.microsoft.com/VisualStudio/2011/storyboarding/control"/>
-  </ds:schemaRefs>
-</ds:datastoreItem>
-</file>
-
-<file path=customXml/itemProps52.xml><?xml version="1.0" encoding="utf-8"?>
-<ds:datastoreItem xmlns:ds="http://schemas.openxmlformats.org/officeDocument/2006/customXml" ds:itemID="{BE36EEC8-5F1F-493C-B22B-BD36DDA1CC5C}">
-  <ds:schemaRefs>
-    <ds:schemaRef ds:uri="http://schemas.microsoft.com/VisualStudio/2011/storyboarding/control"/>
-  </ds:schemaRefs>
-</ds:datastoreItem>
-</file>
-
-<file path=customXml/itemProps53.xml><?xml version="1.0" encoding="utf-8"?>
-<ds:datastoreItem xmlns:ds="http://schemas.openxmlformats.org/officeDocument/2006/customXml" ds:itemID="{0D155FF0-89E1-44B7-9011-E3D5068229FC}">
-  <ds:schemaRefs>
-    <ds:schemaRef ds:uri="http://schemas.microsoft.com/VisualStudio/2011/storyboarding/control"/>
-  </ds:schemaRefs>
-</ds:datastoreItem>
-</file>
-
-<file path=customXml/itemProps54.xml><?xml version="1.0" encoding="utf-8"?>
-<ds:datastoreItem xmlns:ds="http://schemas.openxmlformats.org/officeDocument/2006/customXml" ds:itemID="{66A7B760-FFA3-49CD-A4C4-1BA1DA6B2B08}">
-  <ds:schemaRefs>
-    <ds:schemaRef ds:uri="http://schemas.microsoft.com/VisualStudio/2011/storyboarding/control"/>
-  </ds:schemaRefs>
-</ds:datastoreItem>
-</file>
-
-<file path=customXml/itemProps55.xml><?xml version="1.0" encoding="utf-8"?>
-<ds:datastoreItem xmlns:ds="http://schemas.openxmlformats.org/officeDocument/2006/customXml" ds:itemID="{2A3C029E-928D-46E9-9B85-9AF08293D0DD}">
-  <ds:schemaRefs>
-    <ds:schemaRef ds:uri="http://schemas.microsoft.com/VisualStudio/2011/storyboarding/control"/>
-  </ds:schemaRefs>
-</ds:datastoreItem>
-</file>
-
-<file path=customXml/itemProps56.xml><?xml version="1.0" encoding="utf-8"?>
-<ds:datastoreItem xmlns:ds="http://schemas.openxmlformats.org/officeDocument/2006/customXml" ds:itemID="{070908BB-C82D-499A-80FA-1EAB774264D4}">
-  <ds:schemaRefs>
-    <ds:schemaRef ds:uri="http://schemas.microsoft.com/VisualStudio/2011/storyboarding/control"/>
-  </ds:schemaRefs>
-</ds:datastoreItem>
-</file>
-
-<file path=customXml/itemProps57.xml><?xml version="1.0" encoding="utf-8"?>
-<ds:datastoreItem xmlns:ds="http://schemas.openxmlformats.org/officeDocument/2006/customXml" ds:itemID="{EE5F5B2A-C4CD-4203-8013-F3CCC9D67934}">
-  <ds:schemaRefs>
-    <ds:schemaRef ds:uri="http://schemas.microsoft.com/VisualStudio/2011/storyboarding/control"/>
-  </ds:schemaRefs>
-</ds:datastoreItem>
-</file>
-
-<file path=customXml/itemProps58.xml><?xml version="1.0" encoding="utf-8"?>
-<ds:datastoreItem xmlns:ds="http://schemas.openxmlformats.org/officeDocument/2006/customXml" ds:itemID="{F368F26A-B05C-4CF0-9CE1-0AEB16876DC8}">
-  <ds:schemaRefs>
-    <ds:schemaRef ds:uri="http://schemas.microsoft.com/VisualStudio/2011/storyboarding/control"/>
-  </ds:schemaRefs>
-</ds:datastoreItem>
-</file>
-
-<file path=customXml/itemProps59.xml><?xml version="1.0" encoding="utf-8"?>
-<ds:datastoreItem xmlns:ds="http://schemas.openxmlformats.org/officeDocument/2006/customXml" ds:itemID="{91A3B82D-3592-4634-8669-9EDC88A3B0CD}">
-  <ds:schemaRefs>
-    <ds:schemaRef ds:uri="http://schemas.microsoft.com/VisualStudio/2011/storyboarding/control"/>
-  </ds:schemaRefs>
-</ds:datastoreItem>
-</file>
-
-<file path=customXml/itemProps6.xml><?xml version="1.0" encoding="utf-8"?>
-<ds:datastoreItem xmlns:ds="http://schemas.openxmlformats.org/officeDocument/2006/customXml" ds:itemID="{557A5314-6ACE-42EF-99CF-29DA95BCA1CD}">
-  <ds:schemaRefs>
-    <ds:schemaRef ds:uri="http://schemas.microsoft.com/VisualStudio/2011/storyboarding/control"/>
-  </ds:schemaRefs>
-</ds:datastoreItem>
-</file>
-
-<file path=customXml/itemProps60.xml><?xml version="1.0" encoding="utf-8"?>
-<ds:datastoreItem xmlns:ds="http://schemas.openxmlformats.org/officeDocument/2006/customXml" ds:itemID="{3DF533F6-404A-4840-A608-1FC8F631238C}">
-  <ds:schemaRefs>
-    <ds:schemaRef ds:uri="http://schemas.microsoft.com/VisualStudio/2011/storyboarding/control"/>
-  </ds:schemaRefs>
-</ds:datastoreItem>
-</file>
-
-<file path=customXml/itemProps61.xml><?xml version="1.0" encoding="utf-8"?>
-<ds:datastoreItem xmlns:ds="http://schemas.openxmlformats.org/officeDocument/2006/customXml" ds:itemID="{23C7F890-A81E-44E9-97A4-CD88E606D7D7}">
-  <ds:schemaRefs>
-    <ds:schemaRef ds:uri="http://schemas.microsoft.com/VisualStudio/2011/storyboarding/control"/>
-  </ds:schemaRefs>
-</ds:datastoreItem>
-</file>
-
-<file path=customXml/itemProps62.xml><?xml version="1.0" encoding="utf-8"?>
-<ds:datastoreItem xmlns:ds="http://schemas.openxmlformats.org/officeDocument/2006/customXml" ds:itemID="{D840F8E9-BF51-49EC-9CAB-158A2B221FA0}">
-  <ds:schemaRefs>
-    <ds:schemaRef ds:uri="http://schemas.microsoft.com/VisualStudio/2011/storyboarding/control"/>
-  </ds:schemaRefs>
-</ds:datastoreItem>
-</file>
-
-<file path=customXml/itemProps63.xml><?xml version="1.0" encoding="utf-8"?>
-<ds:datastoreItem xmlns:ds="http://schemas.openxmlformats.org/officeDocument/2006/customXml" ds:itemID="{FE245D50-EB12-4E18-ADD5-7416499448DD}">
-  <ds:schemaRefs>
-    <ds:schemaRef ds:uri="http://schemas.microsoft.com/VisualStudio/2011/storyboarding/control"/>
-  </ds:schemaRefs>
-</ds:datastoreItem>
-</file>
-
-<file path=customXml/itemProps64.xml><?xml version="1.0" encoding="utf-8"?>
-<ds:datastoreItem xmlns:ds="http://schemas.openxmlformats.org/officeDocument/2006/customXml" ds:itemID="{652744F4-4064-4D68-A4E5-AF1A892D6D58}">
-  <ds:schemaRefs>
-    <ds:schemaRef ds:uri="http://schemas.microsoft.com/VisualStudio/2011/storyboarding/control"/>
-  </ds:schemaRefs>
-</ds:datastoreItem>
-</file>
-
-<file path=customXml/itemProps65.xml><?xml version="1.0" encoding="utf-8"?>
-<ds:datastoreItem xmlns:ds="http://schemas.openxmlformats.org/officeDocument/2006/customXml" ds:itemID="{0AF2E303-CE56-4B2B-B979-791AD4F8608C}">
-  <ds:schemaRefs>
-    <ds:schemaRef ds:uri="http://schemas.microsoft.com/VisualStudio/2011/storyboarding/control"/>
-  </ds:schemaRefs>
-</ds:datastoreItem>
-</file>
-
-<file path=customXml/itemProps66.xml><?xml version="1.0" encoding="utf-8"?>
-<ds:datastoreItem xmlns:ds="http://schemas.openxmlformats.org/officeDocument/2006/customXml" ds:itemID="{0CF44388-777E-4FF4-822F-AF9DCA3AD90E}">
-  <ds:schemaRefs>
-    <ds:schemaRef ds:uri="http://schemas.microsoft.com/VisualStudio/2011/storyboarding/control"/>
-  </ds:schemaRefs>
-</ds:datastoreItem>
-</file>
-
-<file path=customXml/itemProps67.xml><?xml version="1.0" encoding="utf-8"?>
-<ds:datastoreItem xmlns:ds="http://schemas.openxmlformats.org/officeDocument/2006/customXml" ds:itemID="{3C2B8D5D-9195-47A6-A6F2-31A621C53A79}">
-  <ds:schemaRefs>
-    <ds:schemaRef ds:uri="http://schemas.microsoft.com/VisualStudio/2011/storyboarding/control"/>
-  </ds:schemaRefs>
-</ds:datastoreItem>
-</file>
-
-<file path=customXml/itemProps68.xml><?xml version="1.0" encoding="utf-8"?>
-<ds:datastoreItem xmlns:ds="http://schemas.openxmlformats.org/officeDocument/2006/customXml" ds:itemID="{49F0D17F-FE24-4D57-8323-3C1AB38A2A35}">
-  <ds:schemaRefs>
-    <ds:schemaRef ds:uri="http://schemas.microsoft.com/VisualStudio/2011/storyboarding/control"/>
-  </ds:schemaRefs>
-</ds:datastoreItem>
-</file>
-
-<file path=customXml/itemProps69.xml><?xml version="1.0" encoding="utf-8"?>
-<ds:datastoreItem xmlns:ds="http://schemas.openxmlformats.org/officeDocument/2006/customXml" ds:itemID="{E7C87433-CF30-4D05-8E91-D2FBF7204A38}">
-  <ds:schemaRefs>
-    <ds:schemaRef ds:uri="http://schemas.microsoft.com/VisualStudio/2011/storyboarding/control"/>
-  </ds:schemaRefs>
-</ds:datastoreItem>
-</file>
-
-<file path=customXml/itemProps7.xml><?xml version="1.0" encoding="utf-8"?>
-<ds:datastoreItem xmlns:ds="http://schemas.openxmlformats.org/officeDocument/2006/customXml" ds:itemID="{96A56CBC-50B5-4FEF-ACE1-7A1BA50366C6}">
-  <ds:schemaRefs>
-    <ds:schemaRef ds:uri="http://schemas.microsoft.com/VisualStudio/2011/storyboarding/control"/>
-  </ds:schemaRefs>
-</ds:datastoreItem>
-</file>
-
-<file path=customXml/itemProps70.xml><?xml version="1.0" encoding="utf-8"?>
-<ds:datastoreItem xmlns:ds="http://schemas.openxmlformats.org/officeDocument/2006/customXml" ds:itemID="{28386F10-D41C-41EE-B7FA-C0461797C425}">
-  <ds:schemaRefs>
-    <ds:schemaRef ds:uri="http://schemas.microsoft.com/VisualStudio/2011/storyboarding/control"/>
-  </ds:schemaRefs>
-</ds:datastoreItem>
-</file>
-
-<file path=customXml/itemProps71.xml><?xml version="1.0" encoding="utf-8"?>
-<ds:datastoreItem xmlns:ds="http://schemas.openxmlformats.org/officeDocument/2006/customXml" ds:itemID="{2E3D6780-4752-4FF3-8A3A-A347661D06C8}">
-  <ds:schemaRefs>
-    <ds:schemaRef ds:uri="http://schemas.microsoft.com/VisualStudio/2011/storyboarding/control"/>
-  </ds:schemaRefs>
-</ds:datastoreItem>
-</file>
-
-<file path=customXml/itemProps72.xml><?xml version="1.0" encoding="utf-8"?>
-<ds:datastoreItem xmlns:ds="http://schemas.openxmlformats.org/officeDocument/2006/customXml" ds:itemID="{B125BBE0-5155-406C-878C-A42A6AEF467A}">
-  <ds:schemaRefs>
-    <ds:schemaRef ds:uri="http://schemas.microsoft.com/VisualStudio/2011/storyboarding/control"/>
-  </ds:schemaRefs>
-</ds:datastoreItem>
-</file>
-
-<file path=customXml/itemProps73.xml><?xml version="1.0" encoding="utf-8"?>
-<ds:datastoreItem xmlns:ds="http://schemas.openxmlformats.org/officeDocument/2006/customXml" ds:itemID="{24AD301E-1023-4C80-8699-5429C97E6352}">
-  <ds:schemaRefs>
-    <ds:schemaRef ds:uri="http://schemas.microsoft.com/VisualStudio/2011/storyboarding/control"/>
-  </ds:schemaRefs>
-</ds:datastoreItem>
-</file>
-
-<file path=customXml/itemProps74.xml><?xml version="1.0" encoding="utf-8"?>
-<ds:datastoreItem xmlns:ds="http://schemas.openxmlformats.org/officeDocument/2006/customXml" ds:itemID="{544F905A-BD5B-4986-B22F-50F67FEA4202}">
-  <ds:schemaRefs>
-    <ds:schemaRef ds:uri="http://schemas.microsoft.com/VisualStudio/2011/storyboarding/control"/>
-  </ds:schemaRefs>
-</ds:datastoreItem>
-</file>
-
-<file path=customXml/itemProps75.xml><?xml version="1.0" encoding="utf-8"?>
-<ds:datastoreItem xmlns:ds="http://schemas.openxmlformats.org/officeDocument/2006/customXml" ds:itemID="{13C13A7B-5B7F-4566-9428-5C339EF772DD}">
-  <ds:schemaRefs>
-    <ds:schemaRef ds:uri="http://schemas.microsoft.com/VisualStudio/2011/storyboarding/control"/>
-  </ds:schemaRefs>
-</ds:datastoreItem>
-</file>
-
-<file path=customXml/itemProps76.xml><?xml version="1.0" encoding="utf-8"?>
-<ds:datastoreItem xmlns:ds="http://schemas.openxmlformats.org/officeDocument/2006/customXml" ds:itemID="{E1B7D787-D7C5-4FEC-A490-491B7A1C9171}">
-  <ds:schemaRefs>
-    <ds:schemaRef ds:uri="http://schemas.microsoft.com/VisualStudio/2011/storyboarding/control"/>
-  </ds:schemaRefs>
-</ds:datastoreItem>
-</file>
-
-<file path=customXml/itemProps77.xml><?xml version="1.0" encoding="utf-8"?>
-<ds:datastoreItem xmlns:ds="http://schemas.openxmlformats.org/officeDocument/2006/customXml" ds:itemID="{CF3AD469-E640-4AAA-976E-A8051CED975D}">
-  <ds:schemaRefs>
-    <ds:schemaRef ds:uri="http://schemas.microsoft.com/VisualStudio/2011/storyboarding/control"/>
-  </ds:schemaRefs>
-</ds:datastoreItem>
-</file>
-
-<file path=customXml/itemProps78.xml><?xml version="1.0" encoding="utf-8"?>
-<ds:datastoreItem xmlns:ds="http://schemas.openxmlformats.org/officeDocument/2006/customXml" ds:itemID="{79AB967B-1E73-4301-AA71-89535F6BBEC7}">
-  <ds:schemaRefs>
-    <ds:schemaRef ds:uri="http://schemas.microsoft.com/VisualStudio/2011/storyboarding/control"/>
-  </ds:schemaRefs>
-</ds:datastoreItem>
-</file>
-
-<file path=customXml/itemProps79.xml><?xml version="1.0" encoding="utf-8"?>
-<ds:datastoreItem xmlns:ds="http://schemas.openxmlformats.org/officeDocument/2006/customXml" ds:itemID="{642C0E1F-AEE2-4DF4-8102-83400B2996AA}">
-  <ds:schemaRefs>
-    <ds:schemaRef ds:uri="http://schemas.microsoft.com/VisualStudio/2011/storyboarding/control"/>
-  </ds:schemaRefs>
-</ds:datastoreItem>
-</file>
-
-<file path=customXml/itemProps8.xml><?xml version="1.0" encoding="utf-8"?>
-<ds:datastoreItem xmlns:ds="http://schemas.openxmlformats.org/officeDocument/2006/customXml" ds:itemID="{324304D1-3BE3-4337-BE03-8D40EAAE29A6}">
-  <ds:schemaRefs>
-    <ds:schemaRef ds:uri="http://schemas.microsoft.com/VisualStudio/2011/storyboarding/control"/>
-  </ds:schemaRefs>
-</ds:datastoreItem>
-</file>
-
-<file path=customXml/itemProps80.xml><?xml version="1.0" encoding="utf-8"?>
-<ds:datastoreItem xmlns:ds="http://schemas.openxmlformats.org/officeDocument/2006/customXml" ds:itemID="{B4A1FDA8-1422-41EA-A693-6D48E066369F}">
-  <ds:schemaRefs>
-    <ds:schemaRef ds:uri="http://schemas.microsoft.com/VisualStudio/2011/storyboarding/control"/>
-  </ds:schemaRefs>
-</ds:datastoreItem>
-</file>
-
-<file path=customXml/itemProps81.xml><?xml version="1.0" encoding="utf-8"?>
-<ds:datastoreItem xmlns:ds="http://schemas.openxmlformats.org/officeDocument/2006/customXml" ds:itemID="{350DFDC4-1947-4718-98BB-A93AA88CD3D7}">
-  <ds:schemaRefs>
-    <ds:schemaRef ds:uri="http://schemas.microsoft.com/VisualStudio/2011/storyboarding/control"/>
-  </ds:schemaRefs>
-</ds:datastoreItem>
-</file>
-
-<file path=customXml/itemProps82.xml><?xml version="1.0" encoding="utf-8"?>
-<ds:datastoreItem xmlns:ds="http://schemas.openxmlformats.org/officeDocument/2006/customXml" ds:itemID="{214489B0-F990-4418-99B3-CDC73AA2CE3E}">
-  <ds:schemaRefs>
-    <ds:schemaRef ds:uri="http://schemas.microsoft.com/VisualStudio/2011/storyboarding/control"/>
-  </ds:schemaRefs>
-</ds:datastoreItem>
-</file>
-
-<file path=customXml/itemProps83.xml><?xml version="1.0" encoding="utf-8"?>
-<ds:datastoreItem xmlns:ds="http://schemas.openxmlformats.org/officeDocument/2006/customXml" ds:itemID="{34A768EE-BEEB-4776-9925-B50F2C7F0E5C}">
-  <ds:schemaRefs>
-    <ds:schemaRef ds:uri="http://schemas.microsoft.com/VisualStudio/2011/storyboarding/control"/>
-  </ds:schemaRefs>
-</ds:datastoreItem>
-</file>
-
-<file path=customXml/itemProps84.xml><?xml version="1.0" encoding="utf-8"?>
-<ds:datastoreItem xmlns:ds="http://schemas.openxmlformats.org/officeDocument/2006/customXml" ds:itemID="{2D81A574-8C74-4317-97E0-3F8E63D40AB6}">
-  <ds:schemaRefs>
-    <ds:schemaRef ds:uri="http://schemas.microsoft.com/VisualStudio/2011/storyboarding/control"/>
-  </ds:schemaRefs>
-</ds:datastoreItem>
-</file>
-
-<file path=customXml/itemProps85.xml><?xml version="1.0" encoding="utf-8"?>
-<ds:datastoreItem xmlns:ds="http://schemas.openxmlformats.org/officeDocument/2006/customXml" ds:itemID="{80FC50E2-EEC4-45E4-9F99-9BDF13E6EDE0}">
-  <ds:schemaRefs>
-    <ds:schemaRef ds:uri="http://schemas.microsoft.com/VisualStudio/2011/storyboarding/control"/>
-  </ds:schemaRefs>
-</ds:datastoreItem>
-</file>
-
-<file path=customXml/itemProps86.xml><?xml version="1.0" encoding="utf-8"?>
-<ds:datastoreItem xmlns:ds="http://schemas.openxmlformats.org/officeDocument/2006/customXml" ds:itemID="{18F87C98-1489-4393-B23C-1E2A14F99D7D}">
-  <ds:schemaRefs>
-    <ds:schemaRef ds:uri="http://schemas.microsoft.com/VisualStudio/2011/storyboarding/control"/>
-  </ds:schemaRefs>
-</ds:datastoreItem>
-</file>
-
-<file path=customXml/itemProps87.xml><?xml version="1.0" encoding="utf-8"?>
-<ds:datastoreItem xmlns:ds="http://schemas.openxmlformats.org/officeDocument/2006/customXml" ds:itemID="{6CE9179B-2CC6-448A-B0E0-B0F8811415BB}">
-  <ds:schemaRefs>
-    <ds:schemaRef ds:uri="http://schemas.microsoft.com/VisualStudio/2011/storyboarding/control"/>
-  </ds:schemaRefs>
-</ds:datastoreItem>
-</file>
-
-<file path=customXml/itemProps88.xml><?xml version="1.0" encoding="utf-8"?>
-<ds:datastoreItem xmlns:ds="http://schemas.openxmlformats.org/officeDocument/2006/customXml" ds:itemID="{D52E9C90-4BC5-4ABD-8C87-6DDFACD32A52}">
-  <ds:schemaRefs>
-    <ds:schemaRef ds:uri="http://schemas.microsoft.com/VisualStudio/2011/storyboarding/control"/>
-  </ds:schemaRefs>
-</ds:datastoreItem>
-</file>
-
-<file path=customXml/itemProps89.xml><?xml version="1.0" encoding="utf-8"?>
-<ds:datastoreItem xmlns:ds="http://schemas.openxmlformats.org/officeDocument/2006/customXml" ds:itemID="{E22FD229-8FE2-44F9-8474-7938C71C2F0B}">
-  <ds:schemaRefs>
-    <ds:schemaRef ds:uri="http://schemas.microsoft.com/VisualStudio/2011/storyboarding/control"/>
-  </ds:schemaRefs>
-</ds:datastoreItem>
-</file>
-
-<file path=customXml/itemProps9.xml><?xml version="1.0" encoding="utf-8"?>
-<ds:datastoreItem xmlns:ds="http://schemas.openxmlformats.org/officeDocument/2006/customXml" ds:itemID="{CC005C0F-D9EB-4054-98A8-67065841B218}">
-  <ds:schemaRefs>
-    <ds:schemaRef ds:uri="http://schemas.microsoft.com/VisualStudio/2011/storyboarding/control"/>
-  </ds:schemaRefs>
-</ds:datastoreItem>
-</file>
-
-<file path=customXml/itemProps90.xml><?xml version="1.0" encoding="utf-8"?>
-<ds:datastoreItem xmlns:ds="http://schemas.openxmlformats.org/officeDocument/2006/customXml" ds:itemID="{DA300559-D143-47A1-8BBD-3530AA5AE729}">
-  <ds:schemaRefs>
-    <ds:schemaRef ds:uri="http://schemas.microsoft.com/VisualStudio/2011/storyboarding/control"/>
-  </ds:schemaRefs>
-</ds:datastoreItem>
-</file>
-
-<file path=customXml/itemProps91.xml><?xml version="1.0" encoding="utf-8"?>
-<ds:datastoreItem xmlns:ds="http://schemas.openxmlformats.org/officeDocument/2006/customXml" ds:itemID="{12EB8A21-897D-43E5-87DB-0FEC21B7FE04}">
-  <ds:schemaRefs>
-    <ds:schemaRef ds:uri="http://schemas.microsoft.com/VisualStudio/2011/storyboarding/control"/>
-  </ds:schemaRefs>
-</ds:datastoreItem>
-</file>
-
-<file path=customXml/itemProps92.xml><?xml version="1.0" encoding="utf-8"?>
-<ds:datastoreItem xmlns:ds="http://schemas.openxmlformats.org/officeDocument/2006/customXml" ds:itemID="{DAB5D68A-8149-4DD8-A320-B9B8BF60B795}">
-  <ds:schemaRefs>
-    <ds:schemaRef ds:uri="http://schemas.microsoft.com/VisualStudio/2011/storyboarding/control"/>
-  </ds:schemaRefs>
-</ds:datastoreItem>
-</file>
-
-<file path=customXml/itemProps93.xml><?xml version="1.0" encoding="utf-8"?>
-<ds:datastoreItem xmlns:ds="http://schemas.openxmlformats.org/officeDocument/2006/customXml" ds:itemID="{7DA69A77-0FB8-4149-8131-E2DDFB346B6A}">
-  <ds:schemaRefs>
-    <ds:schemaRef ds:uri="http://schemas.microsoft.com/VisualStudio/2011/storyboarding/control"/>
-  </ds:schemaRefs>
-</ds:datastoreItem>
-</file>
-
-<file path=customXml/itemProps94.xml><?xml version="1.0" encoding="utf-8"?>
-<ds:datastoreItem xmlns:ds="http://schemas.openxmlformats.org/officeDocument/2006/customXml" ds:itemID="{69425BFC-A940-45B6-8477-76B9D0A544CC}">
-  <ds:schemaRefs>
-    <ds:schemaRef ds:uri="http://schemas.microsoft.com/VisualStudio/2011/storyboarding/control"/>
-  </ds:schemaRefs>
-</ds:datastoreItem>
-</file>
-
-<file path=customXml/itemProps95.xml><?xml version="1.0" encoding="utf-8"?>
-<ds:datastoreItem xmlns:ds="http://schemas.openxmlformats.org/officeDocument/2006/customXml" ds:itemID="{D96366AE-3B64-4F86-9C54-7B8706E7745F}">
-  <ds:schemaRefs>
-    <ds:schemaRef ds:uri="http://schemas.microsoft.com/VisualStudio/2011/storyboarding/control"/>
-  </ds:schemaRefs>
-</ds:datastoreItem>
-</file>
-
-<file path=customXml/itemProps96.xml><?xml version="1.0" encoding="utf-8"?>
-<ds:datastoreItem xmlns:ds="http://schemas.openxmlformats.org/officeDocument/2006/customXml" ds:itemID="{BA911E37-AB5B-4F3B-BB06-5949B51FA8D6}">
-  <ds:schemaRefs>
-    <ds:schemaRef ds:uri="http://schemas.microsoft.com/VisualStudio/2011/storyboarding/control"/>
-  </ds:schemaRefs>
-</ds:datastoreItem>
-</file>
-
-<file path=customXml/itemProps97.xml><?xml version="1.0" encoding="utf-8"?>
-<ds:datastoreItem xmlns:ds="http://schemas.openxmlformats.org/officeDocument/2006/customXml" ds:itemID="{04C02A17-FDFD-437D-9869-F7D8DCFBA2C4}">
-  <ds:schemaRefs>
-    <ds:schemaRef ds:uri="http://schemas.microsoft.com/VisualStudio/2011/storyboarding/control"/>
-  </ds:schemaRefs>
-</ds:datastoreItem>
-</file>
-
-<file path=customXml/itemProps98.xml><?xml version="1.0" encoding="utf-8"?>
-<ds:datastoreItem xmlns:ds="http://schemas.openxmlformats.org/officeDocument/2006/customXml" ds:itemID="{87F63681-3A46-4DA5-B169-3A4749047EAA}">
-  <ds:schemaRefs>
-    <ds:schemaRef ds:uri="http://schemas.microsoft.com/VisualStudio/2011/storyboarding/control"/>
-  </ds:schemaRefs>
-</ds:datastoreItem>
-</file>
-
-<file path=customXml/itemProps99.xml><?xml version="1.0" encoding="utf-8"?>
-<ds:datastoreItem xmlns:ds="http://schemas.openxmlformats.org/officeDocument/2006/customXml" ds:itemID="{F6D5DB70-77C0-45B3-9805-9FE6F127366B}">
-  <ds:schemaRefs>
-    <ds:schemaRef ds:uri="http://schemas.microsoft.com/VisualStudio/2011/storyboarding/control"/>
-  </ds:schemaRefs>
-</ds:datastoreItem>
 </file>